--- a/presentations/Hieber. 2019. Lexical flexibility in English.pptx
+++ b/presentations/Hieber. 2019. Lexical flexibility in English.pptx
@@ -5,12 +5,20 @@
     <p:sldMasterId id="2147483648" r:id="rId1"/>
   </p:sldMasterIdLst>
   <p:notesMasterIdLst>
-    <p:notesMasterId r:id="rId5"/>
+    <p:notesMasterId r:id="rId13"/>
   </p:notesMasterIdLst>
   <p:sldIdLst>
     <p:sldId id="256" r:id="rId2"/>
     <p:sldId id="263" r:id="rId3"/>
-    <p:sldId id="262" r:id="rId4"/>
+    <p:sldId id="264" r:id="rId4"/>
+    <p:sldId id="265" r:id="rId5"/>
+    <p:sldId id="266" r:id="rId6"/>
+    <p:sldId id="267" r:id="rId7"/>
+    <p:sldId id="272" r:id="rId8"/>
+    <p:sldId id="269" r:id="rId9"/>
+    <p:sldId id="270" r:id="rId10"/>
+    <p:sldId id="271" r:id="rId11"/>
+    <p:sldId id="262" r:id="rId12"/>
   </p:sldIdLst>
   <p:sldSz cx="12192000" cy="6858000"/>
   <p:notesSz cx="6858000" cy="9144000"/>
@@ -199,7 +207,7 @@
           <a:p>
             <a:fld id="{3B1994AF-D40F-C049-8F53-8999E12B5AB7}" type="datetimeFigureOut">
               <a:rPr lang="en-US" smtClean="0"/>
-              <a:t>10/15/2019</a:t>
+              <a:t>10/16/2019</a:t>
             </a:fld>
             <a:endParaRPr lang="en-US"/>
           </a:p>
@@ -464,6 +472,707 @@
     </a:lvl9pPr>
   </p:notesStyle>
 </p:notesMaster>
+</file>
+
+<file path=ppt/notesSlides/notesSlide1.xml><?xml version="1.0" encoding="utf-8"?>
+<p:notes xmlns:a="http://schemas.openxmlformats.org/drawingml/2006/main" xmlns:r="http://schemas.openxmlformats.org/officeDocument/2006/relationships" xmlns:p="http://schemas.openxmlformats.org/presentationml/2006/main">
+  <p:cSld>
+    <p:spTree>
+      <p:nvGrpSpPr>
+        <p:cNvPr id="1" name=""/>
+        <p:cNvGrpSpPr/>
+        <p:nvPr/>
+      </p:nvGrpSpPr>
+      <p:grpSpPr>
+        <a:xfrm>
+          <a:off x="0" y="0"/>
+          <a:ext cx="0" cy="0"/>
+          <a:chOff x="0" y="0"/>
+          <a:chExt cx="0" cy="0"/>
+        </a:xfrm>
+      </p:grpSpPr>
+      <p:sp>
+        <p:nvSpPr>
+          <p:cNvPr id="2" name="Slide Image Placeholder 1"/>
+          <p:cNvSpPr>
+            <a:spLocks noGrp="1" noRot="1" noChangeAspect="1"/>
+          </p:cNvSpPr>
+          <p:nvPr>
+            <p:ph type="sldImg"/>
+          </p:nvPr>
+        </p:nvSpPr>
+        <p:spPr/>
+      </p:sp>
+      <p:sp>
+        <p:nvSpPr>
+          <p:cNvPr id="3" name="Notes Placeholder 2"/>
+          <p:cNvSpPr>
+            <a:spLocks noGrp="1"/>
+          </p:cNvSpPr>
+          <p:nvPr>
+            <p:ph type="body" idx="1"/>
+          </p:nvPr>
+        </p:nvSpPr>
+        <p:spPr/>
+        <p:txBody>
+          <a:bodyPr/>
+          <a:lstStyle/>
+          <a:p>
+            <a:endParaRPr lang="en-US" dirty="0"/>
+          </a:p>
+        </p:txBody>
+      </p:sp>
+      <p:sp>
+        <p:nvSpPr>
+          <p:cNvPr id="4" name="Slide Number Placeholder 3"/>
+          <p:cNvSpPr>
+            <a:spLocks noGrp="1"/>
+          </p:cNvSpPr>
+          <p:nvPr>
+            <p:ph type="sldNum" sz="quarter" idx="5"/>
+          </p:nvPr>
+        </p:nvSpPr>
+        <p:spPr/>
+        <p:txBody>
+          <a:bodyPr/>
+          <a:lstStyle/>
+          <a:p>
+            <a:fld id="{3130526B-4D11-5B47-ABB8-EA6BDB0149E2}" type="slidenum">
+              <a:rPr lang="en-US" smtClean="0"/>
+              <a:t>1</a:t>
+            </a:fld>
+            <a:endParaRPr lang="en-US"/>
+          </a:p>
+        </p:txBody>
+      </p:sp>
+    </p:spTree>
+    <p:extLst>
+      <p:ext uri="{BB962C8B-B14F-4D97-AF65-F5344CB8AC3E}">
+        <p14:creationId xmlns:p14="http://schemas.microsoft.com/office/powerpoint/2010/main" val="1032522631"/>
+      </p:ext>
+    </p:extLst>
+  </p:cSld>
+  <p:clrMapOvr>
+    <a:masterClrMapping/>
+  </p:clrMapOvr>
+</p:notes>
+</file>
+
+<file path=ppt/notesSlides/notesSlide2.xml><?xml version="1.0" encoding="utf-8"?>
+<p:notes xmlns:a="http://schemas.openxmlformats.org/drawingml/2006/main" xmlns:r="http://schemas.openxmlformats.org/officeDocument/2006/relationships" xmlns:p="http://schemas.openxmlformats.org/presentationml/2006/main">
+  <p:cSld>
+    <p:spTree>
+      <p:nvGrpSpPr>
+        <p:cNvPr id="1" name=""/>
+        <p:cNvGrpSpPr/>
+        <p:nvPr/>
+      </p:nvGrpSpPr>
+      <p:grpSpPr>
+        <a:xfrm>
+          <a:off x="0" y="0"/>
+          <a:ext cx="0" cy="0"/>
+          <a:chOff x="0" y="0"/>
+          <a:chExt cx="0" cy="0"/>
+        </a:xfrm>
+      </p:grpSpPr>
+      <p:sp>
+        <p:nvSpPr>
+          <p:cNvPr id="2" name="Slide Image Placeholder 1"/>
+          <p:cNvSpPr>
+            <a:spLocks noGrp="1" noRot="1" noChangeAspect="1"/>
+          </p:cNvSpPr>
+          <p:nvPr>
+            <p:ph type="sldImg"/>
+          </p:nvPr>
+        </p:nvSpPr>
+        <p:spPr/>
+      </p:sp>
+      <p:sp>
+        <p:nvSpPr>
+          <p:cNvPr id="3" name="Notes Placeholder 2"/>
+          <p:cNvSpPr>
+            <a:spLocks noGrp="1"/>
+          </p:cNvSpPr>
+          <p:nvPr>
+            <p:ph type="body" idx="1"/>
+          </p:nvPr>
+        </p:nvSpPr>
+        <p:spPr/>
+        <p:txBody>
+          <a:bodyPr/>
+          <a:lstStyle/>
+          <a:p>
+            <a:r>
+              <a:rPr lang="en-US" dirty="0"/>
+              <a:t>[Take a poll]</a:t>
+            </a:r>
+          </a:p>
+        </p:txBody>
+      </p:sp>
+      <p:sp>
+        <p:nvSpPr>
+          <p:cNvPr id="4" name="Slide Number Placeholder 3"/>
+          <p:cNvSpPr>
+            <a:spLocks noGrp="1"/>
+          </p:cNvSpPr>
+          <p:nvPr>
+            <p:ph type="sldNum" sz="quarter" idx="5"/>
+          </p:nvPr>
+        </p:nvSpPr>
+        <p:spPr/>
+        <p:txBody>
+          <a:bodyPr/>
+          <a:lstStyle/>
+          <a:p>
+            <a:fld id="{3130526B-4D11-5B47-ABB8-EA6BDB0149E2}" type="slidenum">
+              <a:rPr lang="en-US" smtClean="0"/>
+              <a:t>2</a:t>
+            </a:fld>
+            <a:endParaRPr lang="en-US"/>
+          </a:p>
+        </p:txBody>
+      </p:sp>
+    </p:spTree>
+    <p:extLst>
+      <p:ext uri="{BB962C8B-B14F-4D97-AF65-F5344CB8AC3E}">
+        <p14:creationId xmlns:p14="http://schemas.microsoft.com/office/powerpoint/2010/main" val="2166122545"/>
+      </p:ext>
+    </p:extLst>
+  </p:cSld>
+  <p:clrMapOvr>
+    <a:masterClrMapping/>
+  </p:clrMapOvr>
+</p:notes>
+</file>
+
+<file path=ppt/notesSlides/notesSlide3.xml><?xml version="1.0" encoding="utf-8"?>
+<p:notes xmlns:a="http://schemas.openxmlformats.org/drawingml/2006/main" xmlns:r="http://schemas.openxmlformats.org/officeDocument/2006/relationships" xmlns:p="http://schemas.openxmlformats.org/presentationml/2006/main">
+  <p:cSld>
+    <p:spTree>
+      <p:nvGrpSpPr>
+        <p:cNvPr id="1" name=""/>
+        <p:cNvGrpSpPr/>
+        <p:nvPr/>
+      </p:nvGrpSpPr>
+      <p:grpSpPr>
+        <a:xfrm>
+          <a:off x="0" y="0"/>
+          <a:ext cx="0" cy="0"/>
+          <a:chOff x="0" y="0"/>
+          <a:chExt cx="0" cy="0"/>
+        </a:xfrm>
+      </p:grpSpPr>
+      <p:sp>
+        <p:nvSpPr>
+          <p:cNvPr id="2" name="Slide Image Placeholder 1"/>
+          <p:cNvSpPr>
+            <a:spLocks noGrp="1" noRot="1" noChangeAspect="1"/>
+          </p:cNvSpPr>
+          <p:nvPr>
+            <p:ph type="sldImg"/>
+          </p:nvPr>
+        </p:nvSpPr>
+        <p:spPr/>
+      </p:sp>
+      <p:sp>
+        <p:nvSpPr>
+          <p:cNvPr id="3" name="Notes Placeholder 2"/>
+          <p:cNvSpPr>
+            <a:spLocks noGrp="1"/>
+          </p:cNvSpPr>
+          <p:nvPr>
+            <p:ph type="body" idx="1"/>
+          </p:nvPr>
+        </p:nvSpPr>
+        <p:spPr/>
+        <p:txBody>
+          <a:bodyPr/>
+          <a:lstStyle/>
+          <a:p>
+            <a:r>
+              <a:rPr lang="en-US" dirty="0"/>
+              <a:t>Twitter data from W&amp;M students</a:t>
+            </a:r>
+          </a:p>
+        </p:txBody>
+      </p:sp>
+      <p:sp>
+        <p:nvSpPr>
+          <p:cNvPr id="4" name="Slide Number Placeholder 3"/>
+          <p:cNvSpPr>
+            <a:spLocks noGrp="1"/>
+          </p:cNvSpPr>
+          <p:nvPr>
+            <p:ph type="sldNum" sz="quarter" idx="5"/>
+          </p:nvPr>
+        </p:nvSpPr>
+        <p:spPr/>
+        <p:txBody>
+          <a:bodyPr/>
+          <a:lstStyle/>
+          <a:p>
+            <a:fld id="{3130526B-4D11-5B47-ABB8-EA6BDB0149E2}" type="slidenum">
+              <a:rPr lang="en-US" smtClean="0"/>
+              <a:t>3</a:t>
+            </a:fld>
+            <a:endParaRPr lang="en-US"/>
+          </a:p>
+        </p:txBody>
+      </p:sp>
+    </p:spTree>
+    <p:extLst>
+      <p:ext uri="{BB962C8B-B14F-4D97-AF65-F5344CB8AC3E}">
+        <p14:creationId xmlns:p14="http://schemas.microsoft.com/office/powerpoint/2010/main" val="1058459149"/>
+      </p:ext>
+    </p:extLst>
+  </p:cSld>
+  <p:clrMapOvr>
+    <a:masterClrMapping/>
+  </p:clrMapOvr>
+</p:notes>
+</file>
+
+<file path=ppt/notesSlides/notesSlide4.xml><?xml version="1.0" encoding="utf-8"?>
+<p:notes xmlns:a="http://schemas.openxmlformats.org/drawingml/2006/main" xmlns:r="http://schemas.openxmlformats.org/officeDocument/2006/relationships" xmlns:p="http://schemas.openxmlformats.org/presentationml/2006/main">
+  <p:cSld>
+    <p:spTree>
+      <p:nvGrpSpPr>
+        <p:cNvPr id="1" name=""/>
+        <p:cNvGrpSpPr/>
+        <p:nvPr/>
+      </p:nvGrpSpPr>
+      <p:grpSpPr>
+        <a:xfrm>
+          <a:off x="0" y="0"/>
+          <a:ext cx="0" cy="0"/>
+          <a:chOff x="0" y="0"/>
+          <a:chExt cx="0" cy="0"/>
+        </a:xfrm>
+      </p:grpSpPr>
+      <p:sp>
+        <p:nvSpPr>
+          <p:cNvPr id="2" name="Slide Image Placeholder 1"/>
+          <p:cNvSpPr>
+            <a:spLocks noGrp="1" noRot="1" noChangeAspect="1"/>
+          </p:cNvSpPr>
+          <p:nvPr>
+            <p:ph type="sldImg"/>
+          </p:nvPr>
+        </p:nvSpPr>
+        <p:spPr/>
+      </p:sp>
+      <p:sp>
+        <p:nvSpPr>
+          <p:cNvPr id="3" name="Notes Placeholder 2"/>
+          <p:cNvSpPr>
+            <a:spLocks noGrp="1"/>
+          </p:cNvSpPr>
+          <p:nvPr>
+            <p:ph type="body" idx="1"/>
+          </p:nvPr>
+        </p:nvSpPr>
+        <p:spPr/>
+        <p:txBody>
+          <a:bodyPr/>
+          <a:lstStyle/>
+          <a:p>
+            <a:r>
+              <a:rPr lang="en-US" dirty="0"/>
+              <a:t>Tempted to analyze nouns modifying nouns as compounds. Does this work?</a:t>
+            </a:r>
+          </a:p>
+        </p:txBody>
+      </p:sp>
+      <p:sp>
+        <p:nvSpPr>
+          <p:cNvPr id="4" name="Slide Number Placeholder 3"/>
+          <p:cNvSpPr>
+            <a:spLocks noGrp="1"/>
+          </p:cNvSpPr>
+          <p:nvPr>
+            <p:ph type="sldNum" sz="quarter" idx="5"/>
+          </p:nvPr>
+        </p:nvSpPr>
+        <p:spPr/>
+        <p:txBody>
+          <a:bodyPr/>
+          <a:lstStyle/>
+          <a:p>
+            <a:fld id="{3130526B-4D11-5B47-ABB8-EA6BDB0149E2}" type="slidenum">
+              <a:rPr lang="en-US" smtClean="0"/>
+              <a:t>7</a:t>
+            </a:fld>
+            <a:endParaRPr lang="en-US"/>
+          </a:p>
+        </p:txBody>
+      </p:sp>
+    </p:spTree>
+    <p:extLst>
+      <p:ext uri="{BB962C8B-B14F-4D97-AF65-F5344CB8AC3E}">
+        <p14:creationId xmlns:p14="http://schemas.microsoft.com/office/powerpoint/2010/main" val="3890079101"/>
+      </p:ext>
+    </p:extLst>
+  </p:cSld>
+  <p:clrMapOvr>
+    <a:masterClrMapping/>
+  </p:clrMapOvr>
+</p:notes>
+</file>
+
+<file path=ppt/notesSlides/notesSlide5.xml><?xml version="1.0" encoding="utf-8"?>
+<p:notes xmlns:a="http://schemas.openxmlformats.org/drawingml/2006/main" xmlns:r="http://schemas.openxmlformats.org/officeDocument/2006/relationships" xmlns:p="http://schemas.openxmlformats.org/presentationml/2006/main">
+  <p:cSld>
+    <p:spTree>
+      <p:nvGrpSpPr>
+        <p:cNvPr id="1" name=""/>
+        <p:cNvGrpSpPr/>
+        <p:nvPr/>
+      </p:nvGrpSpPr>
+      <p:grpSpPr>
+        <a:xfrm>
+          <a:off x="0" y="0"/>
+          <a:ext cx="0" cy="0"/>
+          <a:chOff x="0" y="0"/>
+          <a:chExt cx="0" cy="0"/>
+        </a:xfrm>
+      </p:grpSpPr>
+      <p:sp>
+        <p:nvSpPr>
+          <p:cNvPr id="2" name="Slide Image Placeholder 1"/>
+          <p:cNvSpPr>
+            <a:spLocks noGrp="1" noRot="1" noChangeAspect="1"/>
+          </p:cNvSpPr>
+          <p:nvPr>
+            <p:ph type="sldImg"/>
+          </p:nvPr>
+        </p:nvSpPr>
+        <p:spPr/>
+      </p:sp>
+      <p:sp>
+        <p:nvSpPr>
+          <p:cNvPr id="3" name="Notes Placeholder 2"/>
+          <p:cNvSpPr>
+            <a:spLocks noGrp="1"/>
+          </p:cNvSpPr>
+          <p:nvPr>
+            <p:ph type="body" idx="1"/>
+          </p:nvPr>
+        </p:nvSpPr>
+        <p:spPr/>
+        <p:txBody>
+          <a:bodyPr/>
+          <a:lstStyle/>
+          <a:p>
+            <a:r>
+              <a:rPr lang="en-US" dirty="0"/>
+              <a:t>In some cases, nouns modifying nouns do </a:t>
+            </a:r>
+            <a:r>
+              <a:rPr lang="en-US" i="1" dirty="0"/>
+              <a:t>become</a:t>
+            </a:r>
+            <a:r>
+              <a:rPr lang="en-US" i="0" dirty="0"/>
+              <a:t> compounds.</a:t>
+            </a:r>
+          </a:p>
+          <a:p>
+            <a:endParaRPr lang="en-US" i="0" dirty="0"/>
+          </a:p>
+          <a:p>
+            <a:r>
+              <a:rPr lang="en-US" i="0" dirty="0"/>
+              <a:t>But not in every case.</a:t>
+            </a:r>
+            <a:endParaRPr lang="en-US" dirty="0"/>
+          </a:p>
+        </p:txBody>
+      </p:sp>
+      <p:sp>
+        <p:nvSpPr>
+          <p:cNvPr id="4" name="Slide Number Placeholder 3"/>
+          <p:cNvSpPr>
+            <a:spLocks noGrp="1"/>
+          </p:cNvSpPr>
+          <p:nvPr>
+            <p:ph type="sldNum" sz="quarter" idx="5"/>
+          </p:nvPr>
+        </p:nvSpPr>
+        <p:spPr/>
+        <p:txBody>
+          <a:bodyPr/>
+          <a:lstStyle/>
+          <a:p>
+            <a:fld id="{3130526B-4D11-5B47-ABB8-EA6BDB0149E2}" type="slidenum">
+              <a:rPr lang="en-US" smtClean="0"/>
+              <a:t>8</a:t>
+            </a:fld>
+            <a:endParaRPr lang="en-US"/>
+          </a:p>
+        </p:txBody>
+      </p:sp>
+    </p:spTree>
+    <p:extLst>
+      <p:ext uri="{BB962C8B-B14F-4D97-AF65-F5344CB8AC3E}">
+        <p14:creationId xmlns:p14="http://schemas.microsoft.com/office/powerpoint/2010/main" val="1046209730"/>
+      </p:ext>
+    </p:extLst>
+  </p:cSld>
+  <p:clrMapOvr>
+    <a:masterClrMapping/>
+  </p:clrMapOvr>
+</p:notes>
+</file>
+
+<file path=ppt/notesSlides/notesSlide6.xml><?xml version="1.0" encoding="utf-8"?>
+<p:notes xmlns:a="http://schemas.openxmlformats.org/drawingml/2006/main" xmlns:r="http://schemas.openxmlformats.org/officeDocument/2006/relationships" xmlns:p="http://schemas.openxmlformats.org/presentationml/2006/main">
+  <p:cSld>
+    <p:spTree>
+      <p:nvGrpSpPr>
+        <p:cNvPr id="1" name=""/>
+        <p:cNvGrpSpPr/>
+        <p:nvPr/>
+      </p:nvGrpSpPr>
+      <p:grpSpPr>
+        <a:xfrm>
+          <a:off x="0" y="0"/>
+          <a:ext cx="0" cy="0"/>
+          <a:chOff x="0" y="0"/>
+          <a:chExt cx="0" cy="0"/>
+        </a:xfrm>
+      </p:grpSpPr>
+      <p:sp>
+        <p:nvSpPr>
+          <p:cNvPr id="2" name="Slide Image Placeholder 1"/>
+          <p:cNvSpPr>
+            <a:spLocks noGrp="1" noRot="1" noChangeAspect="1"/>
+          </p:cNvSpPr>
+          <p:nvPr>
+            <p:ph type="sldImg"/>
+          </p:nvPr>
+        </p:nvSpPr>
+        <p:spPr/>
+      </p:sp>
+      <p:sp>
+        <p:nvSpPr>
+          <p:cNvPr id="3" name="Notes Placeholder 2"/>
+          <p:cNvSpPr>
+            <a:spLocks noGrp="1"/>
+          </p:cNvSpPr>
+          <p:nvPr>
+            <p:ph type="body" idx="1"/>
+          </p:nvPr>
+        </p:nvSpPr>
+        <p:spPr/>
+        <p:txBody>
+          <a:bodyPr/>
+          <a:lstStyle/>
+          <a:p>
+            <a:r>
+              <a:rPr lang="en-US" i="1" dirty="0"/>
+              <a:t>friendzone</a:t>
+            </a:r>
+            <a:r>
+              <a:rPr lang="en-US" i="0" dirty="0"/>
+              <a:t> doesn’t (yet) appear in the Google Books corpus</a:t>
+            </a:r>
+            <a:endParaRPr lang="en-US" i="1" dirty="0"/>
+          </a:p>
+          <a:p>
+            <a:endParaRPr lang="en-US" dirty="0"/>
+          </a:p>
+          <a:p>
+            <a:r>
+              <a:rPr lang="en-US" dirty="0"/>
+              <a:t>Linguists selective about their criteria</a:t>
+            </a:r>
+          </a:p>
+          <a:p>
+            <a:endParaRPr lang="en-US" dirty="0"/>
+          </a:p>
+          <a:p>
+            <a:r>
+              <a:rPr lang="en-US" dirty="0"/>
+              <a:t>Cherry pick to accommodate:</a:t>
+            </a:r>
+          </a:p>
+          <a:p>
+            <a:pPr marL="171450" indent="-171450">
+              <a:buFontTx/>
+              <a:buChar char="-"/>
+            </a:pPr>
+            <a:r>
+              <a:rPr lang="en-US" dirty="0"/>
+              <a:t>tradition</a:t>
+            </a:r>
+          </a:p>
+          <a:p>
+            <a:pPr marL="171450" indent="-171450">
+              <a:buFontTx/>
+              <a:buChar char="-"/>
+            </a:pPr>
+            <a:r>
+              <a:rPr lang="en-US" dirty="0"/>
+              <a:t>their theoretical perspective</a:t>
+            </a:r>
+          </a:p>
+        </p:txBody>
+      </p:sp>
+      <p:sp>
+        <p:nvSpPr>
+          <p:cNvPr id="4" name="Slide Number Placeholder 3"/>
+          <p:cNvSpPr>
+            <a:spLocks noGrp="1"/>
+          </p:cNvSpPr>
+          <p:nvPr>
+            <p:ph type="sldNum" sz="quarter" idx="5"/>
+          </p:nvPr>
+        </p:nvSpPr>
+        <p:spPr/>
+        <p:txBody>
+          <a:bodyPr/>
+          <a:lstStyle/>
+          <a:p>
+            <a:fld id="{3130526B-4D11-5B47-ABB8-EA6BDB0149E2}" type="slidenum">
+              <a:rPr lang="en-US" smtClean="0"/>
+              <a:t>9</a:t>
+            </a:fld>
+            <a:endParaRPr lang="en-US"/>
+          </a:p>
+        </p:txBody>
+      </p:sp>
+    </p:spTree>
+    <p:extLst>
+      <p:ext uri="{BB962C8B-B14F-4D97-AF65-F5344CB8AC3E}">
+        <p14:creationId xmlns:p14="http://schemas.microsoft.com/office/powerpoint/2010/main" val="2255087339"/>
+      </p:ext>
+    </p:extLst>
+  </p:cSld>
+  <p:clrMapOvr>
+    <a:masterClrMapping/>
+  </p:clrMapOvr>
+</p:notes>
+</file>
+
+<file path=ppt/notesSlides/notesSlide7.xml><?xml version="1.0" encoding="utf-8"?>
+<p:notes xmlns:a="http://schemas.openxmlformats.org/drawingml/2006/main" xmlns:r="http://schemas.openxmlformats.org/officeDocument/2006/relationships" xmlns:p="http://schemas.openxmlformats.org/presentationml/2006/main">
+  <p:cSld>
+    <p:spTree>
+      <p:nvGrpSpPr>
+        <p:cNvPr id="1" name=""/>
+        <p:cNvGrpSpPr/>
+        <p:nvPr/>
+      </p:nvGrpSpPr>
+      <p:grpSpPr>
+        <a:xfrm>
+          <a:off x="0" y="0"/>
+          <a:ext cx="0" cy="0"/>
+          <a:chOff x="0" y="0"/>
+          <a:chExt cx="0" cy="0"/>
+        </a:xfrm>
+      </p:grpSpPr>
+      <p:sp>
+        <p:nvSpPr>
+          <p:cNvPr id="2" name="Slide Image Placeholder 1"/>
+          <p:cNvSpPr>
+            <a:spLocks noGrp="1" noRot="1" noChangeAspect="1"/>
+          </p:cNvSpPr>
+          <p:nvPr>
+            <p:ph type="sldImg"/>
+          </p:nvPr>
+        </p:nvSpPr>
+        <p:spPr/>
+      </p:sp>
+      <p:sp>
+        <p:nvSpPr>
+          <p:cNvPr id="3" name="Notes Placeholder 2"/>
+          <p:cNvSpPr>
+            <a:spLocks noGrp="1"/>
+          </p:cNvSpPr>
+          <p:nvPr>
+            <p:ph type="body" idx="1"/>
+          </p:nvPr>
+        </p:nvSpPr>
+        <p:spPr/>
+        <p:txBody>
+          <a:bodyPr/>
+          <a:lstStyle/>
+          <a:p>
+            <a:r>
+              <a:rPr lang="en-US" dirty="0"/>
+              <a:t>friendzone – </a:t>
+            </a:r>
+            <a:r>
+              <a:rPr lang="en-US" i="1" dirty="0"/>
+              <a:t>does</a:t>
+            </a:r>
+            <a:r>
+              <a:rPr lang="en-US" i="0" dirty="0"/>
+              <a:t> appear on Twitter; entire</a:t>
+            </a:r>
+            <a:r>
+              <a:rPr lang="en-US" dirty="0"/>
+              <a:t> phrase can become </a:t>
+            </a:r>
+            <a:r>
+              <a:rPr lang="en-US" i="1" dirty="0"/>
+              <a:t>lexicalized</a:t>
+            </a:r>
+            <a:r>
+              <a:rPr lang="en-US" i="0" dirty="0"/>
+              <a:t> (a new meaningful word in itself)</a:t>
+            </a:r>
+          </a:p>
+          <a:p>
+            <a:endParaRPr lang="en-US" i="0" dirty="0"/>
+          </a:p>
+          <a:p>
+            <a:r>
+              <a:rPr lang="en-US" i="0" dirty="0" err="1"/>
+              <a:t>healthed</a:t>
+            </a:r>
+            <a:r>
+              <a:rPr lang="en-US" i="0" dirty="0"/>
+              <a:t> – very unexpected use of this word as a verb</a:t>
+            </a:r>
+            <a:endParaRPr lang="en-US" dirty="0"/>
+          </a:p>
+        </p:txBody>
+      </p:sp>
+      <p:sp>
+        <p:nvSpPr>
+          <p:cNvPr id="4" name="Slide Number Placeholder 3"/>
+          <p:cNvSpPr>
+            <a:spLocks noGrp="1"/>
+          </p:cNvSpPr>
+          <p:nvPr>
+            <p:ph type="sldNum" sz="quarter" idx="5"/>
+          </p:nvPr>
+        </p:nvSpPr>
+        <p:spPr/>
+        <p:txBody>
+          <a:bodyPr/>
+          <a:lstStyle/>
+          <a:p>
+            <a:fld id="{3130526B-4D11-5B47-ABB8-EA6BDB0149E2}" type="slidenum">
+              <a:rPr lang="en-US" smtClean="0"/>
+              <a:t>10</a:t>
+            </a:fld>
+            <a:endParaRPr lang="en-US"/>
+          </a:p>
+        </p:txBody>
+      </p:sp>
+    </p:spTree>
+    <p:extLst>
+      <p:ext uri="{BB962C8B-B14F-4D97-AF65-F5344CB8AC3E}">
+        <p14:creationId xmlns:p14="http://schemas.microsoft.com/office/powerpoint/2010/main" val="2783039194"/>
+      </p:ext>
+    </p:extLst>
+  </p:cSld>
+  <p:clrMapOvr>
+    <a:masterClrMapping/>
+  </p:clrMapOvr>
+</p:notes>
 </file>
 
 <file path=ppt/slideLayouts/slideLayout1.xml><?xml version="1.0" encoding="utf-8"?>
@@ -5610,7 +6319,7 @@
           <a:p>
             <a:r>
               <a:rPr lang="en-US" dirty="0">
-                <a:hlinkClick r:id="rId2">
+                <a:hlinkClick r:id="rId3">
                   <a:extLst>
                     <a:ext uri="{A12FA001-AC4F-418D-AE19-62706E023703}">
                       <ahyp:hlinkClr xmlns:ahyp="http://schemas.microsoft.com/office/drawing/2018/hyperlinkcolor" val="tx"/>
@@ -5684,6 +6393,155 @@
     <p:extLst>
       <p:ext uri="{BB962C8B-B14F-4D97-AF65-F5344CB8AC3E}">
         <p14:creationId xmlns:p14="http://schemas.microsoft.com/office/powerpoint/2010/main" val="1125310141"/>
+      </p:ext>
+    </p:extLst>
+  </p:cSld>
+  <p:clrMapOvr>
+    <a:masterClrMapping/>
+  </p:clrMapOvr>
+</p:sld>
+</file>
+
+<file path=ppt/slides/slide10.xml><?xml version="1.0" encoding="utf-8"?>
+<p:sld xmlns:a="http://schemas.openxmlformats.org/drawingml/2006/main" xmlns:r="http://schemas.openxmlformats.org/officeDocument/2006/relationships" xmlns:p="http://schemas.openxmlformats.org/presentationml/2006/main">
+  <p:cSld>
+    <p:spTree>
+      <p:nvGrpSpPr>
+        <p:cNvPr id="1" name=""/>
+        <p:cNvGrpSpPr/>
+        <p:nvPr/>
+      </p:nvGrpSpPr>
+      <p:grpSpPr>
+        <a:xfrm>
+          <a:off x="0" y="0"/>
+          <a:ext cx="0" cy="0"/>
+          <a:chOff x="0" y="0"/>
+          <a:chExt cx="0" cy="0"/>
+        </a:xfrm>
+      </p:grpSpPr>
+      <p:sp>
+        <p:nvSpPr>
+          <p:cNvPr id="2" name="Title 1">
+            <a:extLst>
+              <a:ext uri="{FF2B5EF4-FFF2-40B4-BE49-F238E27FC236}">
+                <a16:creationId xmlns:a16="http://schemas.microsoft.com/office/drawing/2014/main" id="{FC05BB07-4700-4236-B52D-2BA240B132EF}"/>
+              </a:ext>
+            </a:extLst>
+          </p:cNvPr>
+          <p:cNvSpPr>
+            <a:spLocks noGrp="1"/>
+          </p:cNvSpPr>
+          <p:nvPr>
+            <p:ph type="title"/>
+          </p:nvPr>
+        </p:nvSpPr>
+        <p:spPr/>
+        <p:txBody>
+          <a:bodyPr/>
+          <a:lstStyle/>
+          <a:p>
+            <a:r>
+              <a:rPr lang="en-US" dirty="0"/>
+              <a:t>Aside</a:t>
+            </a:r>
+          </a:p>
+        </p:txBody>
+      </p:sp>
+      <p:sp>
+        <p:nvSpPr>
+          <p:cNvPr id="3" name="Content Placeholder 2">
+            <a:extLst>
+              <a:ext uri="{FF2B5EF4-FFF2-40B4-BE49-F238E27FC236}">
+                <a16:creationId xmlns:a16="http://schemas.microsoft.com/office/drawing/2014/main" id="{3BD3E8DD-D376-42BF-8DDB-D989E391BB5F}"/>
+              </a:ext>
+            </a:extLst>
+          </p:cNvPr>
+          <p:cNvSpPr>
+            <a:spLocks noGrp="1"/>
+          </p:cNvSpPr>
+          <p:nvPr>
+            <p:ph idx="1"/>
+          </p:nvPr>
+        </p:nvSpPr>
+        <p:spPr/>
+        <p:txBody>
+          <a:bodyPr/>
+          <a:lstStyle/>
+          <a:p>
+            <a:r>
+              <a:rPr lang="en-US" i="1" dirty="0"/>
+              <a:t>the truth is they </a:t>
+            </a:r>
+            <a:r>
+              <a:rPr lang="en-US" b="1" i="1" dirty="0">
+                <a:solidFill>
+                  <a:srgbClr val="FF0000"/>
+                </a:solidFill>
+              </a:rPr>
+              <a:t>friendzone</a:t>
+            </a:r>
+            <a:r>
+              <a:rPr lang="en-US" i="1" dirty="0"/>
+              <a:t> everyone who tries to be with them</a:t>
+            </a:r>
+          </a:p>
+          <a:p>
+            <a:endParaRPr lang="en-US" i="1" dirty="0"/>
+          </a:p>
+          <a:p>
+            <a:r>
+              <a:rPr lang="en-US" i="1" dirty="0"/>
+              <a:t>just ate two slices of veggie pizza for lunch so basically I'm all </a:t>
+            </a:r>
+            <a:r>
+              <a:rPr lang="en-US" b="1" i="1" dirty="0" err="1">
+                <a:solidFill>
+                  <a:srgbClr val="FF0000"/>
+                </a:solidFill>
+              </a:rPr>
+              <a:t>healthed</a:t>
+            </a:r>
+            <a:r>
+              <a:rPr lang="en-US" i="1" dirty="0"/>
+              <a:t> up for at least a month</a:t>
+            </a:r>
+          </a:p>
+        </p:txBody>
+      </p:sp>
+    </p:spTree>
+    <p:extLst>
+      <p:ext uri="{BB962C8B-B14F-4D97-AF65-F5344CB8AC3E}">
+        <p14:creationId xmlns:p14="http://schemas.microsoft.com/office/powerpoint/2010/main" val="1241556618"/>
+      </p:ext>
+    </p:extLst>
+  </p:cSld>
+  <p:clrMapOvr>
+    <a:masterClrMapping/>
+  </p:clrMapOvr>
+</p:sld>
+</file>
+
+<file path=ppt/slides/slide11.xml><?xml version="1.0" encoding="utf-8"?>
+<p:sld xmlns:a="http://schemas.openxmlformats.org/drawingml/2006/main" xmlns:r="http://schemas.openxmlformats.org/officeDocument/2006/relationships" xmlns:p="http://schemas.openxmlformats.org/presentationml/2006/main">
+  <p:cSld>
+    <p:spTree>
+      <p:nvGrpSpPr>
+        <p:cNvPr id="1" name=""/>
+        <p:cNvGrpSpPr/>
+        <p:nvPr/>
+      </p:nvGrpSpPr>
+      <p:grpSpPr>
+        <a:xfrm>
+          <a:off x="0" y="0"/>
+          <a:ext cx="0" cy="0"/>
+          <a:chOff x="0" y="0"/>
+          <a:chExt cx="0" cy="0"/>
+        </a:xfrm>
+      </p:grpSpPr>
+    </p:spTree>
+    <p:extLst>
+      <p:ext uri="{BB962C8B-B14F-4D97-AF65-F5344CB8AC3E}">
+        <p14:creationId xmlns:p14="http://schemas.microsoft.com/office/powerpoint/2010/main" val="1884813883"/>
       </p:ext>
     </p:extLst>
   </p:cSld>
@@ -5731,7 +6589,18 @@
           <a:bodyPr/>
           <a:lstStyle/>
           <a:p>
-            <a:endParaRPr lang="en-US"/>
+            <a:r>
+              <a:rPr lang="en-US" dirty="0"/>
+              <a:t>What part of speech is </a:t>
+            </a:r>
+            <a:r>
+              <a:rPr lang="en-US" i="1" dirty="0"/>
+              <a:t>friend</a:t>
+            </a:r>
+            <a:r>
+              <a:rPr lang="en-US" dirty="0"/>
+              <a:t>?</a:t>
+            </a:r>
           </a:p>
         </p:txBody>
       </p:sp>
@@ -5756,7 +6625,28 @@
           <a:bodyPr/>
           <a:lstStyle/>
           <a:p>
-            <a:endParaRPr lang="en-US"/>
+            <a:r>
+              <a:rPr lang="en-US" dirty="0"/>
+              <a:t>Noun</a:t>
+            </a:r>
+          </a:p>
+          <a:p>
+            <a:endParaRPr lang="en-US" dirty="0"/>
+          </a:p>
+          <a:p>
+            <a:r>
+              <a:rPr lang="en-US" dirty="0"/>
+              <a:t>Verb</a:t>
+            </a:r>
+          </a:p>
+          <a:p>
+            <a:endParaRPr lang="en-US" dirty="0"/>
+          </a:p>
+          <a:p>
+            <a:r>
+              <a:rPr lang="en-US" dirty="0"/>
+              <a:t>Adjective</a:t>
+            </a:r>
           </a:p>
         </p:txBody>
       </p:sp>
@@ -5790,10 +6680,1644 @@
           <a:chExt cx="0" cy="0"/>
         </a:xfrm>
       </p:grpSpPr>
+      <p:sp>
+        <p:nvSpPr>
+          <p:cNvPr id="2" name="Title 1">
+            <a:extLst>
+              <a:ext uri="{FF2B5EF4-FFF2-40B4-BE49-F238E27FC236}">
+                <a16:creationId xmlns:a16="http://schemas.microsoft.com/office/drawing/2014/main" id="{9B92F138-435D-46E0-8D60-39B6562B43BC}"/>
+              </a:ext>
+            </a:extLst>
+          </p:cNvPr>
+          <p:cNvSpPr>
+            <a:spLocks noGrp="1"/>
+          </p:cNvSpPr>
+          <p:nvPr>
+            <p:ph type="title"/>
+          </p:nvPr>
+        </p:nvSpPr>
+        <p:spPr/>
+        <p:txBody>
+          <a:bodyPr/>
+          <a:lstStyle/>
+          <a:p>
+            <a:r>
+              <a:rPr lang="en-US" i="1" dirty="0"/>
+              <a:t>friend</a:t>
+            </a:r>
+            <a:r>
+              <a:rPr lang="en-US" dirty="0"/>
+              <a:t> as Noun</a:t>
+            </a:r>
+            <a:endParaRPr lang="en-US" i="1" dirty="0"/>
+          </a:p>
+        </p:txBody>
+      </p:sp>
+      <p:sp>
+        <p:nvSpPr>
+          <p:cNvPr id="3" name="Content Placeholder 2">
+            <a:extLst>
+              <a:ext uri="{FF2B5EF4-FFF2-40B4-BE49-F238E27FC236}">
+                <a16:creationId xmlns:a16="http://schemas.microsoft.com/office/drawing/2014/main" id="{B399874F-0224-49A2-BF34-980859A8BE0A}"/>
+              </a:ext>
+            </a:extLst>
+          </p:cNvPr>
+          <p:cNvSpPr>
+            <a:spLocks noGrp="1"/>
+          </p:cNvSpPr>
+          <p:nvPr>
+            <p:ph idx="1"/>
+          </p:nvPr>
+        </p:nvSpPr>
+        <p:spPr/>
+        <p:txBody>
+          <a:bodyPr/>
+          <a:lstStyle/>
+          <a:p>
+            <a:r>
+              <a:rPr lang="en-US" i="1" dirty="0"/>
+              <a:t>I got a spooky box from my best </a:t>
+            </a:r>
+            <a:r>
+              <a:rPr lang="en-US" b="1" i="1" dirty="0">
+                <a:solidFill>
+                  <a:srgbClr val="FF0000"/>
+                </a:solidFill>
+              </a:rPr>
+              <a:t>friends</a:t>
+            </a:r>
+            <a:r>
+              <a:rPr lang="en-US" i="1" dirty="0"/>
+              <a:t>.</a:t>
+            </a:r>
+          </a:p>
+          <a:p>
+            <a:endParaRPr lang="en-US" dirty="0"/>
+          </a:p>
+          <a:p>
+            <a:r>
+              <a:rPr lang="en-US" i="1" dirty="0"/>
+              <a:t>Secrets don't make </a:t>
+            </a:r>
+            <a:r>
+              <a:rPr lang="en-US" b="1" i="1" dirty="0">
+                <a:solidFill>
+                  <a:srgbClr val="FF0000"/>
+                </a:solidFill>
+              </a:rPr>
+              <a:t>friends</a:t>
+            </a:r>
+            <a:r>
+              <a:rPr lang="en-US" i="1" dirty="0"/>
+              <a:t>, Luke.</a:t>
+            </a:r>
+            <a:endParaRPr lang="en-US" dirty="0"/>
+          </a:p>
+          <a:p>
+            <a:endParaRPr lang="en-US" dirty="0"/>
+          </a:p>
+          <a:p>
+            <a:r>
+              <a:rPr lang="en-US" i="1" dirty="0"/>
+              <a:t>Just think I saw an old college </a:t>
+            </a:r>
+            <a:r>
+              <a:rPr lang="en-US" b="1" i="1" dirty="0">
+                <a:solidFill>
+                  <a:srgbClr val="FF0000"/>
+                </a:solidFill>
+              </a:rPr>
+              <a:t>friend</a:t>
+            </a:r>
+            <a:r>
+              <a:rPr lang="en-US" i="1" dirty="0"/>
+              <a:t> on TV meeting Hilary Clinton.</a:t>
+            </a:r>
+          </a:p>
+        </p:txBody>
+      </p:sp>
     </p:spTree>
     <p:extLst>
       <p:ext uri="{BB962C8B-B14F-4D97-AF65-F5344CB8AC3E}">
-        <p14:creationId xmlns:p14="http://schemas.microsoft.com/office/powerpoint/2010/main" val="1884813883"/>
+        <p14:creationId xmlns:p14="http://schemas.microsoft.com/office/powerpoint/2010/main" val="660224917"/>
+      </p:ext>
+    </p:extLst>
+  </p:cSld>
+  <p:clrMapOvr>
+    <a:masterClrMapping/>
+  </p:clrMapOvr>
+  <p:timing>
+    <p:tnLst>
+      <p:par>
+        <p:cTn id="1" dur="indefinite" restart="never" nodeType="tmRoot">
+          <p:childTnLst>
+            <p:seq concurrent="1" nextAc="seek">
+              <p:cTn id="2" dur="indefinite" nodeType="mainSeq">
+                <p:childTnLst>
+                  <p:par>
+                    <p:cTn id="3" fill="hold">
+                      <p:stCondLst>
+                        <p:cond delay="indefinite"/>
+                        <p:cond evt="onBegin" delay="0">
+                          <p:tn val="2"/>
+                        </p:cond>
+                      </p:stCondLst>
+                      <p:childTnLst>
+                        <p:par>
+                          <p:cTn id="4" fill="hold">
+                            <p:stCondLst>
+                              <p:cond delay="0"/>
+                            </p:stCondLst>
+                            <p:childTnLst>
+                              <p:par>
+                                <p:cTn id="5" presetID="1" presetClass="entr" presetSubtype="0" fill="hold" grpId="0" nodeType="withEffect">
+                                  <p:stCondLst>
+                                    <p:cond delay="0"/>
+                                  </p:stCondLst>
+                                  <p:childTnLst>
+                                    <p:set>
+                                      <p:cBhvr>
+                                        <p:cTn id="6" dur="1" fill="hold">
+                                          <p:stCondLst>
+                                            <p:cond delay="0"/>
+                                          </p:stCondLst>
+                                        </p:cTn>
+                                        <p:tgtEl>
+                                          <p:spTgt spid="3">
+                                            <p:txEl>
+                                              <p:pRg st="0" end="0"/>
+                                            </p:txEl>
+                                          </p:spTgt>
+                                        </p:tgtEl>
+                                        <p:attrNameLst>
+                                          <p:attrName>style.visibility</p:attrName>
+                                        </p:attrNameLst>
+                                      </p:cBhvr>
+                                      <p:to>
+                                        <p:strVal val="visible"/>
+                                      </p:to>
+                                    </p:set>
+                                  </p:childTnLst>
+                                </p:cTn>
+                              </p:par>
+                            </p:childTnLst>
+                          </p:cTn>
+                        </p:par>
+                      </p:childTnLst>
+                    </p:cTn>
+                  </p:par>
+                  <p:par>
+                    <p:cTn id="7" fill="hold">
+                      <p:stCondLst>
+                        <p:cond delay="indefinite"/>
+                      </p:stCondLst>
+                      <p:childTnLst>
+                        <p:par>
+                          <p:cTn id="8" fill="hold">
+                            <p:stCondLst>
+                              <p:cond delay="0"/>
+                            </p:stCondLst>
+                            <p:childTnLst>
+                              <p:par>
+                                <p:cTn id="9" presetID="1" presetClass="entr" presetSubtype="0" fill="hold" grpId="0" nodeType="clickEffect">
+                                  <p:stCondLst>
+                                    <p:cond delay="0"/>
+                                  </p:stCondLst>
+                                  <p:childTnLst>
+                                    <p:set>
+                                      <p:cBhvr>
+                                        <p:cTn id="10" dur="1" fill="hold">
+                                          <p:stCondLst>
+                                            <p:cond delay="0"/>
+                                          </p:stCondLst>
+                                        </p:cTn>
+                                        <p:tgtEl>
+                                          <p:spTgt spid="3">
+                                            <p:txEl>
+                                              <p:pRg st="2" end="2"/>
+                                            </p:txEl>
+                                          </p:spTgt>
+                                        </p:tgtEl>
+                                        <p:attrNameLst>
+                                          <p:attrName>style.visibility</p:attrName>
+                                        </p:attrNameLst>
+                                      </p:cBhvr>
+                                      <p:to>
+                                        <p:strVal val="visible"/>
+                                      </p:to>
+                                    </p:set>
+                                  </p:childTnLst>
+                                </p:cTn>
+                              </p:par>
+                            </p:childTnLst>
+                          </p:cTn>
+                        </p:par>
+                      </p:childTnLst>
+                    </p:cTn>
+                  </p:par>
+                  <p:par>
+                    <p:cTn id="11" fill="hold">
+                      <p:stCondLst>
+                        <p:cond delay="indefinite"/>
+                      </p:stCondLst>
+                      <p:childTnLst>
+                        <p:par>
+                          <p:cTn id="12" fill="hold">
+                            <p:stCondLst>
+                              <p:cond delay="0"/>
+                            </p:stCondLst>
+                            <p:childTnLst>
+                              <p:par>
+                                <p:cTn id="13" presetID="1" presetClass="entr" presetSubtype="0" fill="hold" grpId="0" nodeType="clickEffect">
+                                  <p:stCondLst>
+                                    <p:cond delay="0"/>
+                                  </p:stCondLst>
+                                  <p:childTnLst>
+                                    <p:set>
+                                      <p:cBhvr>
+                                        <p:cTn id="14" dur="1" fill="hold">
+                                          <p:stCondLst>
+                                            <p:cond delay="0"/>
+                                          </p:stCondLst>
+                                        </p:cTn>
+                                        <p:tgtEl>
+                                          <p:spTgt spid="3">
+                                            <p:txEl>
+                                              <p:pRg st="4" end="4"/>
+                                            </p:txEl>
+                                          </p:spTgt>
+                                        </p:tgtEl>
+                                        <p:attrNameLst>
+                                          <p:attrName>style.visibility</p:attrName>
+                                        </p:attrNameLst>
+                                      </p:cBhvr>
+                                      <p:to>
+                                        <p:strVal val="visible"/>
+                                      </p:to>
+                                    </p:set>
+                                  </p:childTnLst>
+                                </p:cTn>
+                              </p:par>
+                            </p:childTnLst>
+                          </p:cTn>
+                        </p:par>
+                      </p:childTnLst>
+                    </p:cTn>
+                  </p:par>
+                </p:childTnLst>
+              </p:cTn>
+              <p:prevCondLst>
+                <p:cond evt="onPrev" delay="0">
+                  <p:tgtEl>
+                    <p:sldTgt/>
+                  </p:tgtEl>
+                </p:cond>
+              </p:prevCondLst>
+              <p:nextCondLst>
+                <p:cond evt="onNext" delay="0">
+                  <p:tgtEl>
+                    <p:sldTgt/>
+                  </p:tgtEl>
+                </p:cond>
+              </p:nextCondLst>
+            </p:seq>
+          </p:childTnLst>
+        </p:cTn>
+      </p:par>
+    </p:tnLst>
+    <p:bldLst>
+      <p:bldP spid="3" grpId="0" uiExpand="1" build="p"/>
+    </p:bldLst>
+  </p:timing>
+</p:sld>
+</file>
+
+<file path=ppt/slides/slide4.xml><?xml version="1.0" encoding="utf-8"?>
+<p:sld xmlns:a="http://schemas.openxmlformats.org/drawingml/2006/main" xmlns:r="http://schemas.openxmlformats.org/officeDocument/2006/relationships" xmlns:p="http://schemas.openxmlformats.org/presentationml/2006/main">
+  <p:cSld>
+    <p:spTree>
+      <p:nvGrpSpPr>
+        <p:cNvPr id="1" name=""/>
+        <p:cNvGrpSpPr/>
+        <p:nvPr/>
+      </p:nvGrpSpPr>
+      <p:grpSpPr>
+        <a:xfrm>
+          <a:off x="0" y="0"/>
+          <a:ext cx="0" cy="0"/>
+          <a:chOff x="0" y="0"/>
+          <a:chExt cx="0" cy="0"/>
+        </a:xfrm>
+      </p:grpSpPr>
+      <p:sp>
+        <p:nvSpPr>
+          <p:cNvPr id="2" name="Title 1">
+            <a:extLst>
+              <a:ext uri="{FF2B5EF4-FFF2-40B4-BE49-F238E27FC236}">
+                <a16:creationId xmlns:a16="http://schemas.microsoft.com/office/drawing/2014/main" id="{F2FD542A-9F2E-4C61-A6AC-09793121C509}"/>
+              </a:ext>
+            </a:extLst>
+          </p:cNvPr>
+          <p:cNvSpPr>
+            <a:spLocks noGrp="1"/>
+          </p:cNvSpPr>
+          <p:nvPr>
+            <p:ph type="title"/>
+          </p:nvPr>
+        </p:nvSpPr>
+        <p:spPr/>
+        <p:txBody>
+          <a:bodyPr/>
+          <a:lstStyle/>
+          <a:p>
+            <a:r>
+              <a:rPr lang="en-US" i="1" dirty="0"/>
+              <a:t>friend</a:t>
+            </a:r>
+            <a:r>
+              <a:rPr lang="en-US" dirty="0"/>
+              <a:t> as Verb</a:t>
+            </a:r>
+            <a:endParaRPr lang="en-US" i="1" dirty="0"/>
+          </a:p>
+        </p:txBody>
+      </p:sp>
+      <p:sp>
+        <p:nvSpPr>
+          <p:cNvPr id="3" name="Content Placeholder 2">
+            <a:extLst>
+              <a:ext uri="{FF2B5EF4-FFF2-40B4-BE49-F238E27FC236}">
+                <a16:creationId xmlns:a16="http://schemas.microsoft.com/office/drawing/2014/main" id="{30DD6C06-A205-4EBC-85DC-D7C907871285}"/>
+              </a:ext>
+            </a:extLst>
+          </p:cNvPr>
+          <p:cNvSpPr>
+            <a:spLocks noGrp="1"/>
+          </p:cNvSpPr>
+          <p:nvPr>
+            <p:ph idx="1"/>
+          </p:nvPr>
+        </p:nvSpPr>
+        <p:spPr/>
+        <p:txBody>
+          <a:bodyPr/>
+          <a:lstStyle/>
+          <a:p>
+            <a:r>
+              <a:rPr lang="en-US" i="1" dirty="0"/>
+              <a:t>What's your user? I would love to </a:t>
+            </a:r>
+            <a:r>
+              <a:rPr lang="en-US" b="1" i="1" dirty="0">
+                <a:solidFill>
+                  <a:srgbClr val="FF0000"/>
+                </a:solidFill>
+              </a:rPr>
+              <a:t>friend</a:t>
+            </a:r>
+            <a:r>
+              <a:rPr lang="en-US" i="1" dirty="0"/>
+              <a:t> you and look at it when finished!</a:t>
+            </a:r>
+            <a:endParaRPr lang="en-US" dirty="0"/>
+          </a:p>
+          <a:p>
+            <a:endParaRPr lang="en-US" dirty="0"/>
+          </a:p>
+          <a:p>
+            <a:r>
+              <a:rPr lang="en-US" i="1" dirty="0"/>
+              <a:t>If we don't have mutual friends we can't get </a:t>
+            </a:r>
+            <a:r>
+              <a:rPr lang="en-US" b="1" i="1" dirty="0">
+                <a:solidFill>
+                  <a:srgbClr val="FF0000"/>
+                </a:solidFill>
+              </a:rPr>
+              <a:t>friended</a:t>
+            </a:r>
+            <a:r>
+              <a:rPr lang="en-US" i="1" dirty="0"/>
+              <a:t>.</a:t>
+            </a:r>
+          </a:p>
+          <a:p>
+            <a:endParaRPr lang="en-US" i="1" dirty="0"/>
+          </a:p>
+          <a:p>
+            <a:r>
+              <a:rPr lang="en-US" i="1" dirty="0"/>
+              <a:t>I accidentally downloaded Facebook and created a profile and </a:t>
+            </a:r>
+            <a:r>
+              <a:rPr lang="en-US" b="1" i="1" dirty="0">
+                <a:solidFill>
+                  <a:srgbClr val="FF0000"/>
+                </a:solidFill>
+              </a:rPr>
+              <a:t>friended</a:t>
+            </a:r>
+            <a:r>
+              <a:rPr lang="en-US" i="1" dirty="0"/>
+              <a:t> a bunch of people.</a:t>
+            </a:r>
+          </a:p>
+        </p:txBody>
+      </p:sp>
+    </p:spTree>
+    <p:extLst>
+      <p:ext uri="{BB962C8B-B14F-4D97-AF65-F5344CB8AC3E}">
+        <p14:creationId xmlns:p14="http://schemas.microsoft.com/office/powerpoint/2010/main" val="984960431"/>
+      </p:ext>
+    </p:extLst>
+  </p:cSld>
+  <p:clrMapOvr>
+    <a:masterClrMapping/>
+  </p:clrMapOvr>
+  <p:timing>
+    <p:tnLst>
+      <p:par>
+        <p:cTn id="1" dur="indefinite" restart="never" nodeType="tmRoot">
+          <p:childTnLst>
+            <p:seq concurrent="1" nextAc="seek">
+              <p:cTn id="2" dur="indefinite" nodeType="mainSeq">
+                <p:childTnLst>
+                  <p:par>
+                    <p:cTn id="3" fill="hold">
+                      <p:stCondLst>
+                        <p:cond delay="indefinite"/>
+                        <p:cond evt="onBegin" delay="0">
+                          <p:tn val="2"/>
+                        </p:cond>
+                      </p:stCondLst>
+                      <p:childTnLst>
+                        <p:par>
+                          <p:cTn id="4" fill="hold">
+                            <p:stCondLst>
+                              <p:cond delay="0"/>
+                            </p:stCondLst>
+                            <p:childTnLst>
+                              <p:par>
+                                <p:cTn id="5" presetID="1" presetClass="entr" presetSubtype="0" fill="hold" grpId="0" nodeType="withEffect">
+                                  <p:stCondLst>
+                                    <p:cond delay="0"/>
+                                  </p:stCondLst>
+                                  <p:childTnLst>
+                                    <p:set>
+                                      <p:cBhvr>
+                                        <p:cTn id="6" dur="1" fill="hold">
+                                          <p:stCondLst>
+                                            <p:cond delay="0"/>
+                                          </p:stCondLst>
+                                        </p:cTn>
+                                        <p:tgtEl>
+                                          <p:spTgt spid="3">
+                                            <p:txEl>
+                                              <p:pRg st="0" end="0"/>
+                                            </p:txEl>
+                                          </p:spTgt>
+                                        </p:tgtEl>
+                                        <p:attrNameLst>
+                                          <p:attrName>style.visibility</p:attrName>
+                                        </p:attrNameLst>
+                                      </p:cBhvr>
+                                      <p:to>
+                                        <p:strVal val="visible"/>
+                                      </p:to>
+                                    </p:set>
+                                  </p:childTnLst>
+                                </p:cTn>
+                              </p:par>
+                            </p:childTnLst>
+                          </p:cTn>
+                        </p:par>
+                      </p:childTnLst>
+                    </p:cTn>
+                  </p:par>
+                  <p:par>
+                    <p:cTn id="7" fill="hold">
+                      <p:stCondLst>
+                        <p:cond delay="indefinite"/>
+                      </p:stCondLst>
+                      <p:childTnLst>
+                        <p:par>
+                          <p:cTn id="8" fill="hold">
+                            <p:stCondLst>
+                              <p:cond delay="0"/>
+                            </p:stCondLst>
+                            <p:childTnLst>
+                              <p:par>
+                                <p:cTn id="9" presetID="1" presetClass="entr" presetSubtype="0" fill="hold" grpId="0" nodeType="clickEffect">
+                                  <p:stCondLst>
+                                    <p:cond delay="0"/>
+                                  </p:stCondLst>
+                                  <p:childTnLst>
+                                    <p:set>
+                                      <p:cBhvr>
+                                        <p:cTn id="10" dur="1" fill="hold">
+                                          <p:stCondLst>
+                                            <p:cond delay="0"/>
+                                          </p:stCondLst>
+                                        </p:cTn>
+                                        <p:tgtEl>
+                                          <p:spTgt spid="3">
+                                            <p:txEl>
+                                              <p:pRg st="2" end="2"/>
+                                            </p:txEl>
+                                          </p:spTgt>
+                                        </p:tgtEl>
+                                        <p:attrNameLst>
+                                          <p:attrName>style.visibility</p:attrName>
+                                        </p:attrNameLst>
+                                      </p:cBhvr>
+                                      <p:to>
+                                        <p:strVal val="visible"/>
+                                      </p:to>
+                                    </p:set>
+                                  </p:childTnLst>
+                                </p:cTn>
+                              </p:par>
+                            </p:childTnLst>
+                          </p:cTn>
+                        </p:par>
+                      </p:childTnLst>
+                    </p:cTn>
+                  </p:par>
+                  <p:par>
+                    <p:cTn id="11" fill="hold">
+                      <p:stCondLst>
+                        <p:cond delay="indefinite"/>
+                      </p:stCondLst>
+                      <p:childTnLst>
+                        <p:par>
+                          <p:cTn id="12" fill="hold">
+                            <p:stCondLst>
+                              <p:cond delay="0"/>
+                            </p:stCondLst>
+                            <p:childTnLst>
+                              <p:par>
+                                <p:cTn id="13" presetID="1" presetClass="entr" presetSubtype="0" fill="hold" grpId="0" nodeType="clickEffect">
+                                  <p:stCondLst>
+                                    <p:cond delay="0"/>
+                                  </p:stCondLst>
+                                  <p:childTnLst>
+                                    <p:set>
+                                      <p:cBhvr>
+                                        <p:cTn id="14" dur="1" fill="hold">
+                                          <p:stCondLst>
+                                            <p:cond delay="0"/>
+                                          </p:stCondLst>
+                                        </p:cTn>
+                                        <p:tgtEl>
+                                          <p:spTgt spid="3">
+                                            <p:txEl>
+                                              <p:pRg st="4" end="4"/>
+                                            </p:txEl>
+                                          </p:spTgt>
+                                        </p:tgtEl>
+                                        <p:attrNameLst>
+                                          <p:attrName>style.visibility</p:attrName>
+                                        </p:attrNameLst>
+                                      </p:cBhvr>
+                                      <p:to>
+                                        <p:strVal val="visible"/>
+                                      </p:to>
+                                    </p:set>
+                                  </p:childTnLst>
+                                </p:cTn>
+                              </p:par>
+                            </p:childTnLst>
+                          </p:cTn>
+                        </p:par>
+                      </p:childTnLst>
+                    </p:cTn>
+                  </p:par>
+                </p:childTnLst>
+              </p:cTn>
+              <p:prevCondLst>
+                <p:cond evt="onPrev" delay="0">
+                  <p:tgtEl>
+                    <p:sldTgt/>
+                  </p:tgtEl>
+                </p:cond>
+              </p:prevCondLst>
+              <p:nextCondLst>
+                <p:cond evt="onNext" delay="0">
+                  <p:tgtEl>
+                    <p:sldTgt/>
+                  </p:tgtEl>
+                </p:cond>
+              </p:nextCondLst>
+            </p:seq>
+          </p:childTnLst>
+        </p:cTn>
+      </p:par>
+    </p:tnLst>
+    <p:bldLst>
+      <p:bldP spid="3" grpId="0" uiExpand="1" build="p"/>
+    </p:bldLst>
+  </p:timing>
+</p:sld>
+</file>
+
+<file path=ppt/slides/slide5.xml><?xml version="1.0" encoding="utf-8"?>
+<p:sld xmlns:a="http://schemas.openxmlformats.org/drawingml/2006/main" xmlns:r="http://schemas.openxmlformats.org/officeDocument/2006/relationships" xmlns:p="http://schemas.openxmlformats.org/presentationml/2006/main">
+  <p:cSld>
+    <p:spTree>
+      <p:nvGrpSpPr>
+        <p:cNvPr id="1" name=""/>
+        <p:cNvGrpSpPr/>
+        <p:nvPr/>
+      </p:nvGrpSpPr>
+      <p:grpSpPr>
+        <a:xfrm>
+          <a:off x="0" y="0"/>
+          <a:ext cx="0" cy="0"/>
+          <a:chOff x="0" y="0"/>
+          <a:chExt cx="0" cy="0"/>
+        </a:xfrm>
+      </p:grpSpPr>
+      <p:sp>
+        <p:nvSpPr>
+          <p:cNvPr id="2" name="Title 1">
+            <a:extLst>
+              <a:ext uri="{FF2B5EF4-FFF2-40B4-BE49-F238E27FC236}">
+                <a16:creationId xmlns:a16="http://schemas.microsoft.com/office/drawing/2014/main" id="{2B36E4AA-D94C-40A0-A1D1-7FC14312B19F}"/>
+              </a:ext>
+            </a:extLst>
+          </p:cNvPr>
+          <p:cNvSpPr>
+            <a:spLocks noGrp="1"/>
+          </p:cNvSpPr>
+          <p:nvPr>
+            <p:ph type="title"/>
+          </p:nvPr>
+        </p:nvSpPr>
+        <p:spPr/>
+        <p:txBody>
+          <a:bodyPr/>
+          <a:lstStyle/>
+          <a:p>
+            <a:r>
+              <a:rPr lang="en-US" i="1" dirty="0"/>
+              <a:t>friend</a:t>
+            </a:r>
+            <a:r>
+              <a:rPr lang="en-US" dirty="0"/>
+              <a:t> as Adjective</a:t>
+            </a:r>
+            <a:endParaRPr lang="en-US" i="1" dirty="0"/>
+          </a:p>
+        </p:txBody>
+      </p:sp>
+      <p:sp>
+        <p:nvSpPr>
+          <p:cNvPr id="3" name="Content Placeholder 2">
+            <a:extLst>
+              <a:ext uri="{FF2B5EF4-FFF2-40B4-BE49-F238E27FC236}">
+                <a16:creationId xmlns:a16="http://schemas.microsoft.com/office/drawing/2014/main" id="{F37F7D3B-29C4-4ACD-9B5F-A08A02E2A9BE}"/>
+              </a:ext>
+            </a:extLst>
+          </p:cNvPr>
+          <p:cNvSpPr>
+            <a:spLocks noGrp="1"/>
+          </p:cNvSpPr>
+          <p:nvPr>
+            <p:ph idx="1"/>
+          </p:nvPr>
+        </p:nvSpPr>
+        <p:spPr/>
+        <p:txBody>
+          <a:bodyPr/>
+          <a:lstStyle/>
+          <a:p>
+            <a:r>
+              <a:rPr lang="en-US" i="1" dirty="0"/>
+              <a:t>the guy became the national symbol of </a:t>
+            </a:r>
+            <a:r>
+              <a:rPr lang="en-US" b="1" i="1" u="sng" dirty="0">
+                <a:solidFill>
+                  <a:srgbClr val="FF0000"/>
+                </a:solidFill>
+              </a:rPr>
+              <a:t>friend</a:t>
+            </a:r>
+            <a:r>
+              <a:rPr lang="en-US" i="1" u="sng" dirty="0"/>
+              <a:t> zone</a:t>
+            </a:r>
+            <a:r>
+              <a:rPr lang="en-US" i="1" dirty="0"/>
+              <a:t> in just a day</a:t>
+            </a:r>
+            <a:endParaRPr lang="en-US" dirty="0"/>
+          </a:p>
+          <a:p>
+            <a:endParaRPr lang="en-US" dirty="0"/>
+          </a:p>
+          <a:p>
+            <a:r>
+              <a:rPr lang="en-US" i="1" dirty="0"/>
+              <a:t>Facebook just put me in the damn </a:t>
+            </a:r>
+            <a:r>
+              <a:rPr lang="en-US" b="1" i="1" u="sng" dirty="0">
+                <a:solidFill>
+                  <a:srgbClr val="FF0000"/>
+                </a:solidFill>
+              </a:rPr>
+              <a:t>friend</a:t>
+            </a:r>
+            <a:r>
+              <a:rPr lang="en-US" i="1" u="sng" dirty="0"/>
+              <a:t> zone</a:t>
+            </a:r>
+            <a:r>
+              <a:rPr lang="en-US" i="1" dirty="0"/>
+              <a:t> with my wife</a:t>
+            </a:r>
+            <a:endParaRPr lang="en-US" dirty="0"/>
+          </a:p>
+          <a:p>
+            <a:endParaRPr lang="en-US" dirty="0"/>
+          </a:p>
+          <a:p>
+            <a:r>
+              <a:rPr lang="en-US" i="1" dirty="0"/>
+              <a:t>can someone help me with some </a:t>
+            </a:r>
+            <a:r>
+              <a:rPr lang="en-US" b="1" i="1" u="sng" dirty="0">
+                <a:solidFill>
+                  <a:srgbClr val="FF0000"/>
+                </a:solidFill>
+              </a:rPr>
+              <a:t>friend</a:t>
+            </a:r>
+            <a:r>
+              <a:rPr lang="en-US" i="1" u="sng" dirty="0"/>
+              <a:t> drama</a:t>
+            </a:r>
+            <a:r>
+              <a:rPr lang="en-US" i="1" dirty="0"/>
+              <a:t>?</a:t>
+            </a:r>
+          </a:p>
+        </p:txBody>
+      </p:sp>
+    </p:spTree>
+    <p:extLst>
+      <p:ext uri="{BB962C8B-B14F-4D97-AF65-F5344CB8AC3E}">
+        <p14:creationId xmlns:p14="http://schemas.microsoft.com/office/powerpoint/2010/main" val="2168705010"/>
+      </p:ext>
+    </p:extLst>
+  </p:cSld>
+  <p:clrMapOvr>
+    <a:masterClrMapping/>
+  </p:clrMapOvr>
+  <p:timing>
+    <p:tnLst>
+      <p:par>
+        <p:cTn id="1" dur="indefinite" restart="never" nodeType="tmRoot">
+          <p:childTnLst>
+            <p:seq concurrent="1" nextAc="seek">
+              <p:cTn id="2" dur="indefinite" nodeType="mainSeq">
+                <p:childTnLst>
+                  <p:par>
+                    <p:cTn id="3" fill="hold">
+                      <p:stCondLst>
+                        <p:cond delay="indefinite"/>
+                        <p:cond evt="onBegin" delay="0">
+                          <p:tn val="2"/>
+                        </p:cond>
+                      </p:stCondLst>
+                      <p:childTnLst>
+                        <p:par>
+                          <p:cTn id="4" fill="hold">
+                            <p:stCondLst>
+                              <p:cond delay="0"/>
+                            </p:stCondLst>
+                            <p:childTnLst>
+                              <p:par>
+                                <p:cTn id="5" presetID="1" presetClass="entr" presetSubtype="0" fill="hold" grpId="0" nodeType="withEffect">
+                                  <p:stCondLst>
+                                    <p:cond delay="0"/>
+                                  </p:stCondLst>
+                                  <p:childTnLst>
+                                    <p:set>
+                                      <p:cBhvr>
+                                        <p:cTn id="6" dur="1" fill="hold">
+                                          <p:stCondLst>
+                                            <p:cond delay="0"/>
+                                          </p:stCondLst>
+                                        </p:cTn>
+                                        <p:tgtEl>
+                                          <p:spTgt spid="3">
+                                            <p:txEl>
+                                              <p:pRg st="0" end="0"/>
+                                            </p:txEl>
+                                          </p:spTgt>
+                                        </p:tgtEl>
+                                        <p:attrNameLst>
+                                          <p:attrName>style.visibility</p:attrName>
+                                        </p:attrNameLst>
+                                      </p:cBhvr>
+                                      <p:to>
+                                        <p:strVal val="visible"/>
+                                      </p:to>
+                                    </p:set>
+                                  </p:childTnLst>
+                                </p:cTn>
+                              </p:par>
+                            </p:childTnLst>
+                          </p:cTn>
+                        </p:par>
+                      </p:childTnLst>
+                    </p:cTn>
+                  </p:par>
+                  <p:par>
+                    <p:cTn id="7" fill="hold">
+                      <p:stCondLst>
+                        <p:cond delay="indefinite"/>
+                      </p:stCondLst>
+                      <p:childTnLst>
+                        <p:par>
+                          <p:cTn id="8" fill="hold">
+                            <p:stCondLst>
+                              <p:cond delay="0"/>
+                            </p:stCondLst>
+                            <p:childTnLst>
+                              <p:par>
+                                <p:cTn id="9" presetID="1" presetClass="entr" presetSubtype="0" fill="hold" grpId="0" nodeType="clickEffect">
+                                  <p:stCondLst>
+                                    <p:cond delay="0"/>
+                                  </p:stCondLst>
+                                  <p:childTnLst>
+                                    <p:set>
+                                      <p:cBhvr>
+                                        <p:cTn id="10" dur="1" fill="hold">
+                                          <p:stCondLst>
+                                            <p:cond delay="0"/>
+                                          </p:stCondLst>
+                                        </p:cTn>
+                                        <p:tgtEl>
+                                          <p:spTgt spid="3">
+                                            <p:txEl>
+                                              <p:pRg st="2" end="2"/>
+                                            </p:txEl>
+                                          </p:spTgt>
+                                        </p:tgtEl>
+                                        <p:attrNameLst>
+                                          <p:attrName>style.visibility</p:attrName>
+                                        </p:attrNameLst>
+                                      </p:cBhvr>
+                                      <p:to>
+                                        <p:strVal val="visible"/>
+                                      </p:to>
+                                    </p:set>
+                                  </p:childTnLst>
+                                </p:cTn>
+                              </p:par>
+                            </p:childTnLst>
+                          </p:cTn>
+                        </p:par>
+                      </p:childTnLst>
+                    </p:cTn>
+                  </p:par>
+                  <p:par>
+                    <p:cTn id="11" fill="hold">
+                      <p:stCondLst>
+                        <p:cond delay="indefinite"/>
+                      </p:stCondLst>
+                      <p:childTnLst>
+                        <p:par>
+                          <p:cTn id="12" fill="hold">
+                            <p:stCondLst>
+                              <p:cond delay="0"/>
+                            </p:stCondLst>
+                            <p:childTnLst>
+                              <p:par>
+                                <p:cTn id="13" presetID="1" presetClass="entr" presetSubtype="0" fill="hold" grpId="0" nodeType="clickEffect">
+                                  <p:stCondLst>
+                                    <p:cond delay="0"/>
+                                  </p:stCondLst>
+                                  <p:childTnLst>
+                                    <p:set>
+                                      <p:cBhvr>
+                                        <p:cTn id="14" dur="1" fill="hold">
+                                          <p:stCondLst>
+                                            <p:cond delay="0"/>
+                                          </p:stCondLst>
+                                        </p:cTn>
+                                        <p:tgtEl>
+                                          <p:spTgt spid="3">
+                                            <p:txEl>
+                                              <p:pRg st="4" end="4"/>
+                                            </p:txEl>
+                                          </p:spTgt>
+                                        </p:tgtEl>
+                                        <p:attrNameLst>
+                                          <p:attrName>style.visibility</p:attrName>
+                                        </p:attrNameLst>
+                                      </p:cBhvr>
+                                      <p:to>
+                                        <p:strVal val="visible"/>
+                                      </p:to>
+                                    </p:set>
+                                  </p:childTnLst>
+                                </p:cTn>
+                              </p:par>
+                            </p:childTnLst>
+                          </p:cTn>
+                        </p:par>
+                      </p:childTnLst>
+                    </p:cTn>
+                  </p:par>
+                </p:childTnLst>
+              </p:cTn>
+              <p:prevCondLst>
+                <p:cond evt="onPrev" delay="0">
+                  <p:tgtEl>
+                    <p:sldTgt/>
+                  </p:tgtEl>
+                </p:cond>
+              </p:prevCondLst>
+              <p:nextCondLst>
+                <p:cond evt="onNext" delay="0">
+                  <p:tgtEl>
+                    <p:sldTgt/>
+                  </p:tgtEl>
+                </p:cond>
+              </p:nextCondLst>
+            </p:seq>
+          </p:childTnLst>
+        </p:cTn>
+      </p:par>
+    </p:tnLst>
+    <p:bldLst>
+      <p:bldP spid="3" grpId="0" uiExpand="1" build="p"/>
+    </p:bldLst>
+  </p:timing>
+</p:sld>
+</file>
+
+<file path=ppt/slides/slide6.xml><?xml version="1.0" encoding="utf-8"?>
+<p:sld xmlns:a="http://schemas.openxmlformats.org/drawingml/2006/main" xmlns:r="http://schemas.openxmlformats.org/officeDocument/2006/relationships" xmlns:p="http://schemas.openxmlformats.org/presentationml/2006/main">
+  <p:cSld>
+    <p:spTree>
+      <p:nvGrpSpPr>
+        <p:cNvPr id="1" name=""/>
+        <p:cNvGrpSpPr/>
+        <p:nvPr/>
+      </p:nvGrpSpPr>
+      <p:grpSpPr>
+        <a:xfrm>
+          <a:off x="0" y="0"/>
+          <a:ext cx="0" cy="0"/>
+          <a:chOff x="0" y="0"/>
+          <a:chExt cx="0" cy="0"/>
+        </a:xfrm>
+      </p:grpSpPr>
+      <p:sp>
+        <p:nvSpPr>
+          <p:cNvPr id="2" name="Title 1">
+            <a:extLst>
+              <a:ext uri="{FF2B5EF4-FFF2-40B4-BE49-F238E27FC236}">
+                <a16:creationId xmlns:a16="http://schemas.microsoft.com/office/drawing/2014/main" id="{8F257A3C-1B69-43E8-ACB0-2EEBBDA6B91B}"/>
+              </a:ext>
+            </a:extLst>
+          </p:cNvPr>
+          <p:cNvSpPr>
+            <a:spLocks noGrp="1"/>
+          </p:cNvSpPr>
+          <p:nvPr>
+            <p:ph type="title"/>
+          </p:nvPr>
+        </p:nvSpPr>
+        <p:spPr/>
+        <p:txBody>
+          <a:bodyPr/>
+          <a:lstStyle/>
+          <a:p>
+            <a:r>
+              <a:rPr lang="en-US" dirty="0"/>
+              <a:t>What does the dictionary say?</a:t>
+            </a:r>
+          </a:p>
+        </p:txBody>
+      </p:sp>
+      <p:sp>
+        <p:nvSpPr>
+          <p:cNvPr id="3" name="Content Placeholder 2">
+            <a:extLst>
+              <a:ext uri="{FF2B5EF4-FFF2-40B4-BE49-F238E27FC236}">
+                <a16:creationId xmlns:a16="http://schemas.microsoft.com/office/drawing/2014/main" id="{A5532C2A-BA5F-45F2-B96E-C49EA84B233F}"/>
+              </a:ext>
+            </a:extLst>
+          </p:cNvPr>
+          <p:cNvSpPr>
+            <a:spLocks noGrp="1"/>
+          </p:cNvSpPr>
+          <p:nvPr>
+            <p:ph idx="1"/>
+          </p:nvPr>
+        </p:nvSpPr>
+        <p:spPr/>
+        <p:txBody>
+          <a:bodyPr/>
+          <a:lstStyle/>
+          <a:p>
+            <a:r>
+              <a:rPr lang="en-US" dirty="0"/>
+              <a:t>Dictionary.com: verb, noun</a:t>
+            </a:r>
+          </a:p>
+          <a:p>
+            <a:endParaRPr lang="en-US" dirty="0"/>
+          </a:p>
+          <a:p>
+            <a:r>
+              <a:rPr lang="en-US" dirty="0"/>
+              <a:t>Merriam-Webster: verb, noun</a:t>
+            </a:r>
+          </a:p>
+          <a:p>
+            <a:endParaRPr lang="en-US" dirty="0"/>
+          </a:p>
+          <a:p>
+            <a:r>
+              <a:rPr lang="en-US" dirty="0"/>
+              <a:t>Why not adjectives?</a:t>
+            </a:r>
+          </a:p>
+        </p:txBody>
+      </p:sp>
+    </p:spTree>
+    <p:extLst>
+      <p:ext uri="{BB962C8B-B14F-4D97-AF65-F5344CB8AC3E}">
+        <p14:creationId xmlns:p14="http://schemas.microsoft.com/office/powerpoint/2010/main" val="791892624"/>
+      </p:ext>
+    </p:extLst>
+  </p:cSld>
+  <p:clrMapOvr>
+    <a:masterClrMapping/>
+  </p:clrMapOvr>
+  <p:timing>
+    <p:tnLst>
+      <p:par>
+        <p:cTn id="1" dur="indefinite" restart="never" nodeType="tmRoot">
+          <p:childTnLst>
+            <p:seq concurrent="1" nextAc="seek">
+              <p:cTn id="2" dur="indefinite" nodeType="mainSeq">
+                <p:childTnLst>
+                  <p:par>
+                    <p:cTn id="3" fill="hold">
+                      <p:stCondLst>
+                        <p:cond delay="indefinite"/>
+                      </p:stCondLst>
+                      <p:childTnLst>
+                        <p:par>
+                          <p:cTn id="4" fill="hold">
+                            <p:stCondLst>
+                              <p:cond delay="0"/>
+                            </p:stCondLst>
+                            <p:childTnLst>
+                              <p:par>
+                                <p:cTn id="5" presetID="1" presetClass="entr" presetSubtype="0" fill="hold" grpId="0" nodeType="clickEffect">
+                                  <p:stCondLst>
+                                    <p:cond delay="0"/>
+                                  </p:stCondLst>
+                                  <p:childTnLst>
+                                    <p:set>
+                                      <p:cBhvr>
+                                        <p:cTn id="6" dur="1" fill="hold">
+                                          <p:stCondLst>
+                                            <p:cond delay="0"/>
+                                          </p:stCondLst>
+                                        </p:cTn>
+                                        <p:tgtEl>
+                                          <p:spTgt spid="3">
+                                            <p:txEl>
+                                              <p:pRg st="0" end="0"/>
+                                            </p:txEl>
+                                          </p:spTgt>
+                                        </p:tgtEl>
+                                        <p:attrNameLst>
+                                          <p:attrName>style.visibility</p:attrName>
+                                        </p:attrNameLst>
+                                      </p:cBhvr>
+                                      <p:to>
+                                        <p:strVal val="visible"/>
+                                      </p:to>
+                                    </p:set>
+                                  </p:childTnLst>
+                                </p:cTn>
+                              </p:par>
+                            </p:childTnLst>
+                          </p:cTn>
+                        </p:par>
+                      </p:childTnLst>
+                    </p:cTn>
+                  </p:par>
+                  <p:par>
+                    <p:cTn id="7" fill="hold">
+                      <p:stCondLst>
+                        <p:cond delay="indefinite"/>
+                      </p:stCondLst>
+                      <p:childTnLst>
+                        <p:par>
+                          <p:cTn id="8" fill="hold">
+                            <p:stCondLst>
+                              <p:cond delay="0"/>
+                            </p:stCondLst>
+                            <p:childTnLst>
+                              <p:par>
+                                <p:cTn id="9" presetID="1" presetClass="entr" presetSubtype="0" fill="hold" grpId="0" nodeType="clickEffect">
+                                  <p:stCondLst>
+                                    <p:cond delay="0"/>
+                                  </p:stCondLst>
+                                  <p:childTnLst>
+                                    <p:set>
+                                      <p:cBhvr>
+                                        <p:cTn id="10" dur="1" fill="hold">
+                                          <p:stCondLst>
+                                            <p:cond delay="0"/>
+                                          </p:stCondLst>
+                                        </p:cTn>
+                                        <p:tgtEl>
+                                          <p:spTgt spid="3">
+                                            <p:txEl>
+                                              <p:pRg st="2" end="2"/>
+                                            </p:txEl>
+                                          </p:spTgt>
+                                        </p:tgtEl>
+                                        <p:attrNameLst>
+                                          <p:attrName>style.visibility</p:attrName>
+                                        </p:attrNameLst>
+                                      </p:cBhvr>
+                                      <p:to>
+                                        <p:strVal val="visible"/>
+                                      </p:to>
+                                    </p:set>
+                                  </p:childTnLst>
+                                </p:cTn>
+                              </p:par>
+                            </p:childTnLst>
+                          </p:cTn>
+                        </p:par>
+                      </p:childTnLst>
+                    </p:cTn>
+                  </p:par>
+                  <p:par>
+                    <p:cTn id="11" fill="hold">
+                      <p:stCondLst>
+                        <p:cond delay="indefinite"/>
+                      </p:stCondLst>
+                      <p:childTnLst>
+                        <p:par>
+                          <p:cTn id="12" fill="hold">
+                            <p:stCondLst>
+                              <p:cond delay="0"/>
+                            </p:stCondLst>
+                            <p:childTnLst>
+                              <p:par>
+                                <p:cTn id="13" presetID="1" presetClass="entr" presetSubtype="0" fill="hold" grpId="0" nodeType="clickEffect">
+                                  <p:stCondLst>
+                                    <p:cond delay="0"/>
+                                  </p:stCondLst>
+                                  <p:childTnLst>
+                                    <p:set>
+                                      <p:cBhvr>
+                                        <p:cTn id="14" dur="1" fill="hold">
+                                          <p:stCondLst>
+                                            <p:cond delay="0"/>
+                                          </p:stCondLst>
+                                        </p:cTn>
+                                        <p:tgtEl>
+                                          <p:spTgt spid="3">
+                                            <p:txEl>
+                                              <p:pRg st="4" end="4"/>
+                                            </p:txEl>
+                                          </p:spTgt>
+                                        </p:tgtEl>
+                                        <p:attrNameLst>
+                                          <p:attrName>style.visibility</p:attrName>
+                                        </p:attrNameLst>
+                                      </p:cBhvr>
+                                      <p:to>
+                                        <p:strVal val="visible"/>
+                                      </p:to>
+                                    </p:set>
+                                  </p:childTnLst>
+                                </p:cTn>
+                              </p:par>
+                            </p:childTnLst>
+                          </p:cTn>
+                        </p:par>
+                      </p:childTnLst>
+                    </p:cTn>
+                  </p:par>
+                </p:childTnLst>
+              </p:cTn>
+              <p:prevCondLst>
+                <p:cond evt="onPrev" delay="0">
+                  <p:tgtEl>
+                    <p:sldTgt/>
+                  </p:tgtEl>
+                </p:cond>
+              </p:prevCondLst>
+              <p:nextCondLst>
+                <p:cond evt="onNext" delay="0">
+                  <p:tgtEl>
+                    <p:sldTgt/>
+                  </p:tgtEl>
+                </p:cond>
+              </p:nextCondLst>
+            </p:seq>
+          </p:childTnLst>
+        </p:cTn>
+      </p:par>
+    </p:tnLst>
+    <p:bldLst>
+      <p:bldP spid="3" grpId="0" build="p"/>
+    </p:bldLst>
+  </p:timing>
+</p:sld>
+</file>
+
+<file path=ppt/slides/slide7.xml><?xml version="1.0" encoding="utf-8"?>
+<p:sld xmlns:a="http://schemas.openxmlformats.org/drawingml/2006/main" xmlns:r="http://schemas.openxmlformats.org/officeDocument/2006/relationships" xmlns:p="http://schemas.openxmlformats.org/presentationml/2006/main">
+  <p:cSld>
+    <p:spTree>
+      <p:nvGrpSpPr>
+        <p:cNvPr id="1" name=""/>
+        <p:cNvGrpSpPr/>
+        <p:nvPr/>
+      </p:nvGrpSpPr>
+      <p:grpSpPr>
+        <a:xfrm>
+          <a:off x="0" y="0"/>
+          <a:ext cx="0" cy="0"/>
+          <a:chOff x="0" y="0"/>
+          <a:chExt cx="0" cy="0"/>
+        </a:xfrm>
+      </p:grpSpPr>
+      <p:sp>
+        <p:nvSpPr>
+          <p:cNvPr id="2" name="Title 1">
+            <a:extLst>
+              <a:ext uri="{FF2B5EF4-FFF2-40B4-BE49-F238E27FC236}">
+                <a16:creationId xmlns:a16="http://schemas.microsoft.com/office/drawing/2014/main" id="{62FE2360-B339-4FBA-BE7F-DFD6E73A3A49}"/>
+              </a:ext>
+            </a:extLst>
+          </p:cNvPr>
+          <p:cNvSpPr>
+            <a:spLocks noGrp="1"/>
+          </p:cNvSpPr>
+          <p:nvPr>
+            <p:ph type="title"/>
+          </p:nvPr>
+        </p:nvSpPr>
+        <p:spPr/>
+        <p:txBody>
+          <a:bodyPr/>
+          <a:lstStyle/>
+          <a:p>
+            <a:r>
+              <a:rPr lang="en-US" dirty="0"/>
+              <a:t>Nouns Modifying Nouns</a:t>
+            </a:r>
+          </a:p>
+        </p:txBody>
+      </p:sp>
+      <p:sp>
+        <p:nvSpPr>
+          <p:cNvPr id="3" name="Content Placeholder 2">
+            <a:extLst>
+              <a:ext uri="{FF2B5EF4-FFF2-40B4-BE49-F238E27FC236}">
+                <a16:creationId xmlns:a16="http://schemas.microsoft.com/office/drawing/2014/main" id="{69832A91-7C60-46B7-9444-240A25D837F5}"/>
+              </a:ext>
+            </a:extLst>
+          </p:cNvPr>
+          <p:cNvSpPr>
+            <a:spLocks noGrp="1"/>
+          </p:cNvSpPr>
+          <p:nvPr>
+            <p:ph idx="1"/>
+          </p:nvPr>
+        </p:nvSpPr>
+        <p:spPr/>
+        <p:txBody>
+          <a:bodyPr>
+            <a:normAutofit/>
+          </a:bodyPr>
+          <a:lstStyle/>
+          <a:p>
+            <a:r>
+              <a:rPr lang="en-US" dirty="0"/>
+              <a:t>Are they compounds?</a:t>
+            </a:r>
+          </a:p>
+          <a:p>
+            <a:endParaRPr lang="en-US" dirty="0"/>
+          </a:p>
+          <a:p>
+            <a:pPr lvl="1"/>
+            <a:r>
+              <a:rPr lang="en-US" i="1" dirty="0"/>
+              <a:t>health care</a:t>
+            </a:r>
+            <a:r>
+              <a:rPr lang="en-US" dirty="0"/>
+              <a:t> vs. </a:t>
+            </a:r>
+            <a:r>
+              <a:rPr lang="en-US" i="1" dirty="0"/>
+              <a:t>healthcare</a:t>
+            </a:r>
+            <a:endParaRPr lang="en-US" dirty="0"/>
+          </a:p>
+          <a:p>
+            <a:endParaRPr lang="en-US" i="1" dirty="0"/>
+          </a:p>
+          <a:p>
+            <a:pPr lvl="1"/>
+            <a:r>
+              <a:rPr lang="en-US" i="1" dirty="0"/>
+              <a:t>friend zone</a:t>
+            </a:r>
+            <a:r>
+              <a:rPr lang="en-US" dirty="0"/>
+              <a:t> vs. </a:t>
+            </a:r>
+            <a:r>
+              <a:rPr lang="en-US" i="1" dirty="0"/>
+              <a:t>friendzone</a:t>
+            </a:r>
+          </a:p>
+          <a:p>
+            <a:endParaRPr lang="en-US" dirty="0"/>
+          </a:p>
+          <a:p>
+            <a:endParaRPr lang="en-US" dirty="0"/>
+          </a:p>
+        </p:txBody>
+      </p:sp>
+    </p:spTree>
+    <p:extLst>
+      <p:ext uri="{BB962C8B-B14F-4D97-AF65-F5344CB8AC3E}">
+        <p14:creationId xmlns:p14="http://schemas.microsoft.com/office/powerpoint/2010/main" val="2905563944"/>
+      </p:ext>
+    </p:extLst>
+  </p:cSld>
+  <p:clrMapOvr>
+    <a:masterClrMapping/>
+  </p:clrMapOvr>
+</p:sld>
+</file>
+
+<file path=ppt/slides/slide8.xml><?xml version="1.0" encoding="utf-8"?>
+<p:sld xmlns:a="http://schemas.openxmlformats.org/drawingml/2006/main" xmlns:r="http://schemas.openxmlformats.org/officeDocument/2006/relationships" xmlns:p="http://schemas.openxmlformats.org/presentationml/2006/main">
+  <p:cSld>
+    <p:spTree>
+      <p:nvGrpSpPr>
+        <p:cNvPr id="1" name=""/>
+        <p:cNvGrpSpPr/>
+        <p:nvPr/>
+      </p:nvGrpSpPr>
+      <p:grpSpPr>
+        <a:xfrm>
+          <a:off x="0" y="0"/>
+          <a:ext cx="0" cy="0"/>
+          <a:chOff x="0" y="0"/>
+          <a:chExt cx="0" cy="0"/>
+        </a:xfrm>
+      </p:grpSpPr>
+      <p:pic>
+        <p:nvPicPr>
+          <p:cNvPr id="4" name="Picture 3">
+            <a:extLst>
+              <a:ext uri="{FF2B5EF4-FFF2-40B4-BE49-F238E27FC236}">
+                <a16:creationId xmlns:a16="http://schemas.microsoft.com/office/drawing/2014/main" id="{A138F811-CAA5-4990-94E5-DA69AED048F0}"/>
+              </a:ext>
+            </a:extLst>
+          </p:cNvPr>
+          <p:cNvPicPr>
+            <a:picLocks noChangeAspect="1"/>
+          </p:cNvPicPr>
+          <p:nvPr/>
+        </p:nvPicPr>
+        <p:blipFill>
+          <a:blip r:embed="rId3"/>
+          <a:stretch>
+            <a:fillRect/>
+          </a:stretch>
+        </p:blipFill>
+        <p:spPr>
+          <a:xfrm>
+            <a:off x="0" y="1263916"/>
+            <a:ext cx="12192000" cy="4330169"/>
+          </a:xfrm>
+          <a:prstGeom prst="rect">
+            <a:avLst/>
+          </a:prstGeom>
+        </p:spPr>
+      </p:pic>
+      <p:sp>
+        <p:nvSpPr>
+          <p:cNvPr id="5" name="Title 4">
+            <a:extLst>
+              <a:ext uri="{FF2B5EF4-FFF2-40B4-BE49-F238E27FC236}">
+                <a16:creationId xmlns:a16="http://schemas.microsoft.com/office/drawing/2014/main" id="{71FED193-4FA7-4DBF-BA88-E8E163E9ACBB}"/>
+              </a:ext>
+            </a:extLst>
+          </p:cNvPr>
+          <p:cNvSpPr>
+            <a:spLocks noGrp="1"/>
+          </p:cNvSpPr>
+          <p:nvPr>
+            <p:ph type="title"/>
+          </p:nvPr>
+        </p:nvSpPr>
+        <p:spPr/>
+        <p:txBody>
+          <a:bodyPr/>
+          <a:lstStyle/>
+          <a:p>
+            <a:r>
+              <a:rPr lang="en-US" i="1" dirty="0"/>
+              <a:t>health care</a:t>
+            </a:r>
+            <a:r>
+              <a:rPr lang="en-US" dirty="0"/>
+              <a:t> vs. </a:t>
+            </a:r>
+            <a:r>
+              <a:rPr lang="en-US" i="1" dirty="0"/>
+              <a:t>healthcare</a:t>
+            </a:r>
+            <a:r>
+              <a:rPr lang="en-US" dirty="0"/>
+              <a:t> (Google Books)</a:t>
+            </a:r>
+            <a:endParaRPr lang="en-US" i="1" dirty="0"/>
+          </a:p>
+        </p:txBody>
+      </p:sp>
+    </p:spTree>
+    <p:extLst>
+      <p:ext uri="{BB962C8B-B14F-4D97-AF65-F5344CB8AC3E}">
+        <p14:creationId xmlns:p14="http://schemas.microsoft.com/office/powerpoint/2010/main" val="2920826497"/>
+      </p:ext>
+    </p:extLst>
+  </p:cSld>
+  <p:clrMapOvr>
+    <a:masterClrMapping/>
+  </p:clrMapOvr>
+</p:sld>
+</file>
+
+<file path=ppt/slides/slide9.xml><?xml version="1.0" encoding="utf-8"?>
+<p:sld xmlns:a="http://schemas.openxmlformats.org/drawingml/2006/main" xmlns:r="http://schemas.openxmlformats.org/officeDocument/2006/relationships" xmlns:p="http://schemas.openxmlformats.org/presentationml/2006/main">
+  <p:cSld>
+    <p:spTree>
+      <p:nvGrpSpPr>
+        <p:cNvPr id="1" name=""/>
+        <p:cNvGrpSpPr/>
+        <p:nvPr/>
+      </p:nvGrpSpPr>
+      <p:grpSpPr>
+        <a:xfrm>
+          <a:off x="0" y="0"/>
+          <a:ext cx="0" cy="0"/>
+          <a:chOff x="0" y="0"/>
+          <a:chExt cx="0" cy="0"/>
+        </a:xfrm>
+      </p:grpSpPr>
+      <p:sp>
+        <p:nvSpPr>
+          <p:cNvPr id="2" name="Title 1">
+            <a:extLst>
+              <a:ext uri="{FF2B5EF4-FFF2-40B4-BE49-F238E27FC236}">
+                <a16:creationId xmlns:a16="http://schemas.microsoft.com/office/drawing/2014/main" id="{62FE2360-B339-4FBA-BE7F-DFD6E73A3A49}"/>
+              </a:ext>
+            </a:extLst>
+          </p:cNvPr>
+          <p:cNvSpPr>
+            <a:spLocks noGrp="1"/>
+          </p:cNvSpPr>
+          <p:nvPr>
+            <p:ph type="title"/>
+          </p:nvPr>
+        </p:nvSpPr>
+        <p:spPr/>
+        <p:txBody>
+          <a:bodyPr/>
+          <a:lstStyle/>
+          <a:p>
+            <a:r>
+              <a:rPr lang="en-US" dirty="0"/>
+              <a:t>Nouns Modifying Nouns</a:t>
+            </a:r>
+          </a:p>
+        </p:txBody>
+      </p:sp>
+      <p:sp>
+        <p:nvSpPr>
+          <p:cNvPr id="3" name="Content Placeholder 2">
+            <a:extLst>
+              <a:ext uri="{FF2B5EF4-FFF2-40B4-BE49-F238E27FC236}">
+                <a16:creationId xmlns:a16="http://schemas.microsoft.com/office/drawing/2014/main" id="{69832A91-7C60-46B7-9444-240A25D837F5}"/>
+              </a:ext>
+            </a:extLst>
+          </p:cNvPr>
+          <p:cNvSpPr>
+            <a:spLocks noGrp="1"/>
+          </p:cNvSpPr>
+          <p:nvPr>
+            <p:ph idx="1"/>
+          </p:nvPr>
+        </p:nvSpPr>
+        <p:spPr/>
+        <p:txBody>
+          <a:bodyPr>
+            <a:normAutofit/>
+          </a:bodyPr>
+          <a:lstStyle/>
+          <a:p>
+            <a:r>
+              <a:rPr lang="en-US" dirty="0"/>
+              <a:t>Are they compounds?</a:t>
+            </a:r>
+          </a:p>
+          <a:p>
+            <a:endParaRPr lang="en-US" dirty="0"/>
+          </a:p>
+          <a:p>
+            <a:pPr lvl="1"/>
+            <a:r>
+              <a:rPr lang="en-US" i="1" dirty="0"/>
+              <a:t>health care</a:t>
+            </a:r>
+            <a:r>
+              <a:rPr lang="en-US" dirty="0"/>
+              <a:t> vs. </a:t>
+            </a:r>
+            <a:r>
+              <a:rPr lang="en-US" i="1" dirty="0"/>
+              <a:t>health care</a:t>
+            </a:r>
+            <a:endParaRPr lang="en-US" dirty="0"/>
+          </a:p>
+          <a:p>
+            <a:endParaRPr lang="en-US" i="1" dirty="0"/>
+          </a:p>
+          <a:p>
+            <a:pPr lvl="1"/>
+            <a:r>
+              <a:rPr lang="en-US" i="1" dirty="0"/>
+              <a:t>friend zone</a:t>
+            </a:r>
+            <a:r>
+              <a:rPr lang="en-US" dirty="0"/>
+              <a:t> vs. </a:t>
+            </a:r>
+            <a:r>
+              <a:rPr lang="en-US" i="1" dirty="0"/>
+              <a:t>friendzone</a:t>
+            </a:r>
+          </a:p>
+          <a:p>
+            <a:endParaRPr lang="en-US" dirty="0"/>
+          </a:p>
+          <a:p>
+            <a:r>
+              <a:rPr lang="en-US" dirty="0"/>
+              <a:t>We don’t analyze these as adjectives because:</a:t>
+            </a:r>
+          </a:p>
+          <a:p>
+            <a:pPr lvl="1"/>
+            <a:r>
+              <a:rPr lang="en-US" dirty="0"/>
+              <a:t>tradition</a:t>
+            </a:r>
+          </a:p>
+          <a:p>
+            <a:pPr lvl="1"/>
+            <a:r>
+              <a:rPr lang="en-US" dirty="0"/>
+              <a:t>the change is unmarked</a:t>
+            </a:r>
+          </a:p>
+        </p:txBody>
+      </p:sp>
+    </p:spTree>
+    <p:extLst>
+      <p:ext uri="{BB962C8B-B14F-4D97-AF65-F5344CB8AC3E}">
+        <p14:creationId xmlns:p14="http://schemas.microsoft.com/office/powerpoint/2010/main" val="1828861910"/>
       </p:ext>
     </p:extLst>
   </p:cSld>

--- a/presentations/Hieber. 2019. Lexical flexibility in English.pptx
+++ b/presentations/Hieber. 2019. Lexical flexibility in English.pptx
@@ -5,7 +5,7 @@
     <p:sldMasterId id="2147483648" r:id="rId1"/>
   </p:sldMasterIdLst>
   <p:notesMasterIdLst>
-    <p:notesMasterId r:id="rId56"/>
+    <p:notesMasterId r:id="rId61"/>
   </p:notesMasterIdLst>
   <p:sldIdLst>
     <p:sldId id="256" r:id="rId2"/>
@@ -45,26 +45,31 @@
     <p:sldId id="296" r:id="rId36"/>
     <p:sldId id="297" r:id="rId37"/>
     <p:sldId id="298" r:id="rId38"/>
-    <p:sldId id="309" r:id="rId39"/>
-    <p:sldId id="299" r:id="rId40"/>
-    <p:sldId id="310" r:id="rId41"/>
-    <p:sldId id="300" r:id="rId42"/>
-    <p:sldId id="311" r:id="rId43"/>
-    <p:sldId id="301" r:id="rId44"/>
-    <p:sldId id="312" r:id="rId45"/>
-    <p:sldId id="302" r:id="rId46"/>
-    <p:sldId id="313" r:id="rId47"/>
-    <p:sldId id="303" r:id="rId48"/>
-    <p:sldId id="314" r:id="rId49"/>
-    <p:sldId id="304" r:id="rId50"/>
-    <p:sldId id="315" r:id="rId51"/>
-    <p:sldId id="308" r:id="rId52"/>
-    <p:sldId id="316" r:id="rId53"/>
-    <p:sldId id="307" r:id="rId54"/>
-    <p:sldId id="262" r:id="rId55"/>
+    <p:sldId id="307" r:id="rId39"/>
+    <p:sldId id="309" r:id="rId40"/>
+    <p:sldId id="299" r:id="rId41"/>
+    <p:sldId id="310" r:id="rId42"/>
+    <p:sldId id="300" r:id="rId43"/>
+    <p:sldId id="311" r:id="rId44"/>
+    <p:sldId id="301" r:id="rId45"/>
+    <p:sldId id="312" r:id="rId46"/>
+    <p:sldId id="302" r:id="rId47"/>
+    <p:sldId id="313" r:id="rId48"/>
+    <p:sldId id="303" r:id="rId49"/>
+    <p:sldId id="314" r:id="rId50"/>
+    <p:sldId id="304" r:id="rId51"/>
+    <p:sldId id="315" r:id="rId52"/>
+    <p:sldId id="308" r:id="rId53"/>
+    <p:sldId id="316" r:id="rId54"/>
+    <p:sldId id="317" r:id="rId55"/>
+    <p:sldId id="318" r:id="rId56"/>
+    <p:sldId id="319" r:id="rId57"/>
+    <p:sldId id="320" r:id="rId58"/>
+    <p:sldId id="321" r:id="rId59"/>
+    <p:sldId id="262" r:id="rId60"/>
   </p:sldIdLst>
   <p:sldSz cx="12192000" cy="6858000"/>
-  <p:notesSz cx="6858000" cy="9144000"/>
+  <p:notesSz cx="7315200" cy="9601200"/>
   <p:defaultTextStyle>
     <a:defPPr>
       <a:defRPr lang="en-US"/>
@@ -174,7 +179,8 @@
 <file path=ppt/revisionInfo.xml><?xml version="1.0" encoding="utf-8"?>
 <p1510:revInfo xmlns:a="http://schemas.openxmlformats.org/drawingml/2006/main" xmlns:r="http://schemas.openxmlformats.org/officeDocument/2006/relationships" xmlns:p1510="http://schemas.microsoft.com/office/powerpoint/2015/10/main">
   <p1510:revLst>
-    <p1510:client id="{6B14D6C4-21D8-4D07-BA77-BAB066EC34A1}" v="895" dt="2019-10-16T13:06:45.925"/>
+    <p1510:client id="{02171CF2-843D-45A0-96EF-F425D901027F}" v="53" dt="2019-10-16T14:02:40.718"/>
+    <p1510:client id="{B71F381C-BABC-4726-81AC-04C681210DE6}" v="3" dt="2019-10-16T23:33:29.367"/>
   </p1510:revLst>
 </p1510:revInfo>
 </file>
@@ -182,1378 +188,12 @@
 <file path=ppt/changesInfos/changesInfo1.xml><?xml version="1.0" encoding="utf-8"?>
 <pc:chgInfo xmlns:a="http://schemas.openxmlformats.org/drawingml/2006/main" xmlns:r="http://schemas.openxmlformats.org/officeDocument/2006/relationships" xmlns:ac="http://schemas.microsoft.com/office/drawing/2013/main/command" xmlns:pc="http://schemas.microsoft.com/office/powerpoint/2013/main/command">
   <pc:docChgLst>
-    <pc:chgData name="Daniel W. Hieber" userId="f7cf2c9d3dc7fdc6" providerId="LiveId" clId="{6B14D6C4-21D8-4D07-BA77-BAB066EC34A1}"/>
-    <pc:docChg chg="undo custSel addSld delSld modSld sldOrd">
-      <pc:chgData name="Daniel W. Hieber" userId="f7cf2c9d3dc7fdc6" providerId="LiveId" clId="{6B14D6C4-21D8-4D07-BA77-BAB066EC34A1}" dt="2019-10-16T13:06:45.925" v="13111" actId="12789"/>
+    <pc:chgData name="Daniel W. Hieber" userId="f7cf2c9d3dc7fdc6" providerId="LiveId" clId="{B71F381C-BABC-4726-81AC-04C681210DE6}"/>
+    <pc:docChg chg="modNotesMaster">
+      <pc:chgData name="Daniel W. Hieber" userId="f7cf2c9d3dc7fdc6" providerId="LiveId" clId="{B71F381C-BABC-4726-81AC-04C681210DE6}" dt="2019-10-16T23:33:29.367" v="2"/>
       <pc:docMkLst>
         <pc:docMk/>
       </pc:docMkLst>
-      <pc:sldChg chg="modSp">
-        <pc:chgData name="Daniel W. Hieber" userId="f7cf2c9d3dc7fdc6" providerId="LiveId" clId="{6B14D6C4-21D8-4D07-BA77-BAB066EC34A1}" dt="2019-10-16T06:24:36.376" v="2512" actId="1076"/>
-        <pc:sldMkLst>
-          <pc:docMk/>
-          <pc:sldMk cId="1125310141" sldId="256"/>
-        </pc:sldMkLst>
-        <pc:spChg chg="mod">
-          <ac:chgData name="Daniel W. Hieber" userId="f7cf2c9d3dc7fdc6" providerId="LiveId" clId="{6B14D6C4-21D8-4D07-BA77-BAB066EC34A1}" dt="2019-10-16T06:24:36.376" v="2512" actId="1076"/>
-          <ac:spMkLst>
-            <pc:docMk/>
-            <pc:sldMk cId="1125310141" sldId="256"/>
-            <ac:spMk id="3" creationId="{34EC53DF-8FB9-E84D-ABEE-38BA95C64807}"/>
-          </ac:spMkLst>
-        </pc:spChg>
-      </pc:sldChg>
-      <pc:sldChg chg="modNotesTx">
-        <pc:chgData name="Daniel W. Hieber" userId="f7cf2c9d3dc7fdc6" providerId="LiveId" clId="{6B14D6C4-21D8-4D07-BA77-BAB066EC34A1}" dt="2019-10-16T07:19:52.431" v="8706" actId="20577"/>
-        <pc:sldMkLst>
-          <pc:docMk/>
-          <pc:sldMk cId="1884813883" sldId="262"/>
-        </pc:sldMkLst>
-      </pc:sldChg>
-      <pc:sldChg chg="modAnim">
-        <pc:chgData name="Daniel W. Hieber" userId="f7cf2c9d3dc7fdc6" providerId="LiveId" clId="{6B14D6C4-21D8-4D07-BA77-BAB066EC34A1}" dt="2019-10-16T06:35:28.907" v="4069"/>
-        <pc:sldMkLst>
-          <pc:docMk/>
-          <pc:sldMk cId="1241556618" sldId="271"/>
-        </pc:sldMkLst>
-      </pc:sldChg>
-      <pc:sldChg chg="add del">
-        <pc:chgData name="Daniel W. Hieber" userId="f7cf2c9d3dc7fdc6" providerId="LiveId" clId="{6B14D6C4-21D8-4D07-BA77-BAB066EC34A1}" dt="2019-10-16T05:01:22.155" v="1"/>
-        <pc:sldMkLst>
-          <pc:docMk/>
-          <pc:sldMk cId="1275600902" sldId="273"/>
-        </pc:sldMkLst>
-      </pc:sldChg>
-      <pc:sldChg chg="modSp add ord modNotesTx">
-        <pc:chgData name="Daniel W. Hieber" userId="f7cf2c9d3dc7fdc6" providerId="LiveId" clId="{6B14D6C4-21D8-4D07-BA77-BAB066EC34A1}" dt="2019-10-16T06:35:49.657" v="4074" actId="20577"/>
-        <pc:sldMkLst>
-          <pc:docMk/>
-          <pc:sldMk cId="1716062683" sldId="273"/>
-        </pc:sldMkLst>
-        <pc:spChg chg="mod">
-          <ac:chgData name="Daniel W. Hieber" userId="f7cf2c9d3dc7fdc6" providerId="LiveId" clId="{6B14D6C4-21D8-4D07-BA77-BAB066EC34A1}" dt="2019-10-16T05:02:53.154" v="29" actId="20577"/>
-          <ac:spMkLst>
-            <pc:docMk/>
-            <pc:sldMk cId="1716062683" sldId="273"/>
-            <ac:spMk id="2" creationId="{DE07FFBC-8993-4C66-8B70-3D8B6CFF22A5}"/>
-          </ac:spMkLst>
-        </pc:spChg>
-        <pc:spChg chg="mod">
-          <ac:chgData name="Daniel W. Hieber" userId="f7cf2c9d3dc7fdc6" providerId="LiveId" clId="{6B14D6C4-21D8-4D07-BA77-BAB066EC34A1}" dt="2019-10-16T06:35:49.657" v="4074" actId="20577"/>
-          <ac:spMkLst>
-            <pc:docMk/>
-            <pc:sldMk cId="1716062683" sldId="273"/>
-            <ac:spMk id="3" creationId="{681597A0-C5E1-4576-9768-DA4F9D96A6C5}"/>
-          </ac:spMkLst>
-        </pc:spChg>
-      </pc:sldChg>
-      <pc:sldChg chg="modSp add">
-        <pc:chgData name="Daniel W. Hieber" userId="f7cf2c9d3dc7fdc6" providerId="LiveId" clId="{6B14D6C4-21D8-4D07-BA77-BAB066EC34A1}" dt="2019-10-16T05:04:54.762" v="318" actId="207"/>
-        <pc:sldMkLst>
-          <pc:docMk/>
-          <pc:sldMk cId="3751163421" sldId="274"/>
-        </pc:sldMkLst>
-        <pc:spChg chg="mod">
-          <ac:chgData name="Daniel W. Hieber" userId="f7cf2c9d3dc7fdc6" providerId="LiveId" clId="{6B14D6C4-21D8-4D07-BA77-BAB066EC34A1}" dt="2019-10-16T05:04:19.268" v="301" actId="20577"/>
-          <ac:spMkLst>
-            <pc:docMk/>
-            <pc:sldMk cId="3751163421" sldId="274"/>
-            <ac:spMk id="2" creationId="{11BC63EA-7759-4DB1-8A5F-7DA0E0715632}"/>
-          </ac:spMkLst>
-        </pc:spChg>
-        <pc:spChg chg="mod">
-          <ac:chgData name="Daniel W. Hieber" userId="f7cf2c9d3dc7fdc6" providerId="LiveId" clId="{6B14D6C4-21D8-4D07-BA77-BAB066EC34A1}" dt="2019-10-16T05:04:54.762" v="318" actId="207"/>
-          <ac:spMkLst>
-            <pc:docMk/>
-            <pc:sldMk cId="3751163421" sldId="274"/>
-            <ac:spMk id="3" creationId="{AC400D9A-B85D-4E44-8DFE-7FA2F2ECBF65}"/>
-          </ac:spMkLst>
-        </pc:spChg>
-      </pc:sldChg>
-      <pc:sldChg chg="modSp add">
-        <pc:chgData name="Daniel W. Hieber" userId="f7cf2c9d3dc7fdc6" providerId="LiveId" clId="{6B14D6C4-21D8-4D07-BA77-BAB066EC34A1}" dt="2019-10-16T05:05:58.797" v="345" actId="207"/>
-        <pc:sldMkLst>
-          <pc:docMk/>
-          <pc:sldMk cId="280446859" sldId="275"/>
-        </pc:sldMkLst>
-        <pc:spChg chg="mod">
-          <ac:chgData name="Daniel W. Hieber" userId="f7cf2c9d3dc7fdc6" providerId="LiveId" clId="{6B14D6C4-21D8-4D07-BA77-BAB066EC34A1}" dt="2019-10-16T05:05:07.266" v="324" actId="20577"/>
-          <ac:spMkLst>
-            <pc:docMk/>
-            <pc:sldMk cId="280446859" sldId="275"/>
-            <ac:spMk id="2" creationId="{28F4E4C3-00E1-4D9E-B9C8-2D4B0FEFAFD6}"/>
-          </ac:spMkLst>
-        </pc:spChg>
-        <pc:spChg chg="mod">
-          <ac:chgData name="Daniel W. Hieber" userId="f7cf2c9d3dc7fdc6" providerId="LiveId" clId="{6B14D6C4-21D8-4D07-BA77-BAB066EC34A1}" dt="2019-10-16T05:05:58.797" v="345" actId="207"/>
-          <ac:spMkLst>
-            <pc:docMk/>
-            <pc:sldMk cId="280446859" sldId="275"/>
-            <ac:spMk id="3" creationId="{A30287B1-09DC-45E9-97D2-81015B2AED68}"/>
-          </ac:spMkLst>
-        </pc:spChg>
-      </pc:sldChg>
-      <pc:sldChg chg="modSp add del">
-        <pc:chgData name="Daniel W. Hieber" userId="f7cf2c9d3dc7fdc6" providerId="LiveId" clId="{6B14D6C4-21D8-4D07-BA77-BAB066EC34A1}" dt="2019-10-16T05:06:43.254" v="373" actId="2696"/>
-        <pc:sldMkLst>
-          <pc:docMk/>
-          <pc:sldMk cId="2522897926" sldId="276"/>
-        </pc:sldMkLst>
-        <pc:spChg chg="mod">
-          <ac:chgData name="Daniel W. Hieber" userId="f7cf2c9d3dc7fdc6" providerId="LiveId" clId="{6B14D6C4-21D8-4D07-BA77-BAB066EC34A1}" dt="2019-10-16T05:06:37.007" v="372" actId="20577"/>
-          <ac:spMkLst>
-            <pc:docMk/>
-            <pc:sldMk cId="2522897926" sldId="276"/>
-            <ac:spMk id="2" creationId="{D19A64CE-63DF-41B8-B655-AC2E6C812174}"/>
-          </ac:spMkLst>
-        </pc:spChg>
-      </pc:sldChg>
-      <pc:sldChg chg="delSp modSp add ord">
-        <pc:chgData name="Daniel W. Hieber" userId="f7cf2c9d3dc7fdc6" providerId="LiveId" clId="{6B14D6C4-21D8-4D07-BA77-BAB066EC34A1}" dt="2019-10-16T05:07:02.988" v="403"/>
-        <pc:sldMkLst>
-          <pc:docMk/>
-          <pc:sldMk cId="4292409005" sldId="276"/>
-        </pc:sldMkLst>
-        <pc:spChg chg="mod">
-          <ac:chgData name="Daniel W. Hieber" userId="f7cf2c9d3dc7fdc6" providerId="LiveId" clId="{6B14D6C4-21D8-4D07-BA77-BAB066EC34A1}" dt="2019-10-16T05:06:55.195" v="401" actId="20577"/>
-          <ac:spMkLst>
-            <pc:docMk/>
-            <pc:sldMk cId="4292409005" sldId="276"/>
-            <ac:spMk id="2" creationId="{BE538D5B-7E6D-4AE1-BA96-25795C8124AF}"/>
-          </ac:spMkLst>
-        </pc:spChg>
-        <pc:spChg chg="del">
-          <ac:chgData name="Daniel W. Hieber" userId="f7cf2c9d3dc7fdc6" providerId="LiveId" clId="{6B14D6C4-21D8-4D07-BA77-BAB066EC34A1}" dt="2019-10-16T05:06:59.562" v="402" actId="478"/>
-          <ac:spMkLst>
-            <pc:docMk/>
-            <pc:sldMk cId="4292409005" sldId="276"/>
-            <ac:spMk id="3" creationId="{E410431A-F8C4-47FF-8BB5-EF649C2D80F9}"/>
-          </ac:spMkLst>
-        </pc:spChg>
-      </pc:sldChg>
-      <pc:sldChg chg="modSp add">
-        <pc:chgData name="Daniel W. Hieber" userId="f7cf2c9d3dc7fdc6" providerId="LiveId" clId="{6B14D6C4-21D8-4D07-BA77-BAB066EC34A1}" dt="2019-10-16T05:11:42.344" v="798" actId="179"/>
-        <pc:sldMkLst>
-          <pc:docMk/>
-          <pc:sldMk cId="576738162" sldId="277"/>
-        </pc:sldMkLst>
-        <pc:spChg chg="mod">
-          <ac:chgData name="Daniel W. Hieber" userId="f7cf2c9d3dc7fdc6" providerId="LiveId" clId="{6B14D6C4-21D8-4D07-BA77-BAB066EC34A1}" dt="2019-10-16T05:07:19.640" v="454" actId="20577"/>
-          <ac:spMkLst>
-            <pc:docMk/>
-            <pc:sldMk cId="576738162" sldId="277"/>
-            <ac:spMk id="2" creationId="{161448CC-51E2-4FE2-AA72-A1E5FFD2216E}"/>
-          </ac:spMkLst>
-        </pc:spChg>
-        <pc:spChg chg="mod">
-          <ac:chgData name="Daniel W. Hieber" userId="f7cf2c9d3dc7fdc6" providerId="LiveId" clId="{6B14D6C4-21D8-4D07-BA77-BAB066EC34A1}" dt="2019-10-16T05:11:42.344" v="798" actId="179"/>
-          <ac:spMkLst>
-            <pc:docMk/>
-            <pc:sldMk cId="576738162" sldId="277"/>
-            <ac:spMk id="3" creationId="{A34B5D66-9CB8-4DCE-85FA-D56844737620}"/>
-          </ac:spMkLst>
-        </pc:spChg>
-      </pc:sldChg>
-      <pc:sldChg chg="modSp add modNotesTx">
-        <pc:chgData name="Daniel W. Hieber" userId="f7cf2c9d3dc7fdc6" providerId="LiveId" clId="{6B14D6C4-21D8-4D07-BA77-BAB066EC34A1}" dt="2019-10-16T05:12:31.455" v="867" actId="20577"/>
-        <pc:sldMkLst>
-          <pc:docMk/>
-          <pc:sldMk cId="3952540867" sldId="278"/>
-        </pc:sldMkLst>
-        <pc:spChg chg="mod">
-          <ac:chgData name="Daniel W. Hieber" userId="f7cf2c9d3dc7fdc6" providerId="LiveId" clId="{6B14D6C4-21D8-4D07-BA77-BAB066EC34A1}" dt="2019-10-16T05:12:20.381" v="808" actId="113"/>
-          <ac:spMkLst>
-            <pc:docMk/>
-            <pc:sldMk cId="3952540867" sldId="278"/>
-            <ac:spMk id="3" creationId="{A34B5D66-9CB8-4DCE-85FA-D56844737620}"/>
-          </ac:spMkLst>
-        </pc:spChg>
-      </pc:sldChg>
-      <pc:sldChg chg="modSp add modNotesTx">
-        <pc:chgData name="Daniel W. Hieber" userId="f7cf2c9d3dc7fdc6" providerId="LiveId" clId="{6B14D6C4-21D8-4D07-BA77-BAB066EC34A1}" dt="2019-10-16T05:18:59.671" v="1154" actId="207"/>
-        <pc:sldMkLst>
-          <pc:docMk/>
-          <pc:sldMk cId="686333996" sldId="279"/>
-        </pc:sldMkLst>
-        <pc:spChg chg="mod">
-          <ac:chgData name="Daniel W. Hieber" userId="f7cf2c9d3dc7fdc6" providerId="LiveId" clId="{6B14D6C4-21D8-4D07-BA77-BAB066EC34A1}" dt="2019-10-16T05:15:43.968" v="906" actId="20577"/>
-          <ac:spMkLst>
-            <pc:docMk/>
-            <pc:sldMk cId="686333996" sldId="279"/>
-            <ac:spMk id="2" creationId="{62CFEDE9-5AAC-45EF-8134-BCB05E40DAEB}"/>
-          </ac:spMkLst>
-        </pc:spChg>
-        <pc:spChg chg="mod">
-          <ac:chgData name="Daniel W. Hieber" userId="f7cf2c9d3dc7fdc6" providerId="LiveId" clId="{6B14D6C4-21D8-4D07-BA77-BAB066EC34A1}" dt="2019-10-16T05:18:59.671" v="1154" actId="207"/>
-          <ac:spMkLst>
-            <pc:docMk/>
-            <pc:sldMk cId="686333996" sldId="279"/>
-            <ac:spMk id="3" creationId="{9D6A30BE-C882-4D7D-B672-8EB1F970F358}"/>
-          </ac:spMkLst>
-        </pc:spChg>
-      </pc:sldChg>
-      <pc:sldChg chg="modSp add">
-        <pc:chgData name="Daniel W. Hieber" userId="f7cf2c9d3dc7fdc6" providerId="LiveId" clId="{6B14D6C4-21D8-4D07-BA77-BAB066EC34A1}" dt="2019-10-16T05:21:25.802" v="1360" actId="404"/>
-        <pc:sldMkLst>
-          <pc:docMk/>
-          <pc:sldMk cId="3271395273" sldId="280"/>
-        </pc:sldMkLst>
-        <pc:spChg chg="mod">
-          <ac:chgData name="Daniel W. Hieber" userId="f7cf2c9d3dc7fdc6" providerId="LiveId" clId="{6B14D6C4-21D8-4D07-BA77-BAB066EC34A1}" dt="2019-10-16T05:19:10.574" v="1178" actId="20577"/>
-          <ac:spMkLst>
-            <pc:docMk/>
-            <pc:sldMk cId="3271395273" sldId="280"/>
-            <ac:spMk id="2" creationId="{E43FAFA4-36F3-47EF-8746-1BA6C477A0A6}"/>
-          </ac:spMkLst>
-        </pc:spChg>
-        <pc:spChg chg="mod">
-          <ac:chgData name="Daniel W. Hieber" userId="f7cf2c9d3dc7fdc6" providerId="LiveId" clId="{6B14D6C4-21D8-4D07-BA77-BAB066EC34A1}" dt="2019-10-16T05:21:25.802" v="1360" actId="404"/>
-          <ac:spMkLst>
-            <pc:docMk/>
-            <pc:sldMk cId="3271395273" sldId="280"/>
-            <ac:spMk id="3" creationId="{46844F4F-7E75-4704-914F-B1C8562D4975}"/>
-          </ac:spMkLst>
-        </pc:spChg>
-      </pc:sldChg>
-      <pc:sldChg chg="addSp modSp add modAnim modNotesTx">
-        <pc:chgData name="Daniel W. Hieber" userId="f7cf2c9d3dc7fdc6" providerId="LiveId" clId="{6B14D6C4-21D8-4D07-BA77-BAB066EC34A1}" dt="2019-10-16T05:29:30.606" v="1835" actId="179"/>
-        <pc:sldMkLst>
-          <pc:docMk/>
-          <pc:sldMk cId="1844191038" sldId="281"/>
-        </pc:sldMkLst>
-        <pc:spChg chg="mod">
-          <ac:chgData name="Daniel W. Hieber" userId="f7cf2c9d3dc7fdc6" providerId="LiveId" clId="{6B14D6C4-21D8-4D07-BA77-BAB066EC34A1}" dt="2019-10-16T05:25:41.334" v="1456" actId="20577"/>
-          <ac:spMkLst>
-            <pc:docMk/>
-            <pc:sldMk cId="1844191038" sldId="281"/>
-            <ac:spMk id="2" creationId="{F6F89534-6226-4FFA-9503-311B15B5BAEF}"/>
-          </ac:spMkLst>
-        </pc:spChg>
-        <pc:spChg chg="mod">
-          <ac:chgData name="Daniel W. Hieber" userId="f7cf2c9d3dc7fdc6" providerId="LiveId" clId="{6B14D6C4-21D8-4D07-BA77-BAB066EC34A1}" dt="2019-10-16T05:29:30.606" v="1835" actId="179"/>
-          <ac:spMkLst>
-            <pc:docMk/>
-            <pc:sldMk cId="1844191038" sldId="281"/>
-            <ac:spMk id="3" creationId="{EF558824-9A4A-4CB2-9B9F-97DB17CAEDCA}"/>
-          </ac:spMkLst>
-        </pc:spChg>
-        <pc:spChg chg="add mod">
-          <ac:chgData name="Daniel W. Hieber" userId="f7cf2c9d3dc7fdc6" providerId="LiveId" clId="{6B14D6C4-21D8-4D07-BA77-BAB066EC34A1}" dt="2019-10-16T05:27:25.118" v="1809" actId="20577"/>
-          <ac:spMkLst>
-            <pc:docMk/>
-            <pc:sldMk cId="1844191038" sldId="281"/>
-            <ac:spMk id="4" creationId="{1D0B3379-FEC2-4126-98A9-A0EA072DEA83}"/>
-          </ac:spMkLst>
-        </pc:spChg>
-      </pc:sldChg>
-      <pc:sldChg chg="addSp delSp modSp add">
-        <pc:chgData name="Daniel W. Hieber" userId="f7cf2c9d3dc7fdc6" providerId="LiveId" clId="{6B14D6C4-21D8-4D07-BA77-BAB066EC34A1}" dt="2019-10-16T05:32:16.119" v="1895" actId="20577"/>
-        <pc:sldMkLst>
-          <pc:docMk/>
-          <pc:sldMk cId="3159015561" sldId="282"/>
-        </pc:sldMkLst>
-        <pc:spChg chg="mod">
-          <ac:chgData name="Daniel W. Hieber" userId="f7cf2c9d3dc7fdc6" providerId="LiveId" clId="{6B14D6C4-21D8-4D07-BA77-BAB066EC34A1}" dt="2019-10-16T05:30:01.409" v="1860" actId="20577"/>
-          <ac:spMkLst>
-            <pc:docMk/>
-            <pc:sldMk cId="3159015561" sldId="282"/>
-            <ac:spMk id="2" creationId="{A0CC8286-6C8A-467A-B7E5-2938EEA766AC}"/>
-          </ac:spMkLst>
-        </pc:spChg>
-        <pc:spChg chg="del">
-          <ac:chgData name="Daniel W. Hieber" userId="f7cf2c9d3dc7fdc6" providerId="LiveId" clId="{6B14D6C4-21D8-4D07-BA77-BAB066EC34A1}" dt="2019-10-16T05:29:51.611" v="1844"/>
-          <ac:spMkLst>
-            <pc:docMk/>
-            <pc:sldMk cId="3159015561" sldId="282"/>
-            <ac:spMk id="3" creationId="{D00B6C22-1FC7-418D-96B1-0A4521568E55}"/>
-          </ac:spMkLst>
-        </pc:spChg>
-        <pc:spChg chg="del">
-          <ac:chgData name="Daniel W. Hieber" userId="f7cf2c9d3dc7fdc6" providerId="LiveId" clId="{6B14D6C4-21D8-4D07-BA77-BAB066EC34A1}" dt="2019-10-16T05:29:51.611" v="1844"/>
-          <ac:spMkLst>
-            <pc:docMk/>
-            <pc:sldMk cId="3159015561" sldId="282"/>
-            <ac:spMk id="4" creationId="{8CEA3AF3-3F9E-400B-914E-1C18F1849D20}"/>
-          </ac:spMkLst>
-        </pc:spChg>
-        <pc:spChg chg="add mod">
-          <ac:chgData name="Daniel W. Hieber" userId="f7cf2c9d3dc7fdc6" providerId="LiveId" clId="{6B14D6C4-21D8-4D07-BA77-BAB066EC34A1}" dt="2019-10-16T05:32:16.119" v="1895" actId="20577"/>
-          <ac:spMkLst>
-            <pc:docMk/>
-            <pc:sldMk cId="3159015561" sldId="282"/>
-            <ac:spMk id="5" creationId="{E77802DC-E3C8-4827-B22C-A34F1D697B56}"/>
-          </ac:spMkLst>
-        </pc:spChg>
-      </pc:sldChg>
-      <pc:sldChg chg="modSp add modNotesTx">
-        <pc:chgData name="Daniel W. Hieber" userId="f7cf2c9d3dc7fdc6" providerId="LiveId" clId="{6B14D6C4-21D8-4D07-BA77-BAB066EC34A1}" dt="2019-10-16T05:41:45.356" v="2510" actId="20577"/>
-        <pc:sldMkLst>
-          <pc:docMk/>
-          <pc:sldMk cId="104811983" sldId="283"/>
-        </pc:sldMkLst>
-        <pc:spChg chg="mod">
-          <ac:chgData name="Daniel W. Hieber" userId="f7cf2c9d3dc7fdc6" providerId="LiveId" clId="{6B14D6C4-21D8-4D07-BA77-BAB066EC34A1}" dt="2019-10-16T05:33:19.598" v="1934" actId="20577"/>
-          <ac:spMkLst>
-            <pc:docMk/>
-            <pc:sldMk cId="104811983" sldId="283"/>
-            <ac:spMk id="2" creationId="{B72A506B-3F15-40E1-930E-D2E5CDC42324}"/>
-          </ac:spMkLst>
-        </pc:spChg>
-        <pc:spChg chg="mod">
-          <ac:chgData name="Daniel W. Hieber" userId="f7cf2c9d3dc7fdc6" providerId="LiveId" clId="{6B14D6C4-21D8-4D07-BA77-BAB066EC34A1}" dt="2019-10-16T05:40:12.117" v="2178" actId="179"/>
-          <ac:spMkLst>
-            <pc:docMk/>
-            <pc:sldMk cId="104811983" sldId="283"/>
-            <ac:spMk id="3" creationId="{69CFA281-CB74-492F-9E21-3352181B4A0D}"/>
-          </ac:spMkLst>
-        </pc:spChg>
-      </pc:sldChg>
-      <pc:sldChg chg="delSp modSp add">
-        <pc:chgData name="Daniel W. Hieber" userId="f7cf2c9d3dc7fdc6" providerId="LiveId" clId="{6B14D6C4-21D8-4D07-BA77-BAB066EC34A1}" dt="2019-10-16T06:36:24.512" v="4077" actId="20577"/>
-        <pc:sldMkLst>
-          <pc:docMk/>
-          <pc:sldMk cId="466818138" sldId="284"/>
-        </pc:sldMkLst>
-        <pc:spChg chg="mod">
-          <ac:chgData name="Daniel W. Hieber" userId="f7cf2c9d3dc7fdc6" providerId="LiveId" clId="{6B14D6C4-21D8-4D07-BA77-BAB066EC34A1}" dt="2019-10-16T06:36:24.512" v="4077" actId="20577"/>
-          <ac:spMkLst>
-            <pc:docMk/>
-            <pc:sldMk cId="466818138" sldId="284"/>
-            <ac:spMk id="2" creationId="{3D8E772B-8F75-4403-9FF6-A36F68952E63}"/>
-          </ac:spMkLst>
-        </pc:spChg>
-        <pc:spChg chg="del">
-          <ac:chgData name="Daniel W. Hieber" userId="f7cf2c9d3dc7fdc6" providerId="LiveId" clId="{6B14D6C4-21D8-4D07-BA77-BAB066EC34A1}" dt="2019-10-16T06:25:24.507" v="2525" actId="478"/>
-          <ac:spMkLst>
-            <pc:docMk/>
-            <pc:sldMk cId="466818138" sldId="284"/>
-            <ac:spMk id="3" creationId="{6BA3BA4C-CEF7-41E8-9E12-053B7FBF2753}"/>
-          </ac:spMkLst>
-        </pc:spChg>
-      </pc:sldChg>
-      <pc:sldChg chg="addSp delSp modSp add modAnim modNotesTx">
-        <pc:chgData name="Daniel W. Hieber" userId="f7cf2c9d3dc7fdc6" providerId="LiveId" clId="{6B14D6C4-21D8-4D07-BA77-BAB066EC34A1}" dt="2019-10-16T06:37:42.046" v="4080"/>
-        <pc:sldMkLst>
-          <pc:docMk/>
-          <pc:sldMk cId="1866736994" sldId="285"/>
-        </pc:sldMkLst>
-        <pc:spChg chg="del">
-          <ac:chgData name="Daniel W. Hieber" userId="f7cf2c9d3dc7fdc6" providerId="LiveId" clId="{6B14D6C4-21D8-4D07-BA77-BAB066EC34A1}" dt="2019-10-16T06:25:29.711" v="2527"/>
-          <ac:spMkLst>
-            <pc:docMk/>
-            <pc:sldMk cId="1866736994" sldId="285"/>
-            <ac:spMk id="2" creationId="{43558571-B6C6-4DE2-BCBF-0069EB76EF6E}"/>
-          </ac:spMkLst>
-        </pc:spChg>
-        <pc:spChg chg="del">
-          <ac:chgData name="Daniel W. Hieber" userId="f7cf2c9d3dc7fdc6" providerId="LiveId" clId="{6B14D6C4-21D8-4D07-BA77-BAB066EC34A1}" dt="2019-10-16T06:25:29.711" v="2527"/>
-          <ac:spMkLst>
-            <pc:docMk/>
-            <pc:sldMk cId="1866736994" sldId="285"/>
-            <ac:spMk id="3" creationId="{1EC45154-79B8-4580-BBF0-8094369352B1}"/>
-          </ac:spMkLst>
-        </pc:spChg>
-        <pc:spChg chg="add mod">
-          <ac:chgData name="Daniel W. Hieber" userId="f7cf2c9d3dc7fdc6" providerId="LiveId" clId="{6B14D6C4-21D8-4D07-BA77-BAB066EC34A1}" dt="2019-10-16T06:25:59.512" v="2592" actId="20577"/>
-          <ac:spMkLst>
-            <pc:docMk/>
-            <pc:sldMk cId="1866736994" sldId="285"/>
-            <ac:spMk id="4" creationId="{2EF85915-3D77-4934-AE46-6D49119E8D0C}"/>
-          </ac:spMkLst>
-        </pc:spChg>
-        <pc:spChg chg="add mod">
-          <ac:chgData name="Daniel W. Hieber" userId="f7cf2c9d3dc7fdc6" providerId="LiveId" clId="{6B14D6C4-21D8-4D07-BA77-BAB066EC34A1}" dt="2019-10-16T06:26:39.069" v="2732" actId="20577"/>
-          <ac:spMkLst>
-            <pc:docMk/>
-            <pc:sldMk cId="1866736994" sldId="285"/>
-            <ac:spMk id="5" creationId="{265517FF-5163-44CE-8FED-3F25C78624B3}"/>
-          </ac:spMkLst>
-        </pc:spChg>
-      </pc:sldChg>
-      <pc:sldChg chg="modSp add modAnim modNotesTx">
-        <pc:chgData name="Daniel W. Hieber" userId="f7cf2c9d3dc7fdc6" providerId="LiveId" clId="{6B14D6C4-21D8-4D07-BA77-BAB066EC34A1}" dt="2019-10-16T06:38:01.454" v="4086"/>
-        <pc:sldMkLst>
-          <pc:docMk/>
-          <pc:sldMk cId="369527579" sldId="286"/>
-        </pc:sldMkLst>
-        <pc:spChg chg="mod">
-          <ac:chgData name="Daniel W. Hieber" userId="f7cf2c9d3dc7fdc6" providerId="LiveId" clId="{6B14D6C4-21D8-4D07-BA77-BAB066EC34A1}" dt="2019-10-16T06:33:45.097" v="3986" actId="20577"/>
-          <ac:spMkLst>
-            <pc:docMk/>
-            <pc:sldMk cId="369527579" sldId="286"/>
-            <ac:spMk id="2" creationId="{DFC3816E-56A8-4E12-90FD-64B6B05B6CEF}"/>
-          </ac:spMkLst>
-        </pc:spChg>
-        <pc:spChg chg="mod">
-          <ac:chgData name="Daniel W. Hieber" userId="f7cf2c9d3dc7fdc6" providerId="LiveId" clId="{6B14D6C4-21D8-4D07-BA77-BAB066EC34A1}" dt="2019-10-16T06:34:26.616" v="4066" actId="20577"/>
-          <ac:spMkLst>
-            <pc:docMk/>
-            <pc:sldMk cId="369527579" sldId="286"/>
-            <ac:spMk id="3" creationId="{1BAEDAB5-CBD3-42C6-858F-B03A32C4E710}"/>
-          </ac:spMkLst>
-        </pc:spChg>
-      </pc:sldChg>
-      <pc:sldChg chg="modSp add modNotesTx">
-        <pc:chgData name="Daniel W. Hieber" userId="f7cf2c9d3dc7fdc6" providerId="LiveId" clId="{6B14D6C4-21D8-4D07-BA77-BAB066EC34A1}" dt="2019-10-16T06:48:30.016" v="5178" actId="20577"/>
-        <pc:sldMkLst>
-          <pc:docMk/>
-          <pc:sldMk cId="3609295581" sldId="287"/>
-        </pc:sldMkLst>
-        <pc:spChg chg="mod">
-          <ac:chgData name="Daniel W. Hieber" userId="f7cf2c9d3dc7fdc6" providerId="LiveId" clId="{6B14D6C4-21D8-4D07-BA77-BAB066EC34A1}" dt="2019-10-16T06:38:46.717" v="4112" actId="20577"/>
-          <ac:spMkLst>
-            <pc:docMk/>
-            <pc:sldMk cId="3609295581" sldId="287"/>
-            <ac:spMk id="2" creationId="{2C0E05CD-33CA-45FE-8102-3C59AA329688}"/>
-          </ac:spMkLst>
-        </pc:spChg>
-        <pc:spChg chg="mod">
-          <ac:chgData name="Daniel W. Hieber" userId="f7cf2c9d3dc7fdc6" providerId="LiveId" clId="{6B14D6C4-21D8-4D07-BA77-BAB066EC34A1}" dt="2019-10-16T06:48:30.016" v="5178" actId="20577"/>
-          <ac:spMkLst>
-            <pc:docMk/>
-            <pc:sldMk cId="3609295581" sldId="287"/>
-            <ac:spMk id="3" creationId="{66EDFDDE-5BFE-4697-9FEE-BCA203E2B892}"/>
-          </ac:spMkLst>
-        </pc:spChg>
-      </pc:sldChg>
-      <pc:sldChg chg="modSp add modAnim modNotesTx">
-        <pc:chgData name="Daniel W. Hieber" userId="f7cf2c9d3dc7fdc6" providerId="LiveId" clId="{6B14D6C4-21D8-4D07-BA77-BAB066EC34A1}" dt="2019-10-16T06:52:25.987" v="5598" actId="20577"/>
-        <pc:sldMkLst>
-          <pc:docMk/>
-          <pc:sldMk cId="534831753" sldId="288"/>
-        </pc:sldMkLst>
-        <pc:spChg chg="mod">
-          <ac:chgData name="Daniel W. Hieber" userId="f7cf2c9d3dc7fdc6" providerId="LiveId" clId="{6B14D6C4-21D8-4D07-BA77-BAB066EC34A1}" dt="2019-10-16T06:50:14.365" v="5333" actId="20577"/>
-          <ac:spMkLst>
-            <pc:docMk/>
-            <pc:sldMk cId="534831753" sldId="288"/>
-            <ac:spMk id="3" creationId="{66EDFDDE-5BFE-4697-9FEE-BCA203E2B892}"/>
-          </ac:spMkLst>
-        </pc:spChg>
-      </pc:sldChg>
-      <pc:sldChg chg="modSp add modNotesTx">
-        <pc:chgData name="Daniel W. Hieber" userId="f7cf2c9d3dc7fdc6" providerId="LiveId" clId="{6B14D6C4-21D8-4D07-BA77-BAB066EC34A1}" dt="2019-10-16T06:43:46.387" v="4765" actId="20577"/>
-        <pc:sldMkLst>
-          <pc:docMk/>
-          <pc:sldMk cId="2604068084" sldId="289"/>
-        </pc:sldMkLst>
-        <pc:spChg chg="mod">
-          <ac:chgData name="Daniel W. Hieber" userId="f7cf2c9d3dc7fdc6" providerId="LiveId" clId="{6B14D6C4-21D8-4D07-BA77-BAB066EC34A1}" dt="2019-10-16T06:42:22.112" v="4653" actId="20577"/>
-          <ac:spMkLst>
-            <pc:docMk/>
-            <pc:sldMk cId="2604068084" sldId="289"/>
-            <ac:spMk id="2" creationId="{F3CDA8D8-D7CE-42DD-9462-C53DC335CC88}"/>
-          </ac:spMkLst>
-        </pc:spChg>
-        <pc:spChg chg="mod">
-          <ac:chgData name="Daniel W. Hieber" userId="f7cf2c9d3dc7fdc6" providerId="LiveId" clId="{6B14D6C4-21D8-4D07-BA77-BAB066EC34A1}" dt="2019-10-16T06:43:22.958" v="4679" actId="20577"/>
-          <ac:spMkLst>
-            <pc:docMk/>
-            <pc:sldMk cId="2604068084" sldId="289"/>
-            <ac:spMk id="3" creationId="{5D9CE628-0A93-45AF-9D62-E09BEC08F986}"/>
-          </ac:spMkLst>
-        </pc:spChg>
-      </pc:sldChg>
-      <pc:sldChg chg="modSp add modAnim modNotesTx">
-        <pc:chgData name="Daniel W. Hieber" userId="f7cf2c9d3dc7fdc6" providerId="LiveId" clId="{6B14D6C4-21D8-4D07-BA77-BAB066EC34A1}" dt="2019-10-16T07:11:48.674" v="7613"/>
-        <pc:sldMkLst>
-          <pc:docMk/>
-          <pc:sldMk cId="1180226425" sldId="290"/>
-        </pc:sldMkLst>
-        <pc:spChg chg="mod">
-          <ac:chgData name="Daniel W. Hieber" userId="f7cf2c9d3dc7fdc6" providerId="LiveId" clId="{6B14D6C4-21D8-4D07-BA77-BAB066EC34A1}" dt="2019-10-16T06:52:52.063" v="5622" actId="20577"/>
-          <ac:spMkLst>
-            <pc:docMk/>
-            <pc:sldMk cId="1180226425" sldId="290"/>
-            <ac:spMk id="2" creationId="{6BA1CA17-5108-4A22-B1B7-8500770EC58B}"/>
-          </ac:spMkLst>
-        </pc:spChg>
-        <pc:spChg chg="mod">
-          <ac:chgData name="Daniel W. Hieber" userId="f7cf2c9d3dc7fdc6" providerId="LiveId" clId="{6B14D6C4-21D8-4D07-BA77-BAB066EC34A1}" dt="2019-10-16T06:54:10.099" v="5806" actId="20577"/>
-          <ac:spMkLst>
-            <pc:docMk/>
-            <pc:sldMk cId="1180226425" sldId="290"/>
-            <ac:spMk id="3" creationId="{502A4D47-23FC-41FA-8875-055AB487DC73}"/>
-          </ac:spMkLst>
-        </pc:spChg>
-      </pc:sldChg>
-      <pc:sldChg chg="modSp add modAnim modNotesTx">
-        <pc:chgData name="Daniel W. Hieber" userId="f7cf2c9d3dc7fdc6" providerId="LiveId" clId="{6B14D6C4-21D8-4D07-BA77-BAB066EC34A1}" dt="2019-10-16T07:11:37.518" v="7608"/>
-        <pc:sldMkLst>
-          <pc:docMk/>
-          <pc:sldMk cId="3939216741" sldId="291"/>
-        </pc:sldMkLst>
-        <pc:spChg chg="mod">
-          <ac:chgData name="Daniel W. Hieber" userId="f7cf2c9d3dc7fdc6" providerId="LiveId" clId="{6B14D6C4-21D8-4D07-BA77-BAB066EC34A1}" dt="2019-10-16T06:57:47.118" v="6340" actId="20577"/>
-          <ac:spMkLst>
-            <pc:docMk/>
-            <pc:sldMk cId="3939216741" sldId="291"/>
-            <ac:spMk id="2" creationId="{E8ACF1DE-7CB8-4B22-B5E6-A8E4F719A317}"/>
-          </ac:spMkLst>
-        </pc:spChg>
-        <pc:spChg chg="mod">
-          <ac:chgData name="Daniel W. Hieber" userId="f7cf2c9d3dc7fdc6" providerId="LiveId" clId="{6B14D6C4-21D8-4D07-BA77-BAB066EC34A1}" dt="2019-10-16T07:01:38.343" v="6727" actId="20577"/>
-          <ac:spMkLst>
-            <pc:docMk/>
-            <pc:sldMk cId="3939216741" sldId="291"/>
-            <ac:spMk id="3" creationId="{5F46FB83-D955-43DF-90B8-9D3AF4B9A3BF}"/>
-          </ac:spMkLst>
-        </pc:spChg>
-      </pc:sldChg>
-      <pc:sldChg chg="addSp modSp add modAnim modNotesTx">
-        <pc:chgData name="Daniel W. Hieber" userId="f7cf2c9d3dc7fdc6" providerId="LiveId" clId="{6B14D6C4-21D8-4D07-BA77-BAB066EC34A1}" dt="2019-10-16T08:15:32.971" v="12265" actId="20577"/>
-        <pc:sldMkLst>
-          <pc:docMk/>
-          <pc:sldMk cId="1005514614" sldId="292"/>
-        </pc:sldMkLst>
-        <pc:spChg chg="mod">
-          <ac:chgData name="Daniel W. Hieber" userId="f7cf2c9d3dc7fdc6" providerId="LiveId" clId="{6B14D6C4-21D8-4D07-BA77-BAB066EC34A1}" dt="2019-10-16T07:02:30.342" v="6754" actId="20577"/>
-          <ac:spMkLst>
-            <pc:docMk/>
-            <pc:sldMk cId="1005514614" sldId="292"/>
-            <ac:spMk id="2" creationId="{BB496C0E-868B-4EB2-BB23-3DE9A35EE3E7}"/>
-          </ac:spMkLst>
-        </pc:spChg>
-        <pc:spChg chg="mod">
-          <ac:chgData name="Daniel W. Hieber" userId="f7cf2c9d3dc7fdc6" providerId="LiveId" clId="{6B14D6C4-21D8-4D07-BA77-BAB066EC34A1}" dt="2019-10-16T07:09:25.123" v="7373" actId="27636"/>
-          <ac:spMkLst>
-            <pc:docMk/>
-            <pc:sldMk cId="1005514614" sldId="292"/>
-            <ac:spMk id="3" creationId="{0B02C209-5DF8-478A-9D79-63383CB9E2DD}"/>
-          </ac:spMkLst>
-        </pc:spChg>
-        <pc:cxnChg chg="add mod">
-          <ac:chgData name="Daniel W. Hieber" userId="f7cf2c9d3dc7fdc6" providerId="LiveId" clId="{6B14D6C4-21D8-4D07-BA77-BAB066EC34A1}" dt="2019-10-16T07:06:29.044" v="6940" actId="1582"/>
-          <ac:cxnSpMkLst>
-            <pc:docMk/>
-            <pc:sldMk cId="1005514614" sldId="292"/>
-            <ac:cxnSpMk id="5" creationId="{26F2AC21-836D-4484-AF92-25080807F523}"/>
-          </ac:cxnSpMkLst>
-        </pc:cxnChg>
-      </pc:sldChg>
-      <pc:sldChg chg="modSp add modNotesTx">
-        <pc:chgData name="Daniel W. Hieber" userId="f7cf2c9d3dc7fdc6" providerId="LiveId" clId="{6B14D6C4-21D8-4D07-BA77-BAB066EC34A1}" dt="2019-10-16T07:14:12.660" v="8006" actId="20577"/>
-        <pc:sldMkLst>
-          <pc:docMk/>
-          <pc:sldMk cId="194688908" sldId="293"/>
-        </pc:sldMkLst>
-        <pc:spChg chg="mod">
-          <ac:chgData name="Daniel W. Hieber" userId="f7cf2c9d3dc7fdc6" providerId="LiveId" clId="{6B14D6C4-21D8-4D07-BA77-BAB066EC34A1}" dt="2019-10-16T07:13:21.076" v="7758" actId="20577"/>
-          <ac:spMkLst>
-            <pc:docMk/>
-            <pc:sldMk cId="194688908" sldId="293"/>
-            <ac:spMk id="2" creationId="{515C1AFA-CE57-4894-8B4C-3AB3291F65F1}"/>
-          </ac:spMkLst>
-        </pc:spChg>
-        <pc:spChg chg="mod">
-          <ac:chgData name="Daniel W. Hieber" userId="f7cf2c9d3dc7fdc6" providerId="LiveId" clId="{6B14D6C4-21D8-4D07-BA77-BAB066EC34A1}" dt="2019-10-16T07:13:48.880" v="7876" actId="20577"/>
-          <ac:spMkLst>
-            <pc:docMk/>
-            <pc:sldMk cId="194688908" sldId="293"/>
-            <ac:spMk id="3" creationId="{D95DFF02-DF55-4F80-ACAB-3F538826B65C}"/>
-          </ac:spMkLst>
-        </pc:spChg>
-      </pc:sldChg>
-      <pc:sldChg chg="addSp delSp modSp add">
-        <pc:chgData name="Daniel W. Hieber" userId="f7cf2c9d3dc7fdc6" providerId="LiveId" clId="{6B14D6C4-21D8-4D07-BA77-BAB066EC34A1}" dt="2019-10-16T07:14:38.456" v="8019" actId="478"/>
-        <pc:sldMkLst>
-          <pc:docMk/>
-          <pc:sldMk cId="1073670372" sldId="294"/>
-        </pc:sldMkLst>
-        <pc:spChg chg="del">
-          <ac:chgData name="Daniel W. Hieber" userId="f7cf2c9d3dc7fdc6" providerId="LiveId" clId="{6B14D6C4-21D8-4D07-BA77-BAB066EC34A1}" dt="2019-10-16T07:14:30.034" v="8008"/>
-          <ac:spMkLst>
-            <pc:docMk/>
-            <pc:sldMk cId="1073670372" sldId="294"/>
-            <ac:spMk id="2" creationId="{FA001727-C04F-4F9B-8887-97B6EC9A9AD5}"/>
-          </ac:spMkLst>
-        </pc:spChg>
-        <pc:spChg chg="del">
-          <ac:chgData name="Daniel W. Hieber" userId="f7cf2c9d3dc7fdc6" providerId="LiveId" clId="{6B14D6C4-21D8-4D07-BA77-BAB066EC34A1}" dt="2019-10-16T07:14:30.034" v="8008"/>
-          <ac:spMkLst>
-            <pc:docMk/>
-            <pc:sldMk cId="1073670372" sldId="294"/>
-            <ac:spMk id="3" creationId="{5573E79B-90AB-4D89-82D3-1F71F8C996E6}"/>
-          </ac:spMkLst>
-        </pc:spChg>
-        <pc:spChg chg="add mod">
-          <ac:chgData name="Daniel W. Hieber" userId="f7cf2c9d3dc7fdc6" providerId="LiveId" clId="{6B14D6C4-21D8-4D07-BA77-BAB066EC34A1}" dt="2019-10-16T07:14:36.168" v="8018" actId="20577"/>
-          <ac:spMkLst>
-            <pc:docMk/>
-            <pc:sldMk cId="1073670372" sldId="294"/>
-            <ac:spMk id="4" creationId="{A96C1051-A739-4EFC-962C-AB49149D259F}"/>
-          </ac:spMkLst>
-        </pc:spChg>
-        <pc:spChg chg="add del mod">
-          <ac:chgData name="Daniel W. Hieber" userId="f7cf2c9d3dc7fdc6" providerId="LiveId" clId="{6B14D6C4-21D8-4D07-BA77-BAB066EC34A1}" dt="2019-10-16T07:14:38.456" v="8019" actId="478"/>
-          <ac:spMkLst>
-            <pc:docMk/>
-            <pc:sldMk cId="1073670372" sldId="294"/>
-            <ac:spMk id="5" creationId="{EA05508F-5FCB-4D37-8BC9-502B3CE2C192}"/>
-          </ac:spMkLst>
-        </pc:spChg>
-      </pc:sldChg>
-      <pc:sldChg chg="modSp add">
-        <pc:chgData name="Daniel W. Hieber" userId="f7cf2c9d3dc7fdc6" providerId="LiveId" clId="{6B14D6C4-21D8-4D07-BA77-BAB066EC34A1}" dt="2019-10-16T07:17:04.073" v="8448" actId="20577"/>
-        <pc:sldMkLst>
-          <pc:docMk/>
-          <pc:sldMk cId="3823841999" sldId="295"/>
-        </pc:sldMkLst>
-        <pc:spChg chg="mod">
-          <ac:chgData name="Daniel W. Hieber" userId="f7cf2c9d3dc7fdc6" providerId="LiveId" clId="{6B14D6C4-21D8-4D07-BA77-BAB066EC34A1}" dt="2019-10-16T07:15:23.235" v="8065" actId="20577"/>
-          <ac:spMkLst>
-            <pc:docMk/>
-            <pc:sldMk cId="3823841999" sldId="295"/>
-            <ac:spMk id="2" creationId="{2022CEE6-E4B9-42FD-A3DD-1DAB0E860BF9}"/>
-          </ac:spMkLst>
-        </pc:spChg>
-        <pc:spChg chg="mod">
-          <ac:chgData name="Daniel W. Hieber" userId="f7cf2c9d3dc7fdc6" providerId="LiveId" clId="{6B14D6C4-21D8-4D07-BA77-BAB066EC34A1}" dt="2019-10-16T07:17:04.073" v="8448" actId="20577"/>
-          <ac:spMkLst>
-            <pc:docMk/>
-            <pc:sldMk cId="3823841999" sldId="295"/>
-            <ac:spMk id="3" creationId="{4D7CB63E-A340-45E3-B7F4-28A8D0624306}"/>
-          </ac:spMkLst>
-        </pc:spChg>
-      </pc:sldChg>
-      <pc:sldChg chg="modSp add modNotesTx">
-        <pc:chgData name="Daniel W. Hieber" userId="f7cf2c9d3dc7fdc6" providerId="LiveId" clId="{6B14D6C4-21D8-4D07-BA77-BAB066EC34A1}" dt="2019-10-16T07:31:45.956" v="9233" actId="20577"/>
-        <pc:sldMkLst>
-          <pc:docMk/>
-          <pc:sldMk cId="2810963050" sldId="296"/>
-        </pc:sldMkLst>
-        <pc:spChg chg="mod">
-          <ac:chgData name="Daniel W. Hieber" userId="f7cf2c9d3dc7fdc6" providerId="LiveId" clId="{6B14D6C4-21D8-4D07-BA77-BAB066EC34A1}" dt="2019-10-16T07:20:24.771" v="8721" actId="20577"/>
-          <ac:spMkLst>
-            <pc:docMk/>
-            <pc:sldMk cId="2810963050" sldId="296"/>
-            <ac:spMk id="2" creationId="{42C07664-CE06-42A8-8907-F667292665E7}"/>
-          </ac:spMkLst>
-        </pc:spChg>
-        <pc:spChg chg="mod">
-          <ac:chgData name="Daniel W. Hieber" userId="f7cf2c9d3dc7fdc6" providerId="LiveId" clId="{6B14D6C4-21D8-4D07-BA77-BAB066EC34A1}" dt="2019-10-16T07:28:29.451" v="9195" actId="20577"/>
-          <ac:spMkLst>
-            <pc:docMk/>
-            <pc:sldMk cId="2810963050" sldId="296"/>
-            <ac:spMk id="3" creationId="{7DCDA025-0CDE-46EA-8B3A-49D6B83E8A03}"/>
-          </ac:spMkLst>
-        </pc:spChg>
-      </pc:sldChg>
-      <pc:sldChg chg="delSp modSp add">
-        <pc:chgData name="Daniel W. Hieber" userId="f7cf2c9d3dc7fdc6" providerId="LiveId" clId="{6B14D6C4-21D8-4D07-BA77-BAB066EC34A1}" dt="2019-10-16T07:23:01.440" v="9179" actId="478"/>
-        <pc:sldMkLst>
-          <pc:docMk/>
-          <pc:sldMk cId="585011676" sldId="297"/>
-        </pc:sldMkLst>
-        <pc:spChg chg="mod">
-          <ac:chgData name="Daniel W. Hieber" userId="f7cf2c9d3dc7fdc6" providerId="LiveId" clId="{6B14D6C4-21D8-4D07-BA77-BAB066EC34A1}" dt="2019-10-16T07:22:59.366" v="9178" actId="20577"/>
-          <ac:spMkLst>
-            <pc:docMk/>
-            <pc:sldMk cId="585011676" sldId="297"/>
-            <ac:spMk id="2" creationId="{70AB4A2C-6D05-4F14-A874-04D907ACB868}"/>
-          </ac:spMkLst>
-        </pc:spChg>
-        <pc:spChg chg="del">
-          <ac:chgData name="Daniel W. Hieber" userId="f7cf2c9d3dc7fdc6" providerId="LiveId" clId="{6B14D6C4-21D8-4D07-BA77-BAB066EC34A1}" dt="2019-10-16T07:23:01.440" v="9179" actId="478"/>
-          <ac:spMkLst>
-            <pc:docMk/>
-            <pc:sldMk cId="585011676" sldId="297"/>
-            <ac:spMk id="3" creationId="{C64CA913-9096-4AFE-977D-93439F3EEDD8}"/>
-          </ac:spMkLst>
-        </pc:spChg>
-      </pc:sldChg>
-      <pc:sldChg chg="addSp delSp modSp add modNotesTx">
-        <pc:chgData name="Daniel W. Hieber" userId="f7cf2c9d3dc7fdc6" providerId="LiveId" clId="{6B14D6C4-21D8-4D07-BA77-BAB066EC34A1}" dt="2019-10-16T08:30:15.167" v="12953" actId="20577"/>
-        <pc:sldMkLst>
-          <pc:docMk/>
-          <pc:sldMk cId="2708164274" sldId="298"/>
-        </pc:sldMkLst>
-        <pc:spChg chg="del">
-          <ac:chgData name="Daniel W. Hieber" userId="f7cf2c9d3dc7fdc6" providerId="LiveId" clId="{6B14D6C4-21D8-4D07-BA77-BAB066EC34A1}" dt="2019-10-16T07:28:40.504" v="9197"/>
-          <ac:spMkLst>
-            <pc:docMk/>
-            <pc:sldMk cId="2708164274" sldId="298"/>
-            <ac:spMk id="2" creationId="{2EC2287A-4467-4FF0-923E-7A2E1A5C00FB}"/>
-          </ac:spMkLst>
-        </pc:spChg>
-        <pc:spChg chg="del">
-          <ac:chgData name="Daniel W. Hieber" userId="f7cf2c9d3dc7fdc6" providerId="LiveId" clId="{6B14D6C4-21D8-4D07-BA77-BAB066EC34A1}" dt="2019-10-16T07:28:40.504" v="9197"/>
-          <ac:spMkLst>
-            <pc:docMk/>
-            <pc:sldMk cId="2708164274" sldId="298"/>
-            <ac:spMk id="3" creationId="{F8EAE107-41BC-4036-90D1-3F1F24B90E14}"/>
-          </ac:spMkLst>
-        </pc:spChg>
-        <pc:spChg chg="add mod">
-          <ac:chgData name="Daniel W. Hieber" userId="f7cf2c9d3dc7fdc6" providerId="LiveId" clId="{6B14D6C4-21D8-4D07-BA77-BAB066EC34A1}" dt="2019-10-16T07:32:02.590" v="9238" actId="20577"/>
-          <ac:spMkLst>
-            <pc:docMk/>
-            <pc:sldMk cId="2708164274" sldId="298"/>
-            <ac:spMk id="4" creationId="{703EF4CE-3F69-42C3-A971-A0DA55F9EE78}"/>
-          </ac:spMkLst>
-        </pc:spChg>
-        <pc:spChg chg="add mod">
-          <ac:chgData name="Daniel W. Hieber" userId="f7cf2c9d3dc7fdc6" providerId="LiveId" clId="{6B14D6C4-21D8-4D07-BA77-BAB066EC34A1}" dt="2019-10-16T07:36:45.041" v="9446" actId="20577"/>
-          <ac:spMkLst>
-            <pc:docMk/>
-            <pc:sldMk cId="2708164274" sldId="298"/>
-            <ac:spMk id="5" creationId="{0F82A879-1920-4034-BA31-3E8C1ADBE983}"/>
-          </ac:spMkLst>
-        </pc:spChg>
-      </pc:sldChg>
-      <pc:sldChg chg="modSp add modNotesTx">
-        <pc:chgData name="Daniel W. Hieber" userId="f7cf2c9d3dc7fdc6" providerId="LiveId" clId="{6B14D6C4-21D8-4D07-BA77-BAB066EC34A1}" dt="2019-10-16T07:55:13.753" v="10849" actId="20577"/>
-        <pc:sldMkLst>
-          <pc:docMk/>
-          <pc:sldMk cId="899279433" sldId="299"/>
-        </pc:sldMkLst>
-        <pc:spChg chg="mod">
-          <ac:chgData name="Daniel W. Hieber" userId="f7cf2c9d3dc7fdc6" providerId="LiveId" clId="{6B14D6C4-21D8-4D07-BA77-BAB066EC34A1}" dt="2019-10-16T07:38:37.326" v="9778" actId="20577"/>
-          <ac:spMkLst>
-            <pc:docMk/>
-            <pc:sldMk cId="899279433" sldId="299"/>
-            <ac:spMk id="2" creationId="{83D40B5A-8B4A-48A2-A71E-80EF09B75E6C}"/>
-          </ac:spMkLst>
-        </pc:spChg>
-        <pc:spChg chg="mod">
-          <ac:chgData name="Daniel W. Hieber" userId="f7cf2c9d3dc7fdc6" providerId="LiveId" clId="{6B14D6C4-21D8-4D07-BA77-BAB066EC34A1}" dt="2019-10-16T07:43:21.854" v="9844" actId="20577"/>
-          <ac:spMkLst>
-            <pc:docMk/>
-            <pc:sldMk cId="899279433" sldId="299"/>
-            <ac:spMk id="3" creationId="{B93807D3-3116-417C-A2E9-44FF35ED5362}"/>
-          </ac:spMkLst>
-        </pc:spChg>
-      </pc:sldChg>
-      <pc:sldChg chg="modSp add modNotesTx">
-        <pc:chgData name="Daniel W. Hieber" userId="f7cf2c9d3dc7fdc6" providerId="LiveId" clId="{6B14D6C4-21D8-4D07-BA77-BAB066EC34A1}" dt="2019-10-16T07:54:28.949" v="10777" actId="207"/>
-        <pc:sldMkLst>
-          <pc:docMk/>
-          <pc:sldMk cId="2405181875" sldId="300"/>
-        </pc:sldMkLst>
-        <pc:spChg chg="mod">
-          <ac:chgData name="Daniel W. Hieber" userId="f7cf2c9d3dc7fdc6" providerId="LiveId" clId="{6B14D6C4-21D8-4D07-BA77-BAB066EC34A1}" dt="2019-10-16T07:46:03.929" v="10331" actId="20577"/>
-          <ac:spMkLst>
-            <pc:docMk/>
-            <pc:sldMk cId="2405181875" sldId="300"/>
-            <ac:spMk id="2" creationId="{D4EDCEFD-754B-44BE-A268-DD0673F43D39}"/>
-          </ac:spMkLst>
-        </pc:spChg>
-        <pc:spChg chg="mod">
-          <ac:chgData name="Daniel W. Hieber" userId="f7cf2c9d3dc7fdc6" providerId="LiveId" clId="{6B14D6C4-21D8-4D07-BA77-BAB066EC34A1}" dt="2019-10-16T07:54:28.949" v="10777" actId="207"/>
-          <ac:spMkLst>
-            <pc:docMk/>
-            <pc:sldMk cId="2405181875" sldId="300"/>
-            <ac:spMk id="3" creationId="{AE735C26-216A-4630-AB69-C36ACD6FF7B7}"/>
-          </ac:spMkLst>
-        </pc:spChg>
-      </pc:sldChg>
-      <pc:sldChg chg="modSp add modNotesTx">
-        <pc:chgData name="Daniel W. Hieber" userId="f7cf2c9d3dc7fdc6" providerId="LiveId" clId="{6B14D6C4-21D8-4D07-BA77-BAB066EC34A1}" dt="2019-10-16T08:26:41.877" v="12786" actId="20577"/>
-        <pc:sldMkLst>
-          <pc:docMk/>
-          <pc:sldMk cId="934305505" sldId="301"/>
-        </pc:sldMkLst>
-        <pc:spChg chg="mod">
-          <ac:chgData name="Daniel W. Hieber" userId="f7cf2c9d3dc7fdc6" providerId="LiveId" clId="{6B14D6C4-21D8-4D07-BA77-BAB066EC34A1}" dt="2019-10-16T07:51:32.941" v="10591" actId="20577"/>
-          <ac:spMkLst>
-            <pc:docMk/>
-            <pc:sldMk cId="934305505" sldId="301"/>
-            <ac:spMk id="2" creationId="{AF543340-FFE8-4C24-9E01-58250C8305BF}"/>
-          </ac:spMkLst>
-        </pc:spChg>
-        <pc:spChg chg="mod">
-          <ac:chgData name="Daniel W. Hieber" userId="f7cf2c9d3dc7fdc6" providerId="LiveId" clId="{6B14D6C4-21D8-4D07-BA77-BAB066EC34A1}" dt="2019-10-16T07:53:03.847" v="10734" actId="207"/>
-          <ac:spMkLst>
-            <pc:docMk/>
-            <pc:sldMk cId="934305505" sldId="301"/>
-            <ac:spMk id="3" creationId="{BE2395E7-EE46-4229-B3F5-D0FA8E1E9347}"/>
-          </ac:spMkLst>
-        </pc:spChg>
-      </pc:sldChg>
-      <pc:sldChg chg="modSp add modNotesTx">
-        <pc:chgData name="Daniel W. Hieber" userId="f7cf2c9d3dc7fdc6" providerId="LiveId" clId="{6B14D6C4-21D8-4D07-BA77-BAB066EC34A1}" dt="2019-10-16T08:04:51.520" v="11420" actId="207"/>
-        <pc:sldMkLst>
-          <pc:docMk/>
-          <pc:sldMk cId="1579548950" sldId="302"/>
-        </pc:sldMkLst>
-        <pc:spChg chg="mod">
-          <ac:chgData name="Daniel W. Hieber" userId="f7cf2c9d3dc7fdc6" providerId="LiveId" clId="{6B14D6C4-21D8-4D07-BA77-BAB066EC34A1}" dt="2019-10-16T07:56:23.927" v="10917" actId="20577"/>
-          <ac:spMkLst>
-            <pc:docMk/>
-            <pc:sldMk cId="1579548950" sldId="302"/>
-            <ac:spMk id="2" creationId="{9D7D09AE-7911-4AED-82A0-678CE017811F}"/>
-          </ac:spMkLst>
-        </pc:spChg>
-        <pc:spChg chg="mod">
-          <ac:chgData name="Daniel W. Hieber" userId="f7cf2c9d3dc7fdc6" providerId="LiveId" clId="{6B14D6C4-21D8-4D07-BA77-BAB066EC34A1}" dt="2019-10-16T08:04:51.520" v="11420" actId="207"/>
-          <ac:spMkLst>
-            <pc:docMk/>
-            <pc:sldMk cId="1579548950" sldId="302"/>
-            <ac:spMk id="3" creationId="{A6C82679-8E33-4DB7-B394-0438609374C3}"/>
-          </ac:spMkLst>
-        </pc:spChg>
-      </pc:sldChg>
-      <pc:sldChg chg="modSp add modNotesTx">
-        <pc:chgData name="Daniel W. Hieber" userId="f7cf2c9d3dc7fdc6" providerId="LiveId" clId="{6B14D6C4-21D8-4D07-BA77-BAB066EC34A1}" dt="2019-10-16T08:10:07.477" v="12074" actId="20577"/>
-        <pc:sldMkLst>
-          <pc:docMk/>
-          <pc:sldMk cId="1953458221" sldId="303"/>
-        </pc:sldMkLst>
-        <pc:spChg chg="mod">
-          <ac:chgData name="Daniel W. Hieber" userId="f7cf2c9d3dc7fdc6" providerId="LiveId" clId="{6B14D6C4-21D8-4D07-BA77-BAB066EC34A1}" dt="2019-10-16T08:05:31.200" v="11426" actId="20577"/>
-          <ac:spMkLst>
-            <pc:docMk/>
-            <pc:sldMk cId="1953458221" sldId="303"/>
-            <ac:spMk id="2" creationId="{983CEF47-23A0-434A-AC84-FFFBCFAE0C10}"/>
-          </ac:spMkLst>
-        </pc:spChg>
-        <pc:spChg chg="mod">
-          <ac:chgData name="Daniel W. Hieber" userId="f7cf2c9d3dc7fdc6" providerId="LiveId" clId="{6B14D6C4-21D8-4D07-BA77-BAB066EC34A1}" dt="2019-10-16T08:08:29.281" v="11688" actId="207"/>
-          <ac:spMkLst>
-            <pc:docMk/>
-            <pc:sldMk cId="1953458221" sldId="303"/>
-            <ac:spMk id="3" creationId="{C6457FD4-A789-45E2-A90C-1E6707F2D836}"/>
-          </ac:spMkLst>
-        </pc:spChg>
-      </pc:sldChg>
-      <pc:sldChg chg="modSp add">
-        <pc:chgData name="Daniel W. Hieber" userId="f7cf2c9d3dc7fdc6" providerId="LiveId" clId="{6B14D6C4-21D8-4D07-BA77-BAB066EC34A1}" dt="2019-10-16T08:23:11.361" v="12573" actId="207"/>
-        <pc:sldMkLst>
-          <pc:docMk/>
-          <pc:sldMk cId="730168830" sldId="304"/>
-        </pc:sldMkLst>
-        <pc:spChg chg="mod">
-          <ac:chgData name="Daniel W. Hieber" userId="f7cf2c9d3dc7fdc6" providerId="LiveId" clId="{6B14D6C4-21D8-4D07-BA77-BAB066EC34A1}" dt="2019-10-16T08:13:19.444" v="12080" actId="20577"/>
-          <ac:spMkLst>
-            <pc:docMk/>
-            <pc:sldMk cId="730168830" sldId="304"/>
-            <ac:spMk id="2" creationId="{195A4AC4-8E13-4A95-A074-D2C967AE95AE}"/>
-          </ac:spMkLst>
-        </pc:spChg>
-        <pc:spChg chg="mod">
-          <ac:chgData name="Daniel W. Hieber" userId="f7cf2c9d3dc7fdc6" providerId="LiveId" clId="{6B14D6C4-21D8-4D07-BA77-BAB066EC34A1}" dt="2019-10-16T08:23:11.361" v="12573" actId="207"/>
-          <ac:spMkLst>
-            <pc:docMk/>
-            <pc:sldMk cId="730168830" sldId="304"/>
-            <ac:spMk id="3" creationId="{AF95E31D-1FDE-469B-A599-15BB461A833C}"/>
-          </ac:spMkLst>
-        </pc:spChg>
-      </pc:sldChg>
-      <pc:sldChg chg="delSp add del">
-        <pc:chgData name="Daniel W. Hieber" userId="f7cf2c9d3dc7fdc6" providerId="LiveId" clId="{6B14D6C4-21D8-4D07-BA77-BAB066EC34A1}" dt="2019-10-16T08:18:59.113" v="12390" actId="2696"/>
-        <pc:sldMkLst>
-          <pc:docMk/>
-          <pc:sldMk cId="781230971" sldId="305"/>
-        </pc:sldMkLst>
-        <pc:spChg chg="del">
-          <ac:chgData name="Daniel W. Hieber" userId="f7cf2c9d3dc7fdc6" providerId="LiveId" clId="{6B14D6C4-21D8-4D07-BA77-BAB066EC34A1}" dt="2019-10-16T08:16:39.418" v="12267"/>
-          <ac:spMkLst>
-            <pc:docMk/>
-            <pc:sldMk cId="781230971" sldId="305"/>
-            <ac:spMk id="2" creationId="{D3082CA2-4480-4470-B3E5-648F45EAC512}"/>
-          </ac:spMkLst>
-        </pc:spChg>
-        <pc:spChg chg="del">
-          <ac:chgData name="Daniel W. Hieber" userId="f7cf2c9d3dc7fdc6" providerId="LiveId" clId="{6B14D6C4-21D8-4D07-BA77-BAB066EC34A1}" dt="2019-10-16T08:16:39.418" v="12267"/>
-          <ac:spMkLst>
-            <pc:docMk/>
-            <pc:sldMk cId="781230971" sldId="305"/>
-            <ac:spMk id="3" creationId="{5846A8A9-E5AE-44DD-86E0-2D180BCF75D0}"/>
-          </ac:spMkLst>
-        </pc:spChg>
-      </pc:sldChg>
-      <pc:sldChg chg="addSp delSp modSp add modNotesTx">
-        <pc:chgData name="Daniel W. Hieber" userId="f7cf2c9d3dc7fdc6" providerId="LiveId" clId="{6B14D6C4-21D8-4D07-BA77-BAB066EC34A1}" dt="2019-10-16T08:18:00.966" v="12389" actId="20577"/>
-        <pc:sldMkLst>
-          <pc:docMk/>
-          <pc:sldMk cId="2518111302" sldId="306"/>
-        </pc:sldMkLst>
-        <pc:spChg chg="mod">
-          <ac:chgData name="Daniel W. Hieber" userId="f7cf2c9d3dc7fdc6" providerId="LiveId" clId="{6B14D6C4-21D8-4D07-BA77-BAB066EC34A1}" dt="2019-10-16T08:17:00.016" v="12314" actId="20577"/>
-          <ac:spMkLst>
-            <pc:docMk/>
-            <pc:sldMk cId="2518111302" sldId="306"/>
-            <ac:spMk id="2" creationId="{2BE143BD-B6A1-4914-BD5B-B88A1D6035CD}"/>
-          </ac:spMkLst>
-        </pc:spChg>
-        <pc:spChg chg="del">
-          <ac:chgData name="Daniel W. Hieber" userId="f7cf2c9d3dc7fdc6" providerId="LiveId" clId="{6B14D6C4-21D8-4D07-BA77-BAB066EC34A1}" dt="2019-10-16T08:17:16.119" v="12315" actId="931"/>
-          <ac:spMkLst>
-            <pc:docMk/>
-            <pc:sldMk cId="2518111302" sldId="306"/>
-            <ac:spMk id="3" creationId="{456DCC09-5422-4964-83B5-C9259F4D0BF7}"/>
-          </ac:spMkLst>
-        </pc:spChg>
-        <pc:picChg chg="add mod">
-          <ac:chgData name="Daniel W. Hieber" userId="f7cf2c9d3dc7fdc6" providerId="LiveId" clId="{6B14D6C4-21D8-4D07-BA77-BAB066EC34A1}" dt="2019-10-16T08:17:42.099" v="12320" actId="12789"/>
-          <ac:picMkLst>
-            <pc:docMk/>
-            <pc:sldMk cId="2518111302" sldId="306"/>
-            <ac:picMk id="5" creationId="{A9BF1B0E-04AF-492A-9B9C-D760AED80760}"/>
-          </ac:picMkLst>
-        </pc:picChg>
-      </pc:sldChg>
-      <pc:sldChg chg="addSp delSp modSp add modNotesTx">
-        <pc:chgData name="Daniel W. Hieber" userId="f7cf2c9d3dc7fdc6" providerId="LiveId" clId="{6B14D6C4-21D8-4D07-BA77-BAB066EC34A1}" dt="2019-10-16T08:20:52.369" v="12433" actId="20577"/>
-        <pc:sldMkLst>
-          <pc:docMk/>
-          <pc:sldMk cId="3657821703" sldId="307"/>
-        </pc:sldMkLst>
-        <pc:spChg chg="mod">
-          <ac:chgData name="Daniel W. Hieber" userId="f7cf2c9d3dc7fdc6" providerId="LiveId" clId="{6B14D6C4-21D8-4D07-BA77-BAB066EC34A1}" dt="2019-10-16T08:19:30.267" v="12410" actId="20577"/>
-          <ac:spMkLst>
-            <pc:docMk/>
-            <pc:sldMk cId="3657821703" sldId="307"/>
-            <ac:spMk id="2" creationId="{554B7853-E2CB-49D3-A35F-C92256986726}"/>
-          </ac:spMkLst>
-        </pc:spChg>
-        <pc:spChg chg="del">
-          <ac:chgData name="Daniel W. Hieber" userId="f7cf2c9d3dc7fdc6" providerId="LiveId" clId="{6B14D6C4-21D8-4D07-BA77-BAB066EC34A1}" dt="2019-10-16T08:19:33.860" v="12411" actId="931"/>
-          <ac:spMkLst>
-            <pc:docMk/>
-            <pc:sldMk cId="3657821703" sldId="307"/>
-            <ac:spMk id="3" creationId="{12F415B4-9F70-4D0E-8F03-9961741834B2}"/>
-          </ac:spMkLst>
-        </pc:spChg>
-        <pc:picChg chg="add mod">
-          <ac:chgData name="Daniel W. Hieber" userId="f7cf2c9d3dc7fdc6" providerId="LiveId" clId="{6B14D6C4-21D8-4D07-BA77-BAB066EC34A1}" dt="2019-10-16T08:19:46.834" v="12416" actId="12788"/>
-          <ac:picMkLst>
-            <pc:docMk/>
-            <pc:sldMk cId="3657821703" sldId="307"/>
-            <ac:picMk id="5" creationId="{F5D52A74-6D28-4ABF-A229-E302DB93AE47}"/>
-          </ac:picMkLst>
-        </pc:picChg>
-      </pc:sldChg>
-      <pc:sldChg chg="modSp add">
-        <pc:chgData name="Daniel W. Hieber" userId="f7cf2c9d3dc7fdc6" providerId="LiveId" clId="{6B14D6C4-21D8-4D07-BA77-BAB066EC34A1}" dt="2019-10-16T08:25:38.070" v="12728" actId="20577"/>
-        <pc:sldMkLst>
-          <pc:docMk/>
-          <pc:sldMk cId="3559046579" sldId="308"/>
-        </pc:sldMkLst>
-        <pc:spChg chg="mod">
-          <ac:chgData name="Daniel W. Hieber" userId="f7cf2c9d3dc7fdc6" providerId="LiveId" clId="{6B14D6C4-21D8-4D07-BA77-BAB066EC34A1}" dt="2019-10-16T08:24:05.949" v="12585" actId="20577"/>
-          <ac:spMkLst>
-            <pc:docMk/>
-            <pc:sldMk cId="3559046579" sldId="308"/>
-            <ac:spMk id="2" creationId="{4D19CDB5-877C-4EF0-B4DF-36F49832599C}"/>
-          </ac:spMkLst>
-        </pc:spChg>
-        <pc:spChg chg="mod">
-          <ac:chgData name="Daniel W. Hieber" userId="f7cf2c9d3dc7fdc6" providerId="LiveId" clId="{6B14D6C4-21D8-4D07-BA77-BAB066EC34A1}" dt="2019-10-16T08:25:38.070" v="12728" actId="20577"/>
-          <ac:spMkLst>
-            <pc:docMk/>
-            <pc:sldMk cId="3559046579" sldId="308"/>
-            <ac:spMk id="3" creationId="{77BD0CCB-45FB-45F1-B09A-D53D17BE76A3}"/>
-          </ac:spMkLst>
-        </pc:spChg>
-      </pc:sldChg>
-      <pc:sldChg chg="addSp delSp modSp add mod">
-        <pc:chgData name="Daniel W. Hieber" userId="f7cf2c9d3dc7fdc6" providerId="LiveId" clId="{6B14D6C4-21D8-4D07-BA77-BAB066EC34A1}" dt="2019-10-16T13:06:45.925" v="13111" actId="12789"/>
-        <pc:sldMkLst>
-          <pc:docMk/>
-          <pc:sldMk cId="2134634589" sldId="309"/>
-        </pc:sldMkLst>
-        <pc:spChg chg="mod">
-          <ac:chgData name="Daniel W. Hieber" userId="f7cf2c9d3dc7fdc6" providerId="LiveId" clId="{6B14D6C4-21D8-4D07-BA77-BAB066EC34A1}" dt="2019-10-16T12:49:33.754" v="12959" actId="20577"/>
-          <ac:spMkLst>
-            <pc:docMk/>
-            <pc:sldMk cId="2134634589" sldId="309"/>
-            <ac:spMk id="2" creationId="{8721B3AE-8929-40CA-A9AD-387A2536574E}"/>
-          </ac:spMkLst>
-        </pc:spChg>
-        <pc:spChg chg="add del">
-          <ac:chgData name="Daniel W. Hieber" userId="f7cf2c9d3dc7fdc6" providerId="LiveId" clId="{6B14D6C4-21D8-4D07-BA77-BAB066EC34A1}" dt="2019-10-16T12:53:36.527" v="12985"/>
-          <ac:spMkLst>
-            <pc:docMk/>
-            <pc:sldMk cId="2134634589" sldId="309"/>
-            <ac:spMk id="3" creationId="{6AC86B32-0CCB-497D-BC8B-269A58EA3B4F}"/>
-          </ac:spMkLst>
-        </pc:spChg>
-        <pc:spChg chg="add del mod">
-          <ac:chgData name="Daniel W. Hieber" userId="f7cf2c9d3dc7fdc6" providerId="LiveId" clId="{6B14D6C4-21D8-4D07-BA77-BAB066EC34A1}" dt="2019-10-16T12:56:02.159" v="13007"/>
-          <ac:spMkLst>
-            <pc:docMk/>
-            <pc:sldMk cId="2134634589" sldId="309"/>
-            <ac:spMk id="11" creationId="{06C3C92E-70AC-4BE5-B452-F5E958B29392}"/>
-          </ac:spMkLst>
-        </pc:spChg>
-        <pc:spChg chg="add del mod">
-          <ac:chgData name="Daniel W. Hieber" userId="f7cf2c9d3dc7fdc6" providerId="LiveId" clId="{6B14D6C4-21D8-4D07-BA77-BAB066EC34A1}" dt="2019-10-16T13:02:09.747" v="13077"/>
-          <ac:spMkLst>
-            <pc:docMk/>
-            <pc:sldMk cId="2134634589" sldId="309"/>
-            <ac:spMk id="15" creationId="{8B95AF3E-2B11-45F5-9AC2-93A7CB9F952E}"/>
-          </ac:spMkLst>
-        </pc:spChg>
-        <pc:graphicFrameChg chg="add mod">
-          <ac:chgData name="Daniel W. Hieber" userId="f7cf2c9d3dc7fdc6" providerId="LiveId" clId="{6B14D6C4-21D8-4D07-BA77-BAB066EC34A1}" dt="2019-10-16T12:49:44.552" v="12962"/>
-          <ac:graphicFrameMkLst>
-            <pc:docMk/>
-            <pc:sldMk cId="2134634589" sldId="309"/>
-            <ac:graphicFrameMk id="4" creationId="{8AFB0AA0-B33D-4CFD-A570-5F31026B5A20}"/>
-          </ac:graphicFrameMkLst>
-        </pc:graphicFrameChg>
-        <pc:graphicFrameChg chg="add mod">
-          <ac:chgData name="Daniel W. Hieber" userId="f7cf2c9d3dc7fdc6" providerId="LiveId" clId="{6B14D6C4-21D8-4D07-BA77-BAB066EC34A1}" dt="2019-10-16T12:50:37.603" v="12972"/>
-          <ac:graphicFrameMkLst>
-            <pc:docMk/>
-            <pc:sldMk cId="2134634589" sldId="309"/>
-            <ac:graphicFrameMk id="5" creationId="{8AFB0AA0-B33D-4CFD-A570-5F31026B5A20}"/>
-          </ac:graphicFrameMkLst>
-        </pc:graphicFrameChg>
-        <pc:graphicFrameChg chg="add mod">
-          <ac:chgData name="Daniel W. Hieber" userId="f7cf2c9d3dc7fdc6" providerId="LiveId" clId="{6B14D6C4-21D8-4D07-BA77-BAB066EC34A1}" dt="2019-10-16T12:51:31.137" v="12976"/>
-          <ac:graphicFrameMkLst>
-            <pc:docMk/>
-            <pc:sldMk cId="2134634589" sldId="309"/>
-            <ac:graphicFrameMk id="6" creationId="{8AFB0AA0-B33D-4CFD-A570-5F31026B5A20}"/>
-          </ac:graphicFrameMkLst>
-        </pc:graphicFrameChg>
-        <pc:graphicFrameChg chg="add mod">
-          <ac:chgData name="Daniel W. Hieber" userId="f7cf2c9d3dc7fdc6" providerId="LiveId" clId="{6B14D6C4-21D8-4D07-BA77-BAB066EC34A1}" dt="2019-10-16T12:52:44.011" v="12980"/>
-          <ac:graphicFrameMkLst>
-            <pc:docMk/>
-            <pc:sldMk cId="2134634589" sldId="309"/>
-            <ac:graphicFrameMk id="7" creationId="{8AFB0AA0-B33D-4CFD-A570-5F31026B5A20}"/>
-          </ac:graphicFrameMkLst>
-        </pc:graphicFrameChg>
-        <pc:graphicFrameChg chg="add mod">
-          <ac:chgData name="Daniel W. Hieber" userId="f7cf2c9d3dc7fdc6" providerId="LiveId" clId="{6B14D6C4-21D8-4D07-BA77-BAB066EC34A1}" dt="2019-10-16T12:53:31.902" v="12984"/>
-          <ac:graphicFrameMkLst>
-            <pc:docMk/>
-            <pc:sldMk cId="2134634589" sldId="309"/>
-            <ac:graphicFrameMk id="8" creationId="{8AFB0AA0-B33D-4CFD-A570-5F31026B5A20}"/>
-          </ac:graphicFrameMkLst>
-        </pc:graphicFrameChg>
-        <pc:graphicFrameChg chg="add mod">
-          <ac:chgData name="Daniel W. Hieber" userId="f7cf2c9d3dc7fdc6" providerId="LiveId" clId="{6B14D6C4-21D8-4D07-BA77-BAB066EC34A1}" dt="2019-10-16T12:55:51.704" v="13006"/>
-          <ac:graphicFrameMkLst>
-            <pc:docMk/>
-            <pc:sldMk cId="2134634589" sldId="309"/>
-            <ac:graphicFrameMk id="12" creationId="{8AFB0AA0-B33D-4CFD-A570-5F31026B5A20}"/>
-          </ac:graphicFrameMkLst>
-        </pc:graphicFrameChg>
-        <pc:picChg chg="add del mod">
-          <ac:chgData name="Daniel W. Hieber" userId="f7cf2c9d3dc7fdc6" providerId="LiveId" clId="{6B14D6C4-21D8-4D07-BA77-BAB066EC34A1}" dt="2019-10-16T12:54:52.254" v="12990" actId="478"/>
-          <ac:picMkLst>
-            <pc:docMk/>
-            <pc:sldMk cId="2134634589" sldId="309"/>
-            <ac:picMk id="9" creationId="{8333FE3A-B060-480C-8D5C-087D91C4C5A3}"/>
-          </ac:picMkLst>
-        </pc:picChg>
-        <pc:picChg chg="add del mod">
-          <ac:chgData name="Daniel W. Hieber" userId="f7cf2c9d3dc7fdc6" providerId="LiveId" clId="{6B14D6C4-21D8-4D07-BA77-BAB066EC34A1}" dt="2019-10-16T13:02:06.601" v="13076" actId="478"/>
-          <ac:picMkLst>
-            <pc:docMk/>
-            <pc:sldMk cId="2134634589" sldId="309"/>
-            <ac:picMk id="13" creationId="{D0AE0F20-4C74-4C54-960F-BEA7CD630120}"/>
-          </ac:picMkLst>
-        </pc:picChg>
-        <pc:picChg chg="add mod">
-          <ac:chgData name="Daniel W. Hieber" userId="f7cf2c9d3dc7fdc6" providerId="LiveId" clId="{6B14D6C4-21D8-4D07-BA77-BAB066EC34A1}" dt="2019-10-16T13:06:45.925" v="13111" actId="12789"/>
-          <ac:picMkLst>
-            <pc:docMk/>
-            <pc:sldMk cId="2134634589" sldId="309"/>
-            <ac:picMk id="16" creationId="{24A4D060-4F76-4C9B-B95B-EA9DE61F0A68}"/>
-          </ac:picMkLst>
-        </pc:picChg>
-      </pc:sldChg>
-      <pc:sldChg chg="modSp add del">
-        <pc:chgData name="Daniel W. Hieber" userId="f7cf2c9d3dc7fdc6" providerId="LiveId" clId="{6B14D6C4-21D8-4D07-BA77-BAB066EC34A1}" dt="2019-10-16T12:55:50.780" v="13004"/>
-        <pc:sldMkLst>
-          <pc:docMk/>
-          <pc:sldMk cId="1177206763" sldId="310"/>
-        </pc:sldMkLst>
-        <pc:spChg chg="mod">
-          <ac:chgData name="Daniel W. Hieber" userId="f7cf2c9d3dc7fdc6" providerId="LiveId" clId="{6B14D6C4-21D8-4D07-BA77-BAB066EC34A1}" dt="2019-10-16T12:55:49.708" v="13003" actId="114"/>
-          <ac:spMkLst>
-            <pc:docMk/>
-            <pc:sldMk cId="1177206763" sldId="310"/>
-            <ac:spMk id="2" creationId="{833E2E74-DE60-46D3-9B0B-D40FA4E9BC85}"/>
-          </ac:spMkLst>
-        </pc:spChg>
-      </pc:sldChg>
-      <pc:sldChg chg="addSp delSp modSp add">
-        <pc:chgData name="Daniel W. Hieber" userId="f7cf2c9d3dc7fdc6" providerId="LiveId" clId="{6B14D6C4-21D8-4D07-BA77-BAB066EC34A1}" dt="2019-10-16T13:06:35.120" v="13108" actId="12789"/>
-        <pc:sldMkLst>
-          <pc:docMk/>
-          <pc:sldMk cId="2633149110" sldId="310"/>
-        </pc:sldMkLst>
-        <pc:spChg chg="mod">
-          <ac:chgData name="Daniel W. Hieber" userId="f7cf2c9d3dc7fdc6" providerId="LiveId" clId="{6B14D6C4-21D8-4D07-BA77-BAB066EC34A1}" dt="2019-10-16T12:56:14.038" v="13014" actId="20577"/>
-          <ac:spMkLst>
-            <pc:docMk/>
-            <pc:sldMk cId="2633149110" sldId="310"/>
-            <ac:spMk id="2" creationId="{C08483D1-3F33-4C53-B851-3AFCFEDB47D3}"/>
-          </ac:spMkLst>
-        </pc:spChg>
-        <pc:spChg chg="del">
-          <ac:chgData name="Daniel W. Hieber" userId="f7cf2c9d3dc7fdc6" providerId="LiveId" clId="{6B14D6C4-21D8-4D07-BA77-BAB066EC34A1}" dt="2019-10-16T12:57:30.037" v="13062"/>
-          <ac:spMkLst>
-            <pc:docMk/>
-            <pc:sldMk cId="2633149110" sldId="310"/>
-            <ac:spMk id="3" creationId="{EAAFB5D0-584F-4C08-B07A-BAFCBE2941DC}"/>
-          </ac:spMkLst>
-        </pc:spChg>
-        <pc:spChg chg="add del mod">
-          <ac:chgData name="Daniel W. Hieber" userId="f7cf2c9d3dc7fdc6" providerId="LiveId" clId="{6B14D6C4-21D8-4D07-BA77-BAB066EC34A1}" dt="2019-10-16T13:01:51.484" v="13075"/>
-          <ac:spMkLst>
-            <pc:docMk/>
-            <pc:sldMk cId="2633149110" sldId="310"/>
-            <ac:spMk id="6" creationId="{8A142DBA-43EE-484A-A85A-FA7B6A926F59}"/>
-          </ac:spMkLst>
-        </pc:spChg>
-        <pc:picChg chg="add del mod">
-          <ac:chgData name="Daniel W. Hieber" userId="f7cf2c9d3dc7fdc6" providerId="LiveId" clId="{6B14D6C4-21D8-4D07-BA77-BAB066EC34A1}" dt="2019-10-16T13:01:48.634" v="13074" actId="478"/>
-          <ac:picMkLst>
-            <pc:docMk/>
-            <pc:sldMk cId="2633149110" sldId="310"/>
-            <ac:picMk id="4" creationId="{C3FEE288-A2E0-4CE6-9ED3-34CADDDD3882}"/>
-          </ac:picMkLst>
-        </pc:picChg>
-        <pc:picChg chg="add mod">
-          <ac:chgData name="Daniel W. Hieber" userId="f7cf2c9d3dc7fdc6" providerId="LiveId" clId="{6B14D6C4-21D8-4D07-BA77-BAB066EC34A1}" dt="2019-10-16T13:06:35.120" v="13108" actId="12789"/>
-          <ac:picMkLst>
-            <pc:docMk/>
-            <pc:sldMk cId="2633149110" sldId="310"/>
-            <ac:picMk id="7" creationId="{6FBD238D-38C0-4513-AC68-8A5B1B1D149C}"/>
-          </ac:picMkLst>
-        </pc:picChg>
-      </pc:sldChg>
-      <pc:sldChg chg="addSp delSp modSp add">
-        <pc:chgData name="Daniel W. Hieber" userId="f7cf2c9d3dc7fdc6" providerId="LiveId" clId="{6B14D6C4-21D8-4D07-BA77-BAB066EC34A1}" dt="2019-10-16T13:06:22.401" v="13105" actId="12789"/>
-        <pc:sldMkLst>
-          <pc:docMk/>
-          <pc:sldMk cId="2015455715" sldId="311"/>
-        </pc:sldMkLst>
-        <pc:spChg chg="mod">
-          <ac:chgData name="Daniel W. Hieber" userId="f7cf2c9d3dc7fdc6" providerId="LiveId" clId="{6B14D6C4-21D8-4D07-BA77-BAB066EC34A1}" dt="2019-10-16T12:56:38.188" v="13029" actId="20577"/>
-          <ac:spMkLst>
-            <pc:docMk/>
-            <pc:sldMk cId="2015455715" sldId="311"/>
-            <ac:spMk id="2" creationId="{95379FC4-5BC2-44A5-BED0-FAA707B3050F}"/>
-          </ac:spMkLst>
-        </pc:spChg>
-        <pc:spChg chg="del">
-          <ac:chgData name="Daniel W. Hieber" userId="f7cf2c9d3dc7fdc6" providerId="LiveId" clId="{6B14D6C4-21D8-4D07-BA77-BAB066EC34A1}" dt="2019-10-16T12:58:45.998" v="13063"/>
-          <ac:spMkLst>
-            <pc:docMk/>
-            <pc:sldMk cId="2015455715" sldId="311"/>
-            <ac:spMk id="3" creationId="{0D4B0592-67CA-4E1F-BA3F-28793C2F4758}"/>
-          </ac:spMkLst>
-        </pc:spChg>
-        <pc:spChg chg="add del mod">
-          <ac:chgData name="Daniel W. Hieber" userId="f7cf2c9d3dc7fdc6" providerId="LiveId" clId="{6B14D6C4-21D8-4D07-BA77-BAB066EC34A1}" dt="2019-10-16T13:01:33.254" v="13073"/>
-          <ac:spMkLst>
-            <pc:docMk/>
-            <pc:sldMk cId="2015455715" sldId="311"/>
-            <ac:spMk id="6" creationId="{F048B3DD-7138-4EE1-BCD7-89A619A483E7}"/>
-          </ac:spMkLst>
-        </pc:spChg>
-        <pc:picChg chg="add del mod">
-          <ac:chgData name="Daniel W. Hieber" userId="f7cf2c9d3dc7fdc6" providerId="LiveId" clId="{6B14D6C4-21D8-4D07-BA77-BAB066EC34A1}" dt="2019-10-16T13:01:30.043" v="13072" actId="478"/>
-          <ac:picMkLst>
-            <pc:docMk/>
-            <pc:sldMk cId="2015455715" sldId="311"/>
-            <ac:picMk id="4" creationId="{ADC41CC1-950E-4037-AC0B-6BF46FF97028}"/>
-          </ac:picMkLst>
-        </pc:picChg>
-        <pc:picChg chg="add mod">
-          <ac:chgData name="Daniel W. Hieber" userId="f7cf2c9d3dc7fdc6" providerId="LiveId" clId="{6B14D6C4-21D8-4D07-BA77-BAB066EC34A1}" dt="2019-10-16T13:06:22.401" v="13105" actId="12789"/>
-          <ac:picMkLst>
-            <pc:docMk/>
-            <pc:sldMk cId="2015455715" sldId="311"/>
-            <ac:picMk id="7" creationId="{8A97FC66-C47C-487F-8C55-7D599065D25D}"/>
-          </ac:picMkLst>
-        </pc:picChg>
-      </pc:sldChg>
-      <pc:sldChg chg="addSp delSp modSp add">
-        <pc:chgData name="Daniel W. Hieber" userId="f7cf2c9d3dc7fdc6" providerId="LiveId" clId="{6B14D6C4-21D8-4D07-BA77-BAB066EC34A1}" dt="2019-10-16T13:06:11.606" v="13102" actId="12789"/>
-        <pc:sldMkLst>
-          <pc:docMk/>
-          <pc:sldMk cId="2199537609" sldId="312"/>
-        </pc:sldMkLst>
-        <pc:spChg chg="mod">
-          <ac:chgData name="Daniel W. Hieber" userId="f7cf2c9d3dc7fdc6" providerId="LiveId" clId="{6B14D6C4-21D8-4D07-BA77-BAB066EC34A1}" dt="2019-10-16T12:56:43.870" v="13034" actId="20577"/>
-          <ac:spMkLst>
-            <pc:docMk/>
-            <pc:sldMk cId="2199537609" sldId="312"/>
-            <ac:spMk id="2" creationId="{EED6A471-2AE6-4FE0-BFE3-2FA53E5785EB}"/>
-          </ac:spMkLst>
-        </pc:spChg>
-        <pc:spChg chg="del">
-          <ac:chgData name="Daniel W. Hieber" userId="f7cf2c9d3dc7fdc6" providerId="LiveId" clId="{6B14D6C4-21D8-4D07-BA77-BAB066EC34A1}" dt="2019-10-16T13:00:08.363" v="13064"/>
-          <ac:spMkLst>
-            <pc:docMk/>
-            <pc:sldMk cId="2199537609" sldId="312"/>
-            <ac:spMk id="3" creationId="{7609C8C6-4905-4781-84F9-685D42930A45}"/>
-          </ac:spMkLst>
-        </pc:spChg>
-        <pc:spChg chg="add del mod">
-          <ac:chgData name="Daniel W. Hieber" userId="f7cf2c9d3dc7fdc6" providerId="LiveId" clId="{6B14D6C4-21D8-4D07-BA77-BAB066EC34A1}" dt="2019-10-16T13:01:15.598" v="13071"/>
-          <ac:spMkLst>
-            <pc:docMk/>
-            <pc:sldMk cId="2199537609" sldId="312"/>
-            <ac:spMk id="6" creationId="{ED69831E-27D6-4F75-A9B6-3FC2496B7171}"/>
-          </ac:spMkLst>
-        </pc:spChg>
-        <pc:picChg chg="add del mod">
-          <ac:chgData name="Daniel W. Hieber" userId="f7cf2c9d3dc7fdc6" providerId="LiveId" clId="{6B14D6C4-21D8-4D07-BA77-BAB066EC34A1}" dt="2019-10-16T13:01:12.880" v="13070" actId="478"/>
-          <ac:picMkLst>
-            <pc:docMk/>
-            <pc:sldMk cId="2199537609" sldId="312"/>
-            <ac:picMk id="4" creationId="{705C9551-4F97-4258-9825-E6E13E133FF7}"/>
-          </ac:picMkLst>
-        </pc:picChg>
-        <pc:picChg chg="add mod">
-          <ac:chgData name="Daniel W. Hieber" userId="f7cf2c9d3dc7fdc6" providerId="LiveId" clId="{6B14D6C4-21D8-4D07-BA77-BAB066EC34A1}" dt="2019-10-16T13:06:11.606" v="13102" actId="12789"/>
-          <ac:picMkLst>
-            <pc:docMk/>
-            <pc:sldMk cId="2199537609" sldId="312"/>
-            <ac:picMk id="7" creationId="{D3915BD3-819B-4081-8C60-F0CBC4C3E5F9}"/>
-          </ac:picMkLst>
-        </pc:picChg>
-      </pc:sldChg>
-      <pc:sldChg chg="addSp delSp modSp add mod">
-        <pc:chgData name="Daniel W. Hieber" userId="f7cf2c9d3dc7fdc6" providerId="LiveId" clId="{6B14D6C4-21D8-4D07-BA77-BAB066EC34A1}" dt="2019-10-16T13:06:03.268" v="13099" actId="12789"/>
-        <pc:sldMkLst>
-          <pc:docMk/>
-          <pc:sldMk cId="3564467387" sldId="313"/>
-        </pc:sldMkLst>
-        <pc:spChg chg="mod">
-          <ac:chgData name="Daniel W. Hieber" userId="f7cf2c9d3dc7fdc6" providerId="LiveId" clId="{6B14D6C4-21D8-4D07-BA77-BAB066EC34A1}" dt="2019-10-16T12:56:50.392" v="13042" actId="20577"/>
-          <ac:spMkLst>
-            <pc:docMk/>
-            <pc:sldMk cId="3564467387" sldId="313"/>
-            <ac:spMk id="2" creationId="{0CC03B93-9932-4908-9360-5BECB424DEF9}"/>
-          </ac:spMkLst>
-        </pc:spChg>
-        <pc:spChg chg="add del">
-          <ac:chgData name="Daniel W. Hieber" userId="f7cf2c9d3dc7fdc6" providerId="LiveId" clId="{6B14D6C4-21D8-4D07-BA77-BAB066EC34A1}" dt="2019-10-16T13:01:03.228" v="13069"/>
-          <ac:spMkLst>
-            <pc:docMk/>
-            <pc:sldMk cId="3564467387" sldId="313"/>
-            <ac:spMk id="3" creationId="{7F996F17-5478-427B-9F9B-D7FE6D560669}"/>
-          </ac:spMkLst>
-        </pc:spChg>
-        <pc:graphicFrameChg chg="add">
-          <ac:chgData name="Daniel W. Hieber" userId="f7cf2c9d3dc7fdc6" providerId="LiveId" clId="{6B14D6C4-21D8-4D07-BA77-BAB066EC34A1}" dt="2019-10-16T13:00:55.850" v="13067"/>
-          <ac:graphicFrameMkLst>
-            <pc:docMk/>
-            <pc:sldMk cId="3564467387" sldId="313"/>
-            <ac:graphicFrameMk id="5" creationId="{8AFB0AA0-B33D-4CFD-A570-5F31026B5A20}"/>
-          </ac:graphicFrameMkLst>
-        </pc:graphicFrameChg>
-        <pc:picChg chg="add del mod">
-          <ac:chgData name="Daniel W. Hieber" userId="f7cf2c9d3dc7fdc6" providerId="LiveId" clId="{6B14D6C4-21D8-4D07-BA77-BAB066EC34A1}" dt="2019-10-16T13:00:58.301" v="13068"/>
-          <ac:picMkLst>
-            <pc:docMk/>
-            <pc:sldMk cId="3564467387" sldId="313"/>
-            <ac:picMk id="4" creationId="{C833A249-94B2-4820-8066-B6997763559D}"/>
-          </ac:picMkLst>
-        </pc:picChg>
-        <pc:picChg chg="add mod">
-          <ac:chgData name="Daniel W. Hieber" userId="f7cf2c9d3dc7fdc6" providerId="LiveId" clId="{6B14D6C4-21D8-4D07-BA77-BAB066EC34A1}" dt="2019-10-16T13:06:03.268" v="13099" actId="12789"/>
-          <ac:picMkLst>
-            <pc:docMk/>
-            <pc:sldMk cId="3564467387" sldId="313"/>
-            <ac:picMk id="6" creationId="{8CAA734E-A73B-4A1A-A2BB-1BB04C3E8EED}"/>
-          </ac:picMkLst>
-        </pc:picChg>
-      </pc:sldChg>
-      <pc:sldChg chg="addSp delSp modSp add">
-        <pc:chgData name="Daniel W. Hieber" userId="f7cf2c9d3dc7fdc6" providerId="LiveId" clId="{6B14D6C4-21D8-4D07-BA77-BAB066EC34A1}" dt="2019-10-16T13:05:48.684" v="13096" actId="12789"/>
-        <pc:sldMkLst>
-          <pc:docMk/>
-          <pc:sldMk cId="1809416966" sldId="314"/>
-        </pc:sldMkLst>
-        <pc:spChg chg="mod">
-          <ac:chgData name="Daniel W. Hieber" userId="f7cf2c9d3dc7fdc6" providerId="LiveId" clId="{6B14D6C4-21D8-4D07-BA77-BAB066EC34A1}" dt="2019-10-16T12:56:56.789" v="13047" actId="20577"/>
-          <ac:spMkLst>
-            <pc:docMk/>
-            <pc:sldMk cId="1809416966" sldId="314"/>
-            <ac:spMk id="2" creationId="{FBA60909-4349-4A4D-BC42-8F9D7908D77D}"/>
-          </ac:spMkLst>
-        </pc:spChg>
-        <pc:spChg chg="del">
-          <ac:chgData name="Daniel W. Hieber" userId="f7cf2c9d3dc7fdc6" providerId="LiveId" clId="{6B14D6C4-21D8-4D07-BA77-BAB066EC34A1}" dt="2019-10-16T13:02:26.461" v="13078"/>
-          <ac:spMkLst>
-            <pc:docMk/>
-            <pc:sldMk cId="1809416966" sldId="314"/>
-            <ac:spMk id="3" creationId="{3AB9B3FF-483F-4384-A787-E208612F836E}"/>
-          </ac:spMkLst>
-        </pc:spChg>
-        <pc:picChg chg="add mod">
-          <ac:chgData name="Daniel W. Hieber" userId="f7cf2c9d3dc7fdc6" providerId="LiveId" clId="{6B14D6C4-21D8-4D07-BA77-BAB066EC34A1}" dt="2019-10-16T13:05:48.684" v="13096" actId="12789"/>
-          <ac:picMkLst>
-            <pc:docMk/>
-            <pc:sldMk cId="1809416966" sldId="314"/>
-            <ac:picMk id="4" creationId="{7D435DD6-385B-42C6-B7DC-6EFD5AD59E44}"/>
-          </ac:picMkLst>
-        </pc:picChg>
-      </pc:sldChg>
-      <pc:sldChg chg="addSp delSp modSp add">
-        <pc:chgData name="Daniel W. Hieber" userId="f7cf2c9d3dc7fdc6" providerId="LiveId" clId="{6B14D6C4-21D8-4D07-BA77-BAB066EC34A1}" dt="2019-10-16T13:05:38.941" v="13093" actId="12789"/>
-        <pc:sldMkLst>
-          <pc:docMk/>
-          <pc:sldMk cId="1590866350" sldId="315"/>
-        </pc:sldMkLst>
-        <pc:spChg chg="mod">
-          <ac:chgData name="Daniel W. Hieber" userId="f7cf2c9d3dc7fdc6" providerId="LiveId" clId="{6B14D6C4-21D8-4D07-BA77-BAB066EC34A1}" dt="2019-10-16T12:57:05.549" v="13052" actId="20577"/>
-          <ac:spMkLst>
-            <pc:docMk/>
-            <pc:sldMk cId="1590866350" sldId="315"/>
-            <ac:spMk id="2" creationId="{B92ABD4E-41E1-474C-857B-C4A83B8CD319}"/>
-          </ac:spMkLst>
-        </pc:spChg>
-        <pc:spChg chg="del">
-          <ac:chgData name="Daniel W. Hieber" userId="f7cf2c9d3dc7fdc6" providerId="LiveId" clId="{6B14D6C4-21D8-4D07-BA77-BAB066EC34A1}" dt="2019-10-16T13:03:40.862" v="13079"/>
-          <ac:spMkLst>
-            <pc:docMk/>
-            <pc:sldMk cId="1590866350" sldId="315"/>
-            <ac:spMk id="3" creationId="{F63EBA2D-18F7-4B38-BACF-6611A5BBD18C}"/>
-          </ac:spMkLst>
-        </pc:spChg>
-        <pc:picChg chg="add mod">
-          <ac:chgData name="Daniel W. Hieber" userId="f7cf2c9d3dc7fdc6" providerId="LiveId" clId="{6B14D6C4-21D8-4D07-BA77-BAB066EC34A1}" dt="2019-10-16T13:05:38.941" v="13093" actId="12789"/>
-          <ac:picMkLst>
-            <pc:docMk/>
-            <pc:sldMk cId="1590866350" sldId="315"/>
-            <ac:picMk id="4" creationId="{5AED503A-C6FB-4147-A12F-AE092284AC94}"/>
-          </ac:picMkLst>
-        </pc:picChg>
-      </pc:sldChg>
-      <pc:sldChg chg="addSp delSp modSp add">
-        <pc:chgData name="Daniel W. Hieber" userId="f7cf2c9d3dc7fdc6" providerId="LiveId" clId="{6B14D6C4-21D8-4D07-BA77-BAB066EC34A1}" dt="2019-10-16T13:05:21.650" v="13090" actId="12789"/>
-        <pc:sldMkLst>
-          <pc:docMk/>
-          <pc:sldMk cId="3138242936" sldId="316"/>
-        </pc:sldMkLst>
-        <pc:spChg chg="mod">
-          <ac:chgData name="Daniel W. Hieber" userId="f7cf2c9d3dc7fdc6" providerId="LiveId" clId="{6B14D6C4-21D8-4D07-BA77-BAB066EC34A1}" dt="2019-10-16T12:57:11.089" v="13061" actId="20577"/>
-          <ac:spMkLst>
-            <pc:docMk/>
-            <pc:sldMk cId="3138242936" sldId="316"/>
-            <ac:spMk id="2" creationId="{64CEB72F-3F84-43CC-9333-4FBFE547DAF5}"/>
-          </ac:spMkLst>
-        </pc:spChg>
-        <pc:spChg chg="del">
-          <ac:chgData name="Daniel W. Hieber" userId="f7cf2c9d3dc7fdc6" providerId="LiveId" clId="{6B14D6C4-21D8-4D07-BA77-BAB066EC34A1}" dt="2019-10-16T13:04:14.526" v="13080"/>
-          <ac:spMkLst>
-            <pc:docMk/>
-            <pc:sldMk cId="3138242936" sldId="316"/>
-            <ac:spMk id="3" creationId="{F7F8ACF1-1584-4C53-B3B9-CE19760D3BF5}"/>
-          </ac:spMkLst>
-        </pc:spChg>
-        <pc:picChg chg="add mod">
-          <ac:chgData name="Daniel W. Hieber" userId="f7cf2c9d3dc7fdc6" providerId="LiveId" clId="{6B14D6C4-21D8-4D07-BA77-BAB066EC34A1}" dt="2019-10-16T13:05:21.650" v="13090" actId="12789"/>
-          <ac:picMkLst>
-            <pc:docMk/>
-            <pc:sldMk cId="3138242936" sldId="316"/>
-            <ac:picMk id="4" creationId="{63FE39D5-F0FF-4573-A5CF-E27A76518CB3}"/>
-          </ac:picMkLst>
-        </pc:picChg>
-      </pc:sldChg>
     </pc:docChg>
   </pc:docChgLst>
 </pc:chgInfo>
@@ -1594,17 +234,17 @@
         <p:spPr>
           <a:xfrm>
             <a:off x="0" y="0"/>
-            <a:ext cx="2971800" cy="458788"/>
+            <a:ext cx="3169920" cy="481727"/>
           </a:xfrm>
           <a:prstGeom prst="rect">
             <a:avLst/>
           </a:prstGeom>
         </p:spPr>
         <p:txBody>
-          <a:bodyPr vert="horz" lIns="91440" tIns="45720" rIns="91440" bIns="45720" rtlCol="0"/>
+          <a:bodyPr vert="horz" lIns="96661" tIns="48331" rIns="96661" bIns="48331" rtlCol="0"/>
           <a:lstStyle>
             <a:lvl1pPr algn="l">
-              <a:defRPr sz="1200"/>
+              <a:defRPr sz="1300"/>
             </a:lvl1pPr>
           </a:lstStyle>
           <a:p>
@@ -1624,18 +264,18 @@
         </p:nvSpPr>
         <p:spPr>
           <a:xfrm>
-            <a:off x="3884613" y="0"/>
-            <a:ext cx="2971800" cy="458788"/>
+            <a:off x="4143587" y="0"/>
+            <a:ext cx="3169920" cy="481727"/>
           </a:xfrm>
           <a:prstGeom prst="rect">
             <a:avLst/>
           </a:prstGeom>
         </p:spPr>
         <p:txBody>
-          <a:bodyPr vert="horz" lIns="91440" tIns="45720" rIns="91440" bIns="45720" rtlCol="0"/>
+          <a:bodyPr vert="horz" lIns="96661" tIns="48331" rIns="96661" bIns="48331" rtlCol="0"/>
           <a:lstStyle>
             <a:lvl1pPr algn="r">
-              <a:defRPr sz="1200"/>
+              <a:defRPr sz="1300"/>
             </a:lvl1pPr>
           </a:lstStyle>
           <a:p>
@@ -1659,8 +299,8 @@
         </p:nvSpPr>
         <p:spPr>
           <a:xfrm>
-            <a:off x="685800" y="1143000"/>
-            <a:ext cx="5486400" cy="3086100"/>
+            <a:off x="777875" y="1200150"/>
+            <a:ext cx="5759450" cy="3240088"/>
           </a:xfrm>
           <a:prstGeom prst="rect">
             <a:avLst/>
@@ -1673,7 +313,7 @@
           </a:ln>
         </p:spPr>
         <p:txBody>
-          <a:bodyPr vert="horz" lIns="91440" tIns="45720" rIns="91440" bIns="45720" rtlCol="0" anchor="ctr"/>
+          <a:bodyPr vert="horz" lIns="96661" tIns="48331" rIns="96661" bIns="48331" rtlCol="0" anchor="ctr"/>
           <a:lstStyle/>
           <a:p>
             <a:endParaRPr lang="en-US"/>
@@ -1692,15 +332,15 @@
         </p:nvSpPr>
         <p:spPr>
           <a:xfrm>
-            <a:off x="685800" y="4400550"/>
-            <a:ext cx="5486400" cy="3600450"/>
+            <a:off x="731520" y="4620577"/>
+            <a:ext cx="5852160" cy="3780473"/>
           </a:xfrm>
           <a:prstGeom prst="rect">
             <a:avLst/>
           </a:prstGeom>
         </p:spPr>
         <p:txBody>
-          <a:bodyPr vert="horz" lIns="91440" tIns="45720" rIns="91440" bIns="45720" rtlCol="0"/>
+          <a:bodyPr vert="horz" lIns="96661" tIns="48331" rIns="96661" bIns="48331" rtlCol="0"/>
           <a:lstStyle/>
           <a:p>
             <a:pPr lvl="0"/>
@@ -1751,18 +391,18 @@
         </p:nvSpPr>
         <p:spPr>
           <a:xfrm>
-            <a:off x="0" y="8685213"/>
-            <a:ext cx="2971800" cy="458787"/>
+            <a:off x="0" y="9119475"/>
+            <a:ext cx="3169920" cy="481726"/>
           </a:xfrm>
           <a:prstGeom prst="rect">
             <a:avLst/>
           </a:prstGeom>
         </p:spPr>
         <p:txBody>
-          <a:bodyPr vert="horz" lIns="91440" tIns="45720" rIns="91440" bIns="45720" rtlCol="0" anchor="b"/>
+          <a:bodyPr vert="horz" lIns="96661" tIns="48331" rIns="96661" bIns="48331" rtlCol="0" anchor="b"/>
           <a:lstStyle>
             <a:lvl1pPr algn="l">
-              <a:defRPr sz="1200"/>
+              <a:defRPr sz="1300"/>
             </a:lvl1pPr>
           </a:lstStyle>
           <a:p>
@@ -1782,18 +422,18 @@
         </p:nvSpPr>
         <p:spPr>
           <a:xfrm>
-            <a:off x="3884613" y="8685213"/>
-            <a:ext cx="2971800" cy="458787"/>
+            <a:off x="4143587" y="9119475"/>
+            <a:ext cx="3169920" cy="481726"/>
           </a:xfrm>
           <a:prstGeom prst="rect">
             <a:avLst/>
           </a:prstGeom>
         </p:spPr>
         <p:txBody>
-          <a:bodyPr vert="horz" lIns="91440" tIns="45720" rIns="91440" bIns="45720" rtlCol="0" anchor="b"/>
+          <a:bodyPr vert="horz" lIns="96661" tIns="48331" rIns="96661" bIns="48331" rtlCol="0" anchor="b"/>
           <a:lstStyle>
             <a:lvl1pPr algn="r">
-              <a:defRPr sz="1200"/>
+              <a:defRPr sz="1300"/>
             </a:lvl1pPr>
           </a:lstStyle>
           <a:p>
@@ -2038,8 +678,42 @@
           <a:p>
             <a:r>
               <a:rPr lang="en-US" dirty="0"/>
-              <a:t>Entire paradigm matches</a:t>
-            </a:r>
+              <a:t>friendzone – </a:t>
+            </a:r>
+            <a:r>
+              <a:rPr lang="en-US" i="1" dirty="0"/>
+              <a:t>does</a:t>
+            </a:r>
+            <a:r>
+              <a:rPr lang="en-US" i="0" dirty="0"/>
+              <a:t> appear on Twitter; entire</a:t>
+            </a:r>
+            <a:r>
+              <a:rPr lang="en-US" dirty="0"/>
+              <a:t> phrase can become </a:t>
+            </a:r>
+            <a:r>
+              <a:rPr lang="en-US" i="1" dirty="0"/>
+              <a:t>lexicalized</a:t>
+            </a:r>
+            <a:r>
+              <a:rPr lang="en-US" i="0" dirty="0"/>
+              <a:t> (a new meaningful word in itself)</a:t>
+            </a:r>
+          </a:p>
+          <a:p>
+            <a:endParaRPr lang="en-US" i="0" dirty="0"/>
+          </a:p>
+          <a:p>
+            <a:r>
+              <a:rPr lang="en-US" i="0" dirty="0" err="1"/>
+              <a:t>healthed</a:t>
+            </a:r>
+            <a:r>
+              <a:rPr lang="en-US" i="0" dirty="0"/>
+              <a:t> – very unexpected use of this word as a verb</a:t>
+            </a:r>
+            <a:endParaRPr lang="en-US" dirty="0"/>
           </a:p>
         </p:txBody>
       </p:sp>
@@ -2060,7 +734,7 @@
           <a:p>
             <a:fld id="{3130526B-4D11-5B47-ABB8-EA6BDB0149E2}" type="slidenum">
               <a:rPr lang="en-US" smtClean="0"/>
-              <a:t>17</a:t>
+              <a:t>10</a:t>
             </a:fld>
             <a:endParaRPr lang="en-US"/>
           </a:p>
@@ -2069,7 +743,7 @@
     </p:spTree>
     <p:extLst>
       <p:ext uri="{BB962C8B-B14F-4D97-AF65-F5344CB8AC3E}">
-        <p14:creationId xmlns:p14="http://schemas.microsoft.com/office/powerpoint/2010/main" val="1133423366"/>
+        <p14:creationId xmlns:p14="http://schemas.microsoft.com/office/powerpoint/2010/main" val="2783039194"/>
       </p:ext>
     </p:extLst>
   </p:cSld>
@@ -2123,10 +797,7 @@
           <a:bodyPr/>
           <a:lstStyle/>
           <a:p>
-            <a:r>
-              <a:rPr lang="en-US" dirty="0"/>
-              <a:t>Famously claimed by David Gil to lack parts of speech entirely.</a:t>
-            </a:r>
+            <a:endParaRPr lang="en-US"/>
           </a:p>
         </p:txBody>
       </p:sp>
@@ -2147,7 +818,7 @@
           <a:p>
             <a:fld id="{3130526B-4D11-5B47-ABB8-EA6BDB0149E2}" type="slidenum">
               <a:rPr lang="en-US" smtClean="0"/>
-              <a:t>19</a:t>
+              <a:t>11</a:t>
             </a:fld>
             <a:endParaRPr lang="en-US"/>
           </a:p>
@@ -2156,7 +827,7 @@
     </p:spTree>
     <p:extLst>
       <p:ext uri="{BB962C8B-B14F-4D97-AF65-F5344CB8AC3E}">
-        <p14:creationId xmlns:p14="http://schemas.microsoft.com/office/powerpoint/2010/main" val="2945555638"/>
+        <p14:creationId xmlns:p14="http://schemas.microsoft.com/office/powerpoint/2010/main" val="1758204875"/>
       </p:ext>
     </p:extLst>
   </p:cSld>
@@ -2210,23 +881,7 @@
           <a:bodyPr/>
           <a:lstStyle/>
           <a:p>
-            <a:r>
-              <a:rPr lang="en-US" dirty="0"/>
-              <a:t>Mohawk: verbs show a cline from fully lexicalized to fully productive / analyzable; some words have both uses</a:t>
-            </a:r>
-          </a:p>
-          <a:p>
-            <a:endParaRPr lang="en-US" dirty="0"/>
-          </a:p>
-          <a:p>
-            <a:r>
-              <a:rPr lang="en-US" dirty="0"/>
-              <a:t>I have yet to find a language where flexibility hasn’t been observed in sufficiently great amounts that it merits comment in the literature or a </a:t>
-            </a:r>
-            <a:r>
-              <a:rPr lang="en-US"/>
-              <a:t>grammatical description.</a:t>
-            </a:r>
+            <a:endParaRPr lang="en-US"/>
           </a:p>
         </p:txBody>
       </p:sp>
@@ -2247,7 +902,7 @@
           <a:p>
             <a:fld id="{3130526B-4D11-5B47-ABB8-EA6BDB0149E2}" type="slidenum">
               <a:rPr lang="en-US" smtClean="0"/>
-              <a:t>21</a:t>
+              <a:t>12</a:t>
             </a:fld>
             <a:endParaRPr lang="en-US"/>
           </a:p>
@@ -2256,7 +911,7 @@
     </p:spTree>
     <p:extLst>
       <p:ext uri="{BB962C8B-B14F-4D97-AF65-F5344CB8AC3E}">
-        <p14:creationId xmlns:p14="http://schemas.microsoft.com/office/powerpoint/2010/main" val="2770326479"/>
+        <p14:creationId xmlns:p14="http://schemas.microsoft.com/office/powerpoint/2010/main" val="48203745"/>
       </p:ext>
     </p:extLst>
   </p:cSld>
@@ -2311,17 +966,29 @@
           <a:lstStyle/>
           <a:p>
             <a:r>
-              <a:rPr lang="en-US" dirty="0"/>
-              <a:t>conversion – traditional approach, favored by generativists / formalists (exception: Distributed Morphology)</a:t>
-            </a:r>
-          </a:p>
-          <a:p>
-            <a:endParaRPr lang="en-US" dirty="0"/>
-          </a:p>
-          <a:p>
-            <a:r>
-              <a:rPr lang="en-US" dirty="0"/>
-              <a:t>underspecification – newer approach, gradually gaining proponents</a:t>
+              <a:rPr lang="en-US" i="1" dirty="0"/>
+              <a:t>lexical</a:t>
+            </a:r>
+            <a:r>
+              <a:rPr lang="en-US" i="0" dirty="0"/>
+              <a:t> vs. </a:t>
+            </a:r>
+            <a:r>
+              <a:rPr lang="en-US" i="1" dirty="0"/>
+              <a:t>grammatical</a:t>
+            </a:r>
+            <a:r>
+              <a:rPr lang="en-US" i="0" dirty="0"/>
+              <a:t> words</a:t>
+            </a:r>
+          </a:p>
+          <a:p>
+            <a:endParaRPr lang="en-US" i="0" dirty="0"/>
+          </a:p>
+          <a:p>
+            <a:r>
+              <a:rPr lang="en-US" i="0" dirty="0"/>
+              <a:t>English is sometimes claimed to be rigid, sometimes flexible</a:t>
             </a:r>
           </a:p>
         </p:txBody>
@@ -2343,7 +1010,7 @@
           <a:p>
             <a:fld id="{3130526B-4D11-5B47-ABB8-EA6BDB0149E2}" type="slidenum">
               <a:rPr lang="en-US" smtClean="0"/>
-              <a:t>23</a:t>
+              <a:t>13</a:t>
             </a:fld>
             <a:endParaRPr lang="en-US"/>
           </a:p>
@@ -2352,7 +1019,7 @@
     </p:spTree>
     <p:extLst>
       <p:ext uri="{BB962C8B-B14F-4D97-AF65-F5344CB8AC3E}">
-        <p14:creationId xmlns:p14="http://schemas.microsoft.com/office/powerpoint/2010/main" val="2479058604"/>
+        <p14:creationId xmlns:p14="http://schemas.microsoft.com/office/powerpoint/2010/main" val="2003441111"/>
       </p:ext>
     </p:extLst>
   </p:cSld>
@@ -2406,173 +1073,7 @@
           <a:bodyPr/>
           <a:lstStyle/>
           <a:p>
-            <a:pPr marL="0" marR="0" lvl="0" indent="0" algn="l" defTabSz="914400" rtl="0" eaLnBrk="1" fontAlgn="auto" latinLnBrk="0" hangingPunct="1">
-              <a:lnSpc>
-                <a:spcPct val="100000"/>
-              </a:lnSpc>
-              <a:spcBef>
-                <a:spcPts val="0"/>
-              </a:spcBef>
-              <a:spcAft>
-                <a:spcPts val="0"/>
-              </a:spcAft>
-              <a:buClrTx/>
-              <a:buSzTx/>
-              <a:buFontTx/>
-              <a:buNone/>
-              <a:tabLst/>
-              <a:defRPr/>
-            </a:pPr>
-            <a:r>
-              <a:rPr lang="en-US" dirty="0"/>
-              <a:t>Determining what two uses of a form count as the same lexeme is tricky.</a:t>
-            </a:r>
-            <a:endParaRPr lang="en-US" i="1" dirty="0"/>
-          </a:p>
-          <a:p>
-            <a:endParaRPr lang="en-US" dirty="0"/>
-          </a:p>
-          <a:p>
-            <a:r>
-              <a:rPr lang="en-US" dirty="0"/>
-              <a:t>What we’re interested in when we’re talking about what counts as instances of the same “word” is actually a </a:t>
-            </a:r>
-            <a:r>
-              <a:rPr lang="en-US" i="1" dirty="0"/>
-              <a:t>lexeme</a:t>
-            </a:r>
-            <a:r>
-              <a:rPr lang="en-US" i="0" dirty="0"/>
-              <a:t>.</a:t>
-            </a:r>
-            <a:endParaRPr lang="en-US" dirty="0"/>
-          </a:p>
-          <a:p>
-            <a:endParaRPr lang="en-US" dirty="0"/>
-          </a:p>
-          <a:p>
-            <a:r>
-              <a:rPr lang="en-US" i="1" dirty="0"/>
-              <a:t>lexeme</a:t>
-            </a:r>
-            <a:r>
-              <a:rPr lang="en-US" i="0" dirty="0"/>
-              <a:t> – abstract representation (cognitive or grammatical) of related </a:t>
-            </a:r>
-            <a:r>
-              <a:rPr lang="en-US" i="1" dirty="0"/>
-              <a:t>wordforms</a:t>
-            </a:r>
-            <a:r>
-              <a:rPr lang="en-US" i="0" dirty="0"/>
-              <a:t>; whatever it is that’s common to those wordforms (usually a stem)</a:t>
-            </a:r>
-          </a:p>
-          <a:p>
-            <a:pPr marL="171450" indent="-171450">
-              <a:buFontTx/>
-              <a:buChar char="-"/>
-            </a:pPr>
-            <a:r>
-              <a:rPr lang="en-US" i="0" dirty="0"/>
-              <a:t>example: </a:t>
-            </a:r>
-            <a:r>
-              <a:rPr lang="en-US" i="1" dirty="0"/>
-              <a:t>help</a:t>
-            </a:r>
-            <a:r>
-              <a:rPr lang="en-US" i="0" dirty="0"/>
-              <a:t>, </a:t>
-            </a:r>
-            <a:r>
-              <a:rPr lang="en-US" i="1" dirty="0"/>
-              <a:t>helps</a:t>
-            </a:r>
-            <a:r>
-              <a:rPr lang="en-US" i="0" dirty="0"/>
-              <a:t>, </a:t>
-            </a:r>
-            <a:r>
-              <a:rPr lang="en-US" i="1" dirty="0"/>
-              <a:t>helped</a:t>
-            </a:r>
-            <a:endParaRPr lang="en-US" i="0" dirty="0"/>
-          </a:p>
-          <a:p>
-            <a:pPr marL="171450" indent="-171450">
-              <a:buFontTx/>
-              <a:buChar char="-"/>
-            </a:pPr>
-            <a:r>
-              <a:rPr lang="en-US" i="0" dirty="0"/>
-              <a:t>example: </a:t>
-            </a:r>
-            <a:r>
-              <a:rPr lang="en-US" i="1" dirty="0"/>
-              <a:t>eat</a:t>
-            </a:r>
-            <a:r>
-              <a:rPr lang="en-US" i="0" dirty="0"/>
-              <a:t>, </a:t>
-            </a:r>
-            <a:r>
-              <a:rPr lang="en-US" i="1" dirty="0"/>
-              <a:t>ate</a:t>
-            </a:r>
-            <a:r>
-              <a:rPr lang="en-US" i="0" dirty="0"/>
-              <a:t>, </a:t>
-            </a:r>
-            <a:r>
-              <a:rPr lang="en-US" i="1" dirty="0"/>
-              <a:t>eaten</a:t>
-            </a:r>
-            <a:endParaRPr lang="en-US" i="0" dirty="0"/>
-          </a:p>
-          <a:p>
-            <a:pPr marL="171450" indent="-171450">
-              <a:buFontTx/>
-              <a:buChar char="-"/>
-            </a:pPr>
-            <a:r>
-              <a:rPr lang="en-US" i="0" dirty="0"/>
-              <a:t>example: </a:t>
-            </a:r>
-            <a:r>
-              <a:rPr lang="en-US" i="1" dirty="0"/>
-              <a:t>am, is, are, was, were, be</a:t>
-            </a:r>
-            <a:endParaRPr lang="en-US" i="0" dirty="0"/>
-          </a:p>
-          <a:p>
-            <a:pPr marL="171450" indent="-171450">
-              <a:buFontTx/>
-              <a:buChar char="-"/>
-            </a:pPr>
-            <a:endParaRPr lang="en-US" i="0" dirty="0"/>
-          </a:p>
-          <a:p>
-            <a:pPr marL="0" indent="0">
-              <a:buFontTx/>
-              <a:buNone/>
-            </a:pPr>
-            <a:r>
-              <a:rPr lang="en-US" i="1" dirty="0"/>
-              <a:t>lemma</a:t>
-            </a:r>
-            <a:r>
-              <a:rPr lang="en-US" i="0" dirty="0"/>
-              <a:t> / </a:t>
-            </a:r>
-            <a:r>
-              <a:rPr lang="en-US" i="1" dirty="0"/>
-              <a:t>headword</a:t>
-            </a:r>
-            <a:r>
-              <a:rPr lang="en-US" i="0" dirty="0"/>
-              <a:t> – conventional wordform used to represent this bundle; just a matter of convention</a:t>
-            </a:r>
+            <a:endParaRPr lang="en-US"/>
           </a:p>
         </p:txBody>
       </p:sp>
@@ -2593,7 +1094,7 @@
           <a:p>
             <a:fld id="{3130526B-4D11-5B47-ABB8-EA6BDB0149E2}" type="slidenum">
               <a:rPr lang="en-US" smtClean="0"/>
-              <a:t>24</a:t>
+              <a:t>14</a:t>
             </a:fld>
             <a:endParaRPr lang="en-US"/>
           </a:p>
@@ -2602,7 +1103,7 @@
     </p:spTree>
     <p:extLst>
       <p:ext uri="{BB962C8B-B14F-4D97-AF65-F5344CB8AC3E}">
-        <p14:creationId xmlns:p14="http://schemas.microsoft.com/office/powerpoint/2010/main" val="1853255369"/>
+        <p14:creationId xmlns:p14="http://schemas.microsoft.com/office/powerpoint/2010/main" val="885194151"/>
       </p:ext>
     </p:extLst>
   </p:cSld>
@@ -2656,10 +1157,7 @@
           <a:bodyPr/>
           <a:lstStyle/>
           <a:p>
-            <a:r>
-              <a:rPr lang="en-US" dirty="0"/>
-              <a:t>If a word has many different senses, where do we draw the line between one lexeme and the next?</a:t>
-            </a:r>
+            <a:endParaRPr lang="en-US"/>
           </a:p>
         </p:txBody>
       </p:sp>
@@ -2680,7 +1178,7 @@
           <a:p>
             <a:fld id="{3130526B-4D11-5B47-ABB8-EA6BDB0149E2}" type="slidenum">
               <a:rPr lang="en-US" smtClean="0"/>
-              <a:t>25</a:t>
+              <a:t>15</a:t>
             </a:fld>
             <a:endParaRPr lang="en-US"/>
           </a:p>
@@ -2689,7 +1187,7 @@
     </p:spTree>
     <p:extLst>
       <p:ext uri="{BB962C8B-B14F-4D97-AF65-F5344CB8AC3E}">
-        <p14:creationId xmlns:p14="http://schemas.microsoft.com/office/powerpoint/2010/main" val="3302616762"/>
+        <p14:creationId xmlns:p14="http://schemas.microsoft.com/office/powerpoint/2010/main" val="2428742373"/>
       </p:ext>
     </p:extLst>
   </p:cSld>
@@ -2745,7 +1243,7 @@
           <a:p>
             <a:r>
               <a:rPr lang="en-US" dirty="0"/>
-              <a:t>Should we count all of these as the same “word” / lexeme? Where do we draw the line?</a:t>
+              <a:t>Flexibility is present for both words</a:t>
             </a:r>
           </a:p>
         </p:txBody>
@@ -2767,7 +1265,7 @@
           <a:p>
             <a:fld id="{3130526B-4D11-5B47-ABB8-EA6BDB0149E2}" type="slidenum">
               <a:rPr lang="en-US" smtClean="0"/>
-              <a:t>26</a:t>
+              <a:t>16</a:t>
             </a:fld>
             <a:endParaRPr lang="en-US"/>
           </a:p>
@@ -2776,7 +1274,7 @@
     </p:spTree>
     <p:extLst>
       <p:ext uri="{BB962C8B-B14F-4D97-AF65-F5344CB8AC3E}">
-        <p14:creationId xmlns:p14="http://schemas.microsoft.com/office/powerpoint/2010/main" val="3030588848"/>
+        <p14:creationId xmlns:p14="http://schemas.microsoft.com/office/powerpoint/2010/main" val="3726638842"/>
       </p:ext>
     </p:extLst>
   </p:cSld>
@@ -2832,179 +1330,7 @@
           <a:p>
             <a:r>
               <a:rPr lang="en-US" dirty="0"/>
-              <a:t>Cognitive literature suggests that we have cognitive associations between historically related or synchronically similar wordforms, even if they’re totally different lexemes.</a:t>
-            </a:r>
-          </a:p>
-          <a:p>
-            <a:pPr marL="171450" indent="-171450">
-              <a:buFontTx/>
-              <a:buChar char="-"/>
-            </a:pPr>
-            <a:r>
-              <a:rPr lang="en-US" dirty="0"/>
-              <a:t>response times</a:t>
-            </a:r>
-          </a:p>
-          <a:p>
-            <a:pPr marL="171450" indent="-171450">
-              <a:buFontTx/>
-              <a:buChar char="-"/>
-            </a:pPr>
-            <a:r>
-              <a:rPr lang="en-US" dirty="0"/>
-              <a:t>priming effects</a:t>
-            </a:r>
-          </a:p>
-          <a:p>
-            <a:endParaRPr lang="en-US" dirty="0"/>
-          </a:p>
-          <a:p>
-            <a:r>
-              <a:rPr lang="en-US" dirty="0"/>
-              <a:t>We </a:t>
-            </a:r>
-            <a:r>
-              <a:rPr lang="en-US" i="1" dirty="0"/>
-              <a:t>do</a:t>
-            </a:r>
-            <a:r>
-              <a:rPr lang="en-US" i="0" dirty="0"/>
-              <a:t> have some association between the many senses of </a:t>
-            </a:r>
-            <a:r>
-              <a:rPr lang="en-US" i="1" dirty="0"/>
-              <a:t>run</a:t>
-            </a:r>
-            <a:r>
-              <a:rPr lang="en-US" i="0" dirty="0"/>
-              <a:t> – probably a family network.</a:t>
-            </a:r>
-          </a:p>
-          <a:p>
-            <a:endParaRPr lang="en-US" i="0" dirty="0"/>
-          </a:p>
-          <a:p>
-            <a:r>
-              <a:rPr lang="en-US" i="1" dirty="0"/>
-              <a:t>prototypal</a:t>
-            </a:r>
-            <a:r>
-              <a:rPr lang="en-US" i="0" dirty="0"/>
-              <a:t> – They cluster around a prototype</a:t>
-            </a:r>
-          </a:p>
-          <a:p>
-            <a:pPr marL="171450" indent="-171450">
-              <a:buFontTx/>
-              <a:buChar char="-"/>
-            </a:pPr>
-            <a:r>
-              <a:rPr lang="en-US" i="0" dirty="0"/>
-              <a:t>prototypical noun: </a:t>
-            </a:r>
-            <a:r>
-              <a:rPr lang="en-US" i="1" dirty="0"/>
-              <a:t>man</a:t>
-            </a:r>
-            <a:endParaRPr lang="en-US" i="0" dirty="0"/>
-          </a:p>
-          <a:p>
-            <a:pPr marL="171450" indent="-171450">
-              <a:buFontTx/>
-              <a:buChar char="-"/>
-            </a:pPr>
-            <a:r>
-              <a:rPr lang="en-US" i="0" dirty="0"/>
-              <a:t>non-prototypical noun: </a:t>
-            </a:r>
-            <a:r>
-              <a:rPr lang="en-US" i="1" dirty="0"/>
-              <a:t>running</a:t>
-            </a:r>
-            <a:endParaRPr lang="en-US" i="0" dirty="0"/>
-          </a:p>
-          <a:p>
-            <a:pPr marL="0" indent="0">
-              <a:buFontTx/>
-              <a:buNone/>
-            </a:pPr>
-            <a:endParaRPr lang="en-US" i="0" dirty="0"/>
-          </a:p>
-          <a:p>
-            <a:pPr marL="0" indent="0">
-              <a:buFontTx/>
-              <a:buNone/>
-            </a:pPr>
-            <a:r>
-              <a:rPr lang="en-US" i="0" dirty="0"/>
-              <a:t>Prototypicality established through:</a:t>
-            </a:r>
-          </a:p>
-          <a:p>
-            <a:pPr marL="171450" indent="-171450">
-              <a:buFontTx/>
-              <a:buChar char="-"/>
-            </a:pPr>
-            <a:r>
-              <a:rPr lang="en-US" i="0" dirty="0"/>
-              <a:t>listing experiments</a:t>
-            </a:r>
-          </a:p>
-          <a:p>
-            <a:pPr marL="171450" indent="-171450">
-              <a:buFontTx/>
-              <a:buChar char="-"/>
-            </a:pPr>
-            <a:r>
-              <a:rPr lang="en-US" i="0" dirty="0"/>
-              <a:t>response / recall time</a:t>
-            </a:r>
-          </a:p>
-          <a:p>
-            <a:pPr marL="171450" indent="-171450">
-              <a:buFontTx/>
-              <a:buChar char="-"/>
-            </a:pPr>
-            <a:r>
-              <a:rPr lang="en-US" i="0" dirty="0"/>
-              <a:t>corpus frequency</a:t>
-            </a:r>
-          </a:p>
-          <a:p>
-            <a:pPr marL="171450" indent="-171450">
-              <a:buFontTx/>
-              <a:buChar char="-"/>
-            </a:pPr>
-            <a:r>
-              <a:rPr lang="en-US" i="0" dirty="0"/>
-              <a:t>historical primacy (usually)</a:t>
-            </a:r>
-          </a:p>
-          <a:p>
-            <a:pPr marL="171450" indent="-171450">
-              <a:buFontTx/>
-              <a:buChar char="-"/>
-            </a:pPr>
-            <a:endParaRPr lang="en-US" i="0" dirty="0"/>
-          </a:p>
-          <a:p>
-            <a:pPr marL="0" indent="0">
-              <a:buFontTx/>
-              <a:buNone/>
-            </a:pPr>
-            <a:r>
-              <a:rPr lang="en-US" i="0" dirty="0"/>
-              <a:t>Predictability – since the meaning has changed (enough), it must be a new word</a:t>
-            </a:r>
-          </a:p>
-          <a:p>
-            <a:pPr marL="0" indent="0">
-              <a:buFontTx/>
-              <a:buNone/>
-            </a:pPr>
-            <a:r>
-              <a:rPr lang="en-US" i="0" dirty="0"/>
-              <a:t>- BUT, some languages have cases of conversion which are predictable as well as cases which are not (Mandinka) (probably most languages)</a:t>
+              <a:t>Entire paradigm matches</a:t>
             </a:r>
           </a:p>
         </p:txBody>
@@ -3026,7 +1352,7 @@
           <a:p>
             <a:fld id="{3130526B-4D11-5B47-ABB8-EA6BDB0149E2}" type="slidenum">
               <a:rPr lang="en-US" smtClean="0"/>
-              <a:t>27</a:t>
+              <a:t>17</a:t>
             </a:fld>
             <a:endParaRPr lang="en-US"/>
           </a:p>
@@ -3035,7 +1361,7 @@
     </p:spTree>
     <p:extLst>
       <p:ext uri="{BB962C8B-B14F-4D97-AF65-F5344CB8AC3E}">
-        <p14:creationId xmlns:p14="http://schemas.microsoft.com/office/powerpoint/2010/main" val="1886841024"/>
+        <p14:creationId xmlns:p14="http://schemas.microsoft.com/office/powerpoint/2010/main" val="1133423366"/>
       </p:ext>
     </p:extLst>
   </p:cSld>
@@ -3089,73 +1415,7 @@
           <a:bodyPr/>
           <a:lstStyle/>
           <a:p>
-            <a:r>
-              <a:rPr lang="en-US" i="0" dirty="0"/>
-              <a:t>Inflection also can create a significant shift in meaning</a:t>
-            </a:r>
-          </a:p>
-          <a:p>
-            <a:endParaRPr lang="en-US" i="1" dirty="0"/>
-          </a:p>
-          <a:p>
-            <a:r>
-              <a:rPr lang="en-US" i="1" dirty="0"/>
-              <a:t>brother</a:t>
-            </a:r>
-            <a:r>
-              <a:rPr lang="en-US" dirty="0"/>
-              <a:t>, </a:t>
-            </a:r>
-            <a:r>
-              <a:rPr lang="en-US" i="1" dirty="0"/>
-              <a:t>cloth</a:t>
-            </a:r>
-            <a:r>
-              <a:rPr lang="en-US" dirty="0"/>
-              <a:t> – historical divergence</a:t>
-            </a:r>
-            <a:endParaRPr lang="en-US" i="1" dirty="0"/>
-          </a:p>
-          <a:p>
-            <a:r>
-              <a:rPr lang="en-US" i="1" dirty="0"/>
-              <a:t>blind – </a:t>
-            </a:r>
-            <a:r>
-              <a:rPr lang="en-US" i="0" dirty="0"/>
-              <a:t>window interpretation not available in the singular</a:t>
-            </a:r>
-          </a:p>
-          <a:p>
-            <a:r>
-              <a:rPr lang="en-US" i="1" dirty="0"/>
-              <a:t>custom</a:t>
-            </a:r>
-            <a:r>
-              <a:rPr lang="en-US" i="0" dirty="0"/>
-              <a:t> – international travel sense not available in the singular</a:t>
-            </a:r>
-          </a:p>
-          <a:p>
-            <a:r>
-              <a:rPr lang="en-US" i="1" dirty="0"/>
-              <a:t>arm</a:t>
-            </a:r>
-            <a:r>
-              <a:rPr lang="en-US" i="0" dirty="0"/>
-              <a:t> – military force sense not available in the singular</a:t>
-            </a:r>
-          </a:p>
-          <a:p>
-            <a:r>
-              <a:rPr lang="en-US" i="1" dirty="0"/>
-              <a:t>wood</a:t>
-            </a:r>
-            <a:r>
-              <a:rPr lang="en-US" i="0" dirty="0"/>
-              <a:t> – singular and plural refer to different types of things (a material vs. a collection)</a:t>
-            </a:r>
-            <a:endParaRPr lang="en-US" i="1" dirty="0"/>
+            <a:endParaRPr lang="en-US"/>
           </a:p>
         </p:txBody>
       </p:sp>
@@ -3176,7 +1436,7 @@
           <a:p>
             <a:fld id="{3130526B-4D11-5B47-ABB8-EA6BDB0149E2}" type="slidenum">
               <a:rPr lang="en-US" smtClean="0"/>
-              <a:t>28</a:t>
+              <a:t>18</a:t>
             </a:fld>
             <a:endParaRPr lang="en-US"/>
           </a:p>
@@ -3185,7 +1445,7 @@
     </p:spTree>
     <p:extLst>
       <p:ext uri="{BB962C8B-B14F-4D97-AF65-F5344CB8AC3E}">
-        <p14:creationId xmlns:p14="http://schemas.microsoft.com/office/powerpoint/2010/main" val="1818157296"/>
+        <p14:creationId xmlns:p14="http://schemas.microsoft.com/office/powerpoint/2010/main" val="2366838611"/>
       </p:ext>
     </p:extLst>
   </p:cSld>
@@ -3241,16 +1501,7 @@
           <a:p>
             <a:r>
               <a:rPr lang="en-US" dirty="0"/>
-              <a:t>Can’t even be sure when a morpheme is acting inflectionally vs. derivationally</a:t>
-            </a:r>
-          </a:p>
-          <a:p>
-            <a:endParaRPr lang="en-US" dirty="0"/>
-          </a:p>
-          <a:p>
-            <a:r>
-              <a:rPr lang="en-US" dirty="0"/>
-              <a:t>That is, we don’t know when it becomes a new word</a:t>
+              <a:t>Famously claimed by David Gil to lack parts of speech entirely.</a:t>
             </a:r>
           </a:p>
         </p:txBody>
@@ -3272,7 +1523,7 @@
           <a:p>
             <a:fld id="{3130526B-4D11-5B47-ABB8-EA6BDB0149E2}" type="slidenum">
               <a:rPr lang="en-US" smtClean="0"/>
-              <a:t>29</a:t>
+              <a:t>19</a:t>
             </a:fld>
             <a:endParaRPr lang="en-US"/>
           </a:p>
@@ -3281,7 +1532,7 @@
     </p:spTree>
     <p:extLst>
       <p:ext uri="{BB962C8B-B14F-4D97-AF65-F5344CB8AC3E}">
-        <p14:creationId xmlns:p14="http://schemas.microsoft.com/office/powerpoint/2010/main" val="3041043965"/>
+        <p14:creationId xmlns:p14="http://schemas.microsoft.com/office/powerpoint/2010/main" val="2945555638"/>
       </p:ext>
     </p:extLst>
   </p:cSld>
@@ -3422,15 +1673,7 @@
           <a:bodyPr/>
           <a:lstStyle/>
           <a:p>
-            <a:r>
-              <a:rPr lang="en-US" dirty="0"/>
-              <a:t>Note the caption here: </a:t>
-            </a:r>
-            <a:r>
-              <a:rPr lang="en-US" i="1" dirty="0"/>
-              <a:t>The difference between a verb and an adjective</a:t>
-            </a:r>
-            <a:endParaRPr lang="en-US" dirty="0"/>
+            <a:endParaRPr lang="en-US"/>
           </a:p>
         </p:txBody>
       </p:sp>
@@ -3451,7 +1694,7 @@
           <a:p>
             <a:fld id="{3130526B-4D11-5B47-ABB8-EA6BDB0149E2}" type="slidenum">
               <a:rPr lang="en-US" smtClean="0"/>
-              <a:t>30</a:t>
+              <a:t>20</a:t>
             </a:fld>
             <a:endParaRPr lang="en-US"/>
           </a:p>
@@ -3460,7 +1703,7 @@
     </p:spTree>
     <p:extLst>
       <p:ext uri="{BB962C8B-B14F-4D97-AF65-F5344CB8AC3E}">
-        <p14:creationId xmlns:p14="http://schemas.microsoft.com/office/powerpoint/2010/main" val="1812285596"/>
+        <p14:creationId xmlns:p14="http://schemas.microsoft.com/office/powerpoint/2010/main" val="1168409585"/>
       </p:ext>
     </p:extLst>
   </p:cSld>
@@ -3516,7 +1759,7 @@
           <a:p>
             <a:r>
               <a:rPr lang="en-US" dirty="0"/>
-              <a:t>Given what we (don’t) know about lexical categories, I think this is an unhelpful question.</a:t>
+              <a:t>Mohawk: verbs show a cline from fully lexicalized to fully productive / analyzable; some words have both uses</a:t>
             </a:r>
           </a:p>
           <a:p>
@@ -3525,25 +1768,11 @@
           <a:p>
             <a:r>
               <a:rPr lang="en-US" dirty="0"/>
-              <a:t>We know lexical relatedness is gradient and complex. Can we say something about it anyway?</a:t>
-            </a:r>
-          </a:p>
-          <a:p>
-            <a:endParaRPr lang="en-US" dirty="0"/>
-          </a:p>
-          <a:p>
-            <a:r>
-              <a:rPr lang="en-US" dirty="0"/>
-              <a:t>We should treat lexical flexibility as an object of study in its own right, without assuming anything about the relatedness of different uses of a word.</a:t>
-            </a:r>
-          </a:p>
-          <a:p>
-            <a:endParaRPr lang="en-US" dirty="0"/>
-          </a:p>
-          <a:p>
-            <a:r>
-              <a:rPr lang="en-US" dirty="0"/>
-              <a:t>Yes. These are my long-term research questions. This research project aims to tackle just the first question.</a:t>
+              <a:t>I have yet to find a language where flexibility hasn’t been observed in sufficiently great amounts that it merits comment in the literature or a </a:t>
+            </a:r>
+            <a:r>
+              <a:rPr lang="en-US"/>
+              <a:t>grammatical description.</a:t>
             </a:r>
           </a:p>
         </p:txBody>
@@ -3565,7 +1794,7 @@
           <a:p>
             <a:fld id="{3130526B-4D11-5B47-ABB8-EA6BDB0149E2}" type="slidenum">
               <a:rPr lang="en-US" smtClean="0"/>
-              <a:t>31</a:t>
+              <a:t>21</a:t>
             </a:fld>
             <a:endParaRPr lang="en-US"/>
           </a:p>
@@ -3574,7 +1803,7 @@
     </p:spTree>
     <p:extLst>
       <p:ext uri="{BB962C8B-B14F-4D97-AF65-F5344CB8AC3E}">
-        <p14:creationId xmlns:p14="http://schemas.microsoft.com/office/powerpoint/2010/main" val="1214895224"/>
+        <p14:creationId xmlns:p14="http://schemas.microsoft.com/office/powerpoint/2010/main" val="2770326479"/>
       </p:ext>
     </p:extLst>
   </p:cSld>
@@ -3628,10 +1857,7 @@
           <a:bodyPr/>
           <a:lstStyle/>
           <a:p>
-            <a:r>
-              <a:rPr lang="en-US" dirty="0"/>
-              <a:t>Question 2 is an initial attempt to determine what might motivate unmarked conversion.</a:t>
-            </a:r>
+            <a:endParaRPr lang="en-US"/>
           </a:p>
         </p:txBody>
       </p:sp>
@@ -3652,7 +1878,7 @@
           <a:p>
             <a:fld id="{3130526B-4D11-5B47-ABB8-EA6BDB0149E2}" type="slidenum">
               <a:rPr lang="en-US" smtClean="0"/>
-              <a:t>33</a:t>
+              <a:t>22</a:t>
             </a:fld>
             <a:endParaRPr lang="en-US"/>
           </a:p>
@@ -3661,7 +1887,7 @@
     </p:spTree>
     <p:extLst>
       <p:ext uri="{BB962C8B-B14F-4D97-AF65-F5344CB8AC3E}">
-        <p14:creationId xmlns:p14="http://schemas.microsoft.com/office/powerpoint/2010/main" val="3439633602"/>
+        <p14:creationId xmlns:p14="http://schemas.microsoft.com/office/powerpoint/2010/main" val="1273506199"/>
       </p:ext>
     </p:extLst>
   </p:cSld>
@@ -3717,7 +1943,7 @@
           <a:p>
             <a:r>
               <a:rPr lang="en-US" dirty="0"/>
-              <a:t>frequency vs. corpus dispersion – [mention if you have some time to fill]</a:t>
+              <a:t>conversion – traditional approach, favored by generativists / formalists (exception: Distributed Morphology)</a:t>
             </a:r>
           </a:p>
           <a:p>
@@ -3726,7 +1952,7 @@
           <a:p>
             <a:r>
               <a:rPr lang="en-US" dirty="0"/>
-              <a:t>Annotated ### lexemes so far</a:t>
+              <a:t>underspecification – newer approach, gradually gaining proponents</a:t>
             </a:r>
           </a:p>
         </p:txBody>
@@ -3748,7 +1974,7 @@
           <a:p>
             <a:fld id="{3130526B-4D11-5B47-ABB8-EA6BDB0149E2}" type="slidenum">
               <a:rPr lang="en-US" smtClean="0"/>
-              <a:t>35</a:t>
+              <a:t>23</a:t>
             </a:fld>
             <a:endParaRPr lang="en-US"/>
           </a:p>
@@ -3757,7 +1983,7 @@
     </p:spTree>
     <p:extLst>
       <p:ext uri="{BB962C8B-B14F-4D97-AF65-F5344CB8AC3E}">
-        <p14:creationId xmlns:p14="http://schemas.microsoft.com/office/powerpoint/2010/main" val="913650125"/>
+        <p14:creationId xmlns:p14="http://schemas.microsoft.com/office/powerpoint/2010/main" val="2479058604"/>
       </p:ext>
     </p:extLst>
   </p:cSld>
@@ -3811,97 +2037,155 @@
           <a:bodyPr/>
           <a:lstStyle/>
           <a:p>
-            <a:r>
-              <a:rPr lang="en-US" dirty="0"/>
-              <a:t>Noun: We saw a Twitter example earlier, but none appear in the OANC. The form </a:t>
-            </a:r>
-            <a:r>
-              <a:rPr lang="en-US" i="1" dirty="0" err="1"/>
-              <a:t>abling</a:t>
+            <a:pPr defTabSz="966612">
+              <a:defRPr/>
+            </a:pPr>
+            <a:r>
+              <a:rPr lang="en-US" dirty="0"/>
+              <a:t>Determining what two uses of a form count as the same lexeme is tricky.</a:t>
+            </a:r>
+            <a:endParaRPr lang="en-US" i="1" dirty="0"/>
+          </a:p>
+          <a:p>
+            <a:endParaRPr lang="en-US" dirty="0"/>
+          </a:p>
+          <a:p>
+            <a:r>
+              <a:rPr lang="en-US" dirty="0"/>
+              <a:t>What we’re interested in when we’re talking about what counts as instances of the same “word” is actually a </a:t>
+            </a:r>
+            <a:r>
+              <a:rPr lang="en-US" i="1" dirty="0"/>
+              <a:t>lexeme</a:t>
             </a:r>
             <a:r>
               <a:rPr lang="en-US" i="0" dirty="0"/>
-              <a:t> doesn’t appear once.</a:t>
-            </a:r>
-          </a:p>
-          <a:p>
-            <a:pPr marL="171450" indent="-171450">
+              <a:t>.</a:t>
+            </a:r>
+            <a:endParaRPr lang="en-US" dirty="0"/>
+          </a:p>
+          <a:p>
+            <a:endParaRPr lang="en-US" dirty="0"/>
+          </a:p>
+          <a:p>
+            <a:r>
+              <a:rPr lang="en-US" i="1" dirty="0"/>
+              <a:t>lexeme</a:t>
+            </a:r>
+            <a:r>
+              <a:rPr lang="en-US" i="0" dirty="0"/>
+              <a:t> – abstract representation (cognitive or grammatical) of related </a:t>
+            </a:r>
+            <a:r>
+              <a:rPr lang="en-US" i="1" dirty="0"/>
+              <a:t>wordforms</a:t>
+            </a:r>
+            <a:r>
+              <a:rPr lang="en-US" i="0" dirty="0"/>
+              <a:t>; whatever it is that’s common to those wordforms (usually a stem)</a:t>
+            </a:r>
+          </a:p>
+          <a:p>
+            <a:pPr marL="181240" indent="-181240">
               <a:buFontTx/>
               <a:buChar char="-"/>
             </a:pPr>
             <a:r>
               <a:rPr lang="en-US" i="0" dirty="0"/>
-              <a:t>Notice that there’s already a marked derivation for this: </a:t>
+              <a:t>example: </a:t>
             </a:r>
             <a:r>
               <a:rPr lang="en-US" i="1" dirty="0"/>
-              <a:t>ability</a:t>
+              <a:t>help</a:t>
+            </a:r>
+            <a:r>
+              <a:rPr lang="en-US" i="0" dirty="0"/>
+              <a:t>, </a:t>
+            </a:r>
+            <a:r>
+              <a:rPr lang="en-US" i="1" dirty="0"/>
+              <a:t>helps</a:t>
+            </a:r>
+            <a:r>
+              <a:rPr lang="en-US" i="0" dirty="0"/>
+              <a:t>, </a:t>
+            </a:r>
+            <a:r>
+              <a:rPr lang="en-US" i="1" dirty="0"/>
+              <a:t>helped</a:t>
             </a:r>
             <a:endParaRPr lang="en-US" i="0" dirty="0"/>
           </a:p>
           <a:p>
-            <a:pPr marL="171450" indent="-171450">
+            <a:pPr marL="181240" indent="-181240">
               <a:buFontTx/>
               <a:buChar char="-"/>
             </a:pPr>
             <a:r>
               <a:rPr lang="en-US" i="0" dirty="0"/>
-              <a:t>This phenomenon is sometimes called </a:t>
+              <a:t>example: </a:t>
             </a:r>
             <a:r>
               <a:rPr lang="en-US" i="1" dirty="0"/>
-              <a:t>blocking</a:t>
+              <a:t>eat</a:t>
             </a:r>
             <a:r>
               <a:rPr lang="en-US" i="0" dirty="0"/>
-              <a:t>, though it’s unclear if this is actually what’s happening here</a:t>
-            </a:r>
-            <a:endParaRPr lang="en-US" dirty="0"/>
-          </a:p>
-          <a:p>
-            <a:endParaRPr lang="en-US" dirty="0"/>
-          </a:p>
-          <a:p>
-            <a:r>
-              <a:rPr lang="en-US" dirty="0"/>
-              <a:t>Verb: </a:t>
+              <a:t>, </a:t>
             </a:r>
             <a:r>
               <a:rPr lang="en-US" i="1" dirty="0"/>
-              <a:t>Are you able?</a:t>
+              <a:t>ate</a:t>
             </a:r>
             <a:r>
               <a:rPr lang="en-US" i="0" dirty="0"/>
-              <a:t> is structurally equivalent to </a:t>
+              <a:t>, </a:t>
             </a:r>
             <a:r>
               <a:rPr lang="en-US" i="1" dirty="0"/>
-              <a:t>Are you running?</a:t>
+              <a:t>eaten</a:t>
             </a:r>
             <a:endParaRPr lang="en-US" i="0" dirty="0"/>
           </a:p>
           <a:p>
+            <a:pPr marL="181240" indent="-181240">
+              <a:buFontTx/>
+              <a:buChar char="-"/>
+            </a:pPr>
             <a:r>
               <a:rPr lang="en-US" i="0" dirty="0"/>
-              <a:t>- vast majority of instances of </a:t>
+              <a:t>example: </a:t>
             </a:r>
             <a:r>
               <a:rPr lang="en-US" i="1" dirty="0"/>
-              <a:t>able</a:t>
+              <a:t>am, is, are, was, were, be</a:t>
+            </a:r>
+            <a:endParaRPr lang="en-US" i="0" dirty="0"/>
+          </a:p>
+          <a:p>
+            <a:pPr marL="181240" indent="-181240">
+              <a:buFontTx/>
+              <a:buChar char="-"/>
+            </a:pPr>
+            <a:endParaRPr lang="en-US" i="0" dirty="0"/>
+          </a:p>
+          <a:p>
+            <a:r>
+              <a:rPr lang="en-US" i="1" dirty="0"/>
+              <a:t>lemma</a:t>
             </a:r>
             <a:r>
               <a:rPr lang="en-US" i="0" dirty="0"/>
-              <a:t> are attributive predicates, which is interesting because </a:t>
+              <a:t> / </a:t>
             </a:r>
             <a:r>
               <a:rPr lang="en-US" i="1" dirty="0"/>
-              <a:t>able</a:t>
+              <a:t>headword</a:t>
             </a:r>
             <a:r>
               <a:rPr lang="en-US" i="0" dirty="0"/>
-              <a:t> is historically an adjective</a:t>
-            </a:r>
-            <a:endParaRPr lang="en-US" dirty="0"/>
+              <a:t> – conventional wordform used to represent this bundle; just a matter of convention</a:t>
+            </a:r>
           </a:p>
         </p:txBody>
       </p:sp>
@@ -3922,7 +2206,7 @@
           <a:p>
             <a:fld id="{3130526B-4D11-5B47-ABB8-EA6BDB0149E2}" type="slidenum">
               <a:rPr lang="en-US" smtClean="0"/>
-              <a:t>37</a:t>
+              <a:t>24</a:t>
             </a:fld>
             <a:endParaRPr lang="en-US"/>
           </a:p>
@@ -3931,7 +2215,7 @@
     </p:spTree>
     <p:extLst>
       <p:ext uri="{BB962C8B-B14F-4D97-AF65-F5344CB8AC3E}">
-        <p14:creationId xmlns:p14="http://schemas.microsoft.com/office/powerpoint/2010/main" val="1062865835"/>
+        <p14:creationId xmlns:p14="http://schemas.microsoft.com/office/powerpoint/2010/main" val="1853255369"/>
       </p:ext>
     </p:extLst>
   </p:cSld>
@@ -3987,84 +2271,7 @@
           <a:p>
             <a:r>
               <a:rPr lang="en-US" dirty="0"/>
-              <a:t>Adverbs like </a:t>
-            </a:r>
-            <a:r>
-              <a:rPr lang="en-US" i="1" dirty="0"/>
-              <a:t>ahead</a:t>
-            </a:r>
-            <a:r>
-              <a:rPr lang="en-US" i="0" dirty="0"/>
-              <a:t> were generally tricky. Frequently they seem like nouns </a:t>
-            </a:r>
-            <a:r>
-              <a:rPr lang="en-US" i="1" dirty="0"/>
-              <a:t>functioning</a:t>
-            </a:r>
-            <a:r>
-              <a:rPr lang="en-US" i="0" dirty="0"/>
-              <a:t> adverbially or </a:t>
-            </a:r>
-            <a:r>
-              <a:rPr lang="en-US" i="1" dirty="0"/>
-              <a:t>functioning</a:t>
-            </a:r>
-            <a:r>
-              <a:rPr lang="en-US" i="0" dirty="0"/>
-              <a:t> to modify. Historically they’re often nouns or locative phrases (</a:t>
-            </a:r>
-            <a:r>
-              <a:rPr lang="en-US" i="1" dirty="0"/>
-              <a:t>at head</a:t>
-            </a:r>
-            <a:r>
-              <a:rPr lang="en-US" i="0" dirty="0"/>
-              <a:t>)</a:t>
-            </a:r>
-          </a:p>
-          <a:p>
-            <a:pPr marL="171450" indent="-171450">
-              <a:buFontTx/>
-              <a:buChar char="-"/>
-            </a:pPr>
-            <a:r>
-              <a:rPr lang="en-US" i="1" dirty="0"/>
-              <a:t>I got ahead of him</a:t>
-            </a:r>
-            <a:r>
-              <a:rPr lang="en-US" i="0" dirty="0"/>
-              <a:t> (reference)</a:t>
-            </a:r>
-          </a:p>
-          <a:p>
-            <a:pPr marL="171450" indent="-171450">
-              <a:buFontTx/>
-              <a:buChar char="-"/>
-            </a:pPr>
-            <a:r>
-              <a:rPr lang="en-US" i="1" dirty="0"/>
-              <a:t>the next guy ahead of me</a:t>
-            </a:r>
-            <a:r>
-              <a:rPr lang="en-US" i="0" dirty="0"/>
-              <a:t> (modification)</a:t>
-            </a:r>
-          </a:p>
-          <a:p>
-            <a:pPr marL="171450" indent="-171450">
-              <a:buFontTx/>
-              <a:buChar char="-"/>
-            </a:pPr>
-            <a:endParaRPr lang="en-US" i="0" dirty="0"/>
-          </a:p>
-          <a:p>
-            <a:pPr marL="0" indent="0">
-              <a:buFontTx/>
-              <a:buNone/>
-            </a:pPr>
-            <a:r>
-              <a:rPr lang="en-US" dirty="0"/>
-              <a:t>Didn’t count cases like these unless they were really clear, but it makes me think adverbs are another area where we’re adhering to traditional ways of analyzing terms even when they aren’t appropriate to the actual data.</a:t>
+              <a:t>If a word has many different senses, where do we draw the line between one lexeme and the next?</a:t>
             </a:r>
           </a:p>
         </p:txBody>
@@ -4086,7 +2293,7 @@
           <a:p>
             <a:fld id="{3130526B-4D11-5B47-ABB8-EA6BDB0149E2}" type="slidenum">
               <a:rPr lang="en-US" smtClean="0"/>
-              <a:t>39</a:t>
+              <a:t>25</a:t>
             </a:fld>
             <a:endParaRPr lang="en-US"/>
           </a:p>
@@ -4095,7 +2302,7 @@
     </p:spTree>
     <p:extLst>
       <p:ext uri="{BB962C8B-B14F-4D97-AF65-F5344CB8AC3E}">
-        <p14:creationId xmlns:p14="http://schemas.microsoft.com/office/powerpoint/2010/main" val="3825746647"/>
+        <p14:creationId xmlns:p14="http://schemas.microsoft.com/office/powerpoint/2010/main" val="3302616762"/>
       </p:ext>
     </p:extLst>
   </p:cSld>
@@ -4151,141 +2358,8 @@
           <a:p>
             <a:r>
               <a:rPr lang="en-US" dirty="0"/>
-              <a:t>Not surprising. However it should be noted that you can find modifying and verbal examples online, not just for </a:t>
-            </a:r>
-            <a:r>
-              <a:rPr lang="en-US" i="1" dirty="0"/>
-              <a:t>anything</a:t>
-            </a:r>
-            <a:r>
-              <a:rPr lang="en-US" i="0" dirty="0"/>
-              <a:t>, but for just about anything!</a:t>
-            </a:r>
-          </a:p>
-          <a:p>
-            <a:endParaRPr lang="en-US" i="0" dirty="0"/>
-          </a:p>
-          <a:p>
-            <a:r>
-              <a:rPr lang="en-US" sz="1200" b="1" i="0" kern="1200" dirty="0">
-                <a:solidFill>
-                  <a:schemeClr val="tx1"/>
-                </a:solidFill>
-                <a:effectLst/>
-                <a:latin typeface="+mn-lt"/>
-                <a:ea typeface="+mn-ea"/>
-                <a:cs typeface="+mn-cs"/>
-              </a:rPr>
-              <a:t>V:</a:t>
-            </a:r>
-            <a:r>
-              <a:rPr lang="en-US" sz="1200" b="0" i="0" kern="1200" dirty="0">
-                <a:solidFill>
-                  <a:schemeClr val="tx1"/>
-                </a:solidFill>
-                <a:effectLst/>
-                <a:latin typeface="+mn-lt"/>
-                <a:ea typeface="+mn-ea"/>
-                <a:cs typeface="+mn-cs"/>
-              </a:rPr>
-              <a:t> </a:t>
-            </a:r>
-            <a:r>
-              <a:rPr lang="en-US" sz="1200" b="0" i="1" kern="1200" dirty="0">
-                <a:solidFill>
-                  <a:schemeClr val="tx1"/>
-                </a:solidFill>
-                <a:effectLst/>
-                <a:latin typeface="+mn-lt"/>
-                <a:ea typeface="+mn-ea"/>
-                <a:cs typeface="+mn-cs"/>
-              </a:rPr>
-              <a:t>She loads me down with goodies that she searches out as not being sprayed, shot, or artificially </a:t>
-            </a:r>
-            <a:r>
-              <a:rPr lang="en-US" sz="1200" b="1" i="1" kern="1200" dirty="0" err="1">
-                <a:solidFill>
-                  <a:schemeClr val="tx1"/>
-                </a:solidFill>
-                <a:effectLst/>
-                <a:latin typeface="+mn-lt"/>
-                <a:ea typeface="+mn-ea"/>
-                <a:cs typeface="+mn-cs"/>
-              </a:rPr>
-              <a:t>anythinged</a:t>
-            </a:r>
-            <a:endParaRPr lang="en-US" sz="1200" b="1" i="0" kern="1200" dirty="0">
-              <a:solidFill>
-                <a:schemeClr val="tx1"/>
-              </a:solidFill>
-              <a:effectLst/>
-              <a:latin typeface="+mn-lt"/>
-              <a:ea typeface="+mn-ea"/>
-              <a:cs typeface="+mn-cs"/>
-            </a:endParaRPr>
-          </a:p>
-          <a:p>
-            <a:r>
-              <a:rPr lang="en-US" sz="1200" b="1" i="0" kern="1200" dirty="0">
-                <a:solidFill>
-                  <a:schemeClr val="tx1"/>
-                </a:solidFill>
-                <a:effectLst/>
-                <a:latin typeface="+mn-lt"/>
-                <a:ea typeface="+mn-ea"/>
-                <a:cs typeface="+mn-cs"/>
-              </a:rPr>
-              <a:t>A:</a:t>
-            </a:r>
-            <a:r>
-              <a:rPr lang="en-US" sz="1200" b="0" i="0" kern="1200" dirty="0">
-                <a:solidFill>
-                  <a:schemeClr val="tx1"/>
-                </a:solidFill>
-                <a:effectLst/>
-                <a:latin typeface="+mn-lt"/>
-                <a:ea typeface="+mn-ea"/>
-                <a:cs typeface="+mn-cs"/>
-              </a:rPr>
-              <a:t> </a:t>
-            </a:r>
-            <a:r>
-              <a:rPr lang="en-US" sz="1200" b="0" i="1" kern="1200" dirty="0">
-                <a:solidFill>
-                  <a:schemeClr val="tx1"/>
-                </a:solidFill>
-                <a:effectLst/>
-                <a:latin typeface="+mn-lt"/>
-                <a:ea typeface="+mn-ea"/>
-                <a:cs typeface="+mn-cs"/>
-              </a:rPr>
-              <a:t>that wasn't very country or </a:t>
-            </a:r>
-            <a:r>
-              <a:rPr lang="en-US" sz="1200" b="1" i="1" kern="1200" dirty="0">
-                <a:solidFill>
-                  <a:schemeClr val="tx1"/>
-                </a:solidFill>
-                <a:effectLst/>
-                <a:latin typeface="+mn-lt"/>
-                <a:ea typeface="+mn-ea"/>
-                <a:cs typeface="+mn-cs"/>
-              </a:rPr>
-              <a:t>very anything</a:t>
-            </a:r>
-            <a:r>
-              <a:rPr lang="en-US" sz="1200" b="0" i="1" kern="1200" dirty="0">
-                <a:solidFill>
-                  <a:schemeClr val="tx1"/>
-                </a:solidFill>
-                <a:effectLst/>
-                <a:latin typeface="+mn-lt"/>
-                <a:ea typeface="+mn-ea"/>
-                <a:cs typeface="+mn-cs"/>
-              </a:rPr>
-              <a:t>, really</a:t>
-            </a:r>
-            <a:endParaRPr lang="en-US" i="1" dirty="0"/>
+              <a:t>Should we count all of these as the same “word” / lexeme? Where do we draw the line?</a:t>
+            </a:r>
           </a:p>
         </p:txBody>
       </p:sp>
@@ -4306,7 +2380,7 @@
           <a:p>
             <a:fld id="{3130526B-4D11-5B47-ABB8-EA6BDB0149E2}" type="slidenum">
               <a:rPr lang="en-US" smtClean="0"/>
-              <a:t>41</a:t>
+              <a:t>26</a:t>
             </a:fld>
             <a:endParaRPr lang="en-US"/>
           </a:p>
@@ -4315,7 +2389,7 @@
     </p:spTree>
     <p:extLst>
       <p:ext uri="{BB962C8B-B14F-4D97-AF65-F5344CB8AC3E}">
-        <p14:creationId xmlns:p14="http://schemas.microsoft.com/office/powerpoint/2010/main" val="4288382469"/>
+        <p14:creationId xmlns:p14="http://schemas.microsoft.com/office/powerpoint/2010/main" val="3030588848"/>
       </p:ext>
     </p:extLst>
   </p:cSld>
@@ -4371,17 +2445,164 @@
           <a:p>
             <a:r>
               <a:rPr lang="en-US" dirty="0"/>
-              <a:t>Very easy to find instances of all three functions for </a:t>
+              <a:t>Cognitive literature suggests that we have cognitive associations between historically related or synchronically similar wordforms, even if they’re totally different lexemes.</a:t>
+            </a:r>
+          </a:p>
+          <a:p>
+            <a:pPr marL="181240" indent="-181240">
+              <a:buFontTx/>
+              <a:buChar char="-"/>
+            </a:pPr>
+            <a:r>
+              <a:rPr lang="en-US" dirty="0"/>
+              <a:t>response times</a:t>
+            </a:r>
+          </a:p>
+          <a:p>
+            <a:pPr marL="181240" indent="-181240">
+              <a:buFontTx/>
+              <a:buChar char="-"/>
+            </a:pPr>
+            <a:r>
+              <a:rPr lang="en-US" dirty="0"/>
+              <a:t>priming effects</a:t>
+            </a:r>
+          </a:p>
+          <a:p>
+            <a:endParaRPr lang="en-US" dirty="0"/>
+          </a:p>
+          <a:p>
+            <a:r>
+              <a:rPr lang="en-US" dirty="0"/>
+              <a:t>We </a:t>
             </a:r>
             <a:r>
               <a:rPr lang="en-US" i="1" dirty="0"/>
-              <a:t>back</a:t>
+              <a:t>do</a:t>
             </a:r>
             <a:r>
               <a:rPr lang="en-US" i="0" dirty="0"/>
-              <a:t>, even ignore attributive predicative cases</a:t>
-            </a:r>
-            <a:endParaRPr lang="en-US" dirty="0"/>
+              <a:t> have some association between the many senses of </a:t>
+            </a:r>
+            <a:r>
+              <a:rPr lang="en-US" i="1" dirty="0"/>
+              <a:t>run</a:t>
+            </a:r>
+            <a:r>
+              <a:rPr lang="en-US" i="0" dirty="0"/>
+              <a:t> – probably a family network.</a:t>
+            </a:r>
+          </a:p>
+          <a:p>
+            <a:endParaRPr lang="en-US" i="0" dirty="0"/>
+          </a:p>
+          <a:p>
+            <a:r>
+              <a:rPr lang="en-US" i="1" dirty="0"/>
+              <a:t>prototypal</a:t>
+            </a:r>
+            <a:r>
+              <a:rPr lang="en-US" i="0" dirty="0"/>
+              <a:t> – They cluster around a prototype</a:t>
+            </a:r>
+          </a:p>
+          <a:p>
+            <a:pPr marL="181240" indent="-181240">
+              <a:buFontTx/>
+              <a:buChar char="-"/>
+            </a:pPr>
+            <a:r>
+              <a:rPr lang="en-US" i="0" dirty="0"/>
+              <a:t>prototypical noun: </a:t>
+            </a:r>
+            <a:r>
+              <a:rPr lang="en-US" i="1" dirty="0"/>
+              <a:t>man</a:t>
+            </a:r>
+            <a:endParaRPr lang="en-US" i="0" dirty="0"/>
+          </a:p>
+          <a:p>
+            <a:pPr marL="181240" indent="-181240">
+              <a:buFontTx/>
+              <a:buChar char="-"/>
+            </a:pPr>
+            <a:r>
+              <a:rPr lang="en-US" i="0" dirty="0"/>
+              <a:t>non-prototypical noun: </a:t>
+            </a:r>
+            <a:r>
+              <a:rPr lang="en-US" i="1" dirty="0"/>
+              <a:t>running</a:t>
+            </a:r>
+            <a:endParaRPr lang="en-US" i="0" dirty="0"/>
+          </a:p>
+          <a:p>
+            <a:endParaRPr lang="en-US" i="0" dirty="0"/>
+          </a:p>
+          <a:p>
+            <a:r>
+              <a:rPr lang="en-US" i="0" dirty="0"/>
+              <a:t>Prototypicality established through:</a:t>
+            </a:r>
+          </a:p>
+          <a:p>
+            <a:pPr marL="181240" indent="-181240">
+              <a:buFontTx/>
+              <a:buChar char="-"/>
+            </a:pPr>
+            <a:r>
+              <a:rPr lang="en-US" i="0" dirty="0"/>
+              <a:t>listing experiments</a:t>
+            </a:r>
+          </a:p>
+          <a:p>
+            <a:pPr marL="181240" indent="-181240">
+              <a:buFontTx/>
+              <a:buChar char="-"/>
+            </a:pPr>
+            <a:r>
+              <a:rPr lang="en-US" i="0" dirty="0"/>
+              <a:t>response / recall time</a:t>
+            </a:r>
+          </a:p>
+          <a:p>
+            <a:pPr marL="181240" indent="-181240">
+              <a:buFontTx/>
+              <a:buChar char="-"/>
+            </a:pPr>
+            <a:r>
+              <a:rPr lang="en-US" i="0" dirty="0"/>
+              <a:t>corpus frequency</a:t>
+            </a:r>
+          </a:p>
+          <a:p>
+            <a:pPr marL="181240" indent="-181240">
+              <a:buFontTx/>
+              <a:buChar char="-"/>
+            </a:pPr>
+            <a:r>
+              <a:rPr lang="en-US" i="0" dirty="0"/>
+              <a:t>historical primacy (usually)</a:t>
+            </a:r>
+          </a:p>
+          <a:p>
+            <a:pPr marL="181240" indent="-181240">
+              <a:buFontTx/>
+              <a:buChar char="-"/>
+            </a:pPr>
+            <a:endParaRPr lang="en-US" i="0" dirty="0"/>
+          </a:p>
+          <a:p>
+            <a:r>
+              <a:rPr lang="en-US" i="0" dirty="0"/>
+              <a:t>Predictability – since the meaning has changed (enough), it must be a new word</a:t>
+            </a:r>
+          </a:p>
+          <a:p>
+            <a:r>
+              <a:rPr lang="en-US" i="0" dirty="0"/>
+              <a:t>- BUT, some languages have cases of conversion which are predictable as well as cases which are not (Mandinka) (probably most languages)</a:t>
+            </a:r>
           </a:p>
         </p:txBody>
       </p:sp>
@@ -4402,7 +2623,7 @@
           <a:p>
             <a:fld id="{3130526B-4D11-5B47-ABB8-EA6BDB0149E2}" type="slidenum">
               <a:rPr lang="en-US" smtClean="0"/>
-              <a:t>43</a:t>
+              <a:t>27</a:t>
             </a:fld>
             <a:endParaRPr lang="en-US"/>
           </a:p>
@@ -4411,7 +2632,7 @@
     </p:spTree>
     <p:extLst>
       <p:ext uri="{BB962C8B-B14F-4D97-AF65-F5344CB8AC3E}">
-        <p14:creationId xmlns:p14="http://schemas.microsoft.com/office/powerpoint/2010/main" val="3149406393"/>
+        <p14:creationId xmlns:p14="http://schemas.microsoft.com/office/powerpoint/2010/main" val="1886841024"/>
       </p:ext>
     </p:extLst>
   </p:cSld>
@@ -4466,13 +2687,72 @@
           <a:lstStyle/>
           <a:p>
             <a:r>
-              <a:rPr lang="en-US" b="1" dirty="0"/>
-              <a:t>N:</a:t>
-            </a:r>
-            <a:r>
-              <a:rPr lang="en-US" b="0" dirty="0"/>
-              <a:t> infinitives are traditionally analyzed as a verbal inflection, but infinitives are typologically noun-like, and they’re often considered a nominal form of a verb</a:t>
-            </a:r>
+              <a:rPr lang="en-US" i="0" dirty="0"/>
+              <a:t>Inflection also can create a significant shift in meaning</a:t>
+            </a:r>
+          </a:p>
+          <a:p>
+            <a:endParaRPr lang="en-US" i="1" dirty="0"/>
+          </a:p>
+          <a:p>
+            <a:r>
+              <a:rPr lang="en-US" i="1" dirty="0"/>
+              <a:t>brother</a:t>
+            </a:r>
+            <a:r>
+              <a:rPr lang="en-US" dirty="0"/>
+              <a:t>, </a:t>
+            </a:r>
+            <a:r>
+              <a:rPr lang="en-US" i="1" dirty="0"/>
+              <a:t>cloth</a:t>
+            </a:r>
+            <a:r>
+              <a:rPr lang="en-US" dirty="0"/>
+              <a:t> – historical divergence</a:t>
+            </a:r>
+            <a:endParaRPr lang="en-US" i="1" dirty="0"/>
+          </a:p>
+          <a:p>
+            <a:r>
+              <a:rPr lang="en-US" i="1" dirty="0"/>
+              <a:t>blind – </a:t>
+            </a:r>
+            <a:r>
+              <a:rPr lang="en-US" i="0" dirty="0"/>
+              <a:t>window interpretation not available in the singular</a:t>
+            </a:r>
+          </a:p>
+          <a:p>
+            <a:r>
+              <a:rPr lang="en-US" i="1" dirty="0"/>
+              <a:t>custom</a:t>
+            </a:r>
+            <a:r>
+              <a:rPr lang="en-US" i="0" dirty="0"/>
+              <a:t> – international travel sense not available in the singular</a:t>
+            </a:r>
+          </a:p>
+          <a:p>
+            <a:r>
+              <a:rPr lang="en-US" i="1" dirty="0"/>
+              <a:t>arm</a:t>
+            </a:r>
+            <a:r>
+              <a:rPr lang="en-US" i="0" dirty="0"/>
+              <a:t> – military force sense not available in the singular</a:t>
+            </a:r>
+          </a:p>
+          <a:p>
+            <a:r>
+              <a:rPr lang="en-US" i="1" dirty="0"/>
+              <a:t>wood</a:t>
+            </a:r>
+            <a:r>
+              <a:rPr lang="en-US" i="0" dirty="0"/>
+              <a:t> – singular and plural refer to different types of things (a material vs. a collection)</a:t>
+            </a:r>
+            <a:endParaRPr lang="en-US" i="1" dirty="0"/>
           </a:p>
         </p:txBody>
       </p:sp>
@@ -4493,7 +2773,7 @@
           <a:p>
             <a:fld id="{3130526B-4D11-5B47-ABB8-EA6BDB0149E2}" type="slidenum">
               <a:rPr lang="en-US" smtClean="0"/>
-              <a:t>45</a:t>
+              <a:t>28</a:t>
             </a:fld>
             <a:endParaRPr lang="en-US"/>
           </a:p>
@@ -4502,7 +2782,7 @@
     </p:spTree>
     <p:extLst>
       <p:ext uri="{BB962C8B-B14F-4D97-AF65-F5344CB8AC3E}">
-        <p14:creationId xmlns:p14="http://schemas.microsoft.com/office/powerpoint/2010/main" val="4102719848"/>
+        <p14:creationId xmlns:p14="http://schemas.microsoft.com/office/powerpoint/2010/main" val="1818157296"/>
       </p:ext>
     </p:extLst>
   </p:cSld>
@@ -4558,7 +2838,7 @@
           <a:p>
             <a:r>
               <a:rPr lang="en-US" dirty="0"/>
-              <a:t>For the attributive predicative uses, I’d like to go back and recode them as a distinct category.</a:t>
+              <a:t>Can’t even be sure when a morpheme is acting inflectionally vs. derivationally</a:t>
             </a:r>
           </a:p>
           <a:p>
@@ -4566,60 +2846,8 @@
           </a:p>
           <a:p>
             <a:r>
-              <a:rPr lang="en-US" b="1" dirty="0"/>
-              <a:t>V:</a:t>
-            </a:r>
-            <a:r>
-              <a:rPr lang="en-US" b="0" dirty="0"/>
-              <a:t> could also have been </a:t>
-            </a:r>
-            <a:r>
-              <a:rPr lang="en-US" b="0" i="1" dirty="0"/>
-              <a:t>to best someone</a:t>
-            </a:r>
-            <a:r>
-              <a:rPr lang="en-US" b="0" i="0" dirty="0"/>
-              <a:t>, but that use didn’t appear in the OANC</a:t>
-            </a:r>
-            <a:endParaRPr lang="en-US" b="1" dirty="0"/>
-          </a:p>
-          <a:p>
-            <a:endParaRPr lang="en-US" dirty="0"/>
-          </a:p>
-          <a:p>
-            <a:r>
-              <a:rPr lang="en-US" dirty="0"/>
-              <a:t>Future research question: Can we determine the prototypical use of a word by the distribution of its functions?</a:t>
-            </a:r>
-          </a:p>
-          <a:p>
-            <a:pPr marL="171450" indent="-171450">
-              <a:buFontTx/>
-              <a:buChar char="-"/>
-            </a:pPr>
-            <a:r>
-              <a:rPr lang="en-US" dirty="0"/>
-              <a:t>adjective: primarily adjective, some noun</a:t>
-            </a:r>
-          </a:p>
-          <a:p>
-            <a:pPr marL="171450" indent="-171450">
-              <a:buFontTx/>
-              <a:buChar char="-"/>
-            </a:pPr>
-            <a:r>
-              <a:rPr lang="en-US" dirty="0"/>
-              <a:t>noun: primarily noun, some verb, some adjective</a:t>
-            </a:r>
-          </a:p>
-          <a:p>
-            <a:pPr marL="171450" indent="-171450">
-              <a:buFontTx/>
-              <a:buChar char="-"/>
-            </a:pPr>
-            <a:r>
-              <a:rPr lang="en-US" dirty="0"/>
-              <a:t>verb: primarily verb, some noun, little to no adjective</a:t>
+              <a:rPr lang="en-US" dirty="0"/>
+              <a:t>That is, we don’t know when it becomes a new word</a:t>
             </a:r>
           </a:p>
         </p:txBody>
@@ -4641,7 +2869,7 @@
           <a:p>
             <a:fld id="{3130526B-4D11-5B47-ABB8-EA6BDB0149E2}" type="slidenum">
               <a:rPr lang="en-US" smtClean="0"/>
-              <a:t>47</a:t>
+              <a:t>29</a:t>
             </a:fld>
             <a:endParaRPr lang="en-US"/>
           </a:p>
@@ -4650,7 +2878,7 @@
     </p:spTree>
     <p:extLst>
       <p:ext uri="{BB962C8B-B14F-4D97-AF65-F5344CB8AC3E}">
-        <p14:creationId xmlns:p14="http://schemas.microsoft.com/office/powerpoint/2010/main" val="4289889184"/>
+        <p14:creationId xmlns:p14="http://schemas.microsoft.com/office/powerpoint/2010/main" val="3041043965"/>
       </p:ext>
     </p:extLst>
   </p:cSld>
@@ -4791,6 +3019,14 @@
           <a:bodyPr/>
           <a:lstStyle/>
           <a:p>
+            <a:r>
+              <a:rPr lang="en-US" dirty="0"/>
+              <a:t>Note the caption here: </a:t>
+            </a:r>
+            <a:r>
+              <a:rPr lang="en-US" i="1" dirty="0"/>
+              <a:t>The difference between a verb and an adjective</a:t>
+            </a:r>
             <a:endParaRPr lang="en-US" dirty="0"/>
           </a:p>
         </p:txBody>
@@ -4812,7 +3048,7 @@
           <a:p>
             <a:fld id="{3130526B-4D11-5B47-ABB8-EA6BDB0149E2}" type="slidenum">
               <a:rPr lang="en-US" smtClean="0"/>
-              <a:t>53</a:t>
+              <a:t>30</a:t>
             </a:fld>
             <a:endParaRPr lang="en-US"/>
           </a:p>
@@ -4821,7 +3057,7 @@
     </p:spTree>
     <p:extLst>
       <p:ext uri="{BB962C8B-B14F-4D97-AF65-F5344CB8AC3E}">
-        <p14:creationId xmlns:p14="http://schemas.microsoft.com/office/powerpoint/2010/main" val="4184143750"/>
+        <p14:creationId xmlns:p14="http://schemas.microsoft.com/office/powerpoint/2010/main" val="1812285596"/>
       </p:ext>
     </p:extLst>
   </p:cSld>
@@ -4877,37 +3113,696 @@
           <a:p>
             <a:r>
               <a:rPr lang="en-US" dirty="0"/>
-              <a:t>Discussion: How I got interested in this topic</a:t>
-            </a:r>
-          </a:p>
-          <a:p>
-            <a:pPr marL="171450" indent="-171450">
+              <a:t>Given what we (don’t) know about lexical categories, I think this is an unhelpful question.</a:t>
+            </a:r>
+          </a:p>
+          <a:p>
+            <a:endParaRPr lang="en-US" dirty="0"/>
+          </a:p>
+          <a:p>
+            <a:r>
+              <a:rPr lang="en-US" dirty="0"/>
+              <a:t>We know lexical relatedness is gradient and complex. Can we say something about it anyway?</a:t>
+            </a:r>
+          </a:p>
+          <a:p>
+            <a:endParaRPr lang="en-US" dirty="0"/>
+          </a:p>
+          <a:p>
+            <a:r>
+              <a:rPr lang="en-US" dirty="0"/>
+              <a:t>We should treat lexical flexibility as an object of study in its own right, without assuming anything about the relatedness of different uses of a word.</a:t>
+            </a:r>
+          </a:p>
+          <a:p>
+            <a:endParaRPr lang="en-US" dirty="0"/>
+          </a:p>
+          <a:p>
+            <a:r>
+              <a:rPr lang="en-US" dirty="0"/>
+              <a:t>Yes. These are my long-term research questions. This research project aims to tackle just the first question.</a:t>
+            </a:r>
+          </a:p>
+        </p:txBody>
+      </p:sp>
+      <p:sp>
+        <p:nvSpPr>
+          <p:cNvPr id="4" name="Slide Number Placeholder 3"/>
+          <p:cNvSpPr>
+            <a:spLocks noGrp="1"/>
+          </p:cNvSpPr>
+          <p:nvPr>
+            <p:ph type="sldNum" sz="quarter" idx="5"/>
+          </p:nvPr>
+        </p:nvSpPr>
+        <p:spPr/>
+        <p:txBody>
+          <a:bodyPr/>
+          <a:lstStyle/>
+          <a:p>
+            <a:fld id="{3130526B-4D11-5B47-ABB8-EA6BDB0149E2}" type="slidenum">
+              <a:rPr lang="en-US" smtClean="0"/>
+              <a:t>31</a:t>
+            </a:fld>
+            <a:endParaRPr lang="en-US"/>
+          </a:p>
+        </p:txBody>
+      </p:sp>
+    </p:spTree>
+    <p:extLst>
+      <p:ext uri="{BB962C8B-B14F-4D97-AF65-F5344CB8AC3E}">
+        <p14:creationId xmlns:p14="http://schemas.microsoft.com/office/powerpoint/2010/main" val="1214895224"/>
+      </p:ext>
+    </p:extLst>
+  </p:cSld>
+  <p:clrMapOvr>
+    <a:masterClrMapping/>
+  </p:clrMapOvr>
+</p:notes>
+</file>
+
+<file path=ppt/notesSlides/notesSlide32.xml><?xml version="1.0" encoding="utf-8"?>
+<p:notes xmlns:a="http://schemas.openxmlformats.org/drawingml/2006/main" xmlns:r="http://schemas.openxmlformats.org/officeDocument/2006/relationships" xmlns:p="http://schemas.openxmlformats.org/presentationml/2006/main">
+  <p:cSld>
+    <p:spTree>
+      <p:nvGrpSpPr>
+        <p:cNvPr id="1" name=""/>
+        <p:cNvGrpSpPr/>
+        <p:nvPr/>
+      </p:nvGrpSpPr>
+      <p:grpSpPr>
+        <a:xfrm>
+          <a:off x="0" y="0"/>
+          <a:ext cx="0" cy="0"/>
+          <a:chOff x="0" y="0"/>
+          <a:chExt cx="0" cy="0"/>
+        </a:xfrm>
+      </p:grpSpPr>
+      <p:sp>
+        <p:nvSpPr>
+          <p:cNvPr id="2" name="Slide Image Placeholder 1"/>
+          <p:cNvSpPr>
+            <a:spLocks noGrp="1" noRot="1" noChangeAspect="1"/>
+          </p:cNvSpPr>
+          <p:nvPr>
+            <p:ph type="sldImg"/>
+          </p:nvPr>
+        </p:nvSpPr>
+        <p:spPr/>
+      </p:sp>
+      <p:sp>
+        <p:nvSpPr>
+          <p:cNvPr id="3" name="Notes Placeholder 2"/>
+          <p:cNvSpPr>
+            <a:spLocks noGrp="1"/>
+          </p:cNvSpPr>
+          <p:nvPr>
+            <p:ph type="body" idx="1"/>
+          </p:nvPr>
+        </p:nvSpPr>
+        <p:spPr/>
+        <p:txBody>
+          <a:bodyPr/>
+          <a:lstStyle/>
+          <a:p>
+            <a:endParaRPr lang="en-US"/>
+          </a:p>
+        </p:txBody>
+      </p:sp>
+      <p:sp>
+        <p:nvSpPr>
+          <p:cNvPr id="4" name="Slide Number Placeholder 3"/>
+          <p:cNvSpPr>
+            <a:spLocks noGrp="1"/>
+          </p:cNvSpPr>
+          <p:nvPr>
+            <p:ph type="sldNum" sz="quarter" idx="5"/>
+          </p:nvPr>
+        </p:nvSpPr>
+        <p:spPr/>
+        <p:txBody>
+          <a:bodyPr/>
+          <a:lstStyle/>
+          <a:p>
+            <a:fld id="{3130526B-4D11-5B47-ABB8-EA6BDB0149E2}" type="slidenum">
+              <a:rPr lang="en-US" smtClean="0"/>
+              <a:t>32</a:t>
+            </a:fld>
+            <a:endParaRPr lang="en-US"/>
+          </a:p>
+        </p:txBody>
+      </p:sp>
+    </p:spTree>
+    <p:extLst>
+      <p:ext uri="{BB962C8B-B14F-4D97-AF65-F5344CB8AC3E}">
+        <p14:creationId xmlns:p14="http://schemas.microsoft.com/office/powerpoint/2010/main" val="1044009203"/>
+      </p:ext>
+    </p:extLst>
+  </p:cSld>
+  <p:clrMapOvr>
+    <a:masterClrMapping/>
+  </p:clrMapOvr>
+</p:notes>
+</file>
+
+<file path=ppt/notesSlides/notesSlide33.xml><?xml version="1.0" encoding="utf-8"?>
+<p:notes xmlns:a="http://schemas.openxmlformats.org/drawingml/2006/main" xmlns:r="http://schemas.openxmlformats.org/officeDocument/2006/relationships" xmlns:p="http://schemas.openxmlformats.org/presentationml/2006/main">
+  <p:cSld>
+    <p:spTree>
+      <p:nvGrpSpPr>
+        <p:cNvPr id="1" name=""/>
+        <p:cNvGrpSpPr/>
+        <p:nvPr/>
+      </p:nvGrpSpPr>
+      <p:grpSpPr>
+        <a:xfrm>
+          <a:off x="0" y="0"/>
+          <a:ext cx="0" cy="0"/>
+          <a:chOff x="0" y="0"/>
+          <a:chExt cx="0" cy="0"/>
+        </a:xfrm>
+      </p:grpSpPr>
+      <p:sp>
+        <p:nvSpPr>
+          <p:cNvPr id="2" name="Slide Image Placeholder 1"/>
+          <p:cNvSpPr>
+            <a:spLocks noGrp="1" noRot="1" noChangeAspect="1"/>
+          </p:cNvSpPr>
+          <p:nvPr>
+            <p:ph type="sldImg"/>
+          </p:nvPr>
+        </p:nvSpPr>
+        <p:spPr/>
+      </p:sp>
+      <p:sp>
+        <p:nvSpPr>
+          <p:cNvPr id="3" name="Notes Placeholder 2"/>
+          <p:cNvSpPr>
+            <a:spLocks noGrp="1"/>
+          </p:cNvSpPr>
+          <p:nvPr>
+            <p:ph type="body" idx="1"/>
+          </p:nvPr>
+        </p:nvSpPr>
+        <p:spPr/>
+        <p:txBody>
+          <a:bodyPr/>
+          <a:lstStyle/>
+          <a:p>
+            <a:r>
+              <a:rPr lang="en-US" dirty="0"/>
+              <a:t>Question 2 is an initial attempt to determine what might motivate unmarked conversion.</a:t>
+            </a:r>
+          </a:p>
+        </p:txBody>
+      </p:sp>
+      <p:sp>
+        <p:nvSpPr>
+          <p:cNvPr id="4" name="Slide Number Placeholder 3"/>
+          <p:cNvSpPr>
+            <a:spLocks noGrp="1"/>
+          </p:cNvSpPr>
+          <p:nvPr>
+            <p:ph type="sldNum" sz="quarter" idx="5"/>
+          </p:nvPr>
+        </p:nvSpPr>
+        <p:spPr/>
+        <p:txBody>
+          <a:bodyPr/>
+          <a:lstStyle/>
+          <a:p>
+            <a:fld id="{3130526B-4D11-5B47-ABB8-EA6BDB0149E2}" type="slidenum">
+              <a:rPr lang="en-US" smtClean="0"/>
+              <a:t>33</a:t>
+            </a:fld>
+            <a:endParaRPr lang="en-US"/>
+          </a:p>
+        </p:txBody>
+      </p:sp>
+    </p:spTree>
+    <p:extLst>
+      <p:ext uri="{BB962C8B-B14F-4D97-AF65-F5344CB8AC3E}">
+        <p14:creationId xmlns:p14="http://schemas.microsoft.com/office/powerpoint/2010/main" val="3439633602"/>
+      </p:ext>
+    </p:extLst>
+  </p:cSld>
+  <p:clrMapOvr>
+    <a:masterClrMapping/>
+  </p:clrMapOvr>
+</p:notes>
+</file>
+
+<file path=ppt/notesSlides/notesSlide34.xml><?xml version="1.0" encoding="utf-8"?>
+<p:notes xmlns:a="http://schemas.openxmlformats.org/drawingml/2006/main" xmlns:r="http://schemas.openxmlformats.org/officeDocument/2006/relationships" xmlns:p="http://schemas.openxmlformats.org/presentationml/2006/main">
+  <p:cSld>
+    <p:spTree>
+      <p:nvGrpSpPr>
+        <p:cNvPr id="1" name=""/>
+        <p:cNvGrpSpPr/>
+        <p:nvPr/>
+      </p:nvGrpSpPr>
+      <p:grpSpPr>
+        <a:xfrm>
+          <a:off x="0" y="0"/>
+          <a:ext cx="0" cy="0"/>
+          <a:chOff x="0" y="0"/>
+          <a:chExt cx="0" cy="0"/>
+        </a:xfrm>
+      </p:grpSpPr>
+      <p:sp>
+        <p:nvSpPr>
+          <p:cNvPr id="2" name="Slide Image Placeholder 1"/>
+          <p:cNvSpPr>
+            <a:spLocks noGrp="1" noRot="1" noChangeAspect="1"/>
+          </p:cNvSpPr>
+          <p:nvPr>
+            <p:ph type="sldImg"/>
+          </p:nvPr>
+        </p:nvSpPr>
+        <p:spPr/>
+      </p:sp>
+      <p:sp>
+        <p:nvSpPr>
+          <p:cNvPr id="3" name="Notes Placeholder 2"/>
+          <p:cNvSpPr>
+            <a:spLocks noGrp="1"/>
+          </p:cNvSpPr>
+          <p:nvPr>
+            <p:ph type="body" idx="1"/>
+          </p:nvPr>
+        </p:nvSpPr>
+        <p:spPr/>
+        <p:txBody>
+          <a:bodyPr/>
+          <a:lstStyle/>
+          <a:p>
+            <a:endParaRPr lang="en-US"/>
+          </a:p>
+        </p:txBody>
+      </p:sp>
+      <p:sp>
+        <p:nvSpPr>
+          <p:cNvPr id="4" name="Slide Number Placeholder 3"/>
+          <p:cNvSpPr>
+            <a:spLocks noGrp="1"/>
+          </p:cNvSpPr>
+          <p:nvPr>
+            <p:ph type="sldNum" sz="quarter" idx="5"/>
+          </p:nvPr>
+        </p:nvSpPr>
+        <p:spPr/>
+        <p:txBody>
+          <a:bodyPr/>
+          <a:lstStyle/>
+          <a:p>
+            <a:fld id="{3130526B-4D11-5B47-ABB8-EA6BDB0149E2}" type="slidenum">
+              <a:rPr lang="en-US" smtClean="0"/>
+              <a:t>34</a:t>
+            </a:fld>
+            <a:endParaRPr lang="en-US"/>
+          </a:p>
+        </p:txBody>
+      </p:sp>
+    </p:spTree>
+    <p:extLst>
+      <p:ext uri="{BB962C8B-B14F-4D97-AF65-F5344CB8AC3E}">
+        <p14:creationId xmlns:p14="http://schemas.microsoft.com/office/powerpoint/2010/main" val="1941904622"/>
+      </p:ext>
+    </p:extLst>
+  </p:cSld>
+  <p:clrMapOvr>
+    <a:masterClrMapping/>
+  </p:clrMapOvr>
+</p:notes>
+</file>
+
+<file path=ppt/notesSlides/notesSlide35.xml><?xml version="1.0" encoding="utf-8"?>
+<p:notes xmlns:a="http://schemas.openxmlformats.org/drawingml/2006/main" xmlns:r="http://schemas.openxmlformats.org/officeDocument/2006/relationships" xmlns:p="http://schemas.openxmlformats.org/presentationml/2006/main">
+  <p:cSld>
+    <p:spTree>
+      <p:nvGrpSpPr>
+        <p:cNvPr id="1" name=""/>
+        <p:cNvGrpSpPr/>
+        <p:nvPr/>
+      </p:nvGrpSpPr>
+      <p:grpSpPr>
+        <a:xfrm>
+          <a:off x="0" y="0"/>
+          <a:ext cx="0" cy="0"/>
+          <a:chOff x="0" y="0"/>
+          <a:chExt cx="0" cy="0"/>
+        </a:xfrm>
+      </p:grpSpPr>
+      <p:sp>
+        <p:nvSpPr>
+          <p:cNvPr id="2" name="Slide Image Placeholder 1"/>
+          <p:cNvSpPr>
+            <a:spLocks noGrp="1" noRot="1" noChangeAspect="1"/>
+          </p:cNvSpPr>
+          <p:nvPr>
+            <p:ph type="sldImg"/>
+          </p:nvPr>
+        </p:nvSpPr>
+        <p:spPr/>
+      </p:sp>
+      <p:sp>
+        <p:nvSpPr>
+          <p:cNvPr id="3" name="Notes Placeholder 2"/>
+          <p:cNvSpPr>
+            <a:spLocks noGrp="1"/>
+          </p:cNvSpPr>
+          <p:nvPr>
+            <p:ph type="body" idx="1"/>
+          </p:nvPr>
+        </p:nvSpPr>
+        <p:spPr/>
+        <p:txBody>
+          <a:bodyPr/>
+          <a:lstStyle/>
+          <a:p>
+            <a:r>
+              <a:rPr lang="en-US" dirty="0"/>
+              <a:t>frequency vs. corpus dispersion – [mention if you have some time to fill]</a:t>
+            </a:r>
+          </a:p>
+          <a:p>
+            <a:endParaRPr lang="en-US" dirty="0"/>
+          </a:p>
+          <a:p>
+            <a:r>
+              <a:rPr lang="en-US" dirty="0"/>
+              <a:t>Annotated 16 out of the 100 lexemes completely so far</a:t>
+            </a:r>
+          </a:p>
+        </p:txBody>
+      </p:sp>
+      <p:sp>
+        <p:nvSpPr>
+          <p:cNvPr id="4" name="Slide Number Placeholder 3"/>
+          <p:cNvSpPr>
+            <a:spLocks noGrp="1"/>
+          </p:cNvSpPr>
+          <p:nvPr>
+            <p:ph type="sldNum" sz="quarter" idx="5"/>
+          </p:nvPr>
+        </p:nvSpPr>
+        <p:spPr/>
+        <p:txBody>
+          <a:bodyPr/>
+          <a:lstStyle/>
+          <a:p>
+            <a:fld id="{3130526B-4D11-5B47-ABB8-EA6BDB0149E2}" type="slidenum">
+              <a:rPr lang="en-US" smtClean="0"/>
+              <a:t>35</a:t>
+            </a:fld>
+            <a:endParaRPr lang="en-US"/>
+          </a:p>
+        </p:txBody>
+      </p:sp>
+    </p:spTree>
+    <p:extLst>
+      <p:ext uri="{BB962C8B-B14F-4D97-AF65-F5344CB8AC3E}">
+        <p14:creationId xmlns:p14="http://schemas.microsoft.com/office/powerpoint/2010/main" val="913650125"/>
+      </p:ext>
+    </p:extLst>
+  </p:cSld>
+  <p:clrMapOvr>
+    <a:masterClrMapping/>
+  </p:clrMapOvr>
+</p:notes>
+</file>
+
+<file path=ppt/notesSlides/notesSlide36.xml><?xml version="1.0" encoding="utf-8"?>
+<p:notes xmlns:a="http://schemas.openxmlformats.org/drawingml/2006/main" xmlns:r="http://schemas.openxmlformats.org/officeDocument/2006/relationships" xmlns:p="http://schemas.openxmlformats.org/presentationml/2006/main">
+  <p:cSld>
+    <p:spTree>
+      <p:nvGrpSpPr>
+        <p:cNvPr id="1" name=""/>
+        <p:cNvGrpSpPr/>
+        <p:nvPr/>
+      </p:nvGrpSpPr>
+      <p:grpSpPr>
+        <a:xfrm>
+          <a:off x="0" y="0"/>
+          <a:ext cx="0" cy="0"/>
+          <a:chOff x="0" y="0"/>
+          <a:chExt cx="0" cy="0"/>
+        </a:xfrm>
+      </p:grpSpPr>
+      <p:sp>
+        <p:nvSpPr>
+          <p:cNvPr id="2" name="Slide Image Placeholder 1"/>
+          <p:cNvSpPr>
+            <a:spLocks noGrp="1" noRot="1" noChangeAspect="1"/>
+          </p:cNvSpPr>
+          <p:nvPr>
+            <p:ph type="sldImg"/>
+          </p:nvPr>
+        </p:nvSpPr>
+        <p:spPr/>
+      </p:sp>
+      <p:sp>
+        <p:nvSpPr>
+          <p:cNvPr id="3" name="Notes Placeholder 2"/>
+          <p:cNvSpPr>
+            <a:spLocks noGrp="1"/>
+          </p:cNvSpPr>
+          <p:nvPr>
+            <p:ph type="body" idx="1"/>
+          </p:nvPr>
+        </p:nvSpPr>
+        <p:spPr/>
+        <p:txBody>
+          <a:bodyPr/>
+          <a:lstStyle/>
+          <a:p>
+            <a:endParaRPr lang="en-US"/>
+          </a:p>
+        </p:txBody>
+      </p:sp>
+      <p:sp>
+        <p:nvSpPr>
+          <p:cNvPr id="4" name="Slide Number Placeholder 3"/>
+          <p:cNvSpPr>
+            <a:spLocks noGrp="1"/>
+          </p:cNvSpPr>
+          <p:nvPr>
+            <p:ph type="sldNum" sz="quarter" idx="5"/>
+          </p:nvPr>
+        </p:nvSpPr>
+        <p:spPr/>
+        <p:txBody>
+          <a:bodyPr/>
+          <a:lstStyle/>
+          <a:p>
+            <a:fld id="{3130526B-4D11-5B47-ABB8-EA6BDB0149E2}" type="slidenum">
+              <a:rPr lang="en-US" smtClean="0"/>
+              <a:t>36</a:t>
+            </a:fld>
+            <a:endParaRPr lang="en-US"/>
+          </a:p>
+        </p:txBody>
+      </p:sp>
+    </p:spTree>
+    <p:extLst>
+      <p:ext uri="{BB962C8B-B14F-4D97-AF65-F5344CB8AC3E}">
+        <p14:creationId xmlns:p14="http://schemas.microsoft.com/office/powerpoint/2010/main" val="101746491"/>
+      </p:ext>
+    </p:extLst>
+  </p:cSld>
+  <p:clrMapOvr>
+    <a:masterClrMapping/>
+  </p:clrMapOvr>
+</p:notes>
+</file>
+
+<file path=ppt/notesSlides/notesSlide37.xml><?xml version="1.0" encoding="utf-8"?>
+<p:notes xmlns:a="http://schemas.openxmlformats.org/drawingml/2006/main" xmlns:r="http://schemas.openxmlformats.org/officeDocument/2006/relationships" xmlns:p="http://schemas.openxmlformats.org/presentationml/2006/main">
+  <p:cSld>
+    <p:spTree>
+      <p:nvGrpSpPr>
+        <p:cNvPr id="1" name=""/>
+        <p:cNvGrpSpPr/>
+        <p:nvPr/>
+      </p:nvGrpSpPr>
+      <p:grpSpPr>
+        <a:xfrm>
+          <a:off x="0" y="0"/>
+          <a:ext cx="0" cy="0"/>
+          <a:chOff x="0" y="0"/>
+          <a:chExt cx="0" cy="0"/>
+        </a:xfrm>
+      </p:grpSpPr>
+      <p:sp>
+        <p:nvSpPr>
+          <p:cNvPr id="2" name="Slide Image Placeholder 1"/>
+          <p:cNvSpPr>
+            <a:spLocks noGrp="1" noRot="1" noChangeAspect="1"/>
+          </p:cNvSpPr>
+          <p:nvPr>
+            <p:ph type="sldImg"/>
+          </p:nvPr>
+        </p:nvSpPr>
+        <p:spPr/>
+      </p:sp>
+      <p:sp>
+        <p:nvSpPr>
+          <p:cNvPr id="3" name="Notes Placeholder 2"/>
+          <p:cNvSpPr>
+            <a:spLocks noGrp="1"/>
+          </p:cNvSpPr>
+          <p:nvPr>
+            <p:ph type="body" idx="1"/>
+          </p:nvPr>
+        </p:nvSpPr>
+        <p:spPr/>
+        <p:txBody>
+          <a:bodyPr/>
+          <a:lstStyle/>
+          <a:p>
+            <a:r>
+              <a:rPr lang="en-US" dirty="0"/>
+              <a:t>Noun: We saw a Twitter example earlier, but none appear in the OANC. The form </a:t>
+            </a:r>
+            <a:r>
+              <a:rPr lang="en-US" i="1" dirty="0" err="1"/>
+              <a:t>abling</a:t>
+            </a:r>
+            <a:r>
+              <a:rPr lang="en-US" i="0" dirty="0"/>
+              <a:t> doesn’t appear once.</a:t>
+            </a:r>
+          </a:p>
+          <a:p>
+            <a:pPr marL="181240" indent="-181240">
               <a:buFontTx/>
               <a:buChar char="-"/>
             </a:pPr>
             <a:r>
-              <a:rPr lang="en-US" dirty="0"/>
-              <a:t>POS tagging English for Rosetta Stone</a:t>
-            </a:r>
-          </a:p>
-          <a:p>
-            <a:pPr marL="171450" indent="-171450">
+              <a:rPr lang="en-US" i="0" dirty="0"/>
+              <a:t>Notice that there’s already a marked derivation for this: </a:t>
+            </a:r>
+            <a:r>
+              <a:rPr lang="en-US" i="1" dirty="0"/>
+              <a:t>ability</a:t>
+            </a:r>
+            <a:endParaRPr lang="en-US" i="0" dirty="0"/>
+          </a:p>
+          <a:p>
+            <a:pPr marL="181240" indent="-181240">
               <a:buFontTx/>
               <a:buChar char="-"/>
             </a:pPr>
             <a:r>
-              <a:rPr lang="en-US" dirty="0"/>
-              <a:t>lexical categories course with Elaine Francis at LSA Institute 2011</a:t>
-            </a:r>
-          </a:p>
-          <a:p>
-            <a:pPr marL="171450" indent="-171450">
+              <a:rPr lang="en-US" i="0" dirty="0"/>
+              <a:t>This phenomenon is sometimes called </a:t>
+            </a:r>
+            <a:r>
+              <a:rPr lang="en-US" i="1" dirty="0"/>
+              <a:t>blocking</a:t>
+            </a:r>
+            <a:r>
+              <a:rPr lang="en-US" i="0" dirty="0"/>
+              <a:t>, though it’s unclear if this is actually what’s happening here</a:t>
+            </a:r>
+            <a:endParaRPr lang="en-US" dirty="0"/>
+          </a:p>
+          <a:p>
+            <a:endParaRPr lang="en-US" i="0" dirty="0"/>
+          </a:p>
+          <a:p>
+            <a:pPr defTabSz="966612">
+              <a:defRPr/>
+            </a:pPr>
+            <a:r>
+              <a:rPr lang="en-US" i="0" dirty="0"/>
+              <a:t>Vast majority of instances of </a:t>
+            </a:r>
+            <a:r>
+              <a:rPr lang="en-US" i="1" dirty="0"/>
+              <a:t>able</a:t>
+            </a:r>
+            <a:r>
+              <a:rPr lang="en-US" i="0" dirty="0"/>
+              <a:t> are attributive predicates, which is interesting because </a:t>
+            </a:r>
+            <a:r>
+              <a:rPr lang="en-US" i="1" dirty="0"/>
+              <a:t>able</a:t>
+            </a:r>
+            <a:r>
+              <a:rPr lang="en-US" i="0" dirty="0"/>
+              <a:t> is historically an adjective</a:t>
+            </a:r>
+          </a:p>
+          <a:p>
+            <a:pPr marL="181240" indent="-181240">
               <a:buFontTx/>
               <a:buChar char="-"/>
             </a:pPr>
-            <a:r>
-              <a:rPr lang="en-US" dirty="0"/>
-              <a:t>I don’t typically work with English – this is just a baseline for work with other languages</a:t>
+            <a:endParaRPr lang="en-US" i="0" dirty="0"/>
+          </a:p>
+          <a:p>
+            <a:r>
+              <a:rPr lang="en-US" dirty="0"/>
+              <a:t>Verbal uses are due to copula constructions, which are structurally equivalent to inflected verbs</a:t>
+            </a:r>
+          </a:p>
+          <a:p>
+            <a:pPr marL="181240" indent="-181240">
+              <a:buFontTx/>
+              <a:buChar char="-"/>
+            </a:pPr>
+            <a:r>
+              <a:rPr lang="en-US" i="1" dirty="0"/>
+              <a:t>I am ahead</a:t>
+            </a:r>
+          </a:p>
+          <a:p>
+            <a:pPr marL="181240" indent="-181240">
+              <a:buFontTx/>
+              <a:buChar char="-"/>
+            </a:pPr>
+            <a:r>
+              <a:rPr lang="en-US" i="1" dirty="0"/>
+              <a:t>I am running</a:t>
+            </a:r>
+            <a:endParaRPr lang="en-US" i="0" dirty="0"/>
+          </a:p>
+          <a:p>
+            <a:pPr marL="181240" indent="-181240">
+              <a:buFontTx/>
+              <a:buChar char="-"/>
+            </a:pPr>
+            <a:endParaRPr lang="en-US" i="0" dirty="0"/>
+          </a:p>
+          <a:p>
+            <a:r>
+              <a:rPr lang="en-US" i="0" dirty="0"/>
+              <a:t>Almost anything can be predicated in English, unmarked</a:t>
+            </a:r>
+          </a:p>
+          <a:p>
+            <a:endParaRPr lang="en-US" i="0" dirty="0"/>
+          </a:p>
+          <a:p>
+            <a:r>
+              <a:rPr lang="en-US" i="1" dirty="0"/>
+              <a:t>Omnipredicativity</a:t>
+            </a:r>
+            <a:r>
+              <a:rPr lang="en-US" i="0" dirty="0"/>
+              <a:t> – originally proposed for Nahuatl (Aztec)</a:t>
+            </a:r>
+          </a:p>
+          <a:p>
+            <a:pPr marL="181240" indent="-181240">
+              <a:buFontTx/>
+              <a:buChar char="-"/>
+            </a:pPr>
+            <a:r>
+              <a:rPr lang="en-US" i="0" dirty="0"/>
+              <a:t>appears to be a prevalent feature of all, possibly most, languages</a:t>
             </a:r>
           </a:p>
         </p:txBody>
@@ -4929,7 +3824,7 @@
           <a:p>
             <a:fld id="{3130526B-4D11-5B47-ABB8-EA6BDB0149E2}" type="slidenum">
               <a:rPr lang="en-US" smtClean="0"/>
-              <a:t>54</a:t>
+              <a:t>37</a:t>
             </a:fld>
             <a:endParaRPr lang="en-US"/>
           </a:p>
@@ -4938,7 +3833,175 @@
     </p:spTree>
     <p:extLst>
       <p:ext uri="{BB962C8B-B14F-4D97-AF65-F5344CB8AC3E}">
-        <p14:creationId xmlns:p14="http://schemas.microsoft.com/office/powerpoint/2010/main" val="4183916489"/>
+        <p14:creationId xmlns:p14="http://schemas.microsoft.com/office/powerpoint/2010/main" val="1062865835"/>
+      </p:ext>
+    </p:extLst>
+  </p:cSld>
+  <p:clrMapOvr>
+    <a:masterClrMapping/>
+  </p:clrMapOvr>
+</p:notes>
+</file>
+
+<file path=ppt/notesSlides/notesSlide38.xml><?xml version="1.0" encoding="utf-8"?>
+<p:notes xmlns:a="http://schemas.openxmlformats.org/drawingml/2006/main" xmlns:r="http://schemas.openxmlformats.org/officeDocument/2006/relationships" xmlns:p="http://schemas.openxmlformats.org/presentationml/2006/main">
+  <p:cSld>
+    <p:spTree>
+      <p:nvGrpSpPr>
+        <p:cNvPr id="1" name=""/>
+        <p:cNvGrpSpPr/>
+        <p:nvPr/>
+      </p:nvGrpSpPr>
+      <p:grpSpPr>
+        <a:xfrm>
+          <a:off x="0" y="0"/>
+          <a:ext cx="0" cy="0"/>
+          <a:chOff x="0" y="0"/>
+          <a:chExt cx="0" cy="0"/>
+        </a:xfrm>
+      </p:grpSpPr>
+      <p:sp>
+        <p:nvSpPr>
+          <p:cNvPr id="2" name="Slide Image Placeholder 1"/>
+          <p:cNvSpPr>
+            <a:spLocks noGrp="1" noRot="1" noChangeAspect="1"/>
+          </p:cNvSpPr>
+          <p:nvPr>
+            <p:ph type="sldImg"/>
+          </p:nvPr>
+        </p:nvSpPr>
+        <p:spPr/>
+      </p:sp>
+      <p:sp>
+        <p:nvSpPr>
+          <p:cNvPr id="3" name="Notes Placeholder 2"/>
+          <p:cNvSpPr>
+            <a:spLocks noGrp="1"/>
+          </p:cNvSpPr>
+          <p:nvPr>
+            <p:ph type="body" idx="1"/>
+          </p:nvPr>
+        </p:nvSpPr>
+        <p:spPr/>
+        <p:txBody>
+          <a:bodyPr/>
+          <a:lstStyle/>
+          <a:p>
+            <a:endParaRPr lang="en-US" dirty="0"/>
+          </a:p>
+        </p:txBody>
+      </p:sp>
+      <p:sp>
+        <p:nvSpPr>
+          <p:cNvPr id="4" name="Slide Number Placeholder 3"/>
+          <p:cNvSpPr>
+            <a:spLocks noGrp="1"/>
+          </p:cNvSpPr>
+          <p:nvPr>
+            <p:ph type="sldNum" sz="quarter" idx="5"/>
+          </p:nvPr>
+        </p:nvSpPr>
+        <p:spPr/>
+        <p:txBody>
+          <a:bodyPr/>
+          <a:lstStyle/>
+          <a:p>
+            <a:fld id="{3130526B-4D11-5B47-ABB8-EA6BDB0149E2}" type="slidenum">
+              <a:rPr lang="en-US" smtClean="0"/>
+              <a:t>38</a:t>
+            </a:fld>
+            <a:endParaRPr lang="en-US"/>
+          </a:p>
+        </p:txBody>
+      </p:sp>
+    </p:spTree>
+    <p:extLst>
+      <p:ext uri="{BB962C8B-B14F-4D97-AF65-F5344CB8AC3E}">
+        <p14:creationId xmlns:p14="http://schemas.microsoft.com/office/powerpoint/2010/main" val="4184143750"/>
+      </p:ext>
+    </p:extLst>
+  </p:cSld>
+  <p:clrMapOvr>
+    <a:masterClrMapping/>
+  </p:clrMapOvr>
+</p:notes>
+</file>
+
+<file path=ppt/notesSlides/notesSlide39.xml><?xml version="1.0" encoding="utf-8"?>
+<p:notes xmlns:a="http://schemas.openxmlformats.org/drawingml/2006/main" xmlns:r="http://schemas.openxmlformats.org/officeDocument/2006/relationships" xmlns:p="http://schemas.openxmlformats.org/presentationml/2006/main">
+  <p:cSld>
+    <p:spTree>
+      <p:nvGrpSpPr>
+        <p:cNvPr id="1" name=""/>
+        <p:cNvGrpSpPr/>
+        <p:nvPr/>
+      </p:nvGrpSpPr>
+      <p:grpSpPr>
+        <a:xfrm>
+          <a:off x="0" y="0"/>
+          <a:ext cx="0" cy="0"/>
+          <a:chOff x="0" y="0"/>
+          <a:chExt cx="0" cy="0"/>
+        </a:xfrm>
+      </p:grpSpPr>
+      <p:sp>
+        <p:nvSpPr>
+          <p:cNvPr id="2" name="Slide Image Placeholder 1"/>
+          <p:cNvSpPr>
+            <a:spLocks noGrp="1" noRot="1" noChangeAspect="1"/>
+          </p:cNvSpPr>
+          <p:nvPr>
+            <p:ph type="sldImg"/>
+          </p:nvPr>
+        </p:nvSpPr>
+        <p:spPr/>
+      </p:sp>
+      <p:sp>
+        <p:nvSpPr>
+          <p:cNvPr id="3" name="Notes Placeholder 2"/>
+          <p:cNvSpPr>
+            <a:spLocks noGrp="1"/>
+          </p:cNvSpPr>
+          <p:nvPr>
+            <p:ph type="body" idx="1"/>
+          </p:nvPr>
+        </p:nvSpPr>
+        <p:spPr/>
+        <p:txBody>
+          <a:bodyPr/>
+          <a:lstStyle/>
+          <a:p>
+            <a:endParaRPr lang="en-US"/>
+          </a:p>
+        </p:txBody>
+      </p:sp>
+      <p:sp>
+        <p:nvSpPr>
+          <p:cNvPr id="4" name="Slide Number Placeholder 3"/>
+          <p:cNvSpPr>
+            <a:spLocks noGrp="1"/>
+          </p:cNvSpPr>
+          <p:nvPr>
+            <p:ph type="sldNum" sz="quarter" idx="5"/>
+          </p:nvPr>
+        </p:nvSpPr>
+        <p:spPr/>
+        <p:txBody>
+          <a:bodyPr/>
+          <a:lstStyle/>
+          <a:p>
+            <a:fld id="{3130526B-4D11-5B47-ABB8-EA6BDB0149E2}" type="slidenum">
+              <a:rPr lang="en-US" smtClean="0"/>
+              <a:t>39</a:t>
+            </a:fld>
+            <a:endParaRPr lang="en-US"/>
+          </a:p>
+        </p:txBody>
+      </p:sp>
+    </p:spTree>
+    <p:extLst>
+      <p:ext uri="{BB962C8B-B14F-4D97-AF65-F5344CB8AC3E}">
+        <p14:creationId xmlns:p14="http://schemas.microsoft.com/office/powerpoint/2010/main" val="1186842718"/>
       </p:ext>
     </p:extLst>
   </p:cSld>
@@ -4992,10 +4055,7 @@
           <a:bodyPr/>
           <a:lstStyle/>
           <a:p>
-            <a:r>
-              <a:rPr lang="en-US" dirty="0"/>
-              <a:t>Tempted to analyze nouns modifying nouns as compounds. Does this work?</a:t>
-            </a:r>
+            <a:endParaRPr lang="en-US"/>
           </a:p>
         </p:txBody>
       </p:sp>
@@ -5016,7 +4076,7 @@
           <a:p>
             <a:fld id="{3130526B-4D11-5B47-ABB8-EA6BDB0149E2}" type="slidenum">
               <a:rPr lang="en-US" smtClean="0"/>
-              <a:t>7</a:t>
+              <a:t>4</a:t>
             </a:fld>
             <a:endParaRPr lang="en-US"/>
           </a:p>
@@ -5025,7 +4085,1062 @@
     </p:spTree>
     <p:extLst>
       <p:ext uri="{BB962C8B-B14F-4D97-AF65-F5344CB8AC3E}">
-        <p14:creationId xmlns:p14="http://schemas.microsoft.com/office/powerpoint/2010/main" val="3890079101"/>
+        <p14:creationId xmlns:p14="http://schemas.microsoft.com/office/powerpoint/2010/main" val="2245589201"/>
+      </p:ext>
+    </p:extLst>
+  </p:cSld>
+  <p:clrMapOvr>
+    <a:masterClrMapping/>
+  </p:clrMapOvr>
+</p:notes>
+</file>
+
+<file path=ppt/notesSlides/notesSlide40.xml><?xml version="1.0" encoding="utf-8"?>
+<p:notes xmlns:a="http://schemas.openxmlformats.org/drawingml/2006/main" xmlns:r="http://schemas.openxmlformats.org/officeDocument/2006/relationships" xmlns:p="http://schemas.openxmlformats.org/presentationml/2006/main">
+  <p:cSld>
+    <p:spTree>
+      <p:nvGrpSpPr>
+        <p:cNvPr id="1" name=""/>
+        <p:cNvGrpSpPr/>
+        <p:nvPr/>
+      </p:nvGrpSpPr>
+      <p:grpSpPr>
+        <a:xfrm>
+          <a:off x="0" y="0"/>
+          <a:ext cx="0" cy="0"/>
+          <a:chOff x="0" y="0"/>
+          <a:chExt cx="0" cy="0"/>
+        </a:xfrm>
+      </p:grpSpPr>
+      <p:sp>
+        <p:nvSpPr>
+          <p:cNvPr id="2" name="Slide Image Placeholder 1"/>
+          <p:cNvSpPr>
+            <a:spLocks noGrp="1" noRot="1" noChangeAspect="1"/>
+          </p:cNvSpPr>
+          <p:nvPr>
+            <p:ph type="sldImg"/>
+          </p:nvPr>
+        </p:nvSpPr>
+        <p:spPr/>
+      </p:sp>
+      <p:sp>
+        <p:nvSpPr>
+          <p:cNvPr id="3" name="Notes Placeholder 2"/>
+          <p:cNvSpPr>
+            <a:spLocks noGrp="1"/>
+          </p:cNvSpPr>
+          <p:nvPr>
+            <p:ph type="body" idx="1"/>
+          </p:nvPr>
+        </p:nvSpPr>
+        <p:spPr/>
+        <p:txBody>
+          <a:bodyPr/>
+          <a:lstStyle/>
+          <a:p>
+            <a:r>
+              <a:rPr lang="en-US" dirty="0"/>
+              <a:t>Adverbs like </a:t>
+            </a:r>
+            <a:r>
+              <a:rPr lang="en-US" i="1" dirty="0"/>
+              <a:t>ahead</a:t>
+            </a:r>
+            <a:r>
+              <a:rPr lang="en-US" i="0" dirty="0"/>
+              <a:t> were generally tricky. Frequently they seem like nouns </a:t>
+            </a:r>
+            <a:r>
+              <a:rPr lang="en-US" i="1" dirty="0"/>
+              <a:t>functioning</a:t>
+            </a:r>
+            <a:r>
+              <a:rPr lang="en-US" i="0" dirty="0"/>
+              <a:t> adverbially or </a:t>
+            </a:r>
+            <a:r>
+              <a:rPr lang="en-US" i="1" dirty="0"/>
+              <a:t>functioning</a:t>
+            </a:r>
+            <a:r>
+              <a:rPr lang="en-US" i="0" dirty="0"/>
+              <a:t> to modify. Historically they’re often nouns or locative phrases (</a:t>
+            </a:r>
+            <a:r>
+              <a:rPr lang="en-US" i="1" dirty="0"/>
+              <a:t>at head</a:t>
+            </a:r>
+            <a:r>
+              <a:rPr lang="en-US" i="0" dirty="0"/>
+              <a:t>)</a:t>
+            </a:r>
+          </a:p>
+          <a:p>
+            <a:pPr marL="181240" indent="-181240">
+              <a:buFontTx/>
+              <a:buChar char="-"/>
+            </a:pPr>
+            <a:r>
+              <a:rPr lang="en-US" i="1" dirty="0"/>
+              <a:t>I got ahead of him</a:t>
+            </a:r>
+            <a:r>
+              <a:rPr lang="en-US" i="0" dirty="0"/>
+              <a:t> (reference)</a:t>
+            </a:r>
+          </a:p>
+          <a:p>
+            <a:pPr marL="181240" indent="-181240">
+              <a:buFontTx/>
+              <a:buChar char="-"/>
+            </a:pPr>
+            <a:r>
+              <a:rPr lang="en-US" i="1" dirty="0"/>
+              <a:t>the next guy ahead of me</a:t>
+            </a:r>
+            <a:r>
+              <a:rPr lang="en-US" i="0" dirty="0"/>
+              <a:t> (modification)</a:t>
+            </a:r>
+          </a:p>
+          <a:p>
+            <a:pPr marL="181240" indent="-181240">
+              <a:buFontTx/>
+              <a:buChar char="-"/>
+            </a:pPr>
+            <a:endParaRPr lang="en-US" i="0" dirty="0"/>
+          </a:p>
+          <a:p>
+            <a:r>
+              <a:rPr lang="en-US" dirty="0"/>
+              <a:t>Didn’t count cases like these unless they were really clear, but it makes me think adverbs are another area where we’re adhering to traditional ways of analyzing terms even when they aren’t appropriate to the actual data.</a:t>
+            </a:r>
+          </a:p>
+        </p:txBody>
+      </p:sp>
+      <p:sp>
+        <p:nvSpPr>
+          <p:cNvPr id="4" name="Slide Number Placeholder 3"/>
+          <p:cNvSpPr>
+            <a:spLocks noGrp="1"/>
+          </p:cNvSpPr>
+          <p:nvPr>
+            <p:ph type="sldNum" sz="quarter" idx="5"/>
+          </p:nvPr>
+        </p:nvSpPr>
+        <p:spPr/>
+        <p:txBody>
+          <a:bodyPr/>
+          <a:lstStyle/>
+          <a:p>
+            <a:fld id="{3130526B-4D11-5B47-ABB8-EA6BDB0149E2}" type="slidenum">
+              <a:rPr lang="en-US" smtClean="0"/>
+              <a:t>40</a:t>
+            </a:fld>
+            <a:endParaRPr lang="en-US"/>
+          </a:p>
+        </p:txBody>
+      </p:sp>
+    </p:spTree>
+    <p:extLst>
+      <p:ext uri="{BB962C8B-B14F-4D97-AF65-F5344CB8AC3E}">
+        <p14:creationId xmlns:p14="http://schemas.microsoft.com/office/powerpoint/2010/main" val="3825746647"/>
+      </p:ext>
+    </p:extLst>
+  </p:cSld>
+  <p:clrMapOvr>
+    <a:masterClrMapping/>
+  </p:clrMapOvr>
+</p:notes>
+</file>
+
+<file path=ppt/notesSlides/notesSlide41.xml><?xml version="1.0" encoding="utf-8"?>
+<p:notes xmlns:a="http://schemas.openxmlformats.org/drawingml/2006/main" xmlns:r="http://schemas.openxmlformats.org/officeDocument/2006/relationships" xmlns:p="http://schemas.openxmlformats.org/presentationml/2006/main">
+  <p:cSld>
+    <p:spTree>
+      <p:nvGrpSpPr>
+        <p:cNvPr id="1" name=""/>
+        <p:cNvGrpSpPr/>
+        <p:nvPr/>
+      </p:nvGrpSpPr>
+      <p:grpSpPr>
+        <a:xfrm>
+          <a:off x="0" y="0"/>
+          <a:ext cx="0" cy="0"/>
+          <a:chOff x="0" y="0"/>
+          <a:chExt cx="0" cy="0"/>
+        </a:xfrm>
+      </p:grpSpPr>
+      <p:sp>
+        <p:nvSpPr>
+          <p:cNvPr id="2" name="Slide Image Placeholder 1"/>
+          <p:cNvSpPr>
+            <a:spLocks noGrp="1" noRot="1" noChangeAspect="1"/>
+          </p:cNvSpPr>
+          <p:nvPr>
+            <p:ph type="sldImg"/>
+          </p:nvPr>
+        </p:nvSpPr>
+        <p:spPr/>
+      </p:sp>
+      <p:sp>
+        <p:nvSpPr>
+          <p:cNvPr id="3" name="Notes Placeholder 2"/>
+          <p:cNvSpPr>
+            <a:spLocks noGrp="1"/>
+          </p:cNvSpPr>
+          <p:nvPr>
+            <p:ph type="body" idx="1"/>
+          </p:nvPr>
+        </p:nvSpPr>
+        <p:spPr/>
+        <p:txBody>
+          <a:bodyPr/>
+          <a:lstStyle/>
+          <a:p>
+            <a:endParaRPr lang="en-US" i="0" dirty="0"/>
+          </a:p>
+        </p:txBody>
+      </p:sp>
+      <p:sp>
+        <p:nvSpPr>
+          <p:cNvPr id="4" name="Slide Number Placeholder 3"/>
+          <p:cNvSpPr>
+            <a:spLocks noGrp="1"/>
+          </p:cNvSpPr>
+          <p:nvPr>
+            <p:ph type="sldNum" sz="quarter" idx="5"/>
+          </p:nvPr>
+        </p:nvSpPr>
+        <p:spPr/>
+        <p:txBody>
+          <a:bodyPr/>
+          <a:lstStyle/>
+          <a:p>
+            <a:fld id="{3130526B-4D11-5B47-ABB8-EA6BDB0149E2}" type="slidenum">
+              <a:rPr lang="en-US" smtClean="0"/>
+              <a:t>41</a:t>
+            </a:fld>
+            <a:endParaRPr lang="en-US"/>
+          </a:p>
+        </p:txBody>
+      </p:sp>
+    </p:spTree>
+    <p:extLst>
+      <p:ext uri="{BB962C8B-B14F-4D97-AF65-F5344CB8AC3E}">
+        <p14:creationId xmlns:p14="http://schemas.microsoft.com/office/powerpoint/2010/main" val="3920843699"/>
+      </p:ext>
+    </p:extLst>
+  </p:cSld>
+  <p:clrMapOvr>
+    <a:masterClrMapping/>
+  </p:clrMapOvr>
+</p:notes>
+</file>
+
+<file path=ppt/notesSlides/notesSlide42.xml><?xml version="1.0" encoding="utf-8"?>
+<p:notes xmlns:a="http://schemas.openxmlformats.org/drawingml/2006/main" xmlns:r="http://schemas.openxmlformats.org/officeDocument/2006/relationships" xmlns:p="http://schemas.openxmlformats.org/presentationml/2006/main">
+  <p:cSld>
+    <p:spTree>
+      <p:nvGrpSpPr>
+        <p:cNvPr id="1" name=""/>
+        <p:cNvGrpSpPr/>
+        <p:nvPr/>
+      </p:nvGrpSpPr>
+      <p:grpSpPr>
+        <a:xfrm>
+          <a:off x="0" y="0"/>
+          <a:ext cx="0" cy="0"/>
+          <a:chOff x="0" y="0"/>
+          <a:chExt cx="0" cy="0"/>
+        </a:xfrm>
+      </p:grpSpPr>
+      <p:sp>
+        <p:nvSpPr>
+          <p:cNvPr id="2" name="Slide Image Placeholder 1"/>
+          <p:cNvSpPr>
+            <a:spLocks noGrp="1" noRot="1" noChangeAspect="1"/>
+          </p:cNvSpPr>
+          <p:nvPr>
+            <p:ph type="sldImg"/>
+          </p:nvPr>
+        </p:nvSpPr>
+        <p:spPr/>
+      </p:sp>
+      <p:sp>
+        <p:nvSpPr>
+          <p:cNvPr id="3" name="Notes Placeholder 2"/>
+          <p:cNvSpPr>
+            <a:spLocks noGrp="1"/>
+          </p:cNvSpPr>
+          <p:nvPr>
+            <p:ph type="body" idx="1"/>
+          </p:nvPr>
+        </p:nvSpPr>
+        <p:spPr/>
+        <p:txBody>
+          <a:bodyPr/>
+          <a:lstStyle/>
+          <a:p>
+            <a:r>
+              <a:rPr lang="en-US" dirty="0"/>
+              <a:t>Not surprising. However it should be noted that you can find modifying and verbal examples online, not just for </a:t>
+            </a:r>
+            <a:r>
+              <a:rPr lang="en-US" i="1" dirty="0"/>
+              <a:t>anything</a:t>
+            </a:r>
+            <a:r>
+              <a:rPr lang="en-US" i="0" dirty="0"/>
+              <a:t>, but for just about anything!</a:t>
+            </a:r>
+          </a:p>
+          <a:p>
+            <a:endParaRPr lang="en-US" i="0" dirty="0"/>
+          </a:p>
+          <a:p>
+            <a:r>
+              <a:rPr lang="en-US" sz="1300" b="1" dirty="0"/>
+              <a:t>V:</a:t>
+            </a:r>
+            <a:r>
+              <a:rPr lang="en-US" sz="1300" dirty="0"/>
+              <a:t> </a:t>
+            </a:r>
+            <a:r>
+              <a:rPr lang="en-US" sz="1300" i="1" dirty="0"/>
+              <a:t>She loads me down with goodies that she searches out as not being sprayed, shot, or artificially </a:t>
+            </a:r>
+            <a:r>
+              <a:rPr lang="en-US" sz="1300" b="1" i="1" dirty="0" err="1"/>
+              <a:t>anythinged</a:t>
+            </a:r>
+            <a:endParaRPr lang="en-US" sz="1300" b="1" dirty="0"/>
+          </a:p>
+          <a:p>
+            <a:r>
+              <a:rPr lang="en-US" sz="1300" b="1" dirty="0"/>
+              <a:t>A:</a:t>
+            </a:r>
+            <a:r>
+              <a:rPr lang="en-US" sz="1300" dirty="0"/>
+              <a:t> </a:t>
+            </a:r>
+            <a:r>
+              <a:rPr lang="en-US" sz="1300" i="1" dirty="0"/>
+              <a:t>that wasn't very country or </a:t>
+            </a:r>
+            <a:r>
+              <a:rPr lang="en-US" sz="1300" b="1" i="1" dirty="0"/>
+              <a:t>very anything</a:t>
+            </a:r>
+            <a:r>
+              <a:rPr lang="en-US" sz="1300" i="1" dirty="0"/>
+              <a:t>, really</a:t>
+            </a:r>
+            <a:endParaRPr lang="en-US" i="1" dirty="0"/>
+          </a:p>
+        </p:txBody>
+      </p:sp>
+      <p:sp>
+        <p:nvSpPr>
+          <p:cNvPr id="4" name="Slide Number Placeholder 3"/>
+          <p:cNvSpPr>
+            <a:spLocks noGrp="1"/>
+          </p:cNvSpPr>
+          <p:nvPr>
+            <p:ph type="sldNum" sz="quarter" idx="5"/>
+          </p:nvPr>
+        </p:nvSpPr>
+        <p:spPr/>
+        <p:txBody>
+          <a:bodyPr/>
+          <a:lstStyle/>
+          <a:p>
+            <a:fld id="{3130526B-4D11-5B47-ABB8-EA6BDB0149E2}" type="slidenum">
+              <a:rPr lang="en-US" smtClean="0"/>
+              <a:t>42</a:t>
+            </a:fld>
+            <a:endParaRPr lang="en-US"/>
+          </a:p>
+        </p:txBody>
+      </p:sp>
+    </p:spTree>
+    <p:extLst>
+      <p:ext uri="{BB962C8B-B14F-4D97-AF65-F5344CB8AC3E}">
+        <p14:creationId xmlns:p14="http://schemas.microsoft.com/office/powerpoint/2010/main" val="4288382469"/>
+      </p:ext>
+    </p:extLst>
+  </p:cSld>
+  <p:clrMapOvr>
+    <a:masterClrMapping/>
+  </p:clrMapOvr>
+</p:notes>
+</file>
+
+<file path=ppt/notesSlides/notesSlide43.xml><?xml version="1.0" encoding="utf-8"?>
+<p:notes xmlns:a="http://schemas.openxmlformats.org/drawingml/2006/main" xmlns:r="http://schemas.openxmlformats.org/officeDocument/2006/relationships" xmlns:p="http://schemas.openxmlformats.org/presentationml/2006/main">
+  <p:cSld>
+    <p:spTree>
+      <p:nvGrpSpPr>
+        <p:cNvPr id="1" name=""/>
+        <p:cNvGrpSpPr/>
+        <p:nvPr/>
+      </p:nvGrpSpPr>
+      <p:grpSpPr>
+        <a:xfrm>
+          <a:off x="0" y="0"/>
+          <a:ext cx="0" cy="0"/>
+          <a:chOff x="0" y="0"/>
+          <a:chExt cx="0" cy="0"/>
+        </a:xfrm>
+      </p:grpSpPr>
+      <p:sp>
+        <p:nvSpPr>
+          <p:cNvPr id="2" name="Slide Image Placeholder 1"/>
+          <p:cNvSpPr>
+            <a:spLocks noGrp="1" noRot="1" noChangeAspect="1"/>
+          </p:cNvSpPr>
+          <p:nvPr>
+            <p:ph type="sldImg"/>
+          </p:nvPr>
+        </p:nvSpPr>
+        <p:spPr/>
+      </p:sp>
+      <p:sp>
+        <p:nvSpPr>
+          <p:cNvPr id="3" name="Notes Placeholder 2"/>
+          <p:cNvSpPr>
+            <a:spLocks noGrp="1"/>
+          </p:cNvSpPr>
+          <p:nvPr>
+            <p:ph type="body" idx="1"/>
+          </p:nvPr>
+        </p:nvSpPr>
+        <p:spPr/>
+        <p:txBody>
+          <a:bodyPr/>
+          <a:lstStyle/>
+          <a:p>
+            <a:endParaRPr lang="en-US"/>
+          </a:p>
+        </p:txBody>
+      </p:sp>
+      <p:sp>
+        <p:nvSpPr>
+          <p:cNvPr id="4" name="Slide Number Placeholder 3"/>
+          <p:cNvSpPr>
+            <a:spLocks noGrp="1"/>
+          </p:cNvSpPr>
+          <p:nvPr>
+            <p:ph type="sldNum" sz="quarter" idx="5"/>
+          </p:nvPr>
+        </p:nvSpPr>
+        <p:spPr/>
+        <p:txBody>
+          <a:bodyPr/>
+          <a:lstStyle/>
+          <a:p>
+            <a:fld id="{3130526B-4D11-5B47-ABB8-EA6BDB0149E2}" type="slidenum">
+              <a:rPr lang="en-US" smtClean="0"/>
+              <a:t>43</a:t>
+            </a:fld>
+            <a:endParaRPr lang="en-US"/>
+          </a:p>
+        </p:txBody>
+      </p:sp>
+    </p:spTree>
+    <p:extLst>
+      <p:ext uri="{BB962C8B-B14F-4D97-AF65-F5344CB8AC3E}">
+        <p14:creationId xmlns:p14="http://schemas.microsoft.com/office/powerpoint/2010/main" val="935329713"/>
+      </p:ext>
+    </p:extLst>
+  </p:cSld>
+  <p:clrMapOvr>
+    <a:masterClrMapping/>
+  </p:clrMapOvr>
+</p:notes>
+</file>
+
+<file path=ppt/notesSlides/notesSlide44.xml><?xml version="1.0" encoding="utf-8"?>
+<p:notes xmlns:a="http://schemas.openxmlformats.org/drawingml/2006/main" xmlns:r="http://schemas.openxmlformats.org/officeDocument/2006/relationships" xmlns:p="http://schemas.openxmlformats.org/presentationml/2006/main">
+  <p:cSld>
+    <p:spTree>
+      <p:nvGrpSpPr>
+        <p:cNvPr id="1" name=""/>
+        <p:cNvGrpSpPr/>
+        <p:nvPr/>
+      </p:nvGrpSpPr>
+      <p:grpSpPr>
+        <a:xfrm>
+          <a:off x="0" y="0"/>
+          <a:ext cx="0" cy="0"/>
+          <a:chOff x="0" y="0"/>
+          <a:chExt cx="0" cy="0"/>
+        </a:xfrm>
+      </p:grpSpPr>
+      <p:sp>
+        <p:nvSpPr>
+          <p:cNvPr id="2" name="Slide Image Placeholder 1"/>
+          <p:cNvSpPr>
+            <a:spLocks noGrp="1" noRot="1" noChangeAspect="1"/>
+          </p:cNvSpPr>
+          <p:nvPr>
+            <p:ph type="sldImg"/>
+          </p:nvPr>
+        </p:nvSpPr>
+        <p:spPr/>
+      </p:sp>
+      <p:sp>
+        <p:nvSpPr>
+          <p:cNvPr id="3" name="Notes Placeholder 2"/>
+          <p:cNvSpPr>
+            <a:spLocks noGrp="1"/>
+          </p:cNvSpPr>
+          <p:nvPr>
+            <p:ph type="body" idx="1"/>
+          </p:nvPr>
+        </p:nvSpPr>
+        <p:spPr/>
+        <p:txBody>
+          <a:bodyPr/>
+          <a:lstStyle/>
+          <a:p>
+            <a:r>
+              <a:rPr lang="en-US" dirty="0"/>
+              <a:t>Very easy to find instances of all three functions for </a:t>
+            </a:r>
+            <a:r>
+              <a:rPr lang="en-US" i="1" dirty="0"/>
+              <a:t>back</a:t>
+            </a:r>
+            <a:r>
+              <a:rPr lang="en-US" i="0" dirty="0"/>
+              <a:t>, even ignore attributive predicative cases</a:t>
+            </a:r>
+            <a:endParaRPr lang="en-US" dirty="0"/>
+          </a:p>
+        </p:txBody>
+      </p:sp>
+      <p:sp>
+        <p:nvSpPr>
+          <p:cNvPr id="4" name="Slide Number Placeholder 3"/>
+          <p:cNvSpPr>
+            <a:spLocks noGrp="1"/>
+          </p:cNvSpPr>
+          <p:nvPr>
+            <p:ph type="sldNum" sz="quarter" idx="5"/>
+          </p:nvPr>
+        </p:nvSpPr>
+        <p:spPr/>
+        <p:txBody>
+          <a:bodyPr/>
+          <a:lstStyle/>
+          <a:p>
+            <a:fld id="{3130526B-4D11-5B47-ABB8-EA6BDB0149E2}" type="slidenum">
+              <a:rPr lang="en-US" smtClean="0"/>
+              <a:t>44</a:t>
+            </a:fld>
+            <a:endParaRPr lang="en-US"/>
+          </a:p>
+        </p:txBody>
+      </p:sp>
+    </p:spTree>
+    <p:extLst>
+      <p:ext uri="{BB962C8B-B14F-4D97-AF65-F5344CB8AC3E}">
+        <p14:creationId xmlns:p14="http://schemas.microsoft.com/office/powerpoint/2010/main" val="3149406393"/>
+      </p:ext>
+    </p:extLst>
+  </p:cSld>
+  <p:clrMapOvr>
+    <a:masterClrMapping/>
+  </p:clrMapOvr>
+</p:notes>
+</file>
+
+<file path=ppt/notesSlides/notesSlide45.xml><?xml version="1.0" encoding="utf-8"?>
+<p:notes xmlns:a="http://schemas.openxmlformats.org/drawingml/2006/main" xmlns:r="http://schemas.openxmlformats.org/officeDocument/2006/relationships" xmlns:p="http://schemas.openxmlformats.org/presentationml/2006/main">
+  <p:cSld>
+    <p:spTree>
+      <p:nvGrpSpPr>
+        <p:cNvPr id="1" name=""/>
+        <p:cNvGrpSpPr/>
+        <p:nvPr/>
+      </p:nvGrpSpPr>
+      <p:grpSpPr>
+        <a:xfrm>
+          <a:off x="0" y="0"/>
+          <a:ext cx="0" cy="0"/>
+          <a:chOff x="0" y="0"/>
+          <a:chExt cx="0" cy="0"/>
+        </a:xfrm>
+      </p:grpSpPr>
+      <p:sp>
+        <p:nvSpPr>
+          <p:cNvPr id="2" name="Slide Image Placeholder 1"/>
+          <p:cNvSpPr>
+            <a:spLocks noGrp="1" noRot="1" noChangeAspect="1"/>
+          </p:cNvSpPr>
+          <p:nvPr>
+            <p:ph type="sldImg"/>
+          </p:nvPr>
+        </p:nvSpPr>
+        <p:spPr/>
+      </p:sp>
+      <p:sp>
+        <p:nvSpPr>
+          <p:cNvPr id="3" name="Notes Placeholder 2"/>
+          <p:cNvSpPr>
+            <a:spLocks noGrp="1"/>
+          </p:cNvSpPr>
+          <p:nvPr>
+            <p:ph type="body" idx="1"/>
+          </p:nvPr>
+        </p:nvSpPr>
+        <p:spPr/>
+        <p:txBody>
+          <a:bodyPr/>
+          <a:lstStyle/>
+          <a:p>
+            <a:endParaRPr lang="en-US"/>
+          </a:p>
+        </p:txBody>
+      </p:sp>
+      <p:sp>
+        <p:nvSpPr>
+          <p:cNvPr id="4" name="Slide Number Placeholder 3"/>
+          <p:cNvSpPr>
+            <a:spLocks noGrp="1"/>
+          </p:cNvSpPr>
+          <p:nvPr>
+            <p:ph type="sldNum" sz="quarter" idx="5"/>
+          </p:nvPr>
+        </p:nvSpPr>
+        <p:spPr/>
+        <p:txBody>
+          <a:bodyPr/>
+          <a:lstStyle/>
+          <a:p>
+            <a:fld id="{3130526B-4D11-5B47-ABB8-EA6BDB0149E2}" type="slidenum">
+              <a:rPr lang="en-US" smtClean="0"/>
+              <a:t>45</a:t>
+            </a:fld>
+            <a:endParaRPr lang="en-US"/>
+          </a:p>
+        </p:txBody>
+      </p:sp>
+    </p:spTree>
+    <p:extLst>
+      <p:ext uri="{BB962C8B-B14F-4D97-AF65-F5344CB8AC3E}">
+        <p14:creationId xmlns:p14="http://schemas.microsoft.com/office/powerpoint/2010/main" val="3585061515"/>
+      </p:ext>
+    </p:extLst>
+  </p:cSld>
+  <p:clrMapOvr>
+    <a:masterClrMapping/>
+  </p:clrMapOvr>
+</p:notes>
+</file>
+
+<file path=ppt/notesSlides/notesSlide46.xml><?xml version="1.0" encoding="utf-8"?>
+<p:notes xmlns:a="http://schemas.openxmlformats.org/drawingml/2006/main" xmlns:r="http://schemas.openxmlformats.org/officeDocument/2006/relationships" xmlns:p="http://schemas.openxmlformats.org/presentationml/2006/main">
+  <p:cSld>
+    <p:spTree>
+      <p:nvGrpSpPr>
+        <p:cNvPr id="1" name=""/>
+        <p:cNvGrpSpPr/>
+        <p:nvPr/>
+      </p:nvGrpSpPr>
+      <p:grpSpPr>
+        <a:xfrm>
+          <a:off x="0" y="0"/>
+          <a:ext cx="0" cy="0"/>
+          <a:chOff x="0" y="0"/>
+          <a:chExt cx="0" cy="0"/>
+        </a:xfrm>
+      </p:grpSpPr>
+      <p:sp>
+        <p:nvSpPr>
+          <p:cNvPr id="2" name="Slide Image Placeholder 1"/>
+          <p:cNvSpPr>
+            <a:spLocks noGrp="1" noRot="1" noChangeAspect="1"/>
+          </p:cNvSpPr>
+          <p:nvPr>
+            <p:ph type="sldImg"/>
+          </p:nvPr>
+        </p:nvSpPr>
+        <p:spPr/>
+      </p:sp>
+      <p:sp>
+        <p:nvSpPr>
+          <p:cNvPr id="3" name="Notes Placeholder 2"/>
+          <p:cNvSpPr>
+            <a:spLocks noGrp="1"/>
+          </p:cNvSpPr>
+          <p:nvPr>
+            <p:ph type="body" idx="1"/>
+          </p:nvPr>
+        </p:nvSpPr>
+        <p:spPr/>
+        <p:txBody>
+          <a:bodyPr/>
+          <a:lstStyle/>
+          <a:p>
+            <a:r>
+              <a:rPr lang="en-US" b="1" dirty="0"/>
+              <a:t>N:</a:t>
+            </a:r>
+            <a:r>
+              <a:rPr lang="en-US" b="0" dirty="0"/>
+              <a:t> infinitives are traditionally analyzed as a verbal inflection, but infinitives are typologically noun-like, and they’re often considered a nominal form of a verb</a:t>
+            </a:r>
+          </a:p>
+        </p:txBody>
+      </p:sp>
+      <p:sp>
+        <p:nvSpPr>
+          <p:cNvPr id="4" name="Slide Number Placeholder 3"/>
+          <p:cNvSpPr>
+            <a:spLocks noGrp="1"/>
+          </p:cNvSpPr>
+          <p:nvPr>
+            <p:ph type="sldNum" sz="quarter" idx="5"/>
+          </p:nvPr>
+        </p:nvSpPr>
+        <p:spPr/>
+        <p:txBody>
+          <a:bodyPr/>
+          <a:lstStyle/>
+          <a:p>
+            <a:fld id="{3130526B-4D11-5B47-ABB8-EA6BDB0149E2}" type="slidenum">
+              <a:rPr lang="en-US" smtClean="0"/>
+              <a:t>46</a:t>
+            </a:fld>
+            <a:endParaRPr lang="en-US"/>
+          </a:p>
+        </p:txBody>
+      </p:sp>
+    </p:spTree>
+    <p:extLst>
+      <p:ext uri="{BB962C8B-B14F-4D97-AF65-F5344CB8AC3E}">
+        <p14:creationId xmlns:p14="http://schemas.microsoft.com/office/powerpoint/2010/main" val="4102719848"/>
+      </p:ext>
+    </p:extLst>
+  </p:cSld>
+  <p:clrMapOvr>
+    <a:masterClrMapping/>
+  </p:clrMapOvr>
+</p:notes>
+</file>
+
+<file path=ppt/notesSlides/notesSlide47.xml><?xml version="1.0" encoding="utf-8"?>
+<p:notes xmlns:a="http://schemas.openxmlformats.org/drawingml/2006/main" xmlns:r="http://schemas.openxmlformats.org/officeDocument/2006/relationships" xmlns:p="http://schemas.openxmlformats.org/presentationml/2006/main">
+  <p:cSld>
+    <p:spTree>
+      <p:nvGrpSpPr>
+        <p:cNvPr id="1" name=""/>
+        <p:cNvGrpSpPr/>
+        <p:nvPr/>
+      </p:nvGrpSpPr>
+      <p:grpSpPr>
+        <a:xfrm>
+          <a:off x="0" y="0"/>
+          <a:ext cx="0" cy="0"/>
+          <a:chOff x="0" y="0"/>
+          <a:chExt cx="0" cy="0"/>
+        </a:xfrm>
+      </p:grpSpPr>
+      <p:sp>
+        <p:nvSpPr>
+          <p:cNvPr id="2" name="Slide Image Placeholder 1"/>
+          <p:cNvSpPr>
+            <a:spLocks noGrp="1" noRot="1" noChangeAspect="1"/>
+          </p:cNvSpPr>
+          <p:nvPr>
+            <p:ph type="sldImg"/>
+          </p:nvPr>
+        </p:nvSpPr>
+        <p:spPr/>
+      </p:sp>
+      <p:sp>
+        <p:nvSpPr>
+          <p:cNvPr id="3" name="Notes Placeholder 2"/>
+          <p:cNvSpPr>
+            <a:spLocks noGrp="1"/>
+          </p:cNvSpPr>
+          <p:nvPr>
+            <p:ph type="body" idx="1"/>
+          </p:nvPr>
+        </p:nvSpPr>
+        <p:spPr/>
+        <p:txBody>
+          <a:bodyPr/>
+          <a:lstStyle/>
+          <a:p>
+            <a:endParaRPr lang="en-US"/>
+          </a:p>
+        </p:txBody>
+      </p:sp>
+      <p:sp>
+        <p:nvSpPr>
+          <p:cNvPr id="4" name="Slide Number Placeholder 3"/>
+          <p:cNvSpPr>
+            <a:spLocks noGrp="1"/>
+          </p:cNvSpPr>
+          <p:nvPr>
+            <p:ph type="sldNum" sz="quarter" idx="5"/>
+          </p:nvPr>
+        </p:nvSpPr>
+        <p:spPr/>
+        <p:txBody>
+          <a:bodyPr/>
+          <a:lstStyle/>
+          <a:p>
+            <a:fld id="{3130526B-4D11-5B47-ABB8-EA6BDB0149E2}" type="slidenum">
+              <a:rPr lang="en-US" smtClean="0"/>
+              <a:t>47</a:t>
+            </a:fld>
+            <a:endParaRPr lang="en-US"/>
+          </a:p>
+        </p:txBody>
+      </p:sp>
+    </p:spTree>
+    <p:extLst>
+      <p:ext uri="{BB962C8B-B14F-4D97-AF65-F5344CB8AC3E}">
+        <p14:creationId xmlns:p14="http://schemas.microsoft.com/office/powerpoint/2010/main" val="2531329032"/>
+      </p:ext>
+    </p:extLst>
+  </p:cSld>
+  <p:clrMapOvr>
+    <a:masterClrMapping/>
+  </p:clrMapOvr>
+</p:notes>
+</file>
+
+<file path=ppt/notesSlides/notesSlide48.xml><?xml version="1.0" encoding="utf-8"?>
+<p:notes xmlns:a="http://schemas.openxmlformats.org/drawingml/2006/main" xmlns:r="http://schemas.openxmlformats.org/officeDocument/2006/relationships" xmlns:p="http://schemas.openxmlformats.org/presentationml/2006/main">
+  <p:cSld>
+    <p:spTree>
+      <p:nvGrpSpPr>
+        <p:cNvPr id="1" name=""/>
+        <p:cNvGrpSpPr/>
+        <p:nvPr/>
+      </p:nvGrpSpPr>
+      <p:grpSpPr>
+        <a:xfrm>
+          <a:off x="0" y="0"/>
+          <a:ext cx="0" cy="0"/>
+          <a:chOff x="0" y="0"/>
+          <a:chExt cx="0" cy="0"/>
+        </a:xfrm>
+      </p:grpSpPr>
+      <p:sp>
+        <p:nvSpPr>
+          <p:cNvPr id="2" name="Slide Image Placeholder 1"/>
+          <p:cNvSpPr>
+            <a:spLocks noGrp="1" noRot="1" noChangeAspect="1"/>
+          </p:cNvSpPr>
+          <p:nvPr>
+            <p:ph type="sldImg"/>
+          </p:nvPr>
+        </p:nvSpPr>
+        <p:spPr/>
+      </p:sp>
+      <p:sp>
+        <p:nvSpPr>
+          <p:cNvPr id="3" name="Notes Placeholder 2"/>
+          <p:cNvSpPr>
+            <a:spLocks noGrp="1"/>
+          </p:cNvSpPr>
+          <p:nvPr>
+            <p:ph type="body" idx="1"/>
+          </p:nvPr>
+        </p:nvSpPr>
+        <p:spPr/>
+        <p:txBody>
+          <a:bodyPr/>
+          <a:lstStyle/>
+          <a:p>
+            <a:r>
+              <a:rPr lang="en-US" dirty="0"/>
+              <a:t>For the attributive predicative uses, I’d like to go back and recode them as a distinct category.</a:t>
+            </a:r>
+          </a:p>
+          <a:p>
+            <a:endParaRPr lang="en-US" dirty="0"/>
+          </a:p>
+          <a:p>
+            <a:r>
+              <a:rPr lang="en-US" b="1" dirty="0"/>
+              <a:t>V:</a:t>
+            </a:r>
+            <a:r>
+              <a:rPr lang="en-US" b="0" dirty="0"/>
+              <a:t> could also have been </a:t>
+            </a:r>
+            <a:r>
+              <a:rPr lang="en-US" b="0" i="1" dirty="0"/>
+              <a:t>to best someone</a:t>
+            </a:r>
+            <a:r>
+              <a:rPr lang="en-US" b="0" i="0" dirty="0"/>
+              <a:t>, but that use didn’t appear in the OANC</a:t>
+            </a:r>
+            <a:endParaRPr lang="en-US" b="1" dirty="0"/>
+          </a:p>
+          <a:p>
+            <a:endParaRPr lang="en-US" dirty="0"/>
+          </a:p>
+          <a:p>
+            <a:r>
+              <a:rPr lang="en-US" dirty="0"/>
+              <a:t>Future research question: Can we determine the prototypical use of a word by the distribution of its functions?</a:t>
+            </a:r>
+          </a:p>
+          <a:p>
+            <a:pPr marL="181240" indent="-181240">
+              <a:buFontTx/>
+              <a:buChar char="-"/>
+            </a:pPr>
+            <a:r>
+              <a:rPr lang="en-US" dirty="0"/>
+              <a:t>adjective: primarily adjective, some noun</a:t>
+            </a:r>
+          </a:p>
+          <a:p>
+            <a:pPr marL="181240" indent="-181240">
+              <a:buFontTx/>
+              <a:buChar char="-"/>
+            </a:pPr>
+            <a:r>
+              <a:rPr lang="en-US" dirty="0"/>
+              <a:t>noun: primarily noun, some verb, some adjective</a:t>
+            </a:r>
+          </a:p>
+          <a:p>
+            <a:pPr marL="181240" indent="-181240">
+              <a:buFontTx/>
+              <a:buChar char="-"/>
+            </a:pPr>
+            <a:r>
+              <a:rPr lang="en-US" dirty="0"/>
+              <a:t>verb: primarily verb, some noun, little to no adjective</a:t>
+            </a:r>
+          </a:p>
+        </p:txBody>
+      </p:sp>
+      <p:sp>
+        <p:nvSpPr>
+          <p:cNvPr id="4" name="Slide Number Placeholder 3"/>
+          <p:cNvSpPr>
+            <a:spLocks noGrp="1"/>
+          </p:cNvSpPr>
+          <p:nvPr>
+            <p:ph type="sldNum" sz="quarter" idx="5"/>
+          </p:nvPr>
+        </p:nvSpPr>
+        <p:spPr/>
+        <p:txBody>
+          <a:bodyPr/>
+          <a:lstStyle/>
+          <a:p>
+            <a:fld id="{3130526B-4D11-5B47-ABB8-EA6BDB0149E2}" type="slidenum">
+              <a:rPr lang="en-US" smtClean="0"/>
+              <a:t>48</a:t>
+            </a:fld>
+            <a:endParaRPr lang="en-US"/>
+          </a:p>
+        </p:txBody>
+      </p:sp>
+    </p:spTree>
+    <p:extLst>
+      <p:ext uri="{BB962C8B-B14F-4D97-AF65-F5344CB8AC3E}">
+        <p14:creationId xmlns:p14="http://schemas.microsoft.com/office/powerpoint/2010/main" val="4289889184"/>
+      </p:ext>
+    </p:extLst>
+  </p:cSld>
+  <p:clrMapOvr>
+    <a:masterClrMapping/>
+  </p:clrMapOvr>
+</p:notes>
+</file>
+
+<file path=ppt/notesSlides/notesSlide49.xml><?xml version="1.0" encoding="utf-8"?>
+<p:notes xmlns:a="http://schemas.openxmlformats.org/drawingml/2006/main" xmlns:r="http://schemas.openxmlformats.org/officeDocument/2006/relationships" xmlns:p="http://schemas.openxmlformats.org/presentationml/2006/main">
+  <p:cSld>
+    <p:spTree>
+      <p:nvGrpSpPr>
+        <p:cNvPr id="1" name=""/>
+        <p:cNvGrpSpPr/>
+        <p:nvPr/>
+      </p:nvGrpSpPr>
+      <p:grpSpPr>
+        <a:xfrm>
+          <a:off x="0" y="0"/>
+          <a:ext cx="0" cy="0"/>
+          <a:chOff x="0" y="0"/>
+          <a:chExt cx="0" cy="0"/>
+        </a:xfrm>
+      </p:grpSpPr>
+      <p:sp>
+        <p:nvSpPr>
+          <p:cNvPr id="2" name="Slide Image Placeholder 1"/>
+          <p:cNvSpPr>
+            <a:spLocks noGrp="1" noRot="1" noChangeAspect="1"/>
+          </p:cNvSpPr>
+          <p:nvPr>
+            <p:ph type="sldImg"/>
+          </p:nvPr>
+        </p:nvSpPr>
+        <p:spPr/>
+      </p:sp>
+      <p:sp>
+        <p:nvSpPr>
+          <p:cNvPr id="3" name="Notes Placeholder 2"/>
+          <p:cNvSpPr>
+            <a:spLocks noGrp="1"/>
+          </p:cNvSpPr>
+          <p:nvPr>
+            <p:ph type="body" idx="1"/>
+          </p:nvPr>
+        </p:nvSpPr>
+        <p:spPr/>
+        <p:txBody>
+          <a:bodyPr/>
+          <a:lstStyle/>
+          <a:p>
+            <a:endParaRPr lang="en-US"/>
+          </a:p>
+        </p:txBody>
+      </p:sp>
+      <p:sp>
+        <p:nvSpPr>
+          <p:cNvPr id="4" name="Slide Number Placeholder 3"/>
+          <p:cNvSpPr>
+            <a:spLocks noGrp="1"/>
+          </p:cNvSpPr>
+          <p:nvPr>
+            <p:ph type="sldNum" sz="quarter" idx="5"/>
+          </p:nvPr>
+        </p:nvSpPr>
+        <p:spPr/>
+        <p:txBody>
+          <a:bodyPr/>
+          <a:lstStyle/>
+          <a:p>
+            <a:fld id="{3130526B-4D11-5B47-ABB8-EA6BDB0149E2}" type="slidenum">
+              <a:rPr lang="en-US" smtClean="0"/>
+              <a:t>49</a:t>
+            </a:fld>
+            <a:endParaRPr lang="en-US"/>
+          </a:p>
+        </p:txBody>
+      </p:sp>
+    </p:spTree>
+    <p:extLst>
+      <p:ext uri="{BB962C8B-B14F-4D97-AF65-F5344CB8AC3E}">
+        <p14:creationId xmlns:p14="http://schemas.microsoft.com/office/powerpoint/2010/main" val="1156782038"/>
       </p:ext>
     </p:extLst>
   </p:cSld>
@@ -5079,28 +5194,7 @@
           <a:bodyPr/>
           <a:lstStyle/>
           <a:p>
-            <a:r>
-              <a:rPr lang="en-US" dirty="0"/>
-              <a:t>In some cases, nouns modifying nouns do </a:t>
-            </a:r>
-            <a:r>
-              <a:rPr lang="en-US" i="1" dirty="0"/>
-              <a:t>become</a:t>
-            </a:r>
-            <a:r>
-              <a:rPr lang="en-US" i="0" dirty="0"/>
-              <a:t> compounds.</a:t>
-            </a:r>
-          </a:p>
-          <a:p>
-            <a:endParaRPr lang="en-US" i="0" dirty="0"/>
-          </a:p>
-          <a:p>
-            <a:r>
-              <a:rPr lang="en-US" i="0" dirty="0"/>
-              <a:t>But not in every case.</a:t>
-            </a:r>
-            <a:endParaRPr lang="en-US" dirty="0"/>
+            <a:endParaRPr lang="en-US"/>
           </a:p>
         </p:txBody>
       </p:sp>
@@ -5121,7 +5215,7 @@
           <a:p>
             <a:fld id="{3130526B-4D11-5B47-ABB8-EA6BDB0149E2}" type="slidenum">
               <a:rPr lang="en-US" smtClean="0"/>
-              <a:t>8</a:t>
+              <a:t>5</a:t>
             </a:fld>
             <a:endParaRPr lang="en-US"/>
           </a:p>
@@ -5130,7 +5224,1089 @@
     </p:spTree>
     <p:extLst>
       <p:ext uri="{BB962C8B-B14F-4D97-AF65-F5344CB8AC3E}">
-        <p14:creationId xmlns:p14="http://schemas.microsoft.com/office/powerpoint/2010/main" val="1046209730"/>
+        <p14:creationId xmlns:p14="http://schemas.microsoft.com/office/powerpoint/2010/main" val="4128858228"/>
+      </p:ext>
+    </p:extLst>
+  </p:cSld>
+  <p:clrMapOvr>
+    <a:masterClrMapping/>
+  </p:clrMapOvr>
+</p:notes>
+</file>
+
+<file path=ppt/notesSlides/notesSlide50.xml><?xml version="1.0" encoding="utf-8"?>
+<p:notes xmlns:a="http://schemas.openxmlformats.org/drawingml/2006/main" xmlns:r="http://schemas.openxmlformats.org/officeDocument/2006/relationships" xmlns:p="http://schemas.openxmlformats.org/presentationml/2006/main">
+  <p:cSld>
+    <p:spTree>
+      <p:nvGrpSpPr>
+        <p:cNvPr id="1" name=""/>
+        <p:cNvGrpSpPr/>
+        <p:nvPr/>
+      </p:nvGrpSpPr>
+      <p:grpSpPr>
+        <a:xfrm>
+          <a:off x="0" y="0"/>
+          <a:ext cx="0" cy="0"/>
+          <a:chOff x="0" y="0"/>
+          <a:chExt cx="0" cy="0"/>
+        </a:xfrm>
+      </p:grpSpPr>
+      <p:sp>
+        <p:nvSpPr>
+          <p:cNvPr id="2" name="Slide Image Placeholder 1"/>
+          <p:cNvSpPr>
+            <a:spLocks noGrp="1" noRot="1" noChangeAspect="1"/>
+          </p:cNvSpPr>
+          <p:nvPr>
+            <p:ph type="sldImg"/>
+          </p:nvPr>
+        </p:nvSpPr>
+        <p:spPr/>
+      </p:sp>
+      <p:sp>
+        <p:nvSpPr>
+          <p:cNvPr id="3" name="Notes Placeholder 2"/>
+          <p:cNvSpPr>
+            <a:spLocks noGrp="1"/>
+          </p:cNvSpPr>
+          <p:nvPr>
+            <p:ph type="body" idx="1"/>
+          </p:nvPr>
+        </p:nvSpPr>
+        <p:spPr/>
+        <p:txBody>
+          <a:bodyPr/>
+          <a:lstStyle/>
+          <a:p>
+            <a:endParaRPr lang="en-US"/>
+          </a:p>
+        </p:txBody>
+      </p:sp>
+      <p:sp>
+        <p:nvSpPr>
+          <p:cNvPr id="4" name="Slide Number Placeholder 3"/>
+          <p:cNvSpPr>
+            <a:spLocks noGrp="1"/>
+          </p:cNvSpPr>
+          <p:nvPr>
+            <p:ph type="sldNum" sz="quarter" idx="5"/>
+          </p:nvPr>
+        </p:nvSpPr>
+        <p:spPr/>
+        <p:txBody>
+          <a:bodyPr/>
+          <a:lstStyle/>
+          <a:p>
+            <a:fld id="{3130526B-4D11-5B47-ABB8-EA6BDB0149E2}" type="slidenum">
+              <a:rPr lang="en-US" smtClean="0"/>
+              <a:t>50</a:t>
+            </a:fld>
+            <a:endParaRPr lang="en-US"/>
+          </a:p>
+        </p:txBody>
+      </p:sp>
+    </p:spTree>
+    <p:extLst>
+      <p:ext uri="{BB962C8B-B14F-4D97-AF65-F5344CB8AC3E}">
+        <p14:creationId xmlns:p14="http://schemas.microsoft.com/office/powerpoint/2010/main" val="2269886001"/>
+      </p:ext>
+    </p:extLst>
+  </p:cSld>
+  <p:clrMapOvr>
+    <a:masterClrMapping/>
+  </p:clrMapOvr>
+</p:notes>
+</file>
+
+<file path=ppt/notesSlides/notesSlide51.xml><?xml version="1.0" encoding="utf-8"?>
+<p:notes xmlns:a="http://schemas.openxmlformats.org/drawingml/2006/main" xmlns:r="http://schemas.openxmlformats.org/officeDocument/2006/relationships" xmlns:p="http://schemas.openxmlformats.org/presentationml/2006/main">
+  <p:cSld>
+    <p:spTree>
+      <p:nvGrpSpPr>
+        <p:cNvPr id="1" name=""/>
+        <p:cNvGrpSpPr/>
+        <p:nvPr/>
+      </p:nvGrpSpPr>
+      <p:grpSpPr>
+        <a:xfrm>
+          <a:off x="0" y="0"/>
+          <a:ext cx="0" cy="0"/>
+          <a:chOff x="0" y="0"/>
+          <a:chExt cx="0" cy="0"/>
+        </a:xfrm>
+      </p:grpSpPr>
+      <p:sp>
+        <p:nvSpPr>
+          <p:cNvPr id="2" name="Slide Image Placeholder 1"/>
+          <p:cNvSpPr>
+            <a:spLocks noGrp="1" noRot="1" noChangeAspect="1"/>
+          </p:cNvSpPr>
+          <p:nvPr>
+            <p:ph type="sldImg"/>
+          </p:nvPr>
+        </p:nvSpPr>
+        <p:spPr/>
+      </p:sp>
+      <p:sp>
+        <p:nvSpPr>
+          <p:cNvPr id="3" name="Notes Placeholder 2"/>
+          <p:cNvSpPr>
+            <a:spLocks noGrp="1"/>
+          </p:cNvSpPr>
+          <p:nvPr>
+            <p:ph type="body" idx="1"/>
+          </p:nvPr>
+        </p:nvSpPr>
+        <p:spPr/>
+        <p:txBody>
+          <a:bodyPr/>
+          <a:lstStyle/>
+          <a:p>
+            <a:endParaRPr lang="en-US"/>
+          </a:p>
+        </p:txBody>
+      </p:sp>
+      <p:sp>
+        <p:nvSpPr>
+          <p:cNvPr id="4" name="Slide Number Placeholder 3"/>
+          <p:cNvSpPr>
+            <a:spLocks noGrp="1"/>
+          </p:cNvSpPr>
+          <p:nvPr>
+            <p:ph type="sldNum" sz="quarter" idx="5"/>
+          </p:nvPr>
+        </p:nvSpPr>
+        <p:spPr/>
+        <p:txBody>
+          <a:bodyPr/>
+          <a:lstStyle/>
+          <a:p>
+            <a:fld id="{3130526B-4D11-5B47-ABB8-EA6BDB0149E2}" type="slidenum">
+              <a:rPr lang="en-US" smtClean="0"/>
+              <a:t>51</a:t>
+            </a:fld>
+            <a:endParaRPr lang="en-US"/>
+          </a:p>
+        </p:txBody>
+      </p:sp>
+    </p:spTree>
+    <p:extLst>
+      <p:ext uri="{BB962C8B-B14F-4D97-AF65-F5344CB8AC3E}">
+        <p14:creationId xmlns:p14="http://schemas.microsoft.com/office/powerpoint/2010/main" val="3280842"/>
+      </p:ext>
+    </p:extLst>
+  </p:cSld>
+  <p:clrMapOvr>
+    <a:masterClrMapping/>
+  </p:clrMapOvr>
+</p:notes>
+</file>
+
+<file path=ppt/notesSlides/notesSlide52.xml><?xml version="1.0" encoding="utf-8"?>
+<p:notes xmlns:a="http://schemas.openxmlformats.org/drawingml/2006/main" xmlns:r="http://schemas.openxmlformats.org/officeDocument/2006/relationships" xmlns:p="http://schemas.openxmlformats.org/presentationml/2006/main">
+  <p:cSld>
+    <p:spTree>
+      <p:nvGrpSpPr>
+        <p:cNvPr id="1" name=""/>
+        <p:cNvGrpSpPr/>
+        <p:nvPr/>
+      </p:nvGrpSpPr>
+      <p:grpSpPr>
+        <a:xfrm>
+          <a:off x="0" y="0"/>
+          <a:ext cx="0" cy="0"/>
+          <a:chOff x="0" y="0"/>
+          <a:chExt cx="0" cy="0"/>
+        </a:xfrm>
+      </p:grpSpPr>
+      <p:sp>
+        <p:nvSpPr>
+          <p:cNvPr id="2" name="Slide Image Placeholder 1"/>
+          <p:cNvSpPr>
+            <a:spLocks noGrp="1" noRot="1" noChangeAspect="1"/>
+          </p:cNvSpPr>
+          <p:nvPr>
+            <p:ph type="sldImg"/>
+          </p:nvPr>
+        </p:nvSpPr>
+        <p:spPr/>
+      </p:sp>
+      <p:sp>
+        <p:nvSpPr>
+          <p:cNvPr id="3" name="Notes Placeholder 2"/>
+          <p:cNvSpPr>
+            <a:spLocks noGrp="1"/>
+          </p:cNvSpPr>
+          <p:nvPr>
+            <p:ph type="body" idx="1"/>
+          </p:nvPr>
+        </p:nvSpPr>
+        <p:spPr/>
+        <p:txBody>
+          <a:bodyPr/>
+          <a:lstStyle/>
+          <a:p>
+            <a:endParaRPr lang="en-US"/>
+          </a:p>
+        </p:txBody>
+      </p:sp>
+      <p:sp>
+        <p:nvSpPr>
+          <p:cNvPr id="4" name="Slide Number Placeholder 3"/>
+          <p:cNvSpPr>
+            <a:spLocks noGrp="1"/>
+          </p:cNvSpPr>
+          <p:nvPr>
+            <p:ph type="sldNum" sz="quarter" idx="5"/>
+          </p:nvPr>
+        </p:nvSpPr>
+        <p:spPr/>
+        <p:txBody>
+          <a:bodyPr/>
+          <a:lstStyle/>
+          <a:p>
+            <a:fld id="{3130526B-4D11-5B47-ABB8-EA6BDB0149E2}" type="slidenum">
+              <a:rPr lang="en-US" smtClean="0"/>
+              <a:t>52</a:t>
+            </a:fld>
+            <a:endParaRPr lang="en-US"/>
+          </a:p>
+        </p:txBody>
+      </p:sp>
+    </p:spTree>
+    <p:extLst>
+      <p:ext uri="{BB962C8B-B14F-4D97-AF65-F5344CB8AC3E}">
+        <p14:creationId xmlns:p14="http://schemas.microsoft.com/office/powerpoint/2010/main" val="1739197011"/>
+      </p:ext>
+    </p:extLst>
+  </p:cSld>
+  <p:clrMapOvr>
+    <a:masterClrMapping/>
+  </p:clrMapOvr>
+</p:notes>
+</file>
+
+<file path=ppt/notesSlides/notesSlide53.xml><?xml version="1.0" encoding="utf-8"?>
+<p:notes xmlns:a="http://schemas.openxmlformats.org/drawingml/2006/main" xmlns:r="http://schemas.openxmlformats.org/officeDocument/2006/relationships" xmlns:p="http://schemas.openxmlformats.org/presentationml/2006/main">
+  <p:cSld>
+    <p:spTree>
+      <p:nvGrpSpPr>
+        <p:cNvPr id="1" name=""/>
+        <p:cNvGrpSpPr/>
+        <p:nvPr/>
+      </p:nvGrpSpPr>
+      <p:grpSpPr>
+        <a:xfrm>
+          <a:off x="0" y="0"/>
+          <a:ext cx="0" cy="0"/>
+          <a:chOff x="0" y="0"/>
+          <a:chExt cx="0" cy="0"/>
+        </a:xfrm>
+      </p:grpSpPr>
+      <p:sp>
+        <p:nvSpPr>
+          <p:cNvPr id="2" name="Slide Image Placeholder 1"/>
+          <p:cNvSpPr>
+            <a:spLocks noGrp="1" noRot="1" noChangeAspect="1"/>
+          </p:cNvSpPr>
+          <p:nvPr>
+            <p:ph type="sldImg"/>
+          </p:nvPr>
+        </p:nvSpPr>
+        <p:spPr/>
+      </p:sp>
+      <p:sp>
+        <p:nvSpPr>
+          <p:cNvPr id="3" name="Notes Placeholder 2"/>
+          <p:cNvSpPr>
+            <a:spLocks noGrp="1"/>
+          </p:cNvSpPr>
+          <p:nvPr>
+            <p:ph type="body" idx="1"/>
+          </p:nvPr>
+        </p:nvSpPr>
+        <p:spPr/>
+        <p:txBody>
+          <a:bodyPr/>
+          <a:lstStyle/>
+          <a:p>
+            <a:endParaRPr lang="en-US"/>
+          </a:p>
+        </p:txBody>
+      </p:sp>
+      <p:sp>
+        <p:nvSpPr>
+          <p:cNvPr id="4" name="Slide Number Placeholder 3"/>
+          <p:cNvSpPr>
+            <a:spLocks noGrp="1"/>
+          </p:cNvSpPr>
+          <p:nvPr>
+            <p:ph type="sldNum" sz="quarter" idx="5"/>
+          </p:nvPr>
+        </p:nvSpPr>
+        <p:spPr/>
+        <p:txBody>
+          <a:bodyPr/>
+          <a:lstStyle/>
+          <a:p>
+            <a:fld id="{3130526B-4D11-5B47-ABB8-EA6BDB0149E2}" type="slidenum">
+              <a:rPr lang="en-US" smtClean="0"/>
+              <a:t>53</a:t>
+            </a:fld>
+            <a:endParaRPr lang="en-US"/>
+          </a:p>
+        </p:txBody>
+      </p:sp>
+    </p:spTree>
+    <p:extLst>
+      <p:ext uri="{BB962C8B-B14F-4D97-AF65-F5344CB8AC3E}">
+        <p14:creationId xmlns:p14="http://schemas.microsoft.com/office/powerpoint/2010/main" val="3741098094"/>
+      </p:ext>
+    </p:extLst>
+  </p:cSld>
+  <p:clrMapOvr>
+    <a:masterClrMapping/>
+  </p:clrMapOvr>
+</p:notes>
+</file>
+
+<file path=ppt/notesSlides/notesSlide54.xml><?xml version="1.0" encoding="utf-8"?>
+<p:notes xmlns:a="http://schemas.openxmlformats.org/drawingml/2006/main" xmlns:r="http://schemas.openxmlformats.org/officeDocument/2006/relationships" xmlns:p="http://schemas.openxmlformats.org/presentationml/2006/main">
+  <p:cSld>
+    <p:spTree>
+      <p:nvGrpSpPr>
+        <p:cNvPr id="1" name=""/>
+        <p:cNvGrpSpPr/>
+        <p:nvPr/>
+      </p:nvGrpSpPr>
+      <p:grpSpPr>
+        <a:xfrm>
+          <a:off x="0" y="0"/>
+          <a:ext cx="0" cy="0"/>
+          <a:chOff x="0" y="0"/>
+          <a:chExt cx="0" cy="0"/>
+        </a:xfrm>
+      </p:grpSpPr>
+      <p:sp>
+        <p:nvSpPr>
+          <p:cNvPr id="2" name="Slide Image Placeholder 1"/>
+          <p:cNvSpPr>
+            <a:spLocks noGrp="1" noRot="1" noChangeAspect="1"/>
+          </p:cNvSpPr>
+          <p:nvPr>
+            <p:ph type="sldImg"/>
+          </p:nvPr>
+        </p:nvSpPr>
+        <p:spPr/>
+      </p:sp>
+      <p:sp>
+        <p:nvSpPr>
+          <p:cNvPr id="3" name="Notes Placeholder 2"/>
+          <p:cNvSpPr>
+            <a:spLocks noGrp="1"/>
+          </p:cNvSpPr>
+          <p:nvPr>
+            <p:ph type="body" idx="1"/>
+          </p:nvPr>
+        </p:nvSpPr>
+        <p:spPr/>
+        <p:txBody>
+          <a:bodyPr/>
+          <a:lstStyle/>
+          <a:p>
+            <a:r>
+              <a:rPr lang="en-US" b="1" dirty="0"/>
+              <a:t>Preliminary Results for English</a:t>
+            </a:r>
+          </a:p>
+          <a:p>
+            <a:endParaRPr lang="en-US" i="0" dirty="0"/>
+          </a:p>
+          <a:p>
+            <a:r>
+              <a:rPr lang="en-US" i="0" dirty="0"/>
+              <a:t>Most words of English do not exhibit much flexibility – one function predominates</a:t>
+            </a:r>
+          </a:p>
+          <a:p>
+            <a:pPr marL="181240" indent="-181240">
+              <a:buFontTx/>
+              <a:buChar char="-"/>
+            </a:pPr>
+            <a:r>
+              <a:rPr lang="en-US" i="0" dirty="0"/>
+              <a:t>The results are a little boring! But that in itself is interesting!</a:t>
+            </a:r>
+          </a:p>
+          <a:p>
+            <a:pPr marL="181240" indent="-181240">
+              <a:buFontTx/>
+              <a:buChar char="-"/>
+            </a:pPr>
+            <a:r>
+              <a:rPr lang="en-US" i="0" dirty="0"/>
+              <a:t>This says something about linguists’ perception of English as a flexible language</a:t>
+            </a:r>
+          </a:p>
+          <a:p>
+            <a:pPr marL="181240" indent="-181240">
+              <a:buFontTx/>
+              <a:buChar char="-"/>
+            </a:pPr>
+            <a:r>
+              <a:rPr lang="en-US" i="0" dirty="0"/>
+              <a:t>Linguists’ perceptions seem to be based on striking, standout cases rather than actual data</a:t>
+            </a:r>
+          </a:p>
+          <a:p>
+            <a:pPr marL="181240" indent="-181240">
+              <a:buFontTx/>
+              <a:buChar char="-"/>
+            </a:pPr>
+            <a:endParaRPr lang="en-US" i="0" dirty="0"/>
+          </a:p>
+          <a:p>
+            <a:r>
+              <a:rPr lang="en-US" i="0" dirty="0"/>
+              <a:t>(Almost) all words of English exhibit </a:t>
+            </a:r>
+            <a:r>
+              <a:rPr lang="en-US" i="1" dirty="0"/>
+              <a:t>some</a:t>
+            </a:r>
+            <a:r>
+              <a:rPr lang="en-US" i="0" dirty="0"/>
+              <a:t> flexibility</a:t>
+            </a:r>
+          </a:p>
+          <a:p>
+            <a:r>
+              <a:rPr lang="en-US" dirty="0"/>
+              <a:t>The only word which is 100% consistent in its distribution is </a:t>
+            </a:r>
+            <a:r>
+              <a:rPr lang="en-US" i="1" dirty="0"/>
+              <a:t>ahead</a:t>
+            </a:r>
+            <a:r>
+              <a:rPr lang="en-US" i="0" dirty="0"/>
+              <a:t>, which is typically thought to be an adverb!</a:t>
+            </a:r>
+          </a:p>
+          <a:p>
+            <a:pPr marL="181240" indent="-181240">
+              <a:buFontTx/>
+              <a:buChar char="-"/>
+            </a:pPr>
+            <a:r>
+              <a:rPr lang="en-US" i="0" dirty="0"/>
+              <a:t>Results would probably look very different if I included adverbial uses</a:t>
+            </a:r>
+          </a:p>
+          <a:p>
+            <a:pPr marL="181240" indent="-181240">
+              <a:buFontTx/>
+              <a:buChar char="-"/>
+            </a:pPr>
+            <a:r>
+              <a:rPr lang="en-US" i="0" dirty="0"/>
+              <a:t>verbs have nominal forms by default: verb + noun flexibility</a:t>
+            </a:r>
+          </a:p>
+          <a:p>
+            <a:pPr marL="181240" indent="-181240">
+              <a:buFontTx/>
+              <a:buChar char="-"/>
+            </a:pPr>
+            <a:r>
+              <a:rPr lang="en-US" i="0" dirty="0"/>
+              <a:t>anything can be predicated using a copula construction: omnipredicativity</a:t>
+            </a:r>
+          </a:p>
+          <a:p>
+            <a:endParaRPr lang="en-US" i="0" dirty="0"/>
+          </a:p>
+          <a:p>
+            <a:r>
+              <a:rPr lang="en-US" i="1" dirty="0"/>
+              <a:t>back</a:t>
+            </a:r>
+            <a:r>
+              <a:rPr lang="en-US" i="0" dirty="0"/>
+              <a:t> is the most evenly distributed between the three functions</a:t>
+            </a:r>
+          </a:p>
+          <a:p>
+            <a:pPr marL="181240" indent="-181240">
+              <a:buFontTx/>
+              <a:buChar char="-"/>
+            </a:pPr>
+            <a:r>
+              <a:rPr lang="en-US" i="0" dirty="0"/>
+              <a:t>Are body part terms more flexible than other semantic domains? Why?</a:t>
+            </a:r>
+          </a:p>
+          <a:p>
+            <a:pPr marL="181240" indent="-181240">
+              <a:buFontTx/>
+              <a:buChar char="-"/>
+            </a:pPr>
+            <a:r>
+              <a:rPr lang="en-US" i="0" dirty="0"/>
+              <a:t>Potential answer: The wide range of spatial and instrumental metaphors that body part terms are used for</a:t>
+            </a:r>
+          </a:p>
+        </p:txBody>
+      </p:sp>
+      <p:sp>
+        <p:nvSpPr>
+          <p:cNvPr id="4" name="Slide Number Placeholder 3"/>
+          <p:cNvSpPr>
+            <a:spLocks noGrp="1"/>
+          </p:cNvSpPr>
+          <p:nvPr>
+            <p:ph type="sldNum" sz="quarter" idx="5"/>
+          </p:nvPr>
+        </p:nvSpPr>
+        <p:spPr/>
+        <p:txBody>
+          <a:bodyPr/>
+          <a:lstStyle/>
+          <a:p>
+            <a:fld id="{3130526B-4D11-5B47-ABB8-EA6BDB0149E2}" type="slidenum">
+              <a:rPr lang="en-US" smtClean="0"/>
+              <a:t>54</a:t>
+            </a:fld>
+            <a:endParaRPr lang="en-US"/>
+          </a:p>
+        </p:txBody>
+      </p:sp>
+    </p:spTree>
+    <p:extLst>
+      <p:ext uri="{BB962C8B-B14F-4D97-AF65-F5344CB8AC3E}">
+        <p14:creationId xmlns:p14="http://schemas.microsoft.com/office/powerpoint/2010/main" val="1023529840"/>
+      </p:ext>
+    </p:extLst>
+  </p:cSld>
+  <p:clrMapOvr>
+    <a:masterClrMapping/>
+  </p:clrMapOvr>
+</p:notes>
+</file>
+
+<file path=ppt/notesSlides/notesSlide55.xml><?xml version="1.0" encoding="utf-8"?>
+<p:notes xmlns:a="http://schemas.openxmlformats.org/drawingml/2006/main" xmlns:r="http://schemas.openxmlformats.org/officeDocument/2006/relationships" xmlns:p="http://schemas.openxmlformats.org/presentationml/2006/main">
+  <p:cSld>
+    <p:spTree>
+      <p:nvGrpSpPr>
+        <p:cNvPr id="1" name=""/>
+        <p:cNvGrpSpPr/>
+        <p:nvPr/>
+      </p:nvGrpSpPr>
+      <p:grpSpPr>
+        <a:xfrm>
+          <a:off x="0" y="0"/>
+          <a:ext cx="0" cy="0"/>
+          <a:chOff x="0" y="0"/>
+          <a:chExt cx="0" cy="0"/>
+        </a:xfrm>
+      </p:grpSpPr>
+      <p:sp>
+        <p:nvSpPr>
+          <p:cNvPr id="2" name="Slide Image Placeholder 1"/>
+          <p:cNvSpPr>
+            <a:spLocks noGrp="1" noRot="1" noChangeAspect="1"/>
+          </p:cNvSpPr>
+          <p:nvPr>
+            <p:ph type="sldImg"/>
+          </p:nvPr>
+        </p:nvSpPr>
+        <p:spPr/>
+      </p:sp>
+      <p:sp>
+        <p:nvSpPr>
+          <p:cNvPr id="3" name="Notes Placeholder 2"/>
+          <p:cNvSpPr>
+            <a:spLocks noGrp="1"/>
+          </p:cNvSpPr>
+          <p:nvPr>
+            <p:ph type="body" idx="1"/>
+          </p:nvPr>
+        </p:nvSpPr>
+        <p:spPr/>
+        <p:txBody>
+          <a:bodyPr/>
+          <a:lstStyle/>
+          <a:p>
+            <a:r>
+              <a:rPr lang="en-US" dirty="0"/>
+              <a:t>The categories seem to be gradient – most words are not clear-cut.</a:t>
+            </a:r>
+          </a:p>
+          <a:p>
+            <a:endParaRPr lang="en-US" dirty="0"/>
+          </a:p>
+          <a:p>
+            <a:r>
+              <a:rPr lang="en-US" dirty="0"/>
+              <a:t>Which of these are nouns? Verbs? Adjectives?</a:t>
+            </a:r>
+          </a:p>
+        </p:txBody>
+      </p:sp>
+      <p:sp>
+        <p:nvSpPr>
+          <p:cNvPr id="4" name="Slide Number Placeholder 3"/>
+          <p:cNvSpPr>
+            <a:spLocks noGrp="1"/>
+          </p:cNvSpPr>
+          <p:nvPr>
+            <p:ph type="sldNum" sz="quarter" idx="5"/>
+          </p:nvPr>
+        </p:nvSpPr>
+        <p:spPr/>
+        <p:txBody>
+          <a:bodyPr/>
+          <a:lstStyle/>
+          <a:p>
+            <a:fld id="{3130526B-4D11-5B47-ABB8-EA6BDB0149E2}" type="slidenum">
+              <a:rPr lang="en-US" smtClean="0"/>
+              <a:t>55</a:t>
+            </a:fld>
+            <a:endParaRPr lang="en-US"/>
+          </a:p>
+        </p:txBody>
+      </p:sp>
+    </p:spTree>
+    <p:extLst>
+      <p:ext uri="{BB962C8B-B14F-4D97-AF65-F5344CB8AC3E}">
+        <p14:creationId xmlns:p14="http://schemas.microsoft.com/office/powerpoint/2010/main" val="1176038237"/>
+      </p:ext>
+    </p:extLst>
+  </p:cSld>
+  <p:clrMapOvr>
+    <a:masterClrMapping/>
+  </p:clrMapOvr>
+</p:notes>
+</file>
+
+<file path=ppt/notesSlides/notesSlide56.xml><?xml version="1.0" encoding="utf-8"?>
+<p:notes xmlns:a="http://schemas.openxmlformats.org/drawingml/2006/main" xmlns:r="http://schemas.openxmlformats.org/officeDocument/2006/relationships" xmlns:p="http://schemas.openxmlformats.org/presentationml/2006/main">
+  <p:cSld>
+    <p:spTree>
+      <p:nvGrpSpPr>
+        <p:cNvPr id="1" name=""/>
+        <p:cNvGrpSpPr/>
+        <p:nvPr/>
+      </p:nvGrpSpPr>
+      <p:grpSpPr>
+        <a:xfrm>
+          <a:off x="0" y="0"/>
+          <a:ext cx="0" cy="0"/>
+          <a:chOff x="0" y="0"/>
+          <a:chExt cx="0" cy="0"/>
+        </a:xfrm>
+      </p:grpSpPr>
+      <p:sp>
+        <p:nvSpPr>
+          <p:cNvPr id="2" name="Slide Image Placeholder 1"/>
+          <p:cNvSpPr>
+            <a:spLocks noGrp="1" noRot="1" noChangeAspect="1"/>
+          </p:cNvSpPr>
+          <p:nvPr>
+            <p:ph type="sldImg"/>
+          </p:nvPr>
+        </p:nvSpPr>
+        <p:spPr/>
+      </p:sp>
+      <p:sp>
+        <p:nvSpPr>
+          <p:cNvPr id="3" name="Notes Placeholder 2"/>
+          <p:cNvSpPr>
+            <a:spLocks noGrp="1"/>
+          </p:cNvSpPr>
+          <p:nvPr>
+            <p:ph type="body" idx="1"/>
+          </p:nvPr>
+        </p:nvSpPr>
+        <p:spPr/>
+        <p:txBody>
+          <a:bodyPr/>
+          <a:lstStyle/>
+          <a:p>
+            <a:endParaRPr lang="en-US"/>
+          </a:p>
+        </p:txBody>
+      </p:sp>
+      <p:sp>
+        <p:nvSpPr>
+          <p:cNvPr id="4" name="Slide Number Placeholder 3"/>
+          <p:cNvSpPr>
+            <a:spLocks noGrp="1"/>
+          </p:cNvSpPr>
+          <p:nvPr>
+            <p:ph type="sldNum" sz="quarter" idx="5"/>
+          </p:nvPr>
+        </p:nvSpPr>
+        <p:spPr/>
+        <p:txBody>
+          <a:bodyPr/>
+          <a:lstStyle/>
+          <a:p>
+            <a:fld id="{3130526B-4D11-5B47-ABB8-EA6BDB0149E2}" type="slidenum">
+              <a:rPr lang="en-US" smtClean="0"/>
+              <a:t>56</a:t>
+            </a:fld>
+            <a:endParaRPr lang="en-US"/>
+          </a:p>
+        </p:txBody>
+      </p:sp>
+    </p:spTree>
+    <p:extLst>
+      <p:ext uri="{BB962C8B-B14F-4D97-AF65-F5344CB8AC3E}">
+        <p14:creationId xmlns:p14="http://schemas.microsoft.com/office/powerpoint/2010/main" val="917610552"/>
+      </p:ext>
+    </p:extLst>
+  </p:cSld>
+  <p:clrMapOvr>
+    <a:masterClrMapping/>
+  </p:clrMapOvr>
+</p:notes>
+</file>
+
+<file path=ppt/notesSlides/notesSlide57.xml><?xml version="1.0" encoding="utf-8"?>
+<p:notes xmlns:a="http://schemas.openxmlformats.org/drawingml/2006/main" xmlns:r="http://schemas.openxmlformats.org/officeDocument/2006/relationships" xmlns:p="http://schemas.openxmlformats.org/presentationml/2006/main">
+  <p:cSld>
+    <p:spTree>
+      <p:nvGrpSpPr>
+        <p:cNvPr id="1" name=""/>
+        <p:cNvGrpSpPr/>
+        <p:nvPr/>
+      </p:nvGrpSpPr>
+      <p:grpSpPr>
+        <a:xfrm>
+          <a:off x="0" y="0"/>
+          <a:ext cx="0" cy="0"/>
+          <a:chOff x="0" y="0"/>
+          <a:chExt cx="0" cy="0"/>
+        </a:xfrm>
+      </p:grpSpPr>
+      <p:sp>
+        <p:nvSpPr>
+          <p:cNvPr id="2" name="Slide Image Placeholder 1"/>
+          <p:cNvSpPr>
+            <a:spLocks noGrp="1" noRot="1" noChangeAspect="1"/>
+          </p:cNvSpPr>
+          <p:nvPr>
+            <p:ph type="sldImg"/>
+          </p:nvPr>
+        </p:nvSpPr>
+        <p:spPr/>
+      </p:sp>
+      <p:sp>
+        <p:nvSpPr>
+          <p:cNvPr id="3" name="Notes Placeholder 2"/>
+          <p:cNvSpPr>
+            <a:spLocks noGrp="1"/>
+          </p:cNvSpPr>
+          <p:nvPr>
+            <p:ph type="body" idx="1"/>
+          </p:nvPr>
+        </p:nvSpPr>
+        <p:spPr/>
+        <p:txBody>
+          <a:bodyPr/>
+          <a:lstStyle/>
+          <a:p>
+            <a:r>
+              <a:rPr lang="en-US" dirty="0"/>
+              <a:t>Diachrony</a:t>
+            </a:r>
+          </a:p>
+          <a:p>
+            <a:pPr marL="181240" indent="-181240">
+              <a:buFontTx/>
+              <a:buChar char="-"/>
+            </a:pPr>
+            <a:r>
+              <a:rPr lang="en-US" dirty="0"/>
+              <a:t>Specific </a:t>
+            </a:r>
+            <a:r>
+              <a:rPr lang="en-US" i="1" dirty="0"/>
+              <a:t>senses</a:t>
+            </a:r>
+            <a:r>
+              <a:rPr lang="en-US" i="0" dirty="0"/>
+              <a:t> of a word jump the POS boundary</a:t>
+            </a:r>
+          </a:p>
+          <a:p>
+            <a:pPr marL="181240" indent="-181240">
+              <a:buFontTx/>
+              <a:buChar char="-"/>
+            </a:pPr>
+            <a:r>
+              <a:rPr lang="en-US" i="0" dirty="0"/>
+              <a:t>Consider </a:t>
+            </a:r>
+            <a:r>
+              <a:rPr lang="en-US" i="1" dirty="0"/>
+              <a:t>friend</a:t>
+            </a:r>
+            <a:r>
+              <a:rPr lang="en-US" i="0" dirty="0"/>
+              <a:t>: When used as a verb, it refers specifically to social media</a:t>
+            </a:r>
+          </a:p>
+          <a:p>
+            <a:pPr marL="181240" indent="-181240">
+              <a:buFontTx/>
+              <a:buChar char="-"/>
+            </a:pPr>
+            <a:r>
+              <a:rPr lang="en-US" i="0" dirty="0"/>
+              <a:t>Not all of the senses of </a:t>
+            </a:r>
+            <a:r>
+              <a:rPr lang="en-US" i="1" dirty="0"/>
+              <a:t>friend</a:t>
+            </a:r>
+            <a:r>
+              <a:rPr lang="en-US" i="0" dirty="0"/>
+              <a:t> immediately jumped the POS boundary along with this sense</a:t>
+            </a:r>
+          </a:p>
+        </p:txBody>
+      </p:sp>
+      <p:sp>
+        <p:nvSpPr>
+          <p:cNvPr id="4" name="Slide Number Placeholder 3"/>
+          <p:cNvSpPr>
+            <a:spLocks noGrp="1"/>
+          </p:cNvSpPr>
+          <p:nvPr>
+            <p:ph type="sldNum" sz="quarter" idx="5"/>
+          </p:nvPr>
+        </p:nvSpPr>
+        <p:spPr/>
+        <p:txBody>
+          <a:bodyPr/>
+          <a:lstStyle/>
+          <a:p>
+            <a:fld id="{3130526B-4D11-5B47-ABB8-EA6BDB0149E2}" type="slidenum">
+              <a:rPr lang="en-US" smtClean="0"/>
+              <a:t>57</a:t>
+            </a:fld>
+            <a:endParaRPr lang="en-US"/>
+          </a:p>
+        </p:txBody>
+      </p:sp>
+    </p:spTree>
+    <p:extLst>
+      <p:ext uri="{BB962C8B-B14F-4D97-AF65-F5344CB8AC3E}">
+        <p14:creationId xmlns:p14="http://schemas.microsoft.com/office/powerpoint/2010/main" val="3195865479"/>
+      </p:ext>
+    </p:extLst>
+  </p:cSld>
+  <p:clrMapOvr>
+    <a:masterClrMapping/>
+  </p:clrMapOvr>
+</p:notes>
+</file>
+
+<file path=ppt/notesSlides/notesSlide58.xml><?xml version="1.0" encoding="utf-8"?>
+<p:notes xmlns:a="http://schemas.openxmlformats.org/drawingml/2006/main" xmlns:r="http://schemas.openxmlformats.org/officeDocument/2006/relationships" xmlns:p="http://schemas.openxmlformats.org/presentationml/2006/main">
+  <p:cSld>
+    <p:spTree>
+      <p:nvGrpSpPr>
+        <p:cNvPr id="1" name=""/>
+        <p:cNvGrpSpPr/>
+        <p:nvPr/>
+      </p:nvGrpSpPr>
+      <p:grpSpPr>
+        <a:xfrm>
+          <a:off x="0" y="0"/>
+          <a:ext cx="0" cy="0"/>
+          <a:chOff x="0" y="0"/>
+          <a:chExt cx="0" cy="0"/>
+        </a:xfrm>
+      </p:grpSpPr>
+      <p:sp>
+        <p:nvSpPr>
+          <p:cNvPr id="2" name="Slide Image Placeholder 1"/>
+          <p:cNvSpPr>
+            <a:spLocks noGrp="1" noRot="1" noChangeAspect="1"/>
+          </p:cNvSpPr>
+          <p:nvPr>
+            <p:ph type="sldImg"/>
+          </p:nvPr>
+        </p:nvSpPr>
+        <p:spPr/>
+      </p:sp>
+      <p:sp>
+        <p:nvSpPr>
+          <p:cNvPr id="3" name="Notes Placeholder 2"/>
+          <p:cNvSpPr>
+            <a:spLocks noGrp="1"/>
+          </p:cNvSpPr>
+          <p:nvPr>
+            <p:ph type="body" idx="1"/>
+          </p:nvPr>
+        </p:nvSpPr>
+        <p:spPr/>
+        <p:txBody>
+          <a:bodyPr/>
+          <a:lstStyle/>
+          <a:p>
+            <a:endParaRPr lang="en-US"/>
+          </a:p>
+        </p:txBody>
+      </p:sp>
+      <p:sp>
+        <p:nvSpPr>
+          <p:cNvPr id="4" name="Slide Number Placeholder 3"/>
+          <p:cNvSpPr>
+            <a:spLocks noGrp="1"/>
+          </p:cNvSpPr>
+          <p:nvPr>
+            <p:ph type="sldNum" sz="quarter" idx="5"/>
+          </p:nvPr>
+        </p:nvSpPr>
+        <p:spPr/>
+        <p:txBody>
+          <a:bodyPr/>
+          <a:lstStyle/>
+          <a:p>
+            <a:fld id="{3130526B-4D11-5B47-ABB8-EA6BDB0149E2}" type="slidenum">
+              <a:rPr lang="en-US" smtClean="0"/>
+              <a:t>58</a:t>
+            </a:fld>
+            <a:endParaRPr lang="en-US"/>
+          </a:p>
+        </p:txBody>
+      </p:sp>
+    </p:spTree>
+    <p:extLst>
+      <p:ext uri="{BB962C8B-B14F-4D97-AF65-F5344CB8AC3E}">
+        <p14:creationId xmlns:p14="http://schemas.microsoft.com/office/powerpoint/2010/main" val="3203919876"/>
+      </p:ext>
+    </p:extLst>
+  </p:cSld>
+  <p:clrMapOvr>
+    <a:masterClrMapping/>
+  </p:clrMapOvr>
+</p:notes>
+</file>
+
+<file path=ppt/notesSlides/notesSlide59.xml><?xml version="1.0" encoding="utf-8"?>
+<p:notes xmlns:a="http://schemas.openxmlformats.org/drawingml/2006/main" xmlns:r="http://schemas.openxmlformats.org/officeDocument/2006/relationships" xmlns:p="http://schemas.openxmlformats.org/presentationml/2006/main">
+  <p:cSld>
+    <p:spTree>
+      <p:nvGrpSpPr>
+        <p:cNvPr id="1" name=""/>
+        <p:cNvGrpSpPr/>
+        <p:nvPr/>
+      </p:nvGrpSpPr>
+      <p:grpSpPr>
+        <a:xfrm>
+          <a:off x="0" y="0"/>
+          <a:ext cx="0" cy="0"/>
+          <a:chOff x="0" y="0"/>
+          <a:chExt cx="0" cy="0"/>
+        </a:xfrm>
+      </p:grpSpPr>
+      <p:sp>
+        <p:nvSpPr>
+          <p:cNvPr id="2" name="Slide Image Placeholder 1"/>
+          <p:cNvSpPr>
+            <a:spLocks noGrp="1" noRot="1" noChangeAspect="1"/>
+          </p:cNvSpPr>
+          <p:nvPr>
+            <p:ph type="sldImg"/>
+          </p:nvPr>
+        </p:nvSpPr>
+        <p:spPr/>
+      </p:sp>
+      <p:sp>
+        <p:nvSpPr>
+          <p:cNvPr id="3" name="Notes Placeholder 2"/>
+          <p:cNvSpPr>
+            <a:spLocks noGrp="1"/>
+          </p:cNvSpPr>
+          <p:nvPr>
+            <p:ph type="body" idx="1"/>
+          </p:nvPr>
+        </p:nvSpPr>
+        <p:spPr/>
+        <p:txBody>
+          <a:bodyPr/>
+          <a:lstStyle/>
+          <a:p>
+            <a:r>
+              <a:rPr lang="en-US" dirty="0"/>
+              <a:t>Discussion: How I got interested in this topic</a:t>
+            </a:r>
+          </a:p>
+          <a:p>
+            <a:pPr marL="181240" indent="-181240">
+              <a:buFontTx/>
+              <a:buChar char="-"/>
+            </a:pPr>
+            <a:r>
+              <a:rPr lang="en-US" dirty="0"/>
+              <a:t>POS tagging English for Rosetta Stone</a:t>
+            </a:r>
+          </a:p>
+          <a:p>
+            <a:pPr marL="181240" indent="-181240">
+              <a:buFontTx/>
+              <a:buChar char="-"/>
+            </a:pPr>
+            <a:r>
+              <a:rPr lang="en-US" dirty="0"/>
+              <a:t>lexical categories course with Elaine Francis at LSA Institute 2011</a:t>
+            </a:r>
+          </a:p>
+          <a:p>
+            <a:pPr marL="181240" indent="-181240">
+              <a:buFontTx/>
+              <a:buChar char="-"/>
+            </a:pPr>
+            <a:r>
+              <a:rPr lang="en-US" dirty="0"/>
+              <a:t>I don’t typically work with English – this is just a baseline for work with other languages</a:t>
+            </a:r>
+          </a:p>
+        </p:txBody>
+      </p:sp>
+      <p:sp>
+        <p:nvSpPr>
+          <p:cNvPr id="4" name="Slide Number Placeholder 3"/>
+          <p:cNvSpPr>
+            <a:spLocks noGrp="1"/>
+          </p:cNvSpPr>
+          <p:nvPr>
+            <p:ph type="sldNum" sz="quarter" idx="5"/>
+          </p:nvPr>
+        </p:nvSpPr>
+        <p:spPr/>
+        <p:txBody>
+          <a:bodyPr/>
+          <a:lstStyle/>
+          <a:p>
+            <a:fld id="{3130526B-4D11-5B47-ABB8-EA6BDB0149E2}" type="slidenum">
+              <a:rPr lang="en-US" smtClean="0"/>
+              <a:t>59</a:t>
+            </a:fld>
+            <a:endParaRPr lang="en-US"/>
+          </a:p>
+        </p:txBody>
+      </p:sp>
+    </p:spTree>
+    <p:extLst>
+      <p:ext uri="{BB962C8B-B14F-4D97-AF65-F5344CB8AC3E}">
+        <p14:creationId xmlns:p14="http://schemas.microsoft.com/office/powerpoint/2010/main" val="4183916489"/>
       </p:ext>
     </p:extLst>
   </p:cSld>
@@ -5184,53 +6360,7 @@
           <a:bodyPr/>
           <a:lstStyle/>
           <a:p>
-            <a:r>
-              <a:rPr lang="en-US" i="1" dirty="0"/>
-              <a:t>friendzone</a:t>
-            </a:r>
-            <a:r>
-              <a:rPr lang="en-US" i="0" dirty="0"/>
-              <a:t> doesn’t (yet) appear in the Google Books corpus</a:t>
-            </a:r>
-            <a:endParaRPr lang="en-US" i="1" dirty="0"/>
-          </a:p>
-          <a:p>
-            <a:endParaRPr lang="en-US" dirty="0"/>
-          </a:p>
-          <a:p>
-            <a:r>
-              <a:rPr lang="en-US" dirty="0"/>
-              <a:t>Linguists selective about their criteria</a:t>
-            </a:r>
-          </a:p>
-          <a:p>
-            <a:endParaRPr lang="en-US" dirty="0"/>
-          </a:p>
-          <a:p>
-            <a:r>
-              <a:rPr lang="en-US" dirty="0"/>
-              <a:t>Cherry pick to accommodate:</a:t>
-            </a:r>
-          </a:p>
-          <a:p>
-            <a:pPr marL="171450" indent="-171450">
-              <a:buFontTx/>
-              <a:buChar char="-"/>
-            </a:pPr>
-            <a:r>
-              <a:rPr lang="en-US" dirty="0"/>
-              <a:t>tradition</a:t>
-            </a:r>
-          </a:p>
-          <a:p>
-            <a:pPr marL="171450" indent="-171450">
-              <a:buFontTx/>
-              <a:buChar char="-"/>
-            </a:pPr>
-            <a:r>
-              <a:rPr lang="en-US" dirty="0"/>
-              <a:t>their theoretical perspective</a:t>
-            </a:r>
+            <a:endParaRPr lang="en-US"/>
           </a:p>
         </p:txBody>
       </p:sp>
@@ -5251,7 +6381,7 @@
           <a:p>
             <a:fld id="{3130526B-4D11-5B47-ABB8-EA6BDB0149E2}" type="slidenum">
               <a:rPr lang="en-US" smtClean="0"/>
-              <a:t>9</a:t>
+              <a:t>6</a:t>
             </a:fld>
             <a:endParaRPr lang="en-US"/>
           </a:p>
@@ -5260,7 +6390,7 @@
     </p:spTree>
     <p:extLst>
       <p:ext uri="{BB962C8B-B14F-4D97-AF65-F5344CB8AC3E}">
-        <p14:creationId xmlns:p14="http://schemas.microsoft.com/office/powerpoint/2010/main" val="2255087339"/>
+        <p14:creationId xmlns:p14="http://schemas.microsoft.com/office/powerpoint/2010/main" val="2401473382"/>
       </p:ext>
     </p:extLst>
   </p:cSld>
@@ -5316,42 +6446,8 @@
           <a:p>
             <a:r>
               <a:rPr lang="en-US" dirty="0"/>
-              <a:t>friendzone – </a:t>
-            </a:r>
-            <a:r>
-              <a:rPr lang="en-US" i="1" dirty="0"/>
-              <a:t>does</a:t>
-            </a:r>
-            <a:r>
-              <a:rPr lang="en-US" i="0" dirty="0"/>
-              <a:t> appear on Twitter; entire</a:t>
-            </a:r>
-            <a:r>
-              <a:rPr lang="en-US" dirty="0"/>
-              <a:t> phrase can become </a:t>
-            </a:r>
-            <a:r>
-              <a:rPr lang="en-US" i="1" dirty="0"/>
-              <a:t>lexicalized</a:t>
-            </a:r>
-            <a:r>
-              <a:rPr lang="en-US" i="0" dirty="0"/>
-              <a:t> (a new meaningful word in itself)</a:t>
-            </a:r>
-          </a:p>
-          <a:p>
-            <a:endParaRPr lang="en-US" i="0" dirty="0"/>
-          </a:p>
-          <a:p>
-            <a:r>
-              <a:rPr lang="en-US" i="0" dirty="0" err="1"/>
-              <a:t>healthed</a:t>
-            </a:r>
-            <a:r>
-              <a:rPr lang="en-US" i="0" dirty="0"/>
-              <a:t> – very unexpected use of this word as a verb</a:t>
-            </a:r>
-            <a:endParaRPr lang="en-US" dirty="0"/>
+              <a:t>Tempted to analyze nouns modifying nouns as compounds. Does this work?</a:t>
+            </a:r>
           </a:p>
         </p:txBody>
       </p:sp>
@@ -5372,7 +6468,7 @@
           <a:p>
             <a:fld id="{3130526B-4D11-5B47-ABB8-EA6BDB0149E2}" type="slidenum">
               <a:rPr lang="en-US" smtClean="0"/>
-              <a:t>10</a:t>
+              <a:t>7</a:t>
             </a:fld>
             <a:endParaRPr lang="en-US"/>
           </a:p>
@@ -5381,7 +6477,7 @@
     </p:spTree>
     <p:extLst>
       <p:ext uri="{BB962C8B-B14F-4D97-AF65-F5344CB8AC3E}">
-        <p14:creationId xmlns:p14="http://schemas.microsoft.com/office/powerpoint/2010/main" val="2783039194"/>
+        <p14:creationId xmlns:p14="http://schemas.microsoft.com/office/powerpoint/2010/main" val="3890079101"/>
       </p:ext>
     </p:extLst>
   </p:cSld>
@@ -5436,30 +6532,27 @@
           <a:lstStyle/>
           <a:p>
             <a:r>
+              <a:rPr lang="en-US" dirty="0"/>
+              <a:t>In some cases, nouns modifying nouns do </a:t>
+            </a:r>
+            <a:r>
               <a:rPr lang="en-US" i="1" dirty="0"/>
-              <a:t>lexical</a:t>
+              <a:t>become</a:t>
             </a:r>
             <a:r>
               <a:rPr lang="en-US" i="0" dirty="0"/>
-              <a:t> vs. </a:t>
-            </a:r>
-            <a:r>
-              <a:rPr lang="en-US" i="1" dirty="0"/>
-              <a:t>grammatical</a:t>
-            </a:r>
+              <a:t> compounds.</a:t>
+            </a:r>
+          </a:p>
+          <a:p>
+            <a:endParaRPr lang="en-US" i="0" dirty="0"/>
+          </a:p>
+          <a:p>
             <a:r>
               <a:rPr lang="en-US" i="0" dirty="0"/>
-              <a:t> words</a:t>
-            </a:r>
-          </a:p>
-          <a:p>
-            <a:endParaRPr lang="en-US" i="0" dirty="0"/>
-          </a:p>
-          <a:p>
-            <a:r>
-              <a:rPr lang="en-US" i="0" dirty="0"/>
-              <a:t>English is sometimes claimed to be rigid, sometimes flexible</a:t>
-            </a:r>
+              <a:t>But not in every case.</a:t>
+            </a:r>
+            <a:endParaRPr lang="en-US" dirty="0"/>
           </a:p>
         </p:txBody>
       </p:sp>
@@ -5480,7 +6573,7 @@
           <a:p>
             <a:fld id="{3130526B-4D11-5B47-ABB8-EA6BDB0149E2}" type="slidenum">
               <a:rPr lang="en-US" smtClean="0"/>
-              <a:t>13</a:t>
+              <a:t>8</a:t>
             </a:fld>
             <a:endParaRPr lang="en-US"/>
           </a:p>
@@ -5489,7 +6582,7 @@
     </p:spTree>
     <p:extLst>
       <p:ext uri="{BB962C8B-B14F-4D97-AF65-F5344CB8AC3E}">
-        <p14:creationId xmlns:p14="http://schemas.microsoft.com/office/powerpoint/2010/main" val="2003441111"/>
+        <p14:creationId xmlns:p14="http://schemas.microsoft.com/office/powerpoint/2010/main" val="1046209730"/>
       </p:ext>
     </p:extLst>
   </p:cSld>
@@ -5544,8 +6637,51 @@
           <a:lstStyle/>
           <a:p>
             <a:r>
-              <a:rPr lang="en-US" dirty="0"/>
-              <a:t>Flexibility is present for both words</a:t>
+              <a:rPr lang="en-US" i="1" dirty="0"/>
+              <a:t>friendzone</a:t>
+            </a:r>
+            <a:r>
+              <a:rPr lang="en-US" i="0" dirty="0"/>
+              <a:t> doesn’t (yet) appear in the Google Books corpus</a:t>
+            </a:r>
+            <a:endParaRPr lang="en-US" i="1" dirty="0"/>
+          </a:p>
+          <a:p>
+            <a:endParaRPr lang="en-US" dirty="0"/>
+          </a:p>
+          <a:p>
+            <a:r>
+              <a:rPr lang="en-US" dirty="0"/>
+              <a:t>Linguists selective about their criteria</a:t>
+            </a:r>
+          </a:p>
+          <a:p>
+            <a:endParaRPr lang="en-US" dirty="0"/>
+          </a:p>
+          <a:p>
+            <a:r>
+              <a:rPr lang="en-US" dirty="0"/>
+              <a:t>Cherry pick to accommodate:</a:t>
+            </a:r>
+          </a:p>
+          <a:p>
+            <a:pPr marL="181240" indent="-181240">
+              <a:buFontTx/>
+              <a:buChar char="-"/>
+            </a:pPr>
+            <a:r>
+              <a:rPr lang="en-US" dirty="0"/>
+              <a:t>tradition</a:t>
+            </a:r>
+          </a:p>
+          <a:p>
+            <a:pPr marL="181240" indent="-181240">
+              <a:buFontTx/>
+              <a:buChar char="-"/>
+            </a:pPr>
+            <a:r>
+              <a:rPr lang="en-US" dirty="0"/>
+              <a:t>their theoretical perspective</a:t>
             </a:r>
           </a:p>
         </p:txBody>
@@ -5567,7 +6703,7 @@
           <a:p>
             <a:fld id="{3130526B-4D11-5B47-ABB8-EA6BDB0149E2}" type="slidenum">
               <a:rPr lang="en-US" smtClean="0"/>
-              <a:t>16</a:t>
+              <a:t>9</a:t>
             </a:fld>
             <a:endParaRPr lang="en-US"/>
           </a:p>
@@ -5576,7 +6712,7 @@
     </p:spTree>
     <p:extLst>
       <p:ext uri="{BB962C8B-B14F-4D97-AF65-F5344CB8AC3E}">
-        <p14:creationId xmlns:p14="http://schemas.microsoft.com/office/powerpoint/2010/main" val="3726638842"/>
+        <p14:creationId xmlns:p14="http://schemas.microsoft.com/office/powerpoint/2010/main" val="2255087339"/>
       </p:ext>
     </p:extLst>
   </p:cSld>
@@ -17240,7 +18376,7 @@
           <p:cNvPr id="2" name="Title 1">
             <a:extLst>
               <a:ext uri="{FF2B5EF4-FFF2-40B4-BE49-F238E27FC236}">
-                <a16:creationId xmlns:a16="http://schemas.microsoft.com/office/drawing/2014/main" id="{8721B3AE-8929-40CA-A9AD-387A2536574E}"/>
+                <a16:creationId xmlns:a16="http://schemas.microsoft.com/office/drawing/2014/main" id="{554B7853-E2CB-49D3-A35F-C92256986726}"/>
               </a:ext>
             </a:extLst>
           </p:cNvPr>
@@ -17257,18 +18393,18 @@
           <a:lstStyle/>
           <a:p>
             <a:r>
-              <a:rPr lang="en-US" i="1" dirty="0"/>
-              <a:t>able</a:t>
+              <a:rPr lang="en-US" dirty="0"/>
+              <a:t>Omnipredicativity</a:t>
             </a:r>
           </a:p>
         </p:txBody>
       </p:sp>
       <p:pic>
         <p:nvPicPr>
-          <p:cNvPr id="16" name="Content Placeholder 15">
+          <p:cNvPr id="5" name="Content Placeholder 4" descr="A close up of a logo&#10;&#10;Description automatically generated">
             <a:extLst>
               <a:ext uri="{FF2B5EF4-FFF2-40B4-BE49-F238E27FC236}">
-                <a16:creationId xmlns:a16="http://schemas.microsoft.com/office/drawing/2014/main" id="{24A4D060-4F76-4C9B-B95B-EA9DE61F0A68}"/>
+                <a16:creationId xmlns:a16="http://schemas.microsoft.com/office/drawing/2014/main" id="{F5D52A74-6D28-4ABF-A229-E302DB93AE47}"/>
               </a:ext>
             </a:extLst>
           </p:cNvPr>
@@ -17280,25 +18416,22 @@
           </p:nvPr>
         </p:nvPicPr>
         <p:blipFill>
-          <a:blip r:embed="rId2"/>
+          <a:blip r:embed="rId3"/>
           <a:stretch>
             <a:fillRect/>
           </a:stretch>
         </p:blipFill>
         <p:spPr>
           <a:xfrm>
-            <a:off x="271502" y="1143000"/>
-            <a:ext cx="11648996" cy="4572000"/>
+            <a:off x="3526439" y="959485"/>
+            <a:ext cx="5139122" cy="5886299"/>
           </a:xfrm>
-          <a:prstGeom prst="rect">
-            <a:avLst/>
-          </a:prstGeom>
         </p:spPr>
       </p:pic>
     </p:spTree>
     <p:extLst>
       <p:ext uri="{BB962C8B-B14F-4D97-AF65-F5344CB8AC3E}">
-        <p14:creationId xmlns:p14="http://schemas.microsoft.com/office/powerpoint/2010/main" val="2134634589"/>
+        <p14:creationId xmlns:p14="http://schemas.microsoft.com/office/powerpoint/2010/main" val="3657821703"/>
       </p:ext>
     </p:extLst>
   </p:cSld>
@@ -17330,7 +18463,7 @@
           <p:cNvPr id="2" name="Title 1">
             <a:extLst>
               <a:ext uri="{FF2B5EF4-FFF2-40B4-BE49-F238E27FC236}">
-                <a16:creationId xmlns:a16="http://schemas.microsoft.com/office/drawing/2014/main" id="{83D40B5A-8B4A-48A2-A71E-80EF09B75E6C}"/>
+                <a16:creationId xmlns:a16="http://schemas.microsoft.com/office/drawing/2014/main" id="{8721B3AE-8929-40CA-A9AD-387A2536574E}"/>
               </a:ext>
             </a:extLst>
           </p:cNvPr>
@@ -17348,91 +18481,47 @@
           <a:p>
             <a:r>
               <a:rPr lang="en-US" i="1" dirty="0"/>
-              <a:t>ahead</a:t>
-            </a:r>
-          </a:p>
-        </p:txBody>
-      </p:sp>
-      <p:sp>
-        <p:nvSpPr>
-          <p:cNvPr id="3" name="Content Placeholder 2">
+              <a:t>able</a:t>
+            </a:r>
+          </a:p>
+        </p:txBody>
+      </p:sp>
+      <p:pic>
+        <p:nvPicPr>
+          <p:cNvPr id="16" name="Content Placeholder 15">
             <a:extLst>
               <a:ext uri="{FF2B5EF4-FFF2-40B4-BE49-F238E27FC236}">
-                <a16:creationId xmlns:a16="http://schemas.microsoft.com/office/drawing/2014/main" id="{B93807D3-3116-417C-A2E9-44FF35ED5362}"/>
+                <a16:creationId xmlns:a16="http://schemas.microsoft.com/office/drawing/2014/main" id="{24A4D060-4F76-4C9B-B95B-EA9DE61F0A68}"/>
               </a:ext>
             </a:extLst>
           </p:cNvPr>
-          <p:cNvSpPr>
-            <a:spLocks noGrp="1"/>
-          </p:cNvSpPr>
+          <p:cNvPicPr>
+            <a:picLocks noGrp="1" noChangeAspect="1"/>
+          </p:cNvPicPr>
           <p:nvPr>
             <p:ph idx="1"/>
           </p:nvPr>
-        </p:nvSpPr>
-        <p:spPr/>
-        <p:txBody>
-          <a:bodyPr/>
-          <a:lstStyle/>
-          <a:p>
-            <a:r>
-              <a:rPr lang="en-US" b="1" dirty="0"/>
-              <a:t>N:</a:t>
-            </a:r>
-            <a:r>
-              <a:rPr lang="en-US" dirty="0"/>
-              <a:t> [none]</a:t>
-            </a:r>
-          </a:p>
-          <a:p>
-            <a:endParaRPr lang="en-US" b="1" dirty="0"/>
-          </a:p>
-          <a:p>
-            <a:r>
-              <a:rPr lang="en-US" b="1" dirty="0"/>
-              <a:t>V:</a:t>
-            </a:r>
-            <a:r>
-              <a:rPr lang="en-US" dirty="0"/>
-              <a:t> </a:t>
-            </a:r>
-            <a:r>
-              <a:rPr lang="en-US" i="1" dirty="0"/>
-              <a:t>I’m </a:t>
-            </a:r>
-            <a:r>
-              <a:rPr lang="en-US" b="1" i="1" dirty="0">
-                <a:solidFill>
-                  <a:srgbClr val="FF0000"/>
-                </a:solidFill>
-              </a:rPr>
-              <a:t>ahead</a:t>
-            </a:r>
-            <a:r>
-              <a:rPr lang="en-US" i="1" dirty="0"/>
-              <a:t> of him right now</a:t>
-            </a:r>
-            <a:endParaRPr lang="en-US" dirty="0"/>
-          </a:p>
-          <a:p>
-            <a:endParaRPr lang="en-US" b="1" dirty="0"/>
-          </a:p>
-          <a:p>
-            <a:r>
-              <a:rPr lang="en-US" b="1" dirty="0"/>
-              <a:t>A:</a:t>
-            </a:r>
-            <a:r>
-              <a:rPr lang="en-US" dirty="0"/>
-              <a:t> [none]</a:t>
-            </a:r>
-            <a:endParaRPr lang="en-US" b="1" dirty="0"/>
-          </a:p>
-        </p:txBody>
-      </p:sp>
+        </p:nvPicPr>
+        <p:blipFill>
+          <a:blip r:embed="rId3"/>
+          <a:stretch>
+            <a:fillRect/>
+          </a:stretch>
+        </p:blipFill>
+        <p:spPr>
+          <a:xfrm>
+            <a:off x="271502" y="1143000"/>
+            <a:ext cx="11648996" cy="4572000"/>
+          </a:xfrm>
+          <a:prstGeom prst="rect">
+            <a:avLst/>
+          </a:prstGeom>
+        </p:spPr>
+      </p:pic>
     </p:spTree>
     <p:extLst>
       <p:ext uri="{BB962C8B-B14F-4D97-AF65-F5344CB8AC3E}">
-        <p14:creationId xmlns:p14="http://schemas.microsoft.com/office/powerpoint/2010/main" val="899279433"/>
+        <p14:creationId xmlns:p14="http://schemas.microsoft.com/office/powerpoint/2010/main" val="2134634589"/>
       </p:ext>
     </p:extLst>
   </p:cSld>
@@ -17793,6 +18882,140 @@
           <p:cNvPr id="2" name="Title 1">
             <a:extLst>
               <a:ext uri="{FF2B5EF4-FFF2-40B4-BE49-F238E27FC236}">
+                <a16:creationId xmlns:a16="http://schemas.microsoft.com/office/drawing/2014/main" id="{83D40B5A-8B4A-48A2-A71E-80EF09B75E6C}"/>
+              </a:ext>
+            </a:extLst>
+          </p:cNvPr>
+          <p:cNvSpPr>
+            <a:spLocks noGrp="1"/>
+          </p:cNvSpPr>
+          <p:nvPr>
+            <p:ph type="title"/>
+          </p:nvPr>
+        </p:nvSpPr>
+        <p:spPr/>
+        <p:txBody>
+          <a:bodyPr/>
+          <a:lstStyle/>
+          <a:p>
+            <a:r>
+              <a:rPr lang="en-US" i="1" dirty="0"/>
+              <a:t>ahead</a:t>
+            </a:r>
+          </a:p>
+        </p:txBody>
+      </p:sp>
+      <p:sp>
+        <p:nvSpPr>
+          <p:cNvPr id="3" name="Content Placeholder 2">
+            <a:extLst>
+              <a:ext uri="{FF2B5EF4-FFF2-40B4-BE49-F238E27FC236}">
+                <a16:creationId xmlns:a16="http://schemas.microsoft.com/office/drawing/2014/main" id="{B93807D3-3116-417C-A2E9-44FF35ED5362}"/>
+              </a:ext>
+            </a:extLst>
+          </p:cNvPr>
+          <p:cNvSpPr>
+            <a:spLocks noGrp="1"/>
+          </p:cNvSpPr>
+          <p:nvPr>
+            <p:ph idx="1"/>
+          </p:nvPr>
+        </p:nvSpPr>
+        <p:spPr/>
+        <p:txBody>
+          <a:bodyPr/>
+          <a:lstStyle/>
+          <a:p>
+            <a:r>
+              <a:rPr lang="en-US" b="1" dirty="0"/>
+              <a:t>N:</a:t>
+            </a:r>
+            <a:r>
+              <a:rPr lang="en-US" dirty="0"/>
+              <a:t> [none]</a:t>
+            </a:r>
+          </a:p>
+          <a:p>
+            <a:endParaRPr lang="en-US" b="1" dirty="0"/>
+          </a:p>
+          <a:p>
+            <a:r>
+              <a:rPr lang="en-US" b="1" dirty="0"/>
+              <a:t>V:</a:t>
+            </a:r>
+            <a:r>
+              <a:rPr lang="en-US" dirty="0"/>
+              <a:t> </a:t>
+            </a:r>
+            <a:r>
+              <a:rPr lang="en-US" i="1" dirty="0"/>
+              <a:t>I’m </a:t>
+            </a:r>
+            <a:r>
+              <a:rPr lang="en-US" b="1" i="1" dirty="0">
+                <a:solidFill>
+                  <a:srgbClr val="FF0000"/>
+                </a:solidFill>
+              </a:rPr>
+              <a:t>ahead</a:t>
+            </a:r>
+            <a:r>
+              <a:rPr lang="en-US" i="1" dirty="0"/>
+              <a:t> of him right now</a:t>
+            </a:r>
+            <a:endParaRPr lang="en-US" dirty="0"/>
+          </a:p>
+          <a:p>
+            <a:endParaRPr lang="en-US" b="1" dirty="0"/>
+          </a:p>
+          <a:p>
+            <a:r>
+              <a:rPr lang="en-US" b="1" dirty="0"/>
+              <a:t>A:</a:t>
+            </a:r>
+            <a:r>
+              <a:rPr lang="en-US" dirty="0"/>
+              <a:t> [none]</a:t>
+            </a:r>
+            <a:endParaRPr lang="en-US" b="1" dirty="0"/>
+          </a:p>
+        </p:txBody>
+      </p:sp>
+    </p:spTree>
+    <p:extLst>
+      <p:ext uri="{BB962C8B-B14F-4D97-AF65-F5344CB8AC3E}">
+        <p14:creationId xmlns:p14="http://schemas.microsoft.com/office/powerpoint/2010/main" val="899279433"/>
+      </p:ext>
+    </p:extLst>
+  </p:cSld>
+  <p:clrMapOvr>
+    <a:masterClrMapping/>
+  </p:clrMapOvr>
+</p:sld>
+</file>
+
+<file path=ppt/slides/slide41.xml><?xml version="1.0" encoding="utf-8"?>
+<p:sld xmlns:a="http://schemas.openxmlformats.org/drawingml/2006/main" xmlns:r="http://schemas.openxmlformats.org/officeDocument/2006/relationships" xmlns:p="http://schemas.openxmlformats.org/presentationml/2006/main">
+  <p:cSld>
+    <p:spTree>
+      <p:nvGrpSpPr>
+        <p:cNvPr id="1" name=""/>
+        <p:cNvGrpSpPr/>
+        <p:nvPr/>
+      </p:nvGrpSpPr>
+      <p:grpSpPr>
+        <a:xfrm>
+          <a:off x="0" y="0"/>
+          <a:ext cx="0" cy="0"/>
+          <a:chOff x="0" y="0"/>
+          <a:chExt cx="0" cy="0"/>
+        </a:xfrm>
+      </p:grpSpPr>
+      <p:sp>
+        <p:nvSpPr>
+          <p:cNvPr id="2" name="Title 1">
+            <a:extLst>
+              <a:ext uri="{FF2B5EF4-FFF2-40B4-BE49-F238E27FC236}">
                 <a16:creationId xmlns:a16="http://schemas.microsoft.com/office/drawing/2014/main" id="{C08483D1-3F33-4C53-B851-3AFCFEDB47D3}"/>
               </a:ext>
             </a:extLst>
@@ -17833,7 +19056,7 @@
           </p:nvPr>
         </p:nvPicPr>
         <p:blipFill>
-          <a:blip r:embed="rId2"/>
+          <a:blip r:embed="rId3"/>
           <a:stretch>
             <a:fillRect/>
           </a:stretch>
@@ -17861,156 +19084,6 @@
 </p:sld>
 </file>
 
-<file path=ppt/slides/slide41.xml><?xml version="1.0" encoding="utf-8"?>
-<p:sld xmlns:a="http://schemas.openxmlformats.org/drawingml/2006/main" xmlns:r="http://schemas.openxmlformats.org/officeDocument/2006/relationships" xmlns:p="http://schemas.openxmlformats.org/presentationml/2006/main">
-  <p:cSld>
-    <p:spTree>
-      <p:nvGrpSpPr>
-        <p:cNvPr id="1" name=""/>
-        <p:cNvGrpSpPr/>
-        <p:nvPr/>
-      </p:nvGrpSpPr>
-      <p:grpSpPr>
-        <a:xfrm>
-          <a:off x="0" y="0"/>
-          <a:ext cx="0" cy="0"/>
-          <a:chOff x="0" y="0"/>
-          <a:chExt cx="0" cy="0"/>
-        </a:xfrm>
-      </p:grpSpPr>
-      <p:sp>
-        <p:nvSpPr>
-          <p:cNvPr id="2" name="Title 1">
-            <a:extLst>
-              <a:ext uri="{FF2B5EF4-FFF2-40B4-BE49-F238E27FC236}">
-                <a16:creationId xmlns:a16="http://schemas.microsoft.com/office/drawing/2014/main" id="{D4EDCEFD-754B-44BE-A268-DD0673F43D39}"/>
-              </a:ext>
-            </a:extLst>
-          </p:cNvPr>
-          <p:cNvSpPr>
-            <a:spLocks noGrp="1"/>
-          </p:cNvSpPr>
-          <p:nvPr>
-            <p:ph type="title"/>
-          </p:nvPr>
-        </p:nvSpPr>
-        <p:spPr/>
-        <p:txBody>
-          <a:bodyPr/>
-          <a:lstStyle/>
-          <a:p>
-            <a:r>
-              <a:rPr lang="en-US" i="1" dirty="0"/>
-              <a:t>anything</a:t>
-            </a:r>
-          </a:p>
-        </p:txBody>
-      </p:sp>
-      <p:sp>
-        <p:nvSpPr>
-          <p:cNvPr id="3" name="Content Placeholder 2">
-            <a:extLst>
-              <a:ext uri="{FF2B5EF4-FFF2-40B4-BE49-F238E27FC236}">
-                <a16:creationId xmlns:a16="http://schemas.microsoft.com/office/drawing/2014/main" id="{AE735C26-216A-4630-AB69-C36ACD6FF7B7}"/>
-              </a:ext>
-            </a:extLst>
-          </p:cNvPr>
-          <p:cNvSpPr>
-            <a:spLocks noGrp="1"/>
-          </p:cNvSpPr>
-          <p:nvPr>
-            <p:ph idx="1"/>
-          </p:nvPr>
-        </p:nvSpPr>
-        <p:spPr/>
-        <p:txBody>
-          <a:bodyPr/>
-          <a:lstStyle/>
-          <a:p>
-            <a:r>
-              <a:rPr lang="en-US" b="1" dirty="0"/>
-              <a:t>N:</a:t>
-            </a:r>
-            <a:r>
-              <a:rPr lang="en-US" dirty="0"/>
-              <a:t> </a:t>
-            </a:r>
-            <a:r>
-              <a:rPr lang="en-US" i="1" dirty="0"/>
-              <a:t>I was never exposed to </a:t>
-            </a:r>
-            <a:r>
-              <a:rPr lang="en-US" b="1" i="1" dirty="0">
-                <a:solidFill>
-                  <a:srgbClr val="FF0000"/>
-                </a:solidFill>
-              </a:rPr>
-              <a:t>anything</a:t>
-            </a:r>
-            <a:r>
-              <a:rPr lang="en-US" i="1" dirty="0"/>
-              <a:t> of the sort</a:t>
-            </a:r>
-          </a:p>
-          <a:p>
-            <a:endParaRPr lang="en-US" b="1" i="1" dirty="0"/>
-          </a:p>
-          <a:p>
-            <a:r>
-              <a:rPr lang="en-US" b="1" dirty="0"/>
-              <a:t>V:</a:t>
-            </a:r>
-            <a:r>
-              <a:rPr lang="en-US" dirty="0"/>
-              <a:t> </a:t>
-            </a:r>
-            <a:r>
-              <a:rPr lang="en-US" i="1" dirty="0"/>
-              <a:t>it’s </a:t>
-            </a:r>
-            <a:r>
-              <a:rPr lang="en-US" b="1" i="1" dirty="0">
-                <a:solidFill>
-                  <a:srgbClr val="FF0000"/>
-                </a:solidFill>
-              </a:rPr>
-              <a:t>anything</a:t>
-            </a:r>
-            <a:r>
-              <a:rPr lang="en-US" i="1" dirty="0"/>
-              <a:t> in that hobby line</a:t>
-            </a:r>
-            <a:endParaRPr lang="en-US" dirty="0"/>
-          </a:p>
-          <a:p>
-            <a:endParaRPr lang="en-US" b="1" dirty="0"/>
-          </a:p>
-          <a:p>
-            <a:r>
-              <a:rPr lang="en-US" b="1" dirty="0"/>
-              <a:t>A:</a:t>
-            </a:r>
-            <a:r>
-              <a:rPr lang="en-US" dirty="0"/>
-              <a:t> [none]</a:t>
-            </a:r>
-            <a:endParaRPr lang="en-US" b="1" dirty="0"/>
-          </a:p>
-        </p:txBody>
-      </p:sp>
-    </p:spTree>
-    <p:extLst>
-      <p:ext uri="{BB962C8B-B14F-4D97-AF65-F5344CB8AC3E}">
-        <p14:creationId xmlns:p14="http://schemas.microsoft.com/office/powerpoint/2010/main" val="2405181875"/>
-      </p:ext>
-    </p:extLst>
-  </p:cSld>
-  <p:clrMapOvr>
-    <a:masterClrMapping/>
-  </p:clrMapOvr>
-</p:sld>
-</file>
-
 <file path=ppt/slides/slide42.xml><?xml version="1.0" encoding="utf-8"?>
 <p:sld xmlns:a="http://schemas.openxmlformats.org/drawingml/2006/main" xmlns:r="http://schemas.openxmlformats.org/officeDocument/2006/relationships" xmlns:p="http://schemas.openxmlformats.org/presentationml/2006/main">
   <p:cSld>
@@ -18033,6 +19106,156 @@
           <p:cNvPr id="2" name="Title 1">
             <a:extLst>
               <a:ext uri="{FF2B5EF4-FFF2-40B4-BE49-F238E27FC236}">
+                <a16:creationId xmlns:a16="http://schemas.microsoft.com/office/drawing/2014/main" id="{D4EDCEFD-754B-44BE-A268-DD0673F43D39}"/>
+              </a:ext>
+            </a:extLst>
+          </p:cNvPr>
+          <p:cNvSpPr>
+            <a:spLocks noGrp="1"/>
+          </p:cNvSpPr>
+          <p:nvPr>
+            <p:ph type="title"/>
+          </p:nvPr>
+        </p:nvSpPr>
+        <p:spPr/>
+        <p:txBody>
+          <a:bodyPr/>
+          <a:lstStyle/>
+          <a:p>
+            <a:r>
+              <a:rPr lang="en-US" i="1" dirty="0"/>
+              <a:t>anything</a:t>
+            </a:r>
+          </a:p>
+        </p:txBody>
+      </p:sp>
+      <p:sp>
+        <p:nvSpPr>
+          <p:cNvPr id="3" name="Content Placeholder 2">
+            <a:extLst>
+              <a:ext uri="{FF2B5EF4-FFF2-40B4-BE49-F238E27FC236}">
+                <a16:creationId xmlns:a16="http://schemas.microsoft.com/office/drawing/2014/main" id="{AE735C26-216A-4630-AB69-C36ACD6FF7B7}"/>
+              </a:ext>
+            </a:extLst>
+          </p:cNvPr>
+          <p:cNvSpPr>
+            <a:spLocks noGrp="1"/>
+          </p:cNvSpPr>
+          <p:nvPr>
+            <p:ph idx="1"/>
+          </p:nvPr>
+        </p:nvSpPr>
+        <p:spPr/>
+        <p:txBody>
+          <a:bodyPr/>
+          <a:lstStyle/>
+          <a:p>
+            <a:r>
+              <a:rPr lang="en-US" b="1" dirty="0"/>
+              <a:t>N:</a:t>
+            </a:r>
+            <a:r>
+              <a:rPr lang="en-US" dirty="0"/>
+              <a:t> </a:t>
+            </a:r>
+            <a:r>
+              <a:rPr lang="en-US" i="1" dirty="0"/>
+              <a:t>I was never exposed to </a:t>
+            </a:r>
+            <a:r>
+              <a:rPr lang="en-US" b="1" i="1" dirty="0">
+                <a:solidFill>
+                  <a:srgbClr val="FF0000"/>
+                </a:solidFill>
+              </a:rPr>
+              <a:t>anything</a:t>
+            </a:r>
+            <a:r>
+              <a:rPr lang="en-US" i="1" dirty="0"/>
+              <a:t> of the sort</a:t>
+            </a:r>
+          </a:p>
+          <a:p>
+            <a:endParaRPr lang="en-US" b="1" i="1" dirty="0"/>
+          </a:p>
+          <a:p>
+            <a:r>
+              <a:rPr lang="en-US" b="1" dirty="0"/>
+              <a:t>V:</a:t>
+            </a:r>
+            <a:r>
+              <a:rPr lang="en-US" dirty="0"/>
+              <a:t> </a:t>
+            </a:r>
+            <a:r>
+              <a:rPr lang="en-US" i="1" dirty="0"/>
+              <a:t>it’s </a:t>
+            </a:r>
+            <a:r>
+              <a:rPr lang="en-US" b="1" i="1" dirty="0">
+                <a:solidFill>
+                  <a:srgbClr val="FF0000"/>
+                </a:solidFill>
+              </a:rPr>
+              <a:t>anything</a:t>
+            </a:r>
+            <a:r>
+              <a:rPr lang="en-US" i="1" dirty="0"/>
+              <a:t> in that hobby line</a:t>
+            </a:r>
+            <a:endParaRPr lang="en-US" dirty="0"/>
+          </a:p>
+          <a:p>
+            <a:endParaRPr lang="en-US" b="1" dirty="0"/>
+          </a:p>
+          <a:p>
+            <a:r>
+              <a:rPr lang="en-US" b="1" dirty="0"/>
+              <a:t>A:</a:t>
+            </a:r>
+            <a:r>
+              <a:rPr lang="en-US" dirty="0"/>
+              <a:t> [none]</a:t>
+            </a:r>
+            <a:endParaRPr lang="en-US" b="1" dirty="0"/>
+          </a:p>
+        </p:txBody>
+      </p:sp>
+    </p:spTree>
+    <p:extLst>
+      <p:ext uri="{BB962C8B-B14F-4D97-AF65-F5344CB8AC3E}">
+        <p14:creationId xmlns:p14="http://schemas.microsoft.com/office/powerpoint/2010/main" val="2405181875"/>
+      </p:ext>
+    </p:extLst>
+  </p:cSld>
+  <p:clrMapOvr>
+    <a:masterClrMapping/>
+  </p:clrMapOvr>
+</p:sld>
+</file>
+
+<file path=ppt/slides/slide43.xml><?xml version="1.0" encoding="utf-8"?>
+<p:sld xmlns:a="http://schemas.openxmlformats.org/drawingml/2006/main" xmlns:r="http://schemas.openxmlformats.org/officeDocument/2006/relationships" xmlns:p="http://schemas.openxmlformats.org/presentationml/2006/main">
+  <p:cSld>
+    <p:spTree>
+      <p:nvGrpSpPr>
+        <p:cNvPr id="1" name=""/>
+        <p:cNvGrpSpPr/>
+        <p:nvPr/>
+      </p:nvGrpSpPr>
+      <p:grpSpPr>
+        <a:xfrm>
+          <a:off x="0" y="0"/>
+          <a:ext cx="0" cy="0"/>
+          <a:chOff x="0" y="0"/>
+          <a:chExt cx="0" cy="0"/>
+        </a:xfrm>
+      </p:grpSpPr>
+      <p:sp>
+        <p:nvSpPr>
+          <p:cNvPr id="2" name="Title 1">
+            <a:extLst>
+              <a:ext uri="{FF2B5EF4-FFF2-40B4-BE49-F238E27FC236}">
                 <a16:creationId xmlns:a16="http://schemas.microsoft.com/office/drawing/2014/main" id="{95379FC4-5BC2-44A5-BED0-FAA707B3050F}"/>
               </a:ext>
             </a:extLst>
@@ -18073,7 +19296,7 @@
           </p:nvPr>
         </p:nvPicPr>
         <p:blipFill>
-          <a:blip r:embed="rId2"/>
+          <a:blip r:embed="rId3"/>
           <a:stretch>
             <a:fillRect/>
           </a:stretch>
@@ -18101,172 +19324,6 @@
 </p:sld>
 </file>
 
-<file path=ppt/slides/slide43.xml><?xml version="1.0" encoding="utf-8"?>
-<p:sld xmlns:a="http://schemas.openxmlformats.org/drawingml/2006/main" xmlns:r="http://schemas.openxmlformats.org/officeDocument/2006/relationships" xmlns:p="http://schemas.openxmlformats.org/presentationml/2006/main">
-  <p:cSld>
-    <p:spTree>
-      <p:nvGrpSpPr>
-        <p:cNvPr id="1" name=""/>
-        <p:cNvGrpSpPr/>
-        <p:nvPr/>
-      </p:nvGrpSpPr>
-      <p:grpSpPr>
-        <a:xfrm>
-          <a:off x="0" y="0"/>
-          <a:ext cx="0" cy="0"/>
-          <a:chOff x="0" y="0"/>
-          <a:chExt cx="0" cy="0"/>
-        </a:xfrm>
-      </p:grpSpPr>
-      <p:sp>
-        <p:nvSpPr>
-          <p:cNvPr id="2" name="Title 1">
-            <a:extLst>
-              <a:ext uri="{FF2B5EF4-FFF2-40B4-BE49-F238E27FC236}">
-                <a16:creationId xmlns:a16="http://schemas.microsoft.com/office/drawing/2014/main" id="{AF543340-FFE8-4C24-9E01-58250C8305BF}"/>
-              </a:ext>
-            </a:extLst>
-          </p:cNvPr>
-          <p:cNvSpPr>
-            <a:spLocks noGrp="1"/>
-          </p:cNvSpPr>
-          <p:nvPr>
-            <p:ph type="title"/>
-          </p:nvPr>
-        </p:nvSpPr>
-        <p:spPr/>
-        <p:txBody>
-          <a:bodyPr/>
-          <a:lstStyle/>
-          <a:p>
-            <a:r>
-              <a:rPr lang="en-US" i="1" dirty="0"/>
-              <a:t>back</a:t>
-            </a:r>
-          </a:p>
-        </p:txBody>
-      </p:sp>
-      <p:sp>
-        <p:nvSpPr>
-          <p:cNvPr id="3" name="Content Placeholder 2">
-            <a:extLst>
-              <a:ext uri="{FF2B5EF4-FFF2-40B4-BE49-F238E27FC236}">
-                <a16:creationId xmlns:a16="http://schemas.microsoft.com/office/drawing/2014/main" id="{BE2395E7-EE46-4229-B3F5-D0FA8E1E9347}"/>
-              </a:ext>
-            </a:extLst>
-          </p:cNvPr>
-          <p:cNvSpPr>
-            <a:spLocks noGrp="1"/>
-          </p:cNvSpPr>
-          <p:nvPr>
-            <p:ph idx="1"/>
-          </p:nvPr>
-        </p:nvSpPr>
-        <p:spPr/>
-        <p:txBody>
-          <a:bodyPr/>
-          <a:lstStyle/>
-          <a:p>
-            <a:r>
-              <a:rPr lang="en-US" b="1" dirty="0"/>
-              <a:t>N:</a:t>
-            </a:r>
-            <a:r>
-              <a:rPr lang="en-US" dirty="0"/>
-              <a:t> </a:t>
-            </a:r>
-            <a:r>
-              <a:rPr lang="en-US" i="1" dirty="0"/>
-              <a:t>hand print on the </a:t>
-            </a:r>
-            <a:r>
-              <a:rPr lang="en-US" b="1" i="1" dirty="0">
-                <a:solidFill>
-                  <a:srgbClr val="FF0000"/>
-                </a:solidFill>
-              </a:rPr>
-              <a:t>back</a:t>
-            </a:r>
-            <a:r>
-              <a:rPr lang="en-US" i="1" dirty="0"/>
-              <a:t> of her leg</a:t>
-            </a:r>
-          </a:p>
-          <a:p>
-            <a:endParaRPr lang="en-US" b="1" i="1" dirty="0"/>
-          </a:p>
-          <a:p>
-            <a:r>
-              <a:rPr lang="en-US" b="1" dirty="0"/>
-              <a:t>V:</a:t>
-            </a:r>
-            <a:r>
-              <a:rPr lang="en-US" dirty="0"/>
-              <a:t> </a:t>
-            </a:r>
-            <a:r>
-              <a:rPr lang="en-US" i="1" dirty="0"/>
-              <a:t>as I’m </a:t>
-            </a:r>
-            <a:r>
-              <a:rPr lang="en-US" b="1" i="1" dirty="0">
-                <a:solidFill>
-                  <a:srgbClr val="FF0000"/>
-                </a:solidFill>
-              </a:rPr>
-              <a:t>backing</a:t>
-            </a:r>
-            <a:r>
-              <a:rPr lang="en-US" i="1" dirty="0"/>
-              <a:t> off I’m still keeping an eye on it</a:t>
-            </a:r>
-            <a:endParaRPr lang="en-US" dirty="0"/>
-          </a:p>
-          <a:p>
-            <a:endParaRPr lang="en-US" b="1" dirty="0"/>
-          </a:p>
-          <a:p>
-            <a:r>
-              <a:rPr lang="en-US" b="1" dirty="0"/>
-              <a:t>A:</a:t>
-            </a:r>
-            <a:r>
-              <a:rPr lang="en-US" dirty="0"/>
-              <a:t> </a:t>
-            </a:r>
-            <a:r>
-              <a:rPr lang="en-US" i="1" dirty="0"/>
-              <a:t>when I look out my </a:t>
-            </a:r>
-            <a:r>
-              <a:rPr lang="en-US" b="1" i="1" dirty="0">
-                <a:solidFill>
-                  <a:srgbClr val="FF0000"/>
-                </a:solidFill>
-              </a:rPr>
-              <a:t>back</a:t>
-            </a:r>
-            <a:r>
-              <a:rPr lang="en-US" i="1" dirty="0"/>
-              <a:t> door</a:t>
-            </a:r>
-            <a:endParaRPr lang="en-US" b="1" dirty="0"/>
-          </a:p>
-        </p:txBody>
-      </p:sp>
-    </p:spTree>
-    <p:extLst>
-      <p:ext uri="{BB962C8B-B14F-4D97-AF65-F5344CB8AC3E}">
-        <p14:creationId xmlns:p14="http://schemas.microsoft.com/office/powerpoint/2010/main" val="934305505"/>
-      </p:ext>
-    </p:extLst>
-  </p:cSld>
-  <p:clrMapOvr>
-    <a:masterClrMapping/>
-  </p:clrMapOvr>
-</p:sld>
-</file>
-
 <file path=ppt/slides/slide44.xml><?xml version="1.0" encoding="utf-8"?>
 <p:sld xmlns:a="http://schemas.openxmlformats.org/drawingml/2006/main" xmlns:r="http://schemas.openxmlformats.org/officeDocument/2006/relationships" xmlns:p="http://schemas.openxmlformats.org/presentationml/2006/main">
   <p:cSld>
@@ -18289,6 +19346,172 @@
           <p:cNvPr id="2" name="Title 1">
             <a:extLst>
               <a:ext uri="{FF2B5EF4-FFF2-40B4-BE49-F238E27FC236}">
+                <a16:creationId xmlns:a16="http://schemas.microsoft.com/office/drawing/2014/main" id="{AF543340-FFE8-4C24-9E01-58250C8305BF}"/>
+              </a:ext>
+            </a:extLst>
+          </p:cNvPr>
+          <p:cNvSpPr>
+            <a:spLocks noGrp="1"/>
+          </p:cNvSpPr>
+          <p:nvPr>
+            <p:ph type="title"/>
+          </p:nvPr>
+        </p:nvSpPr>
+        <p:spPr/>
+        <p:txBody>
+          <a:bodyPr/>
+          <a:lstStyle/>
+          <a:p>
+            <a:r>
+              <a:rPr lang="en-US" i="1" dirty="0"/>
+              <a:t>back</a:t>
+            </a:r>
+          </a:p>
+        </p:txBody>
+      </p:sp>
+      <p:sp>
+        <p:nvSpPr>
+          <p:cNvPr id="3" name="Content Placeholder 2">
+            <a:extLst>
+              <a:ext uri="{FF2B5EF4-FFF2-40B4-BE49-F238E27FC236}">
+                <a16:creationId xmlns:a16="http://schemas.microsoft.com/office/drawing/2014/main" id="{BE2395E7-EE46-4229-B3F5-D0FA8E1E9347}"/>
+              </a:ext>
+            </a:extLst>
+          </p:cNvPr>
+          <p:cNvSpPr>
+            <a:spLocks noGrp="1"/>
+          </p:cNvSpPr>
+          <p:nvPr>
+            <p:ph idx="1"/>
+          </p:nvPr>
+        </p:nvSpPr>
+        <p:spPr/>
+        <p:txBody>
+          <a:bodyPr/>
+          <a:lstStyle/>
+          <a:p>
+            <a:r>
+              <a:rPr lang="en-US" b="1" dirty="0"/>
+              <a:t>N:</a:t>
+            </a:r>
+            <a:r>
+              <a:rPr lang="en-US" dirty="0"/>
+              <a:t> </a:t>
+            </a:r>
+            <a:r>
+              <a:rPr lang="en-US" i="1" dirty="0"/>
+              <a:t>hand print on the </a:t>
+            </a:r>
+            <a:r>
+              <a:rPr lang="en-US" b="1" i="1" dirty="0">
+                <a:solidFill>
+                  <a:srgbClr val="FF0000"/>
+                </a:solidFill>
+              </a:rPr>
+              <a:t>back</a:t>
+            </a:r>
+            <a:r>
+              <a:rPr lang="en-US" i="1" dirty="0"/>
+              <a:t> of her leg</a:t>
+            </a:r>
+          </a:p>
+          <a:p>
+            <a:endParaRPr lang="en-US" b="1" i="1" dirty="0"/>
+          </a:p>
+          <a:p>
+            <a:r>
+              <a:rPr lang="en-US" b="1" dirty="0"/>
+              <a:t>V:</a:t>
+            </a:r>
+            <a:r>
+              <a:rPr lang="en-US" dirty="0"/>
+              <a:t> </a:t>
+            </a:r>
+            <a:r>
+              <a:rPr lang="en-US" i="1" dirty="0"/>
+              <a:t>as I’m </a:t>
+            </a:r>
+            <a:r>
+              <a:rPr lang="en-US" b="1" i="1" dirty="0">
+                <a:solidFill>
+                  <a:srgbClr val="FF0000"/>
+                </a:solidFill>
+              </a:rPr>
+              <a:t>backing</a:t>
+            </a:r>
+            <a:r>
+              <a:rPr lang="en-US" i="1" dirty="0"/>
+              <a:t> off I’m still keeping an eye on it</a:t>
+            </a:r>
+            <a:endParaRPr lang="en-US" dirty="0"/>
+          </a:p>
+          <a:p>
+            <a:endParaRPr lang="en-US" b="1" dirty="0"/>
+          </a:p>
+          <a:p>
+            <a:r>
+              <a:rPr lang="en-US" b="1" dirty="0"/>
+              <a:t>A:</a:t>
+            </a:r>
+            <a:r>
+              <a:rPr lang="en-US" dirty="0"/>
+              <a:t> </a:t>
+            </a:r>
+            <a:r>
+              <a:rPr lang="en-US" i="1" dirty="0"/>
+              <a:t>when I look out my </a:t>
+            </a:r>
+            <a:r>
+              <a:rPr lang="en-US" b="1" i="1" dirty="0">
+                <a:solidFill>
+                  <a:srgbClr val="FF0000"/>
+                </a:solidFill>
+              </a:rPr>
+              <a:t>back</a:t>
+            </a:r>
+            <a:r>
+              <a:rPr lang="en-US" i="1" dirty="0"/>
+              <a:t> door</a:t>
+            </a:r>
+            <a:endParaRPr lang="en-US" b="1" dirty="0"/>
+          </a:p>
+        </p:txBody>
+      </p:sp>
+    </p:spTree>
+    <p:extLst>
+      <p:ext uri="{BB962C8B-B14F-4D97-AF65-F5344CB8AC3E}">
+        <p14:creationId xmlns:p14="http://schemas.microsoft.com/office/powerpoint/2010/main" val="934305505"/>
+      </p:ext>
+    </p:extLst>
+  </p:cSld>
+  <p:clrMapOvr>
+    <a:masterClrMapping/>
+  </p:clrMapOvr>
+</p:sld>
+</file>
+
+<file path=ppt/slides/slide45.xml><?xml version="1.0" encoding="utf-8"?>
+<p:sld xmlns:a="http://schemas.openxmlformats.org/drawingml/2006/main" xmlns:r="http://schemas.openxmlformats.org/officeDocument/2006/relationships" xmlns:p="http://schemas.openxmlformats.org/presentationml/2006/main">
+  <p:cSld>
+    <p:spTree>
+      <p:nvGrpSpPr>
+        <p:cNvPr id="1" name=""/>
+        <p:cNvGrpSpPr/>
+        <p:nvPr/>
+      </p:nvGrpSpPr>
+      <p:grpSpPr>
+        <a:xfrm>
+          <a:off x="0" y="0"/>
+          <a:ext cx="0" cy="0"/>
+          <a:chOff x="0" y="0"/>
+          <a:chExt cx="0" cy="0"/>
+        </a:xfrm>
+      </p:grpSpPr>
+      <p:sp>
+        <p:nvSpPr>
+          <p:cNvPr id="2" name="Title 1">
+            <a:extLst>
+              <a:ext uri="{FF2B5EF4-FFF2-40B4-BE49-F238E27FC236}">
                 <a16:creationId xmlns:a16="http://schemas.microsoft.com/office/drawing/2014/main" id="{EED6A471-2AE6-4FE0-BFE3-2FA53E5785EB}"/>
               </a:ext>
             </a:extLst>
@@ -18329,7 +19552,7 @@
           </p:nvPr>
         </p:nvPicPr>
         <p:blipFill>
-          <a:blip r:embed="rId2"/>
+          <a:blip r:embed="rId3"/>
           <a:stretch>
             <a:fillRect/>
           </a:stretch>
@@ -18357,199 +19580,6 @@
 </p:sld>
 </file>
 
-<file path=ppt/slides/slide45.xml><?xml version="1.0" encoding="utf-8"?>
-<p:sld xmlns:a="http://schemas.openxmlformats.org/drawingml/2006/main" xmlns:r="http://schemas.openxmlformats.org/officeDocument/2006/relationships" xmlns:p="http://schemas.openxmlformats.org/presentationml/2006/main">
-  <p:cSld>
-    <p:spTree>
-      <p:nvGrpSpPr>
-        <p:cNvPr id="1" name=""/>
-        <p:cNvGrpSpPr/>
-        <p:nvPr/>
-      </p:nvGrpSpPr>
-      <p:grpSpPr>
-        <a:xfrm>
-          <a:off x="0" y="0"/>
-          <a:ext cx="0" cy="0"/>
-          <a:chOff x="0" y="0"/>
-          <a:chExt cx="0" cy="0"/>
-        </a:xfrm>
-      </p:grpSpPr>
-      <p:sp>
-        <p:nvSpPr>
-          <p:cNvPr id="2" name="Title 1">
-            <a:extLst>
-              <a:ext uri="{FF2B5EF4-FFF2-40B4-BE49-F238E27FC236}">
-                <a16:creationId xmlns:a16="http://schemas.microsoft.com/office/drawing/2014/main" id="{9D7D09AE-7911-4AED-82A0-678CE017811F}"/>
-              </a:ext>
-            </a:extLst>
-          </p:cNvPr>
-          <p:cNvSpPr>
-            <a:spLocks noGrp="1"/>
-          </p:cNvSpPr>
-          <p:nvPr>
-            <p:ph type="title"/>
-          </p:nvPr>
-        </p:nvSpPr>
-        <p:spPr/>
-        <p:txBody>
-          <a:bodyPr/>
-          <a:lstStyle/>
-          <a:p>
-            <a:r>
-              <a:rPr lang="en-US" i="1" dirty="0"/>
-              <a:t>believe</a:t>
-            </a:r>
-          </a:p>
-        </p:txBody>
-      </p:sp>
-      <p:sp>
-        <p:nvSpPr>
-          <p:cNvPr id="3" name="Content Placeholder 2">
-            <a:extLst>
-              <a:ext uri="{FF2B5EF4-FFF2-40B4-BE49-F238E27FC236}">
-                <a16:creationId xmlns:a16="http://schemas.microsoft.com/office/drawing/2014/main" id="{A6C82679-8E33-4DB7-B394-0438609374C3}"/>
-              </a:ext>
-            </a:extLst>
-          </p:cNvPr>
-          <p:cNvSpPr>
-            <a:spLocks noGrp="1"/>
-          </p:cNvSpPr>
-          <p:nvPr>
-            <p:ph idx="1"/>
-          </p:nvPr>
-        </p:nvSpPr>
-        <p:spPr/>
-        <p:txBody>
-          <a:bodyPr/>
-          <a:lstStyle/>
-          <a:p>
-            <a:r>
-              <a:rPr lang="en-US" b="1" dirty="0"/>
-              <a:t>N:</a:t>
-            </a:r>
-            <a:r>
-              <a:rPr lang="en-US" dirty="0"/>
-              <a:t> </a:t>
-            </a:r>
-            <a:r>
-              <a:rPr lang="en-US" i="1" dirty="0"/>
-              <a:t>I don’t have any choice but </a:t>
-            </a:r>
-            <a:r>
-              <a:rPr lang="en-US" b="1" i="1" dirty="0">
-                <a:solidFill>
-                  <a:srgbClr val="FF0000"/>
-                </a:solidFill>
-              </a:rPr>
-              <a:t>to believe</a:t>
-            </a:r>
-            <a:r>
-              <a:rPr lang="en-US" i="1" dirty="0"/>
-              <a:t> it</a:t>
-            </a:r>
-          </a:p>
-          <a:p>
-            <a:r>
-              <a:rPr lang="en-US" b="1" dirty="0"/>
-              <a:t>N:</a:t>
-            </a:r>
-            <a:r>
-              <a:rPr lang="en-US" dirty="0"/>
-              <a:t> </a:t>
-            </a:r>
-            <a:r>
-              <a:rPr lang="en-US" i="1" dirty="0"/>
-              <a:t>all those feelings of </a:t>
-            </a:r>
-            <a:r>
-              <a:rPr lang="en-US" b="1" i="1" dirty="0">
-                <a:solidFill>
-                  <a:srgbClr val="FF0000"/>
-                </a:solidFill>
-              </a:rPr>
-              <a:t>believing</a:t>
-            </a:r>
-            <a:endParaRPr lang="en-US" b="1" dirty="0">
-              <a:solidFill>
-                <a:srgbClr val="FF0000"/>
-              </a:solidFill>
-            </a:endParaRPr>
-          </a:p>
-          <a:p>
-            <a:endParaRPr lang="en-US" b="1" i="1" dirty="0"/>
-          </a:p>
-          <a:p>
-            <a:r>
-              <a:rPr lang="en-US" b="1" dirty="0"/>
-              <a:t>V:</a:t>
-            </a:r>
-            <a:r>
-              <a:rPr lang="en-US" dirty="0"/>
-              <a:t> </a:t>
-            </a:r>
-            <a:r>
-              <a:rPr lang="en-US" i="1" dirty="0"/>
-              <a:t>I don’t </a:t>
-            </a:r>
-            <a:r>
-              <a:rPr lang="en-US" b="1" i="1" dirty="0">
-                <a:solidFill>
-                  <a:srgbClr val="FF0000"/>
-                </a:solidFill>
-              </a:rPr>
-              <a:t>believe</a:t>
-            </a:r>
-            <a:r>
-              <a:rPr lang="en-US" i="1" dirty="0"/>
-              <a:t> she read a lot</a:t>
-            </a:r>
-            <a:endParaRPr lang="en-US" dirty="0"/>
-          </a:p>
-          <a:p>
-            <a:endParaRPr lang="en-US" b="1" dirty="0"/>
-          </a:p>
-          <a:p>
-            <a:r>
-              <a:rPr lang="en-US" b="1" dirty="0"/>
-              <a:t>A:</a:t>
-            </a:r>
-            <a:r>
-              <a:rPr lang="en-US" dirty="0"/>
-              <a:t> </a:t>
-            </a:r>
-            <a:r>
-              <a:rPr lang="en-US" i="1" dirty="0"/>
-              <a:t>the </a:t>
-            </a:r>
-            <a:r>
-              <a:rPr lang="en-US" b="1" i="1" dirty="0">
-                <a:solidFill>
-                  <a:srgbClr val="FF0000"/>
-                </a:solidFill>
-              </a:rPr>
-              <a:t>believing</a:t>
-            </a:r>
-            <a:r>
-              <a:rPr lang="en-US" i="1" dirty="0"/>
-              <a:t> scientist</a:t>
-            </a:r>
-            <a:endParaRPr lang="en-US" b="1" dirty="0"/>
-          </a:p>
-        </p:txBody>
-      </p:sp>
-    </p:spTree>
-    <p:extLst>
-      <p:ext uri="{BB962C8B-B14F-4D97-AF65-F5344CB8AC3E}">
-        <p14:creationId xmlns:p14="http://schemas.microsoft.com/office/powerpoint/2010/main" val="1579548950"/>
-      </p:ext>
-    </p:extLst>
-  </p:cSld>
-  <p:clrMapOvr>
-    <a:masterClrMapping/>
-  </p:clrMapOvr>
-</p:sld>
-</file>
-
 <file path=ppt/slides/slide46.xml><?xml version="1.0" encoding="utf-8"?>
 <p:sld xmlns:a="http://schemas.openxmlformats.org/drawingml/2006/main" xmlns:r="http://schemas.openxmlformats.org/officeDocument/2006/relationships" xmlns:p="http://schemas.openxmlformats.org/presentationml/2006/main">
   <p:cSld>
@@ -18572,6 +19602,199 @@
           <p:cNvPr id="2" name="Title 1">
             <a:extLst>
               <a:ext uri="{FF2B5EF4-FFF2-40B4-BE49-F238E27FC236}">
+                <a16:creationId xmlns:a16="http://schemas.microsoft.com/office/drawing/2014/main" id="{9D7D09AE-7911-4AED-82A0-678CE017811F}"/>
+              </a:ext>
+            </a:extLst>
+          </p:cNvPr>
+          <p:cNvSpPr>
+            <a:spLocks noGrp="1"/>
+          </p:cNvSpPr>
+          <p:nvPr>
+            <p:ph type="title"/>
+          </p:nvPr>
+        </p:nvSpPr>
+        <p:spPr/>
+        <p:txBody>
+          <a:bodyPr/>
+          <a:lstStyle/>
+          <a:p>
+            <a:r>
+              <a:rPr lang="en-US" i="1" dirty="0"/>
+              <a:t>believe</a:t>
+            </a:r>
+          </a:p>
+        </p:txBody>
+      </p:sp>
+      <p:sp>
+        <p:nvSpPr>
+          <p:cNvPr id="3" name="Content Placeholder 2">
+            <a:extLst>
+              <a:ext uri="{FF2B5EF4-FFF2-40B4-BE49-F238E27FC236}">
+                <a16:creationId xmlns:a16="http://schemas.microsoft.com/office/drawing/2014/main" id="{A6C82679-8E33-4DB7-B394-0438609374C3}"/>
+              </a:ext>
+            </a:extLst>
+          </p:cNvPr>
+          <p:cNvSpPr>
+            <a:spLocks noGrp="1"/>
+          </p:cNvSpPr>
+          <p:nvPr>
+            <p:ph idx="1"/>
+          </p:nvPr>
+        </p:nvSpPr>
+        <p:spPr/>
+        <p:txBody>
+          <a:bodyPr/>
+          <a:lstStyle/>
+          <a:p>
+            <a:r>
+              <a:rPr lang="en-US" b="1" dirty="0"/>
+              <a:t>N:</a:t>
+            </a:r>
+            <a:r>
+              <a:rPr lang="en-US" dirty="0"/>
+              <a:t> </a:t>
+            </a:r>
+            <a:r>
+              <a:rPr lang="en-US" i="1" dirty="0"/>
+              <a:t>I don’t have any choice but </a:t>
+            </a:r>
+            <a:r>
+              <a:rPr lang="en-US" b="1" i="1" dirty="0">
+                <a:solidFill>
+                  <a:srgbClr val="FF0000"/>
+                </a:solidFill>
+              </a:rPr>
+              <a:t>to believe</a:t>
+            </a:r>
+            <a:r>
+              <a:rPr lang="en-US" i="1" dirty="0"/>
+              <a:t> it</a:t>
+            </a:r>
+          </a:p>
+          <a:p>
+            <a:r>
+              <a:rPr lang="en-US" b="1" dirty="0"/>
+              <a:t>N:</a:t>
+            </a:r>
+            <a:r>
+              <a:rPr lang="en-US" dirty="0"/>
+              <a:t> </a:t>
+            </a:r>
+            <a:r>
+              <a:rPr lang="en-US" i="1" dirty="0"/>
+              <a:t>all those feelings of </a:t>
+            </a:r>
+            <a:r>
+              <a:rPr lang="en-US" b="1" i="1" dirty="0">
+                <a:solidFill>
+                  <a:srgbClr val="FF0000"/>
+                </a:solidFill>
+              </a:rPr>
+              <a:t>believing</a:t>
+            </a:r>
+            <a:endParaRPr lang="en-US" b="1" dirty="0">
+              <a:solidFill>
+                <a:srgbClr val="FF0000"/>
+              </a:solidFill>
+            </a:endParaRPr>
+          </a:p>
+          <a:p>
+            <a:endParaRPr lang="en-US" b="1" i="1" dirty="0"/>
+          </a:p>
+          <a:p>
+            <a:r>
+              <a:rPr lang="en-US" b="1" dirty="0"/>
+              <a:t>V:</a:t>
+            </a:r>
+            <a:r>
+              <a:rPr lang="en-US" dirty="0"/>
+              <a:t> </a:t>
+            </a:r>
+            <a:r>
+              <a:rPr lang="en-US" i="1" dirty="0"/>
+              <a:t>I don’t </a:t>
+            </a:r>
+            <a:r>
+              <a:rPr lang="en-US" b="1" i="1" dirty="0">
+                <a:solidFill>
+                  <a:srgbClr val="FF0000"/>
+                </a:solidFill>
+              </a:rPr>
+              <a:t>believe</a:t>
+            </a:r>
+            <a:r>
+              <a:rPr lang="en-US" i="1" dirty="0"/>
+              <a:t> she read a lot</a:t>
+            </a:r>
+            <a:endParaRPr lang="en-US" dirty="0"/>
+          </a:p>
+          <a:p>
+            <a:endParaRPr lang="en-US" b="1" dirty="0"/>
+          </a:p>
+          <a:p>
+            <a:r>
+              <a:rPr lang="en-US" b="1" dirty="0"/>
+              <a:t>A:</a:t>
+            </a:r>
+            <a:r>
+              <a:rPr lang="en-US" dirty="0"/>
+              <a:t> </a:t>
+            </a:r>
+            <a:r>
+              <a:rPr lang="en-US" i="1" dirty="0"/>
+              <a:t>the </a:t>
+            </a:r>
+            <a:r>
+              <a:rPr lang="en-US" b="1" i="1" dirty="0">
+                <a:solidFill>
+                  <a:srgbClr val="FF0000"/>
+                </a:solidFill>
+              </a:rPr>
+              <a:t>believing</a:t>
+            </a:r>
+            <a:r>
+              <a:rPr lang="en-US" i="1" dirty="0"/>
+              <a:t> scientist</a:t>
+            </a:r>
+            <a:endParaRPr lang="en-US" b="1" dirty="0"/>
+          </a:p>
+        </p:txBody>
+      </p:sp>
+    </p:spTree>
+    <p:extLst>
+      <p:ext uri="{BB962C8B-B14F-4D97-AF65-F5344CB8AC3E}">
+        <p14:creationId xmlns:p14="http://schemas.microsoft.com/office/powerpoint/2010/main" val="1579548950"/>
+      </p:ext>
+    </p:extLst>
+  </p:cSld>
+  <p:clrMapOvr>
+    <a:masterClrMapping/>
+  </p:clrMapOvr>
+</p:sld>
+</file>
+
+<file path=ppt/slides/slide47.xml><?xml version="1.0" encoding="utf-8"?>
+<p:sld xmlns:a="http://schemas.openxmlformats.org/drawingml/2006/main" xmlns:r="http://schemas.openxmlformats.org/officeDocument/2006/relationships" xmlns:p="http://schemas.openxmlformats.org/presentationml/2006/main">
+  <p:cSld>
+    <p:spTree>
+      <p:nvGrpSpPr>
+        <p:cNvPr id="1" name=""/>
+        <p:cNvGrpSpPr/>
+        <p:nvPr/>
+      </p:nvGrpSpPr>
+      <p:grpSpPr>
+        <a:xfrm>
+          <a:off x="0" y="0"/>
+          <a:ext cx="0" cy="0"/>
+          <a:chOff x="0" y="0"/>
+          <a:chExt cx="0" cy="0"/>
+        </a:xfrm>
+      </p:grpSpPr>
+      <p:sp>
+        <p:nvSpPr>
+          <p:cNvPr id="2" name="Title 1">
+            <a:extLst>
+              <a:ext uri="{FF2B5EF4-FFF2-40B4-BE49-F238E27FC236}">
                 <a16:creationId xmlns:a16="http://schemas.microsoft.com/office/drawing/2014/main" id="{0CC03B93-9932-4908-9360-5BECB424DEF9}"/>
               </a:ext>
             </a:extLst>
@@ -18612,7 +19835,7 @@
           </p:nvPr>
         </p:nvPicPr>
         <p:blipFill>
-          <a:blip r:embed="rId2"/>
+          <a:blip r:embed="rId3"/>
           <a:stretch>
             <a:fillRect/>
           </a:stretch>
@@ -18640,171 +19863,6 @@
 </p:sld>
 </file>
 
-<file path=ppt/slides/slide47.xml><?xml version="1.0" encoding="utf-8"?>
-<p:sld xmlns:a="http://schemas.openxmlformats.org/drawingml/2006/main" xmlns:r="http://schemas.openxmlformats.org/officeDocument/2006/relationships" xmlns:p="http://schemas.openxmlformats.org/presentationml/2006/main">
-  <p:cSld>
-    <p:spTree>
-      <p:nvGrpSpPr>
-        <p:cNvPr id="1" name=""/>
-        <p:cNvGrpSpPr/>
-        <p:nvPr/>
-      </p:nvGrpSpPr>
-      <p:grpSpPr>
-        <a:xfrm>
-          <a:off x="0" y="0"/>
-          <a:ext cx="0" cy="0"/>
-          <a:chOff x="0" y="0"/>
-          <a:chExt cx="0" cy="0"/>
-        </a:xfrm>
-      </p:grpSpPr>
-      <p:sp>
-        <p:nvSpPr>
-          <p:cNvPr id="2" name="Title 1">
-            <a:extLst>
-              <a:ext uri="{FF2B5EF4-FFF2-40B4-BE49-F238E27FC236}">
-                <a16:creationId xmlns:a16="http://schemas.microsoft.com/office/drawing/2014/main" id="{983CEF47-23A0-434A-AC84-FFFBCFAE0C10}"/>
-              </a:ext>
-            </a:extLst>
-          </p:cNvPr>
-          <p:cNvSpPr>
-            <a:spLocks noGrp="1"/>
-          </p:cNvSpPr>
-          <p:nvPr>
-            <p:ph type="title"/>
-          </p:nvPr>
-        </p:nvSpPr>
-        <p:spPr/>
-        <p:txBody>
-          <a:bodyPr/>
-          <a:lstStyle/>
-          <a:p>
-            <a:r>
-              <a:rPr lang="en-US" i="1" dirty="0"/>
-              <a:t>best</a:t>
-            </a:r>
-          </a:p>
-        </p:txBody>
-      </p:sp>
-      <p:sp>
-        <p:nvSpPr>
-          <p:cNvPr id="3" name="Content Placeholder 2">
-            <a:extLst>
-              <a:ext uri="{FF2B5EF4-FFF2-40B4-BE49-F238E27FC236}">
-                <a16:creationId xmlns:a16="http://schemas.microsoft.com/office/drawing/2014/main" id="{C6457FD4-A789-45E2-A90C-1E6707F2D836}"/>
-              </a:ext>
-            </a:extLst>
-          </p:cNvPr>
-          <p:cNvSpPr>
-            <a:spLocks noGrp="1"/>
-          </p:cNvSpPr>
-          <p:nvPr>
-            <p:ph idx="1"/>
-          </p:nvPr>
-        </p:nvSpPr>
-        <p:spPr/>
-        <p:txBody>
-          <a:bodyPr/>
-          <a:lstStyle/>
-          <a:p>
-            <a:r>
-              <a:rPr lang="en-US" b="1" dirty="0"/>
-              <a:t>N:</a:t>
-            </a:r>
-            <a:r>
-              <a:rPr lang="en-US" dirty="0"/>
-              <a:t> </a:t>
-            </a:r>
-            <a:r>
-              <a:rPr lang="en-US" i="1" dirty="0"/>
-              <a:t>summer is the </a:t>
-            </a:r>
-            <a:r>
-              <a:rPr lang="en-US" b="1" i="1" dirty="0">
-                <a:solidFill>
-                  <a:srgbClr val="FF0000"/>
-                </a:solidFill>
-              </a:rPr>
-              <a:t>best</a:t>
-            </a:r>
-          </a:p>
-          <a:p>
-            <a:endParaRPr lang="en-US" b="1" i="1" dirty="0">
-              <a:solidFill>
-                <a:srgbClr val="FF0000"/>
-              </a:solidFill>
-            </a:endParaRPr>
-          </a:p>
-          <a:p>
-            <a:r>
-              <a:rPr lang="en-US" b="1" dirty="0"/>
-              <a:t>V:</a:t>
-            </a:r>
-            <a:r>
-              <a:rPr lang="en-US" dirty="0"/>
-              <a:t> </a:t>
-            </a:r>
-            <a:r>
-              <a:rPr lang="en-US" i="1" dirty="0"/>
-              <a:t>the new crew was </a:t>
-            </a:r>
-            <a:r>
-              <a:rPr lang="en-US" b="1" i="1" dirty="0">
-                <a:solidFill>
-                  <a:srgbClr val="FF0000"/>
-                </a:solidFill>
-              </a:rPr>
-              <a:t>best</a:t>
-            </a:r>
-          </a:p>
-          <a:p>
-            <a:endParaRPr lang="en-US" b="1" i="1" dirty="0">
-              <a:solidFill>
-                <a:srgbClr val="FF0000"/>
-              </a:solidFill>
-            </a:endParaRPr>
-          </a:p>
-          <a:p>
-            <a:r>
-              <a:rPr lang="en-US" b="1" dirty="0"/>
-              <a:t>A:</a:t>
-            </a:r>
-            <a:r>
-              <a:rPr lang="en-US" dirty="0"/>
-              <a:t> </a:t>
-            </a:r>
-            <a:r>
-              <a:rPr lang="en-US" i="1" dirty="0"/>
-              <a:t>he is one of the </a:t>
-            </a:r>
-            <a:r>
-              <a:rPr lang="en-US" b="1" i="1" dirty="0">
-                <a:solidFill>
-                  <a:srgbClr val="FF0000"/>
-                </a:solidFill>
-              </a:rPr>
-              <a:t>best</a:t>
-            </a:r>
-            <a:r>
-              <a:rPr lang="en-US" i="1" dirty="0"/>
-              <a:t> actors</a:t>
-            </a:r>
-            <a:endParaRPr lang="en-US" b="1" dirty="0"/>
-          </a:p>
-        </p:txBody>
-      </p:sp>
-    </p:spTree>
-    <p:extLst>
-      <p:ext uri="{BB962C8B-B14F-4D97-AF65-F5344CB8AC3E}">
-        <p14:creationId xmlns:p14="http://schemas.microsoft.com/office/powerpoint/2010/main" val="1953458221"/>
-      </p:ext>
-    </p:extLst>
-  </p:cSld>
-  <p:clrMapOvr>
-    <a:masterClrMapping/>
-  </p:clrMapOvr>
-</p:sld>
-</file>
-
 <file path=ppt/slides/slide48.xml><?xml version="1.0" encoding="utf-8"?>
 <p:sld xmlns:a="http://schemas.openxmlformats.org/drawingml/2006/main" xmlns:r="http://schemas.openxmlformats.org/officeDocument/2006/relationships" xmlns:p="http://schemas.openxmlformats.org/presentationml/2006/main">
   <p:cSld>
@@ -18827,7 +19885,7 @@
           <p:cNvPr id="2" name="Title 1">
             <a:extLst>
               <a:ext uri="{FF2B5EF4-FFF2-40B4-BE49-F238E27FC236}">
-                <a16:creationId xmlns:a16="http://schemas.microsoft.com/office/drawing/2014/main" id="{FBA60909-4349-4A4D-BC42-8F9D7908D77D}"/>
+                <a16:creationId xmlns:a16="http://schemas.microsoft.com/office/drawing/2014/main" id="{983CEF47-23A0-434A-AC84-FFFBCFAE0C10}"/>
               </a:ext>
             </a:extLst>
           </p:cNvPr>
@@ -18850,42 +19908,117 @@
           </a:p>
         </p:txBody>
       </p:sp>
-      <p:pic>
-        <p:nvPicPr>
-          <p:cNvPr id="4" name="Content Placeholder 3">
+      <p:sp>
+        <p:nvSpPr>
+          <p:cNvPr id="3" name="Content Placeholder 2">
             <a:extLst>
               <a:ext uri="{FF2B5EF4-FFF2-40B4-BE49-F238E27FC236}">
-                <a16:creationId xmlns:a16="http://schemas.microsoft.com/office/drawing/2014/main" id="{7D435DD6-385B-42C6-B7DC-6EFD5AD59E44}"/>
+                <a16:creationId xmlns:a16="http://schemas.microsoft.com/office/drawing/2014/main" id="{C6457FD4-A789-45E2-A90C-1E6707F2D836}"/>
               </a:ext>
             </a:extLst>
           </p:cNvPr>
-          <p:cNvPicPr>
-            <a:picLocks noGrp="1" noChangeAspect="1"/>
-          </p:cNvPicPr>
+          <p:cNvSpPr>
+            <a:spLocks noGrp="1"/>
+          </p:cNvSpPr>
           <p:nvPr>
             <p:ph idx="1"/>
           </p:nvPr>
-        </p:nvPicPr>
-        <p:blipFill>
-          <a:blip r:embed="rId2"/>
-          <a:stretch>
-            <a:fillRect/>
-          </a:stretch>
-        </p:blipFill>
-        <p:spPr>
-          <a:xfrm>
-            <a:off x="271502" y="1143000"/>
-            <a:ext cx="11648996" cy="4572000"/>
-          </a:xfrm>
-          <a:prstGeom prst="rect">
-            <a:avLst/>
-          </a:prstGeom>
-        </p:spPr>
-      </p:pic>
+        </p:nvSpPr>
+        <p:spPr/>
+        <p:txBody>
+          <a:bodyPr/>
+          <a:lstStyle/>
+          <a:p>
+            <a:r>
+              <a:rPr lang="en-US" b="1" dirty="0"/>
+              <a:t>N:</a:t>
+            </a:r>
+            <a:r>
+              <a:rPr lang="en-US" dirty="0"/>
+              <a:t> </a:t>
+            </a:r>
+            <a:r>
+              <a:rPr lang="en-US" i="1" dirty="0"/>
+              <a:t>summer is the </a:t>
+            </a:r>
+            <a:r>
+              <a:rPr lang="en-US" b="1" i="1" dirty="0">
+                <a:solidFill>
+                  <a:srgbClr val="FF0000"/>
+                </a:solidFill>
+              </a:rPr>
+              <a:t>best</a:t>
+            </a:r>
+          </a:p>
+          <a:p>
+            <a:endParaRPr lang="en-US" b="1" i="1" dirty="0">
+              <a:solidFill>
+                <a:srgbClr val="FF0000"/>
+              </a:solidFill>
+            </a:endParaRPr>
+          </a:p>
+          <a:p>
+            <a:r>
+              <a:rPr lang="en-US" b="1" dirty="0"/>
+              <a:t>V:</a:t>
+            </a:r>
+            <a:r>
+              <a:rPr lang="en-US" dirty="0"/>
+              <a:t> </a:t>
+            </a:r>
+            <a:r>
+              <a:rPr lang="en-US" i="1" dirty="0"/>
+              <a:t>the new crew was </a:t>
+            </a:r>
+            <a:r>
+              <a:rPr lang="en-US" b="1" i="1" dirty="0">
+                <a:solidFill>
+                  <a:srgbClr val="FF0000"/>
+                </a:solidFill>
+              </a:rPr>
+              <a:t>best</a:t>
+            </a:r>
+          </a:p>
+          <a:p>
+            <a:endParaRPr lang="en-US" b="1" i="1" dirty="0">
+              <a:solidFill>
+                <a:srgbClr val="FF0000"/>
+              </a:solidFill>
+            </a:endParaRPr>
+          </a:p>
+          <a:p>
+            <a:r>
+              <a:rPr lang="en-US" b="1" dirty="0"/>
+              <a:t>A:</a:t>
+            </a:r>
+            <a:r>
+              <a:rPr lang="en-US" dirty="0"/>
+              <a:t> </a:t>
+            </a:r>
+            <a:r>
+              <a:rPr lang="en-US" i="1" dirty="0"/>
+              <a:t>he is one of the </a:t>
+            </a:r>
+            <a:r>
+              <a:rPr lang="en-US" b="1" i="1" dirty="0">
+                <a:solidFill>
+                  <a:srgbClr val="FF0000"/>
+                </a:solidFill>
+              </a:rPr>
+              <a:t>best</a:t>
+            </a:r>
+            <a:r>
+              <a:rPr lang="en-US" i="1" dirty="0"/>
+              <a:t> actors</a:t>
+            </a:r>
+            <a:endParaRPr lang="en-US" b="1" dirty="0"/>
+          </a:p>
+        </p:txBody>
+      </p:sp>
     </p:spTree>
     <p:extLst>
       <p:ext uri="{BB962C8B-B14F-4D97-AF65-F5344CB8AC3E}">
-        <p14:creationId xmlns:p14="http://schemas.microsoft.com/office/powerpoint/2010/main" val="1809416966"/>
+        <p14:creationId xmlns:p14="http://schemas.microsoft.com/office/powerpoint/2010/main" val="1953458221"/>
       </p:ext>
     </p:extLst>
   </p:cSld>
@@ -18917,7 +20050,7 @@
           <p:cNvPr id="2" name="Title 1">
             <a:extLst>
               <a:ext uri="{FF2B5EF4-FFF2-40B4-BE49-F238E27FC236}">
-                <a16:creationId xmlns:a16="http://schemas.microsoft.com/office/drawing/2014/main" id="{195A4AC4-8E13-4A95-A074-D2C967AE95AE}"/>
+                <a16:creationId xmlns:a16="http://schemas.microsoft.com/office/drawing/2014/main" id="{FBA60909-4349-4A4D-BC42-8F9D7908D77D}"/>
               </a:ext>
             </a:extLst>
           </p:cNvPr>
@@ -18935,119 +20068,47 @@
           <a:p>
             <a:r>
               <a:rPr lang="en-US" i="1" dirty="0"/>
-              <a:t>bill</a:t>
-            </a:r>
-          </a:p>
-        </p:txBody>
-      </p:sp>
-      <p:sp>
-        <p:nvSpPr>
-          <p:cNvPr id="3" name="Content Placeholder 2">
+              <a:t>best</a:t>
+            </a:r>
+          </a:p>
+        </p:txBody>
+      </p:sp>
+      <p:pic>
+        <p:nvPicPr>
+          <p:cNvPr id="4" name="Content Placeholder 3">
             <a:extLst>
               <a:ext uri="{FF2B5EF4-FFF2-40B4-BE49-F238E27FC236}">
-                <a16:creationId xmlns:a16="http://schemas.microsoft.com/office/drawing/2014/main" id="{AF95E31D-1FDE-469B-A599-15BB461A833C}"/>
+                <a16:creationId xmlns:a16="http://schemas.microsoft.com/office/drawing/2014/main" id="{7D435DD6-385B-42C6-B7DC-6EFD5AD59E44}"/>
               </a:ext>
             </a:extLst>
           </p:cNvPr>
-          <p:cNvSpPr>
-            <a:spLocks noGrp="1"/>
-          </p:cNvSpPr>
+          <p:cNvPicPr>
+            <a:picLocks noGrp="1" noChangeAspect="1"/>
+          </p:cNvPicPr>
           <p:nvPr>
             <p:ph idx="1"/>
           </p:nvPr>
-        </p:nvSpPr>
-        <p:spPr/>
-        <p:txBody>
-          <a:bodyPr/>
-          <a:lstStyle/>
-          <a:p>
-            <a:r>
-              <a:rPr lang="en-US" b="1" dirty="0"/>
-              <a:t>N:</a:t>
-            </a:r>
-            <a:r>
-              <a:rPr lang="en-US" dirty="0"/>
-              <a:t> </a:t>
-            </a:r>
-            <a:r>
-              <a:rPr lang="en-US" i="1" dirty="0"/>
-              <a:t>the </a:t>
-            </a:r>
-            <a:r>
-              <a:rPr lang="en-US" b="1" i="1" dirty="0">
-                <a:solidFill>
-                  <a:srgbClr val="FF0000"/>
-                </a:solidFill>
-              </a:rPr>
-              <a:t>bill</a:t>
-            </a:r>
-            <a:r>
-              <a:rPr lang="en-US" i="1" dirty="0"/>
-              <a:t> always comes in</a:t>
-            </a:r>
-          </a:p>
-          <a:p>
-            <a:endParaRPr lang="en-US" b="1" i="1" dirty="0"/>
-          </a:p>
-          <a:p>
-            <a:r>
-              <a:rPr lang="en-US" b="1" dirty="0"/>
-              <a:t>V:</a:t>
-            </a:r>
-            <a:r>
-              <a:rPr lang="en-US" dirty="0"/>
-              <a:t> </a:t>
-            </a:r>
-            <a:r>
-              <a:rPr lang="en-US" i="1" dirty="0"/>
-              <a:t>they could </a:t>
-            </a:r>
-            <a:r>
-              <a:rPr lang="en-US" b="1" i="1" dirty="0">
-                <a:solidFill>
-                  <a:srgbClr val="FF0000"/>
-                </a:solidFill>
-              </a:rPr>
-              <a:t>bill</a:t>
-            </a:r>
-            <a:r>
-              <a:rPr lang="en-US" i="1" dirty="0"/>
-              <a:t> Uncle Sam for that hospital care</a:t>
-            </a:r>
-            <a:endParaRPr lang="en-US" dirty="0"/>
-          </a:p>
-          <a:p>
-            <a:endParaRPr lang="en-US" b="1" i="1" dirty="0"/>
-          </a:p>
-          <a:p>
-            <a:r>
-              <a:rPr lang="en-US" b="1" dirty="0"/>
-              <a:t>A:</a:t>
-            </a:r>
-            <a:r>
-              <a:rPr lang="en-US" dirty="0"/>
-              <a:t> </a:t>
-            </a:r>
-            <a:r>
-              <a:rPr lang="en-US" b="1" i="1" dirty="0">
-                <a:solidFill>
-                  <a:srgbClr val="FF0000"/>
-                </a:solidFill>
-              </a:rPr>
-              <a:t>bills</a:t>
-            </a:r>
-            <a:r>
-              <a:rPr lang="en-US" i="1" dirty="0"/>
-              <a:t> wise we divide everything</a:t>
-            </a:r>
-            <a:endParaRPr lang="en-US" b="1" dirty="0"/>
-          </a:p>
-        </p:txBody>
-      </p:sp>
+        </p:nvPicPr>
+        <p:blipFill>
+          <a:blip r:embed="rId3"/>
+          <a:stretch>
+            <a:fillRect/>
+          </a:stretch>
+        </p:blipFill>
+        <p:spPr>
+          <a:xfrm>
+            <a:off x="271502" y="1143000"/>
+            <a:ext cx="11648996" cy="4572000"/>
+          </a:xfrm>
+          <a:prstGeom prst="rect">
+            <a:avLst/>
+          </a:prstGeom>
+        </p:spPr>
+      </p:pic>
     </p:spTree>
     <p:extLst>
       <p:ext uri="{BB962C8B-B14F-4D97-AF65-F5344CB8AC3E}">
-        <p14:creationId xmlns:p14="http://schemas.microsoft.com/office/powerpoint/2010/main" val="730168830"/>
+        <p14:creationId xmlns:p14="http://schemas.microsoft.com/office/powerpoint/2010/main" val="1809416966"/>
       </p:ext>
     </p:extLst>
   </p:cSld>
@@ -19421,6 +20482,168 @@
           <p:cNvPr id="2" name="Title 1">
             <a:extLst>
               <a:ext uri="{FF2B5EF4-FFF2-40B4-BE49-F238E27FC236}">
+                <a16:creationId xmlns:a16="http://schemas.microsoft.com/office/drawing/2014/main" id="{195A4AC4-8E13-4A95-A074-D2C967AE95AE}"/>
+              </a:ext>
+            </a:extLst>
+          </p:cNvPr>
+          <p:cNvSpPr>
+            <a:spLocks noGrp="1"/>
+          </p:cNvSpPr>
+          <p:nvPr>
+            <p:ph type="title"/>
+          </p:nvPr>
+        </p:nvSpPr>
+        <p:spPr/>
+        <p:txBody>
+          <a:bodyPr/>
+          <a:lstStyle/>
+          <a:p>
+            <a:r>
+              <a:rPr lang="en-US" i="1" dirty="0"/>
+              <a:t>bill</a:t>
+            </a:r>
+          </a:p>
+        </p:txBody>
+      </p:sp>
+      <p:sp>
+        <p:nvSpPr>
+          <p:cNvPr id="3" name="Content Placeholder 2">
+            <a:extLst>
+              <a:ext uri="{FF2B5EF4-FFF2-40B4-BE49-F238E27FC236}">
+                <a16:creationId xmlns:a16="http://schemas.microsoft.com/office/drawing/2014/main" id="{AF95E31D-1FDE-469B-A599-15BB461A833C}"/>
+              </a:ext>
+            </a:extLst>
+          </p:cNvPr>
+          <p:cNvSpPr>
+            <a:spLocks noGrp="1"/>
+          </p:cNvSpPr>
+          <p:nvPr>
+            <p:ph idx="1"/>
+          </p:nvPr>
+        </p:nvSpPr>
+        <p:spPr/>
+        <p:txBody>
+          <a:bodyPr/>
+          <a:lstStyle/>
+          <a:p>
+            <a:r>
+              <a:rPr lang="en-US" b="1" dirty="0"/>
+              <a:t>N:</a:t>
+            </a:r>
+            <a:r>
+              <a:rPr lang="en-US" dirty="0"/>
+              <a:t> </a:t>
+            </a:r>
+            <a:r>
+              <a:rPr lang="en-US" i="1" dirty="0"/>
+              <a:t>the </a:t>
+            </a:r>
+            <a:r>
+              <a:rPr lang="en-US" b="1" i="1" dirty="0">
+                <a:solidFill>
+                  <a:srgbClr val="FF0000"/>
+                </a:solidFill>
+              </a:rPr>
+              <a:t>bill</a:t>
+            </a:r>
+            <a:r>
+              <a:rPr lang="en-US" i="1" dirty="0"/>
+              <a:t> always comes in</a:t>
+            </a:r>
+          </a:p>
+          <a:p>
+            <a:endParaRPr lang="en-US" b="1" i="1" dirty="0"/>
+          </a:p>
+          <a:p>
+            <a:r>
+              <a:rPr lang="en-US" b="1" dirty="0"/>
+              <a:t>V:</a:t>
+            </a:r>
+            <a:r>
+              <a:rPr lang="en-US" dirty="0"/>
+              <a:t> </a:t>
+            </a:r>
+            <a:r>
+              <a:rPr lang="en-US" i="1" dirty="0"/>
+              <a:t>they could </a:t>
+            </a:r>
+            <a:r>
+              <a:rPr lang="en-US" b="1" i="1" dirty="0">
+                <a:solidFill>
+                  <a:srgbClr val="FF0000"/>
+                </a:solidFill>
+              </a:rPr>
+              <a:t>bill</a:t>
+            </a:r>
+            <a:r>
+              <a:rPr lang="en-US" i="1" dirty="0"/>
+              <a:t> Uncle Sam for that hospital care</a:t>
+            </a:r>
+            <a:endParaRPr lang="en-US" dirty="0"/>
+          </a:p>
+          <a:p>
+            <a:endParaRPr lang="en-US" b="1" i="1" dirty="0"/>
+          </a:p>
+          <a:p>
+            <a:r>
+              <a:rPr lang="en-US" b="1" dirty="0"/>
+              <a:t>A:</a:t>
+            </a:r>
+            <a:r>
+              <a:rPr lang="en-US" dirty="0"/>
+              <a:t> </a:t>
+            </a:r>
+            <a:r>
+              <a:rPr lang="en-US" b="1" i="1" dirty="0">
+                <a:solidFill>
+                  <a:srgbClr val="FF0000"/>
+                </a:solidFill>
+              </a:rPr>
+              <a:t>bills</a:t>
+            </a:r>
+            <a:r>
+              <a:rPr lang="en-US" i="1" dirty="0"/>
+              <a:t> wise we divide everything</a:t>
+            </a:r>
+            <a:endParaRPr lang="en-US" b="1" dirty="0"/>
+          </a:p>
+        </p:txBody>
+      </p:sp>
+    </p:spTree>
+    <p:extLst>
+      <p:ext uri="{BB962C8B-B14F-4D97-AF65-F5344CB8AC3E}">
+        <p14:creationId xmlns:p14="http://schemas.microsoft.com/office/powerpoint/2010/main" val="730168830"/>
+      </p:ext>
+    </p:extLst>
+  </p:cSld>
+  <p:clrMapOvr>
+    <a:masterClrMapping/>
+  </p:clrMapOvr>
+</p:sld>
+</file>
+
+<file path=ppt/slides/slide51.xml><?xml version="1.0" encoding="utf-8"?>
+<p:sld xmlns:a="http://schemas.openxmlformats.org/drawingml/2006/main" xmlns:r="http://schemas.openxmlformats.org/officeDocument/2006/relationships" xmlns:p="http://schemas.openxmlformats.org/presentationml/2006/main">
+  <p:cSld>
+    <p:spTree>
+      <p:nvGrpSpPr>
+        <p:cNvPr id="1" name=""/>
+        <p:cNvGrpSpPr/>
+        <p:nvPr/>
+      </p:nvGrpSpPr>
+      <p:grpSpPr>
+        <a:xfrm>
+          <a:off x="0" y="0"/>
+          <a:ext cx="0" cy="0"/>
+          <a:chOff x="0" y="0"/>
+          <a:chExt cx="0" cy="0"/>
+        </a:xfrm>
+      </p:grpSpPr>
+      <p:sp>
+        <p:nvSpPr>
+          <p:cNvPr id="2" name="Title 1">
+            <a:extLst>
+              <a:ext uri="{FF2B5EF4-FFF2-40B4-BE49-F238E27FC236}">
                 <a16:creationId xmlns:a16="http://schemas.microsoft.com/office/drawing/2014/main" id="{B92ABD4E-41E1-474C-857B-C4A83B8CD319}"/>
               </a:ext>
             </a:extLst>
@@ -19461,7 +20684,7 @@
           </p:nvPr>
         </p:nvPicPr>
         <p:blipFill>
-          <a:blip r:embed="rId2"/>
+          <a:blip r:embed="rId3"/>
           <a:stretch>
             <a:fillRect/>
           </a:stretch>
@@ -19489,169 +20712,6 @@
 </p:sld>
 </file>
 
-<file path=ppt/slides/slide51.xml><?xml version="1.0" encoding="utf-8"?>
-<p:sld xmlns:a="http://schemas.openxmlformats.org/drawingml/2006/main" xmlns:r="http://schemas.openxmlformats.org/officeDocument/2006/relationships" xmlns:p="http://schemas.openxmlformats.org/presentationml/2006/main">
-  <p:cSld>
-    <p:spTree>
-      <p:nvGrpSpPr>
-        <p:cNvPr id="1" name=""/>
-        <p:cNvGrpSpPr/>
-        <p:nvPr/>
-      </p:nvGrpSpPr>
-      <p:grpSpPr>
-        <a:xfrm>
-          <a:off x="0" y="0"/>
-          <a:ext cx="0" cy="0"/>
-          <a:chOff x="0" y="0"/>
-          <a:chExt cx="0" cy="0"/>
-        </a:xfrm>
-      </p:grpSpPr>
-      <p:sp>
-        <p:nvSpPr>
-          <p:cNvPr id="2" name="Title 1">
-            <a:extLst>
-              <a:ext uri="{FF2B5EF4-FFF2-40B4-BE49-F238E27FC236}">
-                <a16:creationId xmlns:a16="http://schemas.microsoft.com/office/drawing/2014/main" id="{4D19CDB5-877C-4EF0-B4DF-36F49832599C}"/>
-              </a:ext>
-            </a:extLst>
-          </p:cNvPr>
-          <p:cNvSpPr>
-            <a:spLocks noGrp="1"/>
-          </p:cNvSpPr>
-          <p:nvPr>
-            <p:ph type="title"/>
-          </p:nvPr>
-        </p:nvSpPr>
-        <p:spPr/>
-        <p:txBody>
-          <a:bodyPr/>
-          <a:lstStyle/>
-          <a:p>
-            <a:r>
-              <a:rPr lang="en-US" i="1" dirty="0"/>
-              <a:t>business</a:t>
-            </a:r>
-          </a:p>
-        </p:txBody>
-      </p:sp>
-      <p:sp>
-        <p:nvSpPr>
-          <p:cNvPr id="3" name="Content Placeholder 2">
-            <a:extLst>
-              <a:ext uri="{FF2B5EF4-FFF2-40B4-BE49-F238E27FC236}">
-                <a16:creationId xmlns:a16="http://schemas.microsoft.com/office/drawing/2014/main" id="{77BD0CCB-45FB-45F1-B09A-D53D17BE76A3}"/>
-              </a:ext>
-            </a:extLst>
-          </p:cNvPr>
-          <p:cNvSpPr>
-            <a:spLocks noGrp="1"/>
-          </p:cNvSpPr>
-          <p:nvPr>
-            <p:ph idx="1"/>
-          </p:nvPr>
-        </p:nvSpPr>
-        <p:spPr/>
-        <p:txBody>
-          <a:bodyPr/>
-          <a:lstStyle/>
-          <a:p>
-            <a:r>
-              <a:rPr lang="en-US" b="1" dirty="0"/>
-              <a:t>N:</a:t>
-            </a:r>
-            <a:r>
-              <a:rPr lang="en-US" dirty="0"/>
-              <a:t> </a:t>
-            </a:r>
-            <a:r>
-              <a:rPr lang="en-US" i="1" dirty="0"/>
-              <a:t>we were in the retail milk </a:t>
-            </a:r>
-            <a:r>
-              <a:rPr lang="en-US" b="1" i="1" dirty="0">
-                <a:solidFill>
-                  <a:srgbClr val="FF0000"/>
-                </a:solidFill>
-              </a:rPr>
-              <a:t>business</a:t>
-            </a:r>
-            <a:endParaRPr lang="en-US" b="1" dirty="0">
-              <a:solidFill>
-                <a:srgbClr val="FF0000"/>
-              </a:solidFill>
-            </a:endParaRPr>
-          </a:p>
-          <a:p>
-            <a:endParaRPr lang="en-US" b="1" dirty="0"/>
-          </a:p>
-          <a:p>
-            <a:r>
-              <a:rPr lang="en-US" b="1" dirty="0"/>
-              <a:t>V:</a:t>
-            </a:r>
-            <a:r>
-              <a:rPr lang="en-US" dirty="0"/>
-              <a:t> </a:t>
-            </a:r>
-            <a:r>
-              <a:rPr lang="en-US" i="1" dirty="0"/>
-              <a:t>it’s </a:t>
-            </a:r>
-            <a:r>
-              <a:rPr lang="en-US" b="1" i="1" dirty="0">
-                <a:solidFill>
-                  <a:srgbClr val="FF0000"/>
-                </a:solidFill>
-              </a:rPr>
-              <a:t>business</a:t>
-            </a:r>
-            <a:r>
-              <a:rPr lang="en-US" i="1" dirty="0"/>
-              <a:t> and it’s serious</a:t>
-            </a:r>
-            <a:endParaRPr lang="en-US" b="1" dirty="0"/>
-          </a:p>
-          <a:p>
-            <a:endParaRPr lang="en-US" b="1" dirty="0"/>
-          </a:p>
-          <a:p>
-            <a:r>
-              <a:rPr lang="en-US" b="1" dirty="0"/>
-              <a:t>A: </a:t>
-            </a:r>
-            <a:r>
-              <a:rPr lang="en-US" i="1" dirty="0"/>
-              <a:t>here’s my </a:t>
-            </a:r>
-            <a:r>
-              <a:rPr lang="en-US" b="1" i="1" dirty="0">
-                <a:solidFill>
-                  <a:srgbClr val="FF0000"/>
-                </a:solidFill>
-              </a:rPr>
-              <a:t>business</a:t>
-            </a:r>
-            <a:r>
-              <a:rPr lang="en-US" i="1" dirty="0"/>
-              <a:t> card</a:t>
-            </a:r>
-            <a:endParaRPr lang="en-US" b="1" dirty="0"/>
-          </a:p>
-        </p:txBody>
-      </p:sp>
-    </p:spTree>
-    <p:extLst>
-      <p:ext uri="{BB962C8B-B14F-4D97-AF65-F5344CB8AC3E}">
-        <p14:creationId xmlns:p14="http://schemas.microsoft.com/office/powerpoint/2010/main" val="3559046579"/>
-      </p:ext>
-    </p:extLst>
-  </p:cSld>
-  <p:clrMapOvr>
-    <a:masterClrMapping/>
-  </p:clrMapOvr>
-</p:sld>
-</file>
-
 <file path=ppt/slides/slide52.xml><?xml version="1.0" encoding="utf-8"?>
 <p:sld xmlns:a="http://schemas.openxmlformats.org/drawingml/2006/main" xmlns:r="http://schemas.openxmlformats.org/officeDocument/2006/relationships" xmlns:p="http://schemas.openxmlformats.org/presentationml/2006/main">
   <p:cSld>
@@ -19674,6 +20734,169 @@
           <p:cNvPr id="2" name="Title 1">
             <a:extLst>
               <a:ext uri="{FF2B5EF4-FFF2-40B4-BE49-F238E27FC236}">
+                <a16:creationId xmlns:a16="http://schemas.microsoft.com/office/drawing/2014/main" id="{4D19CDB5-877C-4EF0-B4DF-36F49832599C}"/>
+              </a:ext>
+            </a:extLst>
+          </p:cNvPr>
+          <p:cNvSpPr>
+            <a:spLocks noGrp="1"/>
+          </p:cNvSpPr>
+          <p:nvPr>
+            <p:ph type="title"/>
+          </p:nvPr>
+        </p:nvSpPr>
+        <p:spPr/>
+        <p:txBody>
+          <a:bodyPr/>
+          <a:lstStyle/>
+          <a:p>
+            <a:r>
+              <a:rPr lang="en-US" i="1" dirty="0"/>
+              <a:t>business</a:t>
+            </a:r>
+          </a:p>
+        </p:txBody>
+      </p:sp>
+      <p:sp>
+        <p:nvSpPr>
+          <p:cNvPr id="3" name="Content Placeholder 2">
+            <a:extLst>
+              <a:ext uri="{FF2B5EF4-FFF2-40B4-BE49-F238E27FC236}">
+                <a16:creationId xmlns:a16="http://schemas.microsoft.com/office/drawing/2014/main" id="{77BD0CCB-45FB-45F1-B09A-D53D17BE76A3}"/>
+              </a:ext>
+            </a:extLst>
+          </p:cNvPr>
+          <p:cNvSpPr>
+            <a:spLocks noGrp="1"/>
+          </p:cNvSpPr>
+          <p:nvPr>
+            <p:ph idx="1"/>
+          </p:nvPr>
+        </p:nvSpPr>
+        <p:spPr/>
+        <p:txBody>
+          <a:bodyPr/>
+          <a:lstStyle/>
+          <a:p>
+            <a:r>
+              <a:rPr lang="en-US" b="1" dirty="0"/>
+              <a:t>N:</a:t>
+            </a:r>
+            <a:r>
+              <a:rPr lang="en-US" dirty="0"/>
+              <a:t> </a:t>
+            </a:r>
+            <a:r>
+              <a:rPr lang="en-US" i="1" dirty="0"/>
+              <a:t>we were in the retail milk </a:t>
+            </a:r>
+            <a:r>
+              <a:rPr lang="en-US" b="1" i="1" dirty="0">
+                <a:solidFill>
+                  <a:srgbClr val="FF0000"/>
+                </a:solidFill>
+              </a:rPr>
+              <a:t>business</a:t>
+            </a:r>
+            <a:endParaRPr lang="en-US" b="1" dirty="0">
+              <a:solidFill>
+                <a:srgbClr val="FF0000"/>
+              </a:solidFill>
+            </a:endParaRPr>
+          </a:p>
+          <a:p>
+            <a:endParaRPr lang="en-US" b="1" dirty="0"/>
+          </a:p>
+          <a:p>
+            <a:r>
+              <a:rPr lang="en-US" b="1" dirty="0"/>
+              <a:t>V:</a:t>
+            </a:r>
+            <a:r>
+              <a:rPr lang="en-US" dirty="0"/>
+              <a:t> </a:t>
+            </a:r>
+            <a:r>
+              <a:rPr lang="en-US" i="1" dirty="0"/>
+              <a:t>it’s </a:t>
+            </a:r>
+            <a:r>
+              <a:rPr lang="en-US" b="1" i="1" dirty="0">
+                <a:solidFill>
+                  <a:srgbClr val="FF0000"/>
+                </a:solidFill>
+              </a:rPr>
+              <a:t>business</a:t>
+            </a:r>
+            <a:r>
+              <a:rPr lang="en-US" i="1" dirty="0"/>
+              <a:t> and it’s serious</a:t>
+            </a:r>
+            <a:endParaRPr lang="en-US" b="1" dirty="0"/>
+          </a:p>
+          <a:p>
+            <a:endParaRPr lang="en-US" b="1" dirty="0"/>
+          </a:p>
+          <a:p>
+            <a:r>
+              <a:rPr lang="en-US" b="1" dirty="0"/>
+              <a:t>A: </a:t>
+            </a:r>
+            <a:r>
+              <a:rPr lang="en-US" i="1" dirty="0"/>
+              <a:t>here’s my </a:t>
+            </a:r>
+            <a:r>
+              <a:rPr lang="en-US" b="1" i="1" dirty="0">
+                <a:solidFill>
+                  <a:srgbClr val="FF0000"/>
+                </a:solidFill>
+              </a:rPr>
+              <a:t>business</a:t>
+            </a:r>
+            <a:r>
+              <a:rPr lang="en-US" i="1" dirty="0"/>
+              <a:t> card</a:t>
+            </a:r>
+            <a:endParaRPr lang="en-US" b="1" dirty="0"/>
+          </a:p>
+        </p:txBody>
+      </p:sp>
+    </p:spTree>
+    <p:extLst>
+      <p:ext uri="{BB962C8B-B14F-4D97-AF65-F5344CB8AC3E}">
+        <p14:creationId xmlns:p14="http://schemas.microsoft.com/office/powerpoint/2010/main" val="3559046579"/>
+      </p:ext>
+    </p:extLst>
+  </p:cSld>
+  <p:clrMapOvr>
+    <a:masterClrMapping/>
+  </p:clrMapOvr>
+</p:sld>
+</file>
+
+<file path=ppt/slides/slide53.xml><?xml version="1.0" encoding="utf-8"?>
+<p:sld xmlns:a="http://schemas.openxmlformats.org/drawingml/2006/main" xmlns:r="http://schemas.openxmlformats.org/officeDocument/2006/relationships" xmlns:p="http://schemas.openxmlformats.org/presentationml/2006/main">
+  <p:cSld>
+    <p:spTree>
+      <p:nvGrpSpPr>
+        <p:cNvPr id="1" name=""/>
+        <p:cNvGrpSpPr/>
+        <p:nvPr/>
+      </p:nvGrpSpPr>
+      <p:grpSpPr>
+        <a:xfrm>
+          <a:off x="0" y="0"/>
+          <a:ext cx="0" cy="0"/>
+          <a:chOff x="0" y="0"/>
+          <a:chExt cx="0" cy="0"/>
+        </a:xfrm>
+      </p:grpSpPr>
+      <p:sp>
+        <p:nvSpPr>
+          <p:cNvPr id="2" name="Title 1">
+            <a:extLst>
+              <a:ext uri="{FF2B5EF4-FFF2-40B4-BE49-F238E27FC236}">
                 <a16:creationId xmlns:a16="http://schemas.microsoft.com/office/drawing/2014/main" id="{64CEB72F-3F84-43CC-9333-4FBFE547DAF5}"/>
               </a:ext>
             </a:extLst>
@@ -19714,7 +20937,7 @@
           </p:nvPr>
         </p:nvPicPr>
         <p:blipFill>
-          <a:blip r:embed="rId2"/>
+          <a:blip r:embed="rId3"/>
           <a:stretch>
             <a:fillRect/>
           </a:stretch>
@@ -19742,7 +20965,7 @@
 </p:sld>
 </file>
 
-<file path=ppt/slides/slide53.xml><?xml version="1.0" encoding="utf-8"?>
+<file path=ppt/slides/slide54.xml><?xml version="1.0" encoding="utf-8"?>
 <p:sld xmlns:a="http://schemas.openxmlformats.org/drawingml/2006/main" xmlns:r="http://schemas.openxmlformats.org/officeDocument/2006/relationships" xmlns:p="http://schemas.openxmlformats.org/presentationml/2006/main">
   <p:cSld>
     <p:spTree>
@@ -19759,49 +20982,19 @@
           <a:chExt cx="0" cy="0"/>
         </a:xfrm>
       </p:grpSpPr>
-      <p:sp>
-        <p:nvSpPr>
-          <p:cNvPr id="2" name="Title 1">
+      <p:pic>
+        <p:nvPicPr>
+          <p:cNvPr id="5" name="Picture 4">
             <a:extLst>
               <a:ext uri="{FF2B5EF4-FFF2-40B4-BE49-F238E27FC236}">
-                <a16:creationId xmlns:a16="http://schemas.microsoft.com/office/drawing/2014/main" id="{554B7853-E2CB-49D3-A35F-C92256986726}"/>
-              </a:ext>
-            </a:extLst>
-          </p:cNvPr>
-          <p:cNvSpPr>
-            <a:spLocks noGrp="1"/>
-          </p:cNvSpPr>
-          <p:nvPr>
-            <p:ph type="title"/>
-          </p:nvPr>
-        </p:nvSpPr>
-        <p:spPr/>
-        <p:txBody>
-          <a:bodyPr/>
-          <a:lstStyle/>
-          <a:p>
-            <a:r>
-              <a:rPr lang="en-US" dirty="0"/>
-              <a:t>Omnipredicativity</a:t>
-            </a:r>
-          </a:p>
-        </p:txBody>
-      </p:sp>
-      <p:pic>
-        <p:nvPicPr>
-          <p:cNvPr id="5" name="Content Placeholder 4" descr="A close up of a logo&#10;&#10;Description automatically generated">
-            <a:extLst>
-              <a:ext uri="{FF2B5EF4-FFF2-40B4-BE49-F238E27FC236}">
-                <a16:creationId xmlns:a16="http://schemas.microsoft.com/office/drawing/2014/main" id="{F5D52A74-6D28-4ABF-A229-E302DB93AE47}"/>
+                <a16:creationId xmlns:a16="http://schemas.microsoft.com/office/drawing/2014/main" id="{C3E08F8F-9D75-4AAB-BC00-AA7CFE133F95}"/>
               </a:ext>
             </a:extLst>
           </p:cNvPr>
           <p:cNvPicPr>
-            <a:picLocks noGrp="1" noChangeAspect="1"/>
+            <a:picLocks noChangeAspect="1"/>
           </p:cNvPicPr>
-          <p:nvPr>
-            <p:ph idx="1"/>
-          </p:nvPr>
+          <p:nvPr/>
         </p:nvPicPr>
         <p:blipFill>
           <a:blip r:embed="rId3"/>
@@ -19811,15 +21004,18 @@
         </p:blipFill>
         <p:spPr>
           <a:xfrm>
-            <a:off x="3526439" y="959485"/>
-            <a:ext cx="5139122" cy="5886299"/>
+            <a:off x="0" y="589777"/>
+            <a:ext cx="12197918" cy="5678447"/>
           </a:xfrm>
+          <a:prstGeom prst="rect">
+            <a:avLst/>
+          </a:prstGeom>
         </p:spPr>
       </p:pic>
     </p:spTree>
     <p:extLst>
       <p:ext uri="{BB962C8B-B14F-4D97-AF65-F5344CB8AC3E}">
-        <p14:creationId xmlns:p14="http://schemas.microsoft.com/office/powerpoint/2010/main" val="3657821703"/>
+        <p14:creationId xmlns:p14="http://schemas.microsoft.com/office/powerpoint/2010/main" val="1317872673"/>
       </p:ext>
     </p:extLst>
   </p:cSld>
@@ -19829,7 +21025,393 @@
 </p:sld>
 </file>
 
-<file path=ppt/slides/slide54.xml><?xml version="1.0" encoding="utf-8"?>
+<file path=ppt/slides/slide55.xml><?xml version="1.0" encoding="utf-8"?>
+<p:sld xmlns:a="http://schemas.openxmlformats.org/drawingml/2006/main" xmlns:r="http://schemas.openxmlformats.org/officeDocument/2006/relationships" xmlns:p="http://schemas.openxmlformats.org/presentationml/2006/main">
+  <p:cSld>
+    <p:spTree>
+      <p:nvGrpSpPr>
+        <p:cNvPr id="1" name=""/>
+        <p:cNvGrpSpPr/>
+        <p:nvPr/>
+      </p:nvGrpSpPr>
+      <p:grpSpPr>
+        <a:xfrm>
+          <a:off x="0" y="0"/>
+          <a:ext cx="0" cy="0"/>
+          <a:chOff x="0" y="0"/>
+          <a:chExt cx="0" cy="0"/>
+        </a:xfrm>
+      </p:grpSpPr>
+      <p:pic>
+        <p:nvPicPr>
+          <p:cNvPr id="3" name="Picture 2">
+            <a:extLst>
+              <a:ext uri="{FF2B5EF4-FFF2-40B4-BE49-F238E27FC236}">
+                <a16:creationId xmlns:a16="http://schemas.microsoft.com/office/drawing/2014/main" id="{95D97640-1D69-42AA-AB21-96FE2CD99297}"/>
+              </a:ext>
+            </a:extLst>
+          </p:cNvPr>
+          <p:cNvPicPr>
+            <a:picLocks noChangeAspect="1"/>
+          </p:cNvPicPr>
+          <p:nvPr/>
+        </p:nvPicPr>
+        <p:blipFill>
+          <a:blip r:embed="rId3"/>
+          <a:stretch>
+            <a:fillRect/>
+          </a:stretch>
+        </p:blipFill>
+        <p:spPr>
+          <a:xfrm>
+            <a:off x="0" y="591154"/>
+            <a:ext cx="12192000" cy="5675692"/>
+          </a:xfrm>
+          <a:prstGeom prst="rect">
+            <a:avLst/>
+          </a:prstGeom>
+        </p:spPr>
+      </p:pic>
+    </p:spTree>
+    <p:extLst>
+      <p:ext uri="{BB962C8B-B14F-4D97-AF65-F5344CB8AC3E}">
+        <p14:creationId xmlns:p14="http://schemas.microsoft.com/office/powerpoint/2010/main" val="2600404377"/>
+      </p:ext>
+    </p:extLst>
+  </p:cSld>
+  <p:clrMapOvr>
+    <a:masterClrMapping/>
+  </p:clrMapOvr>
+</p:sld>
+</file>
+
+<file path=ppt/slides/slide56.xml><?xml version="1.0" encoding="utf-8"?>
+<p:sld xmlns:a="http://schemas.openxmlformats.org/drawingml/2006/main" xmlns:r="http://schemas.openxmlformats.org/officeDocument/2006/relationships" xmlns:p="http://schemas.openxmlformats.org/presentationml/2006/main">
+  <p:cSld>
+    <p:spTree>
+      <p:nvGrpSpPr>
+        <p:cNvPr id="1" name=""/>
+        <p:cNvGrpSpPr/>
+        <p:nvPr/>
+      </p:nvGrpSpPr>
+      <p:grpSpPr>
+        <a:xfrm>
+          <a:off x="0" y="0"/>
+          <a:ext cx="0" cy="0"/>
+          <a:chOff x="0" y="0"/>
+          <a:chExt cx="0" cy="0"/>
+        </a:xfrm>
+      </p:grpSpPr>
+      <p:sp>
+        <p:nvSpPr>
+          <p:cNvPr id="2" name="Title 1">
+            <a:extLst>
+              <a:ext uri="{FF2B5EF4-FFF2-40B4-BE49-F238E27FC236}">
+                <a16:creationId xmlns:a16="http://schemas.microsoft.com/office/drawing/2014/main" id="{6C605075-7D4C-4856-BCFD-88D507163676}"/>
+              </a:ext>
+            </a:extLst>
+          </p:cNvPr>
+          <p:cNvSpPr>
+            <a:spLocks noGrp="1"/>
+          </p:cNvSpPr>
+          <p:nvPr>
+            <p:ph type="title"/>
+          </p:nvPr>
+        </p:nvSpPr>
+        <p:spPr/>
+        <p:txBody>
+          <a:bodyPr/>
+          <a:lstStyle/>
+          <a:p>
+            <a:r>
+              <a:rPr lang="en-US" dirty="0"/>
+              <a:t>Preliminary Results from English</a:t>
+            </a:r>
+          </a:p>
+        </p:txBody>
+      </p:sp>
+      <p:sp>
+        <p:nvSpPr>
+          <p:cNvPr id="3" name="Content Placeholder 2">
+            <a:extLst>
+              <a:ext uri="{FF2B5EF4-FFF2-40B4-BE49-F238E27FC236}">
+                <a16:creationId xmlns:a16="http://schemas.microsoft.com/office/drawing/2014/main" id="{63A87EA8-C396-4669-AF2F-3E00638AE6CE}"/>
+              </a:ext>
+            </a:extLst>
+          </p:cNvPr>
+          <p:cNvSpPr>
+            <a:spLocks noGrp="1"/>
+          </p:cNvSpPr>
+          <p:nvPr>
+            <p:ph idx="1"/>
+          </p:nvPr>
+        </p:nvSpPr>
+        <p:spPr/>
+        <p:txBody>
+          <a:bodyPr/>
+          <a:lstStyle/>
+          <a:p>
+            <a:r>
+              <a:rPr lang="en-US" dirty="0"/>
+              <a:t>Most words of English are not especially flexible</a:t>
+            </a:r>
+          </a:p>
+          <a:p>
+            <a:pPr lvl="1"/>
+            <a:r>
+              <a:rPr lang="en-US" dirty="0"/>
+              <a:t>One function tends to predominate for any given word</a:t>
+            </a:r>
+          </a:p>
+          <a:p>
+            <a:endParaRPr lang="en-US" dirty="0"/>
+          </a:p>
+          <a:p>
+            <a:r>
+              <a:rPr lang="en-US" dirty="0"/>
+              <a:t>All (?) words of English exhibit </a:t>
+            </a:r>
+            <a:r>
+              <a:rPr lang="en-US" i="1" dirty="0"/>
+              <a:t>some</a:t>
+            </a:r>
+            <a:r>
+              <a:rPr lang="en-US" dirty="0"/>
+              <a:t> flexibility</a:t>
+            </a:r>
+          </a:p>
+          <a:p>
+            <a:endParaRPr lang="en-US" dirty="0"/>
+          </a:p>
+          <a:p>
+            <a:r>
+              <a:rPr lang="en-US" dirty="0"/>
+              <a:t>Possible blocking effects (e.g. </a:t>
+            </a:r>
+            <a:r>
+              <a:rPr lang="en-US" i="1" dirty="0"/>
+              <a:t>ability</a:t>
+            </a:r>
+            <a:r>
+              <a:rPr lang="en-US" dirty="0"/>
+              <a:t> ↛ </a:t>
+            </a:r>
+            <a:r>
+              <a:rPr lang="en-US" i="1" dirty="0"/>
+              <a:t>the able</a:t>
+            </a:r>
+            <a:r>
+              <a:rPr lang="en-US" dirty="0"/>
+              <a:t>)</a:t>
+            </a:r>
+          </a:p>
+          <a:p>
+            <a:endParaRPr lang="en-US" dirty="0"/>
+          </a:p>
+          <a:p>
+            <a:r>
+              <a:rPr lang="en-US" dirty="0"/>
+              <a:t>Body part terms may exhibit more flexibility than other semantic domains</a:t>
+            </a:r>
+          </a:p>
+        </p:txBody>
+      </p:sp>
+    </p:spTree>
+    <p:extLst>
+      <p:ext uri="{BB962C8B-B14F-4D97-AF65-F5344CB8AC3E}">
+        <p14:creationId xmlns:p14="http://schemas.microsoft.com/office/powerpoint/2010/main" val="2209843330"/>
+      </p:ext>
+    </p:extLst>
+  </p:cSld>
+  <p:clrMapOvr>
+    <a:masterClrMapping/>
+  </p:clrMapOvr>
+</p:sld>
+</file>
+
+<file path=ppt/slides/slide57.xml><?xml version="1.0" encoding="utf-8"?>
+<p:sld xmlns:a="http://schemas.openxmlformats.org/drawingml/2006/main" xmlns:r="http://schemas.openxmlformats.org/officeDocument/2006/relationships" xmlns:p="http://schemas.openxmlformats.org/presentationml/2006/main">
+  <p:cSld>
+    <p:spTree>
+      <p:nvGrpSpPr>
+        <p:cNvPr id="1" name=""/>
+        <p:cNvGrpSpPr/>
+        <p:nvPr/>
+      </p:nvGrpSpPr>
+      <p:grpSpPr>
+        <a:xfrm>
+          <a:off x="0" y="0"/>
+          <a:ext cx="0" cy="0"/>
+          <a:chOff x="0" y="0"/>
+          <a:chExt cx="0" cy="0"/>
+        </a:xfrm>
+      </p:grpSpPr>
+      <p:sp>
+        <p:nvSpPr>
+          <p:cNvPr id="2" name="Title 1">
+            <a:extLst>
+              <a:ext uri="{FF2B5EF4-FFF2-40B4-BE49-F238E27FC236}">
+                <a16:creationId xmlns:a16="http://schemas.microsoft.com/office/drawing/2014/main" id="{7AC53309-DF68-4714-90F8-DD9A381F7A39}"/>
+              </a:ext>
+            </a:extLst>
+          </p:cNvPr>
+          <p:cNvSpPr>
+            <a:spLocks noGrp="1"/>
+          </p:cNvSpPr>
+          <p:nvPr>
+            <p:ph type="title"/>
+          </p:nvPr>
+        </p:nvSpPr>
+        <p:spPr/>
+        <p:txBody>
+          <a:bodyPr/>
+          <a:lstStyle/>
+          <a:p>
+            <a:r>
+              <a:rPr lang="en-US" dirty="0"/>
+              <a:t>Next Steps</a:t>
+            </a:r>
+          </a:p>
+        </p:txBody>
+      </p:sp>
+      <p:sp>
+        <p:nvSpPr>
+          <p:cNvPr id="3" name="Content Placeholder 2">
+            <a:extLst>
+              <a:ext uri="{FF2B5EF4-FFF2-40B4-BE49-F238E27FC236}">
+                <a16:creationId xmlns:a16="http://schemas.microsoft.com/office/drawing/2014/main" id="{41D23AFD-15F1-4F9A-A006-C0334E15B5E3}"/>
+              </a:ext>
+            </a:extLst>
+          </p:cNvPr>
+          <p:cNvSpPr>
+            <a:spLocks noGrp="1"/>
+          </p:cNvSpPr>
+          <p:nvPr>
+            <p:ph idx="1"/>
+          </p:nvPr>
+        </p:nvSpPr>
+        <p:spPr/>
+        <p:txBody>
+          <a:bodyPr>
+            <a:normAutofit lnSpcReduction="10000"/>
+          </a:bodyPr>
+          <a:lstStyle/>
+          <a:p>
+            <a:r>
+              <a:rPr lang="en-US" dirty="0"/>
+              <a:t>Add data from Nuuchahnulth (and other languages)</a:t>
+            </a:r>
+          </a:p>
+          <a:p>
+            <a:endParaRPr lang="en-US" dirty="0"/>
+          </a:p>
+          <a:p>
+            <a:r>
+              <a:rPr lang="en-US" dirty="0"/>
+              <a:t>Annotate more than 100 words per language</a:t>
+            </a:r>
+          </a:p>
+          <a:p>
+            <a:endParaRPr lang="en-US" dirty="0"/>
+          </a:p>
+          <a:p>
+            <a:r>
+              <a:rPr lang="en-US" dirty="0"/>
+              <a:t>Code data for semantic domain, especially body part terms</a:t>
+            </a:r>
+          </a:p>
+          <a:p>
+            <a:endParaRPr lang="en-US" dirty="0"/>
+          </a:p>
+          <a:p>
+            <a:r>
+              <a:rPr lang="en-US" dirty="0"/>
+              <a:t>Investigate historical development of flexible uses</a:t>
+            </a:r>
+          </a:p>
+          <a:p>
+            <a:endParaRPr lang="en-US" dirty="0"/>
+          </a:p>
+          <a:p>
+            <a:r>
+              <a:rPr lang="en-US" dirty="0"/>
+              <a:t>Investigate correlations between frequency and flexibility</a:t>
+            </a:r>
+          </a:p>
+        </p:txBody>
+      </p:sp>
+    </p:spTree>
+    <p:extLst>
+      <p:ext uri="{BB962C8B-B14F-4D97-AF65-F5344CB8AC3E}">
+        <p14:creationId xmlns:p14="http://schemas.microsoft.com/office/powerpoint/2010/main" val="2400851344"/>
+      </p:ext>
+    </p:extLst>
+  </p:cSld>
+  <p:clrMapOvr>
+    <a:masterClrMapping/>
+  </p:clrMapOvr>
+</p:sld>
+</file>
+
+<file path=ppt/slides/slide58.xml><?xml version="1.0" encoding="utf-8"?>
+<p:sld xmlns:a="http://schemas.openxmlformats.org/drawingml/2006/main" xmlns:r="http://schemas.openxmlformats.org/officeDocument/2006/relationships" xmlns:p="http://schemas.openxmlformats.org/presentationml/2006/main">
+  <p:cSld>
+    <p:spTree>
+      <p:nvGrpSpPr>
+        <p:cNvPr id="1" name=""/>
+        <p:cNvGrpSpPr/>
+        <p:nvPr/>
+      </p:nvGrpSpPr>
+      <p:grpSpPr>
+        <a:xfrm>
+          <a:off x="0" y="0"/>
+          <a:ext cx="0" cy="0"/>
+          <a:chOff x="0" y="0"/>
+          <a:chExt cx="0" cy="0"/>
+        </a:xfrm>
+      </p:grpSpPr>
+      <p:sp>
+        <p:nvSpPr>
+          <p:cNvPr id="4" name="Title 3">
+            <a:extLst>
+              <a:ext uri="{FF2B5EF4-FFF2-40B4-BE49-F238E27FC236}">
+                <a16:creationId xmlns:a16="http://schemas.microsoft.com/office/drawing/2014/main" id="{8D978FAD-D7FA-48A0-BE9D-42E98FF168BA}"/>
+              </a:ext>
+            </a:extLst>
+          </p:cNvPr>
+          <p:cNvSpPr>
+            <a:spLocks noGrp="1"/>
+          </p:cNvSpPr>
+          <p:nvPr>
+            <p:ph type="title"/>
+          </p:nvPr>
+        </p:nvSpPr>
+        <p:spPr/>
+        <p:txBody>
+          <a:bodyPr/>
+          <a:lstStyle/>
+          <a:p>
+            <a:r>
+              <a:rPr lang="en-US" dirty="0"/>
+              <a:t>Thanks!</a:t>
+            </a:r>
+          </a:p>
+        </p:txBody>
+      </p:sp>
+    </p:spTree>
+    <p:extLst>
+      <p:ext uri="{BB962C8B-B14F-4D97-AF65-F5344CB8AC3E}">
+        <p14:creationId xmlns:p14="http://schemas.microsoft.com/office/powerpoint/2010/main" val="1858716750"/>
+      </p:ext>
+    </p:extLst>
+  </p:cSld>
+  <p:clrMapOvr>
+    <a:masterClrMapping/>
+  </p:clrMapOvr>
+</p:sld>
+</file>
+
+<file path=ppt/slides/slide59.xml><?xml version="1.0" encoding="utf-8"?>
 <p:sld xmlns:a="http://schemas.openxmlformats.org/drawingml/2006/main" xmlns:r="http://schemas.openxmlformats.org/officeDocument/2006/relationships" xmlns:p="http://schemas.openxmlformats.org/presentationml/2006/main">
   <p:cSld>
     <p:spTree>
